--- a/Heart Disease Prediction.pptx
+++ b/Heart Disease Prediction.pptx
@@ -2,16 +2,17 @@
 <file path=ppt/presentation.xml><?xml version="1.0" encoding="utf-8"?>
 <p:presentation xmlns:a="http://schemas.openxmlformats.org/drawingml/2006/main" xmlns:r="http://schemas.openxmlformats.org/officeDocument/2006/relationships" xmlns:p="http://schemas.openxmlformats.org/presentationml/2006/main" saveSubsetFonts="1">
   <p:sldMasterIdLst>
-    <p:sldMasterId id="2147483677" r:id="rId1"/>
+    <p:sldMasterId id="2147483690" r:id="rId1"/>
   </p:sldMasterIdLst>
   <p:notesMasterIdLst>
-    <p:notesMasterId r:id="rId6"/>
+    <p:notesMasterId r:id="rId7"/>
   </p:notesMasterIdLst>
   <p:sldIdLst>
     <p:sldId id="256" r:id="rId2"/>
     <p:sldId id="257" r:id="rId3"/>
     <p:sldId id="258" r:id="rId4"/>
     <p:sldId id="259" r:id="rId5"/>
+    <p:sldId id="260" r:id="rId6"/>
   </p:sldIdLst>
   <p:sldSz cx="12192000" cy="6858000"/>
   <p:notesSz cx="6858000" cy="9144000"/>
@@ -894,6 +895,13 @@
         </dgm:presLayoutVars>
       </dgm:prSet>
       <dgm:spPr/>
+      <dgm:t>
+        <a:bodyPr/>
+        <a:lstStyle/>
+        <a:p>
+          <a:endParaRPr lang="en-GB"/>
+        </a:p>
+      </dgm:t>
     </dgm:pt>
   </dgm:ptLst>
   <dgm:cxnLst>
@@ -3221,7 +3229,7 @@
           <a:p>
             <a:fld id="{3DB7B210-8A61-4DF4-9165-2B9AEB2DEA2A}" type="datetimeFigureOut">
               <a:rPr lang="en-GB" smtClean="0"/>
-              <a:t>12/03/2021</a:t>
+              <a:t>13/03/2021</a:t>
             </a:fld>
             <a:endParaRPr lang="en-GB"/>
           </a:p>
@@ -3742,7 +3750,7 @@
 </file>
 
 <file path=ppt/slideLayouts/slideLayout1.xml><?xml version="1.0" encoding="utf-8"?>
-<p:sldLayout xmlns:a="http://schemas.openxmlformats.org/drawingml/2006/main" xmlns:r="http://schemas.openxmlformats.org/officeDocument/2006/relationships" xmlns:p="http://schemas.openxmlformats.org/presentationml/2006/main" type="title" preserve="1">
+<p:sldLayout xmlns:a="http://schemas.openxmlformats.org/drawingml/2006/main" xmlns:r="http://schemas.openxmlformats.org/officeDocument/2006/relationships" xmlns:p="http://schemas.openxmlformats.org/presentationml/2006/main" showMasterSp="0" type="title" preserve="1">
   <p:cSld name="Title Slide">
     <p:spTree>
       <p:nvGrpSpPr>
@@ -3760,6 +3768,82 @@
       </p:grpSpPr>
       <p:sp>
         <p:nvSpPr>
+          <p:cNvPr id="7" name="Rectangle 6"/>
+          <p:cNvSpPr/>
+          <p:nvPr/>
+        </p:nvSpPr>
+        <p:spPr>
+          <a:xfrm>
+            <a:off x="3175" y="6400800"/>
+            <a:ext cx="12188825" cy="457200"/>
+          </a:xfrm>
+          <a:prstGeom prst="rect">
+            <a:avLst/>
+          </a:prstGeom>
+          <a:solidFill>
+            <a:schemeClr val="accent2"/>
+          </a:solidFill>
+          <a:ln>
+            <a:noFill/>
+          </a:ln>
+        </p:spPr>
+        <p:style>
+          <a:lnRef idx="2">
+            <a:schemeClr val="accent1">
+              <a:shade val="50000"/>
+            </a:schemeClr>
+          </a:lnRef>
+          <a:fillRef idx="1">
+            <a:schemeClr val="accent1"/>
+          </a:fillRef>
+          <a:effectRef idx="0">
+            <a:schemeClr val="accent1"/>
+          </a:effectRef>
+          <a:fontRef idx="minor">
+            <a:schemeClr val="lt1"/>
+          </a:fontRef>
+        </p:style>
+      </p:sp>
+      <p:sp>
+        <p:nvSpPr>
+          <p:cNvPr id="8" name="Rectangle 7"/>
+          <p:cNvSpPr/>
+          <p:nvPr/>
+        </p:nvSpPr>
+        <p:spPr>
+          <a:xfrm>
+            <a:off x="15" y="6334316"/>
+            <a:ext cx="12188825" cy="64008"/>
+          </a:xfrm>
+          <a:prstGeom prst="rect">
+            <a:avLst/>
+          </a:prstGeom>
+          <a:solidFill>
+            <a:schemeClr val="accent1"/>
+          </a:solidFill>
+          <a:ln>
+            <a:noFill/>
+          </a:ln>
+        </p:spPr>
+        <p:style>
+          <a:lnRef idx="2">
+            <a:schemeClr val="accent1">
+              <a:shade val="50000"/>
+            </a:schemeClr>
+          </a:lnRef>
+          <a:fillRef idx="1">
+            <a:schemeClr val="accent1"/>
+          </a:fillRef>
+          <a:effectRef idx="0">
+            <a:schemeClr val="accent1"/>
+          </a:effectRef>
+          <a:fontRef idx="minor">
+            <a:schemeClr val="lt1"/>
+          </a:fontRef>
+        </p:style>
+      </p:sp>
+      <p:sp>
+        <p:nvSpPr>
           <p:cNvPr id="2" name="Title 1"/>
           <p:cNvSpPr>
             <a:spLocks noGrp="1"/>
@@ -3770,15 +3854,27 @@
         </p:nvSpPr>
         <p:spPr>
           <a:xfrm>
-            <a:off x="1524000" y="1122363"/>
-            <a:ext cx="9144000" cy="2387600"/>
+            <a:off x="1097280" y="758952"/>
+            <a:ext cx="10058400" cy="3566160"/>
           </a:xfrm>
         </p:spPr>
         <p:txBody>
-          <a:bodyPr anchor="b"/>
+          <a:bodyPr anchor="b">
+            <a:normAutofit/>
+          </a:bodyPr>
           <a:lstStyle>
-            <a:lvl1pPr algn="ctr">
-              <a:defRPr sz="6000"/>
+            <a:lvl1pPr algn="l">
+              <a:lnSpc>
+                <a:spcPct val="85000"/>
+              </a:lnSpc>
+              <a:defRPr sz="8000" spc="-50" baseline="0">
+                <a:solidFill>
+                  <a:schemeClr val="tx1">
+                    <a:lumMod val="85000"/>
+                    <a:lumOff val="15000"/>
+                  </a:schemeClr>
+                </a:solidFill>
+              </a:defRPr>
             </a:lvl1pPr>
           </a:lstStyle>
           <a:p>
@@ -3786,7 +3882,7 @@
               <a:rPr lang="en-US" smtClean="0"/>
               <a:t>Click to edit Master title style</a:t>
             </a:r>
-            <a:endParaRPr lang="en-GB"/>
+            <a:endParaRPr lang="en-US" dirty="0"/>
           </a:p>
         </p:txBody>
       </p:sp>
@@ -3802,48 +3898,55 @@
         </p:nvSpPr>
         <p:spPr>
           <a:xfrm>
-            <a:off x="1524000" y="3602038"/>
-            <a:ext cx="9144000" cy="1655762"/>
+            <a:off x="1100051" y="4455620"/>
+            <a:ext cx="10058400" cy="1143000"/>
           </a:xfrm>
         </p:spPr>
         <p:txBody>
-          <a:bodyPr/>
+          <a:bodyPr lIns="91440" rIns="91440">
+            <a:normAutofit/>
+          </a:bodyPr>
           <a:lstStyle>
-            <a:lvl1pPr marL="0" indent="0" algn="ctr">
+            <a:lvl1pPr marL="0" indent="0" algn="l">
               <a:buNone/>
-              <a:defRPr sz="2400"/>
+              <a:defRPr sz="2400" cap="all" spc="200" baseline="0">
+                <a:solidFill>
+                  <a:schemeClr val="tx2"/>
+                </a:solidFill>
+                <a:latin typeface="+mj-lt"/>
+              </a:defRPr>
             </a:lvl1pPr>
             <a:lvl2pPr marL="457200" indent="0" algn="ctr">
               <a:buNone/>
-              <a:defRPr sz="2000"/>
+              <a:defRPr sz="2400"/>
             </a:lvl2pPr>
             <a:lvl3pPr marL="914400" indent="0" algn="ctr">
               <a:buNone/>
-              <a:defRPr sz="1800"/>
+              <a:defRPr sz="2400"/>
             </a:lvl3pPr>
             <a:lvl4pPr marL="1371600" indent="0" algn="ctr">
               <a:buNone/>
-              <a:defRPr sz="1600"/>
+              <a:defRPr sz="2000"/>
             </a:lvl4pPr>
             <a:lvl5pPr marL="1828800" indent="0" algn="ctr">
               <a:buNone/>
-              <a:defRPr sz="1600"/>
+              <a:defRPr sz="2000"/>
             </a:lvl5pPr>
             <a:lvl6pPr marL="2286000" indent="0" algn="ctr">
               <a:buNone/>
-              <a:defRPr sz="1600"/>
+              <a:defRPr sz="2000"/>
             </a:lvl6pPr>
             <a:lvl7pPr marL="2743200" indent="0" algn="ctr">
               <a:buNone/>
-              <a:defRPr sz="1600"/>
+              <a:defRPr sz="2000"/>
             </a:lvl7pPr>
             <a:lvl8pPr marL="3200400" indent="0" algn="ctr">
               <a:buNone/>
-              <a:defRPr sz="1600"/>
+              <a:defRPr sz="2000"/>
             </a:lvl8pPr>
             <a:lvl9pPr marL="3657600" indent="0" algn="ctr">
               <a:buNone/>
-              <a:defRPr sz="1600"/>
+              <a:defRPr sz="2000"/>
             </a:lvl9pPr>
           </a:lstStyle>
           <a:p>
@@ -3851,7 +3954,7 @@
               <a:rPr lang="en-US" smtClean="0"/>
               <a:t>Click to edit Master subtitle style</a:t>
             </a:r>
-            <a:endParaRPr lang="en-GB"/>
+            <a:endParaRPr lang="en-US" dirty="0"/>
           </a:p>
         </p:txBody>
       </p:sp>
@@ -3872,7 +3975,7 @@
           <a:p>
             <a:fld id="{DB015147-83F3-45C6-9E05-437E8040FCD2}" type="datetimeFigureOut">
               <a:rPr lang="en-GB" smtClean="0"/>
-              <a:t>12/03/2021</a:t>
+              <a:t>13/03/2021</a:t>
             </a:fld>
             <a:endParaRPr lang="en-GB"/>
           </a:p>
@@ -3920,10 +4023,48 @@
           </a:p>
         </p:txBody>
       </p:sp>
+      <p:cxnSp>
+        <p:nvCxnSpPr>
+          <p:cNvPr id="9" name="Straight Connector 8"/>
+          <p:cNvCxnSpPr/>
+          <p:nvPr/>
+        </p:nvCxnSpPr>
+        <p:spPr>
+          <a:xfrm>
+            <a:off x="1207658" y="4343400"/>
+            <a:ext cx="9875520" cy="0"/>
+          </a:xfrm>
+          <a:prstGeom prst="line">
+            <a:avLst/>
+          </a:prstGeom>
+          <a:ln w="6350">
+            <a:solidFill>
+              <a:schemeClr val="tx1">
+                <a:lumMod val="50000"/>
+                <a:lumOff val="50000"/>
+              </a:schemeClr>
+            </a:solidFill>
+          </a:ln>
+        </p:spPr>
+        <p:style>
+          <a:lnRef idx="1">
+            <a:schemeClr val="accent1"/>
+          </a:lnRef>
+          <a:fillRef idx="0">
+            <a:schemeClr val="accent1"/>
+          </a:fillRef>
+          <a:effectRef idx="0">
+            <a:schemeClr val="accent1"/>
+          </a:effectRef>
+          <a:fontRef idx="minor">
+            <a:schemeClr val="tx1"/>
+          </a:fontRef>
+        </p:style>
+      </p:cxnSp>
     </p:spTree>
     <p:extLst>
       <p:ext uri="{BB962C8B-B14F-4D97-AF65-F5344CB8AC3E}">
-        <p14:creationId xmlns:p14="http://schemas.microsoft.com/office/powerpoint/2010/main" val="2172403806"/>
+        <p14:creationId xmlns:p14="http://schemas.microsoft.com/office/powerpoint/2010/main" val="821539446"/>
       </p:ext>
     </p:extLst>
   </p:cSld>
@@ -3934,7 +4075,2386 @@
 </file>
 
 <file path=ppt/slideLayouts/slideLayout10.xml><?xml version="1.0" encoding="utf-8"?>
-<p:sldLayout xmlns:a="http://schemas.openxmlformats.org/drawingml/2006/main" xmlns:r="http://schemas.openxmlformats.org/officeDocument/2006/relationships" xmlns:p="http://schemas.openxmlformats.org/presentationml/2006/main" type="picTx" preserve="1">
+<p:sldLayout xmlns:a="http://schemas.openxmlformats.org/drawingml/2006/main" xmlns:r="http://schemas.openxmlformats.org/officeDocument/2006/relationships" xmlns:p="http://schemas.openxmlformats.org/presentationml/2006/main" type="vertTx" preserve="1">
+  <p:cSld name="Title and Vertical Text">
+    <p:spTree>
+      <p:nvGrpSpPr>
+        <p:cNvPr id="1" name=""/>
+        <p:cNvGrpSpPr/>
+        <p:nvPr/>
+      </p:nvGrpSpPr>
+      <p:grpSpPr>
+        <a:xfrm>
+          <a:off x="0" y="0"/>
+          <a:ext cx="0" cy="0"/>
+          <a:chOff x="0" y="0"/>
+          <a:chExt cx="0" cy="0"/>
+        </a:xfrm>
+      </p:grpSpPr>
+      <p:sp>
+        <p:nvSpPr>
+          <p:cNvPr id="2" name="Title 1"/>
+          <p:cNvSpPr>
+            <a:spLocks noGrp="1"/>
+          </p:cNvSpPr>
+          <p:nvPr>
+            <p:ph type="title"/>
+          </p:nvPr>
+        </p:nvSpPr>
+        <p:spPr/>
+        <p:txBody>
+          <a:bodyPr/>
+          <a:lstStyle/>
+          <a:p>
+            <a:r>
+              <a:rPr lang="en-US" smtClean="0"/>
+              <a:t>Click to edit Master title style</a:t>
+            </a:r>
+            <a:endParaRPr lang="en-US" dirty="0"/>
+          </a:p>
+        </p:txBody>
+      </p:sp>
+      <p:sp>
+        <p:nvSpPr>
+          <p:cNvPr id="3" name="Vertical Text Placeholder 2"/>
+          <p:cNvSpPr>
+            <a:spLocks noGrp="1"/>
+          </p:cNvSpPr>
+          <p:nvPr>
+            <p:ph type="body" orient="vert" idx="1"/>
+          </p:nvPr>
+        </p:nvSpPr>
+        <p:spPr/>
+        <p:txBody>
+          <a:bodyPr vert="eaVert" lIns="45720" tIns="0" rIns="45720" bIns="0"/>
+          <a:lstStyle/>
+          <a:p>
+            <a:pPr lvl="0"/>
+            <a:r>
+              <a:rPr lang="en-US" smtClean="0"/>
+              <a:t>Click to edit Master text styles</a:t>
+            </a:r>
+          </a:p>
+          <a:p>
+            <a:pPr lvl="1"/>
+            <a:r>
+              <a:rPr lang="en-US" smtClean="0"/>
+              <a:t>Second level</a:t>
+            </a:r>
+          </a:p>
+          <a:p>
+            <a:pPr lvl="2"/>
+            <a:r>
+              <a:rPr lang="en-US" smtClean="0"/>
+              <a:t>Third level</a:t>
+            </a:r>
+          </a:p>
+          <a:p>
+            <a:pPr lvl="3"/>
+            <a:r>
+              <a:rPr lang="en-US" smtClean="0"/>
+              <a:t>Fourth level</a:t>
+            </a:r>
+          </a:p>
+          <a:p>
+            <a:pPr lvl="4"/>
+            <a:r>
+              <a:rPr lang="en-US" smtClean="0"/>
+              <a:t>Fifth level</a:t>
+            </a:r>
+            <a:endParaRPr lang="en-US" dirty="0"/>
+          </a:p>
+        </p:txBody>
+      </p:sp>
+      <p:sp>
+        <p:nvSpPr>
+          <p:cNvPr id="4" name="Date Placeholder 3"/>
+          <p:cNvSpPr>
+            <a:spLocks noGrp="1"/>
+          </p:cNvSpPr>
+          <p:nvPr>
+            <p:ph type="dt" sz="half" idx="10"/>
+          </p:nvPr>
+        </p:nvSpPr>
+        <p:spPr/>
+        <p:txBody>
+          <a:bodyPr/>
+          <a:lstStyle/>
+          <a:p>
+            <a:fld id="{DB015147-83F3-45C6-9E05-437E8040FCD2}" type="datetimeFigureOut">
+              <a:rPr lang="en-GB" smtClean="0"/>
+              <a:t>13/03/2021</a:t>
+            </a:fld>
+            <a:endParaRPr lang="en-GB"/>
+          </a:p>
+        </p:txBody>
+      </p:sp>
+      <p:sp>
+        <p:nvSpPr>
+          <p:cNvPr id="5" name="Footer Placeholder 4"/>
+          <p:cNvSpPr>
+            <a:spLocks noGrp="1"/>
+          </p:cNvSpPr>
+          <p:nvPr>
+            <p:ph type="ftr" sz="quarter" idx="11"/>
+          </p:nvPr>
+        </p:nvSpPr>
+        <p:spPr/>
+        <p:txBody>
+          <a:bodyPr/>
+          <a:lstStyle/>
+          <a:p>
+            <a:endParaRPr lang="en-GB"/>
+          </a:p>
+        </p:txBody>
+      </p:sp>
+      <p:sp>
+        <p:nvSpPr>
+          <p:cNvPr id="6" name="Slide Number Placeholder 5"/>
+          <p:cNvSpPr>
+            <a:spLocks noGrp="1"/>
+          </p:cNvSpPr>
+          <p:nvPr>
+            <p:ph type="sldNum" sz="quarter" idx="12"/>
+          </p:nvPr>
+        </p:nvSpPr>
+        <p:spPr/>
+        <p:txBody>
+          <a:bodyPr/>
+          <a:lstStyle/>
+          <a:p>
+            <a:fld id="{DAF25575-6C16-43B6-8085-61DA8CEBF1F4}" type="slidenum">
+              <a:rPr lang="en-GB" smtClean="0"/>
+              <a:t>‹#›</a:t>
+            </a:fld>
+            <a:endParaRPr lang="en-GB"/>
+          </a:p>
+        </p:txBody>
+      </p:sp>
+    </p:spTree>
+    <p:extLst>
+      <p:ext uri="{BB962C8B-B14F-4D97-AF65-F5344CB8AC3E}">
+        <p14:creationId xmlns:p14="http://schemas.microsoft.com/office/powerpoint/2010/main" val="2158008126"/>
+      </p:ext>
+    </p:extLst>
+  </p:cSld>
+  <p:clrMapOvr>
+    <a:masterClrMapping/>
+  </p:clrMapOvr>
+</p:sldLayout>
+</file>
+
+<file path=ppt/slideLayouts/slideLayout11.xml><?xml version="1.0" encoding="utf-8"?>
+<p:sldLayout xmlns:a="http://schemas.openxmlformats.org/drawingml/2006/main" xmlns:r="http://schemas.openxmlformats.org/officeDocument/2006/relationships" xmlns:p="http://schemas.openxmlformats.org/presentationml/2006/main" showMasterSp="0" type="vertTitleAndTx" preserve="1">
+  <p:cSld name="Vertical Title and Text">
+    <p:spTree>
+      <p:nvGrpSpPr>
+        <p:cNvPr id="1" name=""/>
+        <p:cNvGrpSpPr/>
+        <p:nvPr/>
+      </p:nvGrpSpPr>
+      <p:grpSpPr>
+        <a:xfrm>
+          <a:off x="0" y="0"/>
+          <a:ext cx="0" cy="0"/>
+          <a:chOff x="0" y="0"/>
+          <a:chExt cx="0" cy="0"/>
+        </a:xfrm>
+      </p:grpSpPr>
+      <p:sp>
+        <p:nvSpPr>
+          <p:cNvPr id="7" name="Rectangle 6"/>
+          <p:cNvSpPr/>
+          <p:nvPr/>
+        </p:nvSpPr>
+        <p:spPr>
+          <a:xfrm>
+            <a:off x="3175" y="6400800"/>
+            <a:ext cx="12188825" cy="457200"/>
+          </a:xfrm>
+          <a:prstGeom prst="rect">
+            <a:avLst/>
+          </a:prstGeom>
+          <a:solidFill>
+            <a:schemeClr val="accent2"/>
+          </a:solidFill>
+          <a:ln>
+            <a:noFill/>
+          </a:ln>
+        </p:spPr>
+        <p:style>
+          <a:lnRef idx="2">
+            <a:schemeClr val="accent1">
+              <a:shade val="50000"/>
+            </a:schemeClr>
+          </a:lnRef>
+          <a:fillRef idx="1">
+            <a:schemeClr val="accent1"/>
+          </a:fillRef>
+          <a:effectRef idx="0">
+            <a:schemeClr val="accent1"/>
+          </a:effectRef>
+          <a:fontRef idx="minor">
+            <a:schemeClr val="lt1"/>
+          </a:fontRef>
+        </p:style>
+      </p:sp>
+      <p:sp>
+        <p:nvSpPr>
+          <p:cNvPr id="8" name="Rectangle 7"/>
+          <p:cNvSpPr/>
+          <p:nvPr/>
+        </p:nvSpPr>
+        <p:spPr>
+          <a:xfrm>
+            <a:off x="15" y="6334316"/>
+            <a:ext cx="12188825" cy="64008"/>
+          </a:xfrm>
+          <a:prstGeom prst="rect">
+            <a:avLst/>
+          </a:prstGeom>
+          <a:solidFill>
+            <a:schemeClr val="accent1"/>
+          </a:solidFill>
+          <a:ln>
+            <a:noFill/>
+          </a:ln>
+        </p:spPr>
+        <p:style>
+          <a:lnRef idx="2">
+            <a:schemeClr val="accent1">
+              <a:shade val="50000"/>
+            </a:schemeClr>
+          </a:lnRef>
+          <a:fillRef idx="1">
+            <a:schemeClr val="accent1"/>
+          </a:fillRef>
+          <a:effectRef idx="0">
+            <a:schemeClr val="accent1"/>
+          </a:effectRef>
+          <a:fontRef idx="minor">
+            <a:schemeClr val="lt1"/>
+          </a:fontRef>
+        </p:style>
+      </p:sp>
+      <p:sp>
+        <p:nvSpPr>
+          <p:cNvPr id="2" name="Vertical Title 1"/>
+          <p:cNvSpPr>
+            <a:spLocks noGrp="1"/>
+          </p:cNvSpPr>
+          <p:nvPr>
+            <p:ph type="title" orient="vert"/>
+          </p:nvPr>
+        </p:nvSpPr>
+        <p:spPr>
+          <a:xfrm>
+            <a:off x="8724900" y="414778"/>
+            <a:ext cx="2628900" cy="5757421"/>
+          </a:xfrm>
+        </p:spPr>
+        <p:txBody>
+          <a:bodyPr vert="eaVert"/>
+          <a:lstStyle/>
+          <a:p>
+            <a:r>
+              <a:rPr lang="en-US" smtClean="0"/>
+              <a:t>Click to edit Master title style</a:t>
+            </a:r>
+            <a:endParaRPr lang="en-US" dirty="0"/>
+          </a:p>
+        </p:txBody>
+      </p:sp>
+      <p:sp>
+        <p:nvSpPr>
+          <p:cNvPr id="3" name="Vertical Text Placeholder 2"/>
+          <p:cNvSpPr>
+            <a:spLocks noGrp="1"/>
+          </p:cNvSpPr>
+          <p:nvPr>
+            <p:ph type="body" orient="vert" idx="1"/>
+          </p:nvPr>
+        </p:nvSpPr>
+        <p:spPr>
+          <a:xfrm>
+            <a:off x="838200" y="414778"/>
+            <a:ext cx="7734300" cy="5757422"/>
+          </a:xfrm>
+        </p:spPr>
+        <p:txBody>
+          <a:bodyPr vert="eaVert" lIns="45720" tIns="0" rIns="45720" bIns="0"/>
+          <a:lstStyle/>
+          <a:p>
+            <a:pPr lvl="0"/>
+            <a:r>
+              <a:rPr lang="en-US" smtClean="0"/>
+              <a:t>Click to edit Master text styles</a:t>
+            </a:r>
+          </a:p>
+          <a:p>
+            <a:pPr lvl="1"/>
+            <a:r>
+              <a:rPr lang="en-US" smtClean="0"/>
+              <a:t>Second level</a:t>
+            </a:r>
+          </a:p>
+          <a:p>
+            <a:pPr lvl="2"/>
+            <a:r>
+              <a:rPr lang="en-US" smtClean="0"/>
+              <a:t>Third level</a:t>
+            </a:r>
+          </a:p>
+          <a:p>
+            <a:pPr lvl="3"/>
+            <a:r>
+              <a:rPr lang="en-US" smtClean="0"/>
+              <a:t>Fourth level</a:t>
+            </a:r>
+          </a:p>
+          <a:p>
+            <a:pPr lvl="4"/>
+            <a:r>
+              <a:rPr lang="en-US" smtClean="0"/>
+              <a:t>Fifth level</a:t>
+            </a:r>
+            <a:endParaRPr lang="en-US" dirty="0"/>
+          </a:p>
+        </p:txBody>
+      </p:sp>
+      <p:sp>
+        <p:nvSpPr>
+          <p:cNvPr id="4" name="Date Placeholder 3"/>
+          <p:cNvSpPr>
+            <a:spLocks noGrp="1"/>
+          </p:cNvSpPr>
+          <p:nvPr>
+            <p:ph type="dt" sz="half" idx="10"/>
+          </p:nvPr>
+        </p:nvSpPr>
+        <p:spPr/>
+        <p:txBody>
+          <a:bodyPr/>
+          <a:lstStyle/>
+          <a:p>
+            <a:fld id="{DB015147-83F3-45C6-9E05-437E8040FCD2}" type="datetimeFigureOut">
+              <a:rPr lang="en-GB" smtClean="0"/>
+              <a:t>13/03/2021</a:t>
+            </a:fld>
+            <a:endParaRPr lang="en-GB"/>
+          </a:p>
+        </p:txBody>
+      </p:sp>
+      <p:sp>
+        <p:nvSpPr>
+          <p:cNvPr id="5" name="Footer Placeholder 4"/>
+          <p:cNvSpPr>
+            <a:spLocks noGrp="1"/>
+          </p:cNvSpPr>
+          <p:nvPr>
+            <p:ph type="ftr" sz="quarter" idx="11"/>
+          </p:nvPr>
+        </p:nvSpPr>
+        <p:spPr/>
+        <p:txBody>
+          <a:bodyPr/>
+          <a:lstStyle/>
+          <a:p>
+            <a:endParaRPr lang="en-GB"/>
+          </a:p>
+        </p:txBody>
+      </p:sp>
+      <p:sp>
+        <p:nvSpPr>
+          <p:cNvPr id="6" name="Slide Number Placeholder 5"/>
+          <p:cNvSpPr>
+            <a:spLocks noGrp="1"/>
+          </p:cNvSpPr>
+          <p:nvPr>
+            <p:ph type="sldNum" sz="quarter" idx="12"/>
+          </p:nvPr>
+        </p:nvSpPr>
+        <p:spPr/>
+        <p:txBody>
+          <a:bodyPr/>
+          <a:lstStyle/>
+          <a:p>
+            <a:fld id="{DAF25575-6C16-43B6-8085-61DA8CEBF1F4}" type="slidenum">
+              <a:rPr lang="en-GB" smtClean="0"/>
+              <a:t>‹#›</a:t>
+            </a:fld>
+            <a:endParaRPr lang="en-GB"/>
+          </a:p>
+        </p:txBody>
+      </p:sp>
+    </p:spTree>
+    <p:extLst>
+      <p:ext uri="{BB962C8B-B14F-4D97-AF65-F5344CB8AC3E}">
+        <p14:creationId xmlns:p14="http://schemas.microsoft.com/office/powerpoint/2010/main" val="3148197851"/>
+      </p:ext>
+    </p:extLst>
+  </p:cSld>
+  <p:clrMapOvr>
+    <a:masterClrMapping/>
+  </p:clrMapOvr>
+</p:sldLayout>
+</file>
+
+<file path=ppt/slideLayouts/slideLayout12.xml><?xml version="1.0" encoding="utf-8"?>
+<p:sldLayout xmlns:a="http://schemas.openxmlformats.org/drawingml/2006/main" xmlns:r="http://schemas.openxmlformats.org/officeDocument/2006/relationships" xmlns:p="http://schemas.openxmlformats.org/presentationml/2006/main" preserve="1" userDrawn="1">
+  <p:cSld name="Custom Layout">
+    <p:spTree>
+      <p:nvGrpSpPr>
+        <p:cNvPr id="1" name=""/>
+        <p:cNvGrpSpPr/>
+        <p:nvPr/>
+      </p:nvGrpSpPr>
+      <p:grpSpPr>
+        <a:xfrm>
+          <a:off x="0" y="0"/>
+          <a:ext cx="0" cy="0"/>
+          <a:chOff x="0" y="0"/>
+          <a:chExt cx="0" cy="0"/>
+        </a:xfrm>
+      </p:grpSpPr>
+      <p:sp>
+        <p:nvSpPr>
+          <p:cNvPr id="2" name="Title 1"/>
+          <p:cNvSpPr>
+            <a:spLocks noGrp="1"/>
+          </p:cNvSpPr>
+          <p:nvPr>
+            <p:ph type="title"/>
+          </p:nvPr>
+        </p:nvSpPr>
+        <p:spPr/>
+        <p:txBody>
+          <a:bodyPr/>
+          <a:lstStyle/>
+          <a:p>
+            <a:r>
+              <a:rPr lang="en-US" smtClean="0"/>
+              <a:t>Click to edit Master title style</a:t>
+            </a:r>
+            <a:endParaRPr lang="en-GB"/>
+          </a:p>
+        </p:txBody>
+      </p:sp>
+      <p:sp>
+        <p:nvSpPr>
+          <p:cNvPr id="3" name="Date Placeholder 2"/>
+          <p:cNvSpPr>
+            <a:spLocks noGrp="1"/>
+          </p:cNvSpPr>
+          <p:nvPr>
+            <p:ph type="dt" sz="half" idx="10"/>
+          </p:nvPr>
+        </p:nvSpPr>
+        <p:spPr/>
+        <p:txBody>
+          <a:bodyPr/>
+          <a:lstStyle/>
+          <a:p>
+            <a:fld id="{DB015147-83F3-45C6-9E05-437E8040FCD2}" type="datetimeFigureOut">
+              <a:rPr lang="en-GB" smtClean="0"/>
+              <a:t>13/03/2021</a:t>
+            </a:fld>
+            <a:endParaRPr lang="en-GB"/>
+          </a:p>
+        </p:txBody>
+      </p:sp>
+      <p:sp>
+        <p:nvSpPr>
+          <p:cNvPr id="4" name="Footer Placeholder 3"/>
+          <p:cNvSpPr>
+            <a:spLocks noGrp="1"/>
+          </p:cNvSpPr>
+          <p:nvPr>
+            <p:ph type="ftr" sz="quarter" idx="11"/>
+          </p:nvPr>
+        </p:nvSpPr>
+        <p:spPr/>
+        <p:txBody>
+          <a:bodyPr/>
+          <a:lstStyle/>
+          <a:p>
+            <a:endParaRPr lang="en-GB"/>
+          </a:p>
+        </p:txBody>
+      </p:sp>
+      <p:sp>
+        <p:nvSpPr>
+          <p:cNvPr id="5" name="Slide Number Placeholder 4"/>
+          <p:cNvSpPr>
+            <a:spLocks noGrp="1"/>
+          </p:cNvSpPr>
+          <p:nvPr>
+            <p:ph type="sldNum" sz="quarter" idx="12"/>
+          </p:nvPr>
+        </p:nvSpPr>
+        <p:spPr/>
+        <p:txBody>
+          <a:bodyPr/>
+          <a:lstStyle/>
+          <a:p>
+            <a:fld id="{DAF25575-6C16-43B6-8085-61DA8CEBF1F4}" type="slidenum">
+              <a:rPr lang="en-GB" smtClean="0"/>
+              <a:t>‹#›</a:t>
+            </a:fld>
+            <a:endParaRPr lang="en-GB"/>
+          </a:p>
+        </p:txBody>
+      </p:sp>
+    </p:spTree>
+    <p:extLst>
+      <p:ext uri="{BB962C8B-B14F-4D97-AF65-F5344CB8AC3E}">
+        <p14:creationId xmlns:p14="http://schemas.microsoft.com/office/powerpoint/2010/main" val="328124189"/>
+      </p:ext>
+    </p:extLst>
+  </p:cSld>
+  <p:clrMapOvr>
+    <a:masterClrMapping/>
+  </p:clrMapOvr>
+</p:sldLayout>
+</file>
+
+<file path=ppt/slideLayouts/slideLayout2.xml><?xml version="1.0" encoding="utf-8"?>
+<p:sldLayout xmlns:a="http://schemas.openxmlformats.org/drawingml/2006/main" xmlns:r="http://schemas.openxmlformats.org/officeDocument/2006/relationships" xmlns:p="http://schemas.openxmlformats.org/presentationml/2006/main" type="obj" preserve="1">
+  <p:cSld name="Title and Content">
+    <p:spTree>
+      <p:nvGrpSpPr>
+        <p:cNvPr id="1" name=""/>
+        <p:cNvGrpSpPr/>
+        <p:nvPr/>
+      </p:nvGrpSpPr>
+      <p:grpSpPr>
+        <a:xfrm>
+          <a:off x="0" y="0"/>
+          <a:ext cx="0" cy="0"/>
+          <a:chOff x="0" y="0"/>
+          <a:chExt cx="0" cy="0"/>
+        </a:xfrm>
+      </p:grpSpPr>
+      <p:sp>
+        <p:nvSpPr>
+          <p:cNvPr id="2" name="Title 1"/>
+          <p:cNvSpPr>
+            <a:spLocks noGrp="1"/>
+          </p:cNvSpPr>
+          <p:nvPr>
+            <p:ph type="title"/>
+          </p:nvPr>
+        </p:nvSpPr>
+        <p:spPr/>
+        <p:txBody>
+          <a:bodyPr/>
+          <a:lstStyle>
+            <a:lvl1pPr marL="0">
+              <a:defRPr/>
+            </a:lvl1pPr>
+          </a:lstStyle>
+          <a:p>
+            <a:r>
+              <a:rPr lang="en-US" smtClean="0"/>
+              <a:t>Click to edit Master title style</a:t>
+            </a:r>
+            <a:endParaRPr lang="en-US" dirty="0"/>
+          </a:p>
+        </p:txBody>
+      </p:sp>
+      <p:sp>
+        <p:nvSpPr>
+          <p:cNvPr id="3" name="Content Placeholder 2"/>
+          <p:cNvSpPr>
+            <a:spLocks noGrp="1"/>
+          </p:cNvSpPr>
+          <p:nvPr>
+            <p:ph idx="1"/>
+          </p:nvPr>
+        </p:nvSpPr>
+        <p:spPr/>
+        <p:txBody>
+          <a:bodyPr/>
+          <a:lstStyle/>
+          <a:p>
+            <a:pPr lvl="0"/>
+            <a:r>
+              <a:rPr lang="en-US" smtClean="0"/>
+              <a:t>Click to edit Master text styles</a:t>
+            </a:r>
+          </a:p>
+          <a:p>
+            <a:pPr lvl="1"/>
+            <a:r>
+              <a:rPr lang="en-US" smtClean="0"/>
+              <a:t>Second level</a:t>
+            </a:r>
+          </a:p>
+          <a:p>
+            <a:pPr lvl="2"/>
+            <a:r>
+              <a:rPr lang="en-US" smtClean="0"/>
+              <a:t>Third level</a:t>
+            </a:r>
+          </a:p>
+          <a:p>
+            <a:pPr lvl="3"/>
+            <a:r>
+              <a:rPr lang="en-US" smtClean="0"/>
+              <a:t>Fourth level</a:t>
+            </a:r>
+          </a:p>
+          <a:p>
+            <a:pPr lvl="4"/>
+            <a:r>
+              <a:rPr lang="en-US" smtClean="0"/>
+              <a:t>Fifth level</a:t>
+            </a:r>
+            <a:endParaRPr lang="en-US" dirty="0"/>
+          </a:p>
+        </p:txBody>
+      </p:sp>
+      <p:sp>
+        <p:nvSpPr>
+          <p:cNvPr id="4" name="Date Placeholder 3"/>
+          <p:cNvSpPr>
+            <a:spLocks noGrp="1"/>
+          </p:cNvSpPr>
+          <p:nvPr>
+            <p:ph type="dt" sz="half" idx="10"/>
+          </p:nvPr>
+        </p:nvSpPr>
+        <p:spPr/>
+        <p:txBody>
+          <a:bodyPr/>
+          <a:lstStyle/>
+          <a:p>
+            <a:fld id="{DB015147-83F3-45C6-9E05-437E8040FCD2}" type="datetimeFigureOut">
+              <a:rPr lang="en-GB" smtClean="0"/>
+              <a:t>13/03/2021</a:t>
+            </a:fld>
+            <a:endParaRPr lang="en-GB"/>
+          </a:p>
+        </p:txBody>
+      </p:sp>
+      <p:sp>
+        <p:nvSpPr>
+          <p:cNvPr id="5" name="Footer Placeholder 4"/>
+          <p:cNvSpPr>
+            <a:spLocks noGrp="1"/>
+          </p:cNvSpPr>
+          <p:nvPr>
+            <p:ph type="ftr" sz="quarter" idx="11"/>
+          </p:nvPr>
+        </p:nvSpPr>
+        <p:spPr/>
+        <p:txBody>
+          <a:bodyPr/>
+          <a:lstStyle/>
+          <a:p>
+            <a:endParaRPr lang="en-GB"/>
+          </a:p>
+        </p:txBody>
+      </p:sp>
+      <p:sp>
+        <p:nvSpPr>
+          <p:cNvPr id="6" name="Slide Number Placeholder 5"/>
+          <p:cNvSpPr>
+            <a:spLocks noGrp="1"/>
+          </p:cNvSpPr>
+          <p:nvPr>
+            <p:ph type="sldNum" sz="quarter" idx="12"/>
+          </p:nvPr>
+        </p:nvSpPr>
+        <p:spPr/>
+        <p:txBody>
+          <a:bodyPr/>
+          <a:lstStyle/>
+          <a:p>
+            <a:fld id="{DAF25575-6C16-43B6-8085-61DA8CEBF1F4}" type="slidenum">
+              <a:rPr lang="en-GB" smtClean="0"/>
+              <a:t>‹#›</a:t>
+            </a:fld>
+            <a:endParaRPr lang="en-GB"/>
+          </a:p>
+        </p:txBody>
+      </p:sp>
+    </p:spTree>
+    <p:extLst>
+      <p:ext uri="{BB962C8B-B14F-4D97-AF65-F5344CB8AC3E}">
+        <p14:creationId xmlns:p14="http://schemas.microsoft.com/office/powerpoint/2010/main" val="2272894135"/>
+      </p:ext>
+    </p:extLst>
+  </p:cSld>
+  <p:clrMapOvr>
+    <a:masterClrMapping/>
+  </p:clrMapOvr>
+</p:sldLayout>
+</file>
+
+<file path=ppt/slideLayouts/slideLayout3.xml><?xml version="1.0" encoding="utf-8"?>
+<p:sldLayout xmlns:a="http://schemas.openxmlformats.org/drawingml/2006/main" xmlns:r="http://schemas.openxmlformats.org/officeDocument/2006/relationships" xmlns:p="http://schemas.openxmlformats.org/presentationml/2006/main" showMasterSp="0" type="secHead" preserve="1">
+  <p:cSld name="Section Header">
+    <p:bg>
+      <p:bgPr>
+        <a:solidFill>
+          <a:schemeClr val="bg1"/>
+        </a:solidFill>
+        <a:effectLst/>
+      </p:bgPr>
+    </p:bg>
+    <p:spTree>
+      <p:nvGrpSpPr>
+        <p:cNvPr id="1" name=""/>
+        <p:cNvGrpSpPr/>
+        <p:nvPr/>
+      </p:nvGrpSpPr>
+      <p:grpSpPr>
+        <a:xfrm>
+          <a:off x="0" y="0"/>
+          <a:ext cx="0" cy="0"/>
+          <a:chOff x="0" y="0"/>
+          <a:chExt cx="0" cy="0"/>
+        </a:xfrm>
+      </p:grpSpPr>
+      <p:sp>
+        <p:nvSpPr>
+          <p:cNvPr id="7" name="Rectangle 6"/>
+          <p:cNvSpPr/>
+          <p:nvPr/>
+        </p:nvSpPr>
+        <p:spPr>
+          <a:xfrm>
+            <a:off x="3175" y="6400800"/>
+            <a:ext cx="12188825" cy="457200"/>
+          </a:xfrm>
+          <a:prstGeom prst="rect">
+            <a:avLst/>
+          </a:prstGeom>
+          <a:solidFill>
+            <a:schemeClr val="accent2"/>
+          </a:solidFill>
+          <a:ln>
+            <a:noFill/>
+          </a:ln>
+        </p:spPr>
+        <p:style>
+          <a:lnRef idx="2">
+            <a:schemeClr val="accent1">
+              <a:shade val="50000"/>
+            </a:schemeClr>
+          </a:lnRef>
+          <a:fillRef idx="1">
+            <a:schemeClr val="accent1"/>
+          </a:fillRef>
+          <a:effectRef idx="0">
+            <a:schemeClr val="accent1"/>
+          </a:effectRef>
+          <a:fontRef idx="minor">
+            <a:schemeClr val="lt1"/>
+          </a:fontRef>
+        </p:style>
+      </p:sp>
+      <p:sp>
+        <p:nvSpPr>
+          <p:cNvPr id="8" name="Rectangle 7"/>
+          <p:cNvSpPr/>
+          <p:nvPr/>
+        </p:nvSpPr>
+        <p:spPr>
+          <a:xfrm>
+            <a:off x="15" y="6334316"/>
+            <a:ext cx="12188825" cy="64008"/>
+          </a:xfrm>
+          <a:prstGeom prst="rect">
+            <a:avLst/>
+          </a:prstGeom>
+          <a:solidFill>
+            <a:schemeClr val="accent1"/>
+          </a:solidFill>
+          <a:ln>
+            <a:noFill/>
+          </a:ln>
+        </p:spPr>
+        <p:style>
+          <a:lnRef idx="2">
+            <a:schemeClr val="accent1">
+              <a:shade val="50000"/>
+            </a:schemeClr>
+          </a:lnRef>
+          <a:fillRef idx="1">
+            <a:schemeClr val="accent1"/>
+          </a:fillRef>
+          <a:effectRef idx="0">
+            <a:schemeClr val="accent1"/>
+          </a:effectRef>
+          <a:fontRef idx="minor">
+            <a:schemeClr val="lt1"/>
+          </a:fontRef>
+        </p:style>
+      </p:sp>
+      <p:sp>
+        <p:nvSpPr>
+          <p:cNvPr id="2" name="Title 1"/>
+          <p:cNvSpPr>
+            <a:spLocks noGrp="1"/>
+          </p:cNvSpPr>
+          <p:nvPr>
+            <p:ph type="title"/>
+          </p:nvPr>
+        </p:nvSpPr>
+        <p:spPr>
+          <a:xfrm>
+            <a:off x="1097280" y="758952"/>
+            <a:ext cx="10058400" cy="3566160"/>
+          </a:xfrm>
+        </p:spPr>
+        <p:txBody>
+          <a:bodyPr anchor="b" anchorCtr="0">
+            <a:normAutofit/>
+          </a:bodyPr>
+          <a:lstStyle>
+            <a:lvl1pPr>
+              <a:lnSpc>
+                <a:spcPct val="85000"/>
+              </a:lnSpc>
+              <a:defRPr sz="8000" b="0">
+                <a:solidFill>
+                  <a:schemeClr val="tx1">
+                    <a:lumMod val="85000"/>
+                    <a:lumOff val="15000"/>
+                  </a:schemeClr>
+                </a:solidFill>
+              </a:defRPr>
+            </a:lvl1pPr>
+          </a:lstStyle>
+          <a:p>
+            <a:r>
+              <a:rPr lang="en-US" smtClean="0"/>
+              <a:t>Click to edit Master title style</a:t>
+            </a:r>
+            <a:endParaRPr lang="en-US" dirty="0"/>
+          </a:p>
+        </p:txBody>
+      </p:sp>
+      <p:sp>
+        <p:nvSpPr>
+          <p:cNvPr id="3" name="Text Placeholder 2"/>
+          <p:cNvSpPr>
+            <a:spLocks noGrp="1"/>
+          </p:cNvSpPr>
+          <p:nvPr>
+            <p:ph type="body" idx="1"/>
+          </p:nvPr>
+        </p:nvSpPr>
+        <p:spPr>
+          <a:xfrm>
+            <a:off x="1097280" y="4453128"/>
+            <a:ext cx="10058400" cy="1143000"/>
+          </a:xfrm>
+        </p:spPr>
+        <p:txBody>
+          <a:bodyPr lIns="91440" rIns="91440" anchor="t" anchorCtr="0">
+            <a:normAutofit/>
+          </a:bodyPr>
+          <a:lstStyle>
+            <a:lvl1pPr marL="0" indent="0">
+              <a:buNone/>
+              <a:defRPr sz="2400" cap="all" spc="200" baseline="0">
+                <a:solidFill>
+                  <a:schemeClr val="tx2"/>
+                </a:solidFill>
+                <a:latin typeface="+mj-lt"/>
+              </a:defRPr>
+            </a:lvl1pPr>
+            <a:lvl2pPr marL="457200" indent="0">
+              <a:buNone/>
+              <a:defRPr sz="1800">
+                <a:solidFill>
+                  <a:schemeClr val="tx1">
+                    <a:tint val="75000"/>
+                  </a:schemeClr>
+                </a:solidFill>
+              </a:defRPr>
+            </a:lvl2pPr>
+            <a:lvl3pPr marL="914400" indent="0">
+              <a:buNone/>
+              <a:defRPr sz="1600">
+                <a:solidFill>
+                  <a:schemeClr val="tx1">
+                    <a:tint val="75000"/>
+                  </a:schemeClr>
+                </a:solidFill>
+              </a:defRPr>
+            </a:lvl3pPr>
+            <a:lvl4pPr marL="1371600" indent="0">
+              <a:buNone/>
+              <a:defRPr sz="1400">
+                <a:solidFill>
+                  <a:schemeClr val="tx1">
+                    <a:tint val="75000"/>
+                  </a:schemeClr>
+                </a:solidFill>
+              </a:defRPr>
+            </a:lvl4pPr>
+            <a:lvl5pPr marL="1828800" indent="0">
+              <a:buNone/>
+              <a:defRPr sz="1400">
+                <a:solidFill>
+                  <a:schemeClr val="tx1">
+                    <a:tint val="75000"/>
+                  </a:schemeClr>
+                </a:solidFill>
+              </a:defRPr>
+            </a:lvl5pPr>
+            <a:lvl6pPr marL="2286000" indent="0">
+              <a:buNone/>
+              <a:defRPr sz="1400">
+                <a:solidFill>
+                  <a:schemeClr val="tx1">
+                    <a:tint val="75000"/>
+                  </a:schemeClr>
+                </a:solidFill>
+              </a:defRPr>
+            </a:lvl6pPr>
+            <a:lvl7pPr marL="2743200" indent="0">
+              <a:buNone/>
+              <a:defRPr sz="1400">
+                <a:solidFill>
+                  <a:schemeClr val="tx1">
+                    <a:tint val="75000"/>
+                  </a:schemeClr>
+                </a:solidFill>
+              </a:defRPr>
+            </a:lvl7pPr>
+            <a:lvl8pPr marL="3200400" indent="0">
+              <a:buNone/>
+              <a:defRPr sz="1400">
+                <a:solidFill>
+                  <a:schemeClr val="tx1">
+                    <a:tint val="75000"/>
+                  </a:schemeClr>
+                </a:solidFill>
+              </a:defRPr>
+            </a:lvl8pPr>
+            <a:lvl9pPr marL="3657600" indent="0">
+              <a:buNone/>
+              <a:defRPr sz="1400">
+                <a:solidFill>
+                  <a:schemeClr val="tx1">
+                    <a:tint val="75000"/>
+                  </a:schemeClr>
+                </a:solidFill>
+              </a:defRPr>
+            </a:lvl9pPr>
+          </a:lstStyle>
+          <a:p>
+            <a:pPr lvl="0"/>
+            <a:r>
+              <a:rPr lang="en-US" smtClean="0"/>
+              <a:t>Click to edit Master text styles</a:t>
+            </a:r>
+          </a:p>
+        </p:txBody>
+      </p:sp>
+      <p:sp>
+        <p:nvSpPr>
+          <p:cNvPr id="4" name="Date Placeholder 3"/>
+          <p:cNvSpPr>
+            <a:spLocks noGrp="1"/>
+          </p:cNvSpPr>
+          <p:nvPr>
+            <p:ph type="dt" sz="half" idx="10"/>
+          </p:nvPr>
+        </p:nvSpPr>
+        <p:spPr/>
+        <p:txBody>
+          <a:bodyPr/>
+          <a:lstStyle/>
+          <a:p>
+            <a:fld id="{DB015147-83F3-45C6-9E05-437E8040FCD2}" type="datetimeFigureOut">
+              <a:rPr lang="en-GB" smtClean="0"/>
+              <a:t>13/03/2021</a:t>
+            </a:fld>
+            <a:endParaRPr lang="en-GB"/>
+          </a:p>
+        </p:txBody>
+      </p:sp>
+      <p:sp>
+        <p:nvSpPr>
+          <p:cNvPr id="5" name="Footer Placeholder 4"/>
+          <p:cNvSpPr>
+            <a:spLocks noGrp="1"/>
+          </p:cNvSpPr>
+          <p:nvPr>
+            <p:ph type="ftr" sz="quarter" idx="11"/>
+          </p:nvPr>
+        </p:nvSpPr>
+        <p:spPr/>
+        <p:txBody>
+          <a:bodyPr/>
+          <a:lstStyle/>
+          <a:p>
+            <a:endParaRPr lang="en-GB"/>
+          </a:p>
+        </p:txBody>
+      </p:sp>
+      <p:sp>
+        <p:nvSpPr>
+          <p:cNvPr id="6" name="Slide Number Placeholder 5"/>
+          <p:cNvSpPr>
+            <a:spLocks noGrp="1"/>
+          </p:cNvSpPr>
+          <p:nvPr>
+            <p:ph type="sldNum" sz="quarter" idx="12"/>
+          </p:nvPr>
+        </p:nvSpPr>
+        <p:spPr/>
+        <p:txBody>
+          <a:bodyPr/>
+          <a:lstStyle/>
+          <a:p>
+            <a:fld id="{DAF25575-6C16-43B6-8085-61DA8CEBF1F4}" type="slidenum">
+              <a:rPr lang="en-GB" smtClean="0"/>
+              <a:t>‹#›</a:t>
+            </a:fld>
+            <a:endParaRPr lang="en-GB"/>
+          </a:p>
+        </p:txBody>
+      </p:sp>
+      <p:cxnSp>
+        <p:nvCxnSpPr>
+          <p:cNvPr id="9" name="Straight Connector 8"/>
+          <p:cNvCxnSpPr/>
+          <p:nvPr/>
+        </p:nvCxnSpPr>
+        <p:spPr>
+          <a:xfrm>
+            <a:off x="1207658" y="4343400"/>
+            <a:ext cx="9875520" cy="0"/>
+          </a:xfrm>
+          <a:prstGeom prst="line">
+            <a:avLst/>
+          </a:prstGeom>
+          <a:ln w="6350">
+            <a:solidFill>
+              <a:schemeClr val="tx1">
+                <a:lumMod val="50000"/>
+                <a:lumOff val="50000"/>
+              </a:schemeClr>
+            </a:solidFill>
+          </a:ln>
+        </p:spPr>
+        <p:style>
+          <a:lnRef idx="1">
+            <a:schemeClr val="accent1"/>
+          </a:lnRef>
+          <a:fillRef idx="0">
+            <a:schemeClr val="accent1"/>
+          </a:fillRef>
+          <a:effectRef idx="0">
+            <a:schemeClr val="accent1"/>
+          </a:effectRef>
+          <a:fontRef idx="minor">
+            <a:schemeClr val="tx1"/>
+          </a:fontRef>
+        </p:style>
+      </p:cxnSp>
+    </p:spTree>
+    <p:extLst>
+      <p:ext uri="{BB962C8B-B14F-4D97-AF65-F5344CB8AC3E}">
+        <p14:creationId xmlns:p14="http://schemas.microsoft.com/office/powerpoint/2010/main" val="2564852525"/>
+      </p:ext>
+    </p:extLst>
+  </p:cSld>
+  <p:clrMapOvr>
+    <a:masterClrMapping/>
+  </p:clrMapOvr>
+</p:sldLayout>
+</file>
+
+<file path=ppt/slideLayouts/slideLayout4.xml><?xml version="1.0" encoding="utf-8"?>
+<p:sldLayout xmlns:a="http://schemas.openxmlformats.org/drawingml/2006/main" xmlns:r="http://schemas.openxmlformats.org/officeDocument/2006/relationships" xmlns:p="http://schemas.openxmlformats.org/presentationml/2006/main" type="twoObj" preserve="1">
+  <p:cSld name="Two Content">
+    <p:spTree>
+      <p:nvGrpSpPr>
+        <p:cNvPr id="1" name=""/>
+        <p:cNvGrpSpPr/>
+        <p:nvPr/>
+      </p:nvGrpSpPr>
+      <p:grpSpPr>
+        <a:xfrm>
+          <a:off x="0" y="0"/>
+          <a:ext cx="0" cy="0"/>
+          <a:chOff x="0" y="0"/>
+          <a:chExt cx="0" cy="0"/>
+        </a:xfrm>
+      </p:grpSpPr>
+      <p:sp>
+        <p:nvSpPr>
+          <p:cNvPr id="8" name="Title 7"/>
+          <p:cNvSpPr>
+            <a:spLocks noGrp="1"/>
+          </p:cNvSpPr>
+          <p:nvPr>
+            <p:ph type="title"/>
+          </p:nvPr>
+        </p:nvSpPr>
+        <p:spPr>
+          <a:xfrm>
+            <a:off x="1097280" y="286603"/>
+            <a:ext cx="10058400" cy="1450757"/>
+          </a:xfrm>
+        </p:spPr>
+        <p:txBody>
+          <a:bodyPr/>
+          <a:lstStyle/>
+          <a:p>
+            <a:r>
+              <a:rPr lang="en-US" smtClean="0"/>
+              <a:t>Click to edit Master title style</a:t>
+            </a:r>
+            <a:endParaRPr lang="en-US" dirty="0"/>
+          </a:p>
+        </p:txBody>
+      </p:sp>
+      <p:sp>
+        <p:nvSpPr>
+          <p:cNvPr id="3" name="Content Placeholder 2"/>
+          <p:cNvSpPr>
+            <a:spLocks noGrp="1"/>
+          </p:cNvSpPr>
+          <p:nvPr>
+            <p:ph sz="half" idx="1"/>
+          </p:nvPr>
+        </p:nvSpPr>
+        <p:spPr>
+          <a:xfrm>
+            <a:off x="1097279" y="1845734"/>
+            <a:ext cx="4937760" cy="4023360"/>
+          </a:xfrm>
+        </p:spPr>
+        <p:txBody>
+          <a:bodyPr/>
+          <a:lstStyle/>
+          <a:p>
+            <a:pPr lvl="0"/>
+            <a:r>
+              <a:rPr lang="en-US" smtClean="0"/>
+              <a:t>Click to edit Master text styles</a:t>
+            </a:r>
+          </a:p>
+          <a:p>
+            <a:pPr lvl="1"/>
+            <a:r>
+              <a:rPr lang="en-US" smtClean="0"/>
+              <a:t>Second level</a:t>
+            </a:r>
+          </a:p>
+          <a:p>
+            <a:pPr lvl="2"/>
+            <a:r>
+              <a:rPr lang="en-US" smtClean="0"/>
+              <a:t>Third level</a:t>
+            </a:r>
+          </a:p>
+          <a:p>
+            <a:pPr lvl="3"/>
+            <a:r>
+              <a:rPr lang="en-US" smtClean="0"/>
+              <a:t>Fourth level</a:t>
+            </a:r>
+          </a:p>
+          <a:p>
+            <a:pPr lvl="4"/>
+            <a:r>
+              <a:rPr lang="en-US" smtClean="0"/>
+              <a:t>Fifth level</a:t>
+            </a:r>
+            <a:endParaRPr lang="en-US" dirty="0"/>
+          </a:p>
+        </p:txBody>
+      </p:sp>
+      <p:sp>
+        <p:nvSpPr>
+          <p:cNvPr id="4" name="Content Placeholder 3"/>
+          <p:cNvSpPr>
+            <a:spLocks noGrp="1"/>
+          </p:cNvSpPr>
+          <p:nvPr>
+            <p:ph sz="half" idx="2"/>
+          </p:nvPr>
+        </p:nvSpPr>
+        <p:spPr>
+          <a:xfrm>
+            <a:off x="6217920" y="1845735"/>
+            <a:ext cx="4937760" cy="4023360"/>
+          </a:xfrm>
+        </p:spPr>
+        <p:txBody>
+          <a:bodyPr/>
+          <a:lstStyle/>
+          <a:p>
+            <a:pPr lvl="0"/>
+            <a:r>
+              <a:rPr lang="en-US" smtClean="0"/>
+              <a:t>Click to edit Master text styles</a:t>
+            </a:r>
+          </a:p>
+          <a:p>
+            <a:pPr lvl="1"/>
+            <a:r>
+              <a:rPr lang="en-US" smtClean="0"/>
+              <a:t>Second level</a:t>
+            </a:r>
+          </a:p>
+          <a:p>
+            <a:pPr lvl="2"/>
+            <a:r>
+              <a:rPr lang="en-US" smtClean="0"/>
+              <a:t>Third level</a:t>
+            </a:r>
+          </a:p>
+          <a:p>
+            <a:pPr lvl="3"/>
+            <a:r>
+              <a:rPr lang="en-US" smtClean="0"/>
+              <a:t>Fourth level</a:t>
+            </a:r>
+          </a:p>
+          <a:p>
+            <a:pPr lvl="4"/>
+            <a:r>
+              <a:rPr lang="en-US" smtClean="0"/>
+              <a:t>Fifth level</a:t>
+            </a:r>
+            <a:endParaRPr lang="en-US" dirty="0"/>
+          </a:p>
+        </p:txBody>
+      </p:sp>
+      <p:sp>
+        <p:nvSpPr>
+          <p:cNvPr id="5" name="Date Placeholder 4"/>
+          <p:cNvSpPr>
+            <a:spLocks noGrp="1"/>
+          </p:cNvSpPr>
+          <p:nvPr>
+            <p:ph type="dt" sz="half" idx="10"/>
+          </p:nvPr>
+        </p:nvSpPr>
+        <p:spPr/>
+        <p:txBody>
+          <a:bodyPr/>
+          <a:lstStyle/>
+          <a:p>
+            <a:fld id="{DB015147-83F3-45C6-9E05-437E8040FCD2}" type="datetimeFigureOut">
+              <a:rPr lang="en-GB" smtClean="0"/>
+              <a:t>13/03/2021</a:t>
+            </a:fld>
+            <a:endParaRPr lang="en-GB"/>
+          </a:p>
+        </p:txBody>
+      </p:sp>
+      <p:sp>
+        <p:nvSpPr>
+          <p:cNvPr id="6" name="Footer Placeholder 5"/>
+          <p:cNvSpPr>
+            <a:spLocks noGrp="1"/>
+          </p:cNvSpPr>
+          <p:nvPr>
+            <p:ph type="ftr" sz="quarter" idx="11"/>
+          </p:nvPr>
+        </p:nvSpPr>
+        <p:spPr/>
+        <p:txBody>
+          <a:bodyPr/>
+          <a:lstStyle/>
+          <a:p>
+            <a:endParaRPr lang="en-GB"/>
+          </a:p>
+        </p:txBody>
+      </p:sp>
+      <p:sp>
+        <p:nvSpPr>
+          <p:cNvPr id="7" name="Slide Number Placeholder 6"/>
+          <p:cNvSpPr>
+            <a:spLocks noGrp="1"/>
+          </p:cNvSpPr>
+          <p:nvPr>
+            <p:ph type="sldNum" sz="quarter" idx="12"/>
+          </p:nvPr>
+        </p:nvSpPr>
+        <p:spPr/>
+        <p:txBody>
+          <a:bodyPr/>
+          <a:lstStyle/>
+          <a:p>
+            <a:fld id="{DAF25575-6C16-43B6-8085-61DA8CEBF1F4}" type="slidenum">
+              <a:rPr lang="en-GB" smtClean="0"/>
+              <a:t>‹#›</a:t>
+            </a:fld>
+            <a:endParaRPr lang="en-GB"/>
+          </a:p>
+        </p:txBody>
+      </p:sp>
+    </p:spTree>
+    <p:extLst>
+      <p:ext uri="{BB962C8B-B14F-4D97-AF65-F5344CB8AC3E}">
+        <p14:creationId xmlns:p14="http://schemas.microsoft.com/office/powerpoint/2010/main" val="1960633836"/>
+      </p:ext>
+    </p:extLst>
+  </p:cSld>
+  <p:clrMapOvr>
+    <a:masterClrMapping/>
+  </p:clrMapOvr>
+</p:sldLayout>
+</file>
+
+<file path=ppt/slideLayouts/slideLayout5.xml><?xml version="1.0" encoding="utf-8"?>
+<p:sldLayout xmlns:a="http://schemas.openxmlformats.org/drawingml/2006/main" xmlns:r="http://schemas.openxmlformats.org/officeDocument/2006/relationships" xmlns:p="http://schemas.openxmlformats.org/presentationml/2006/main" type="twoTxTwoObj" preserve="1">
+  <p:cSld name="Comparison">
+    <p:spTree>
+      <p:nvGrpSpPr>
+        <p:cNvPr id="1" name=""/>
+        <p:cNvGrpSpPr/>
+        <p:nvPr/>
+      </p:nvGrpSpPr>
+      <p:grpSpPr>
+        <a:xfrm>
+          <a:off x="0" y="0"/>
+          <a:ext cx="0" cy="0"/>
+          <a:chOff x="0" y="0"/>
+          <a:chExt cx="0" cy="0"/>
+        </a:xfrm>
+      </p:grpSpPr>
+      <p:sp>
+        <p:nvSpPr>
+          <p:cNvPr id="10" name="Title 9"/>
+          <p:cNvSpPr>
+            <a:spLocks noGrp="1"/>
+          </p:cNvSpPr>
+          <p:nvPr>
+            <p:ph type="title"/>
+          </p:nvPr>
+        </p:nvSpPr>
+        <p:spPr>
+          <a:xfrm>
+            <a:off x="1097280" y="286603"/>
+            <a:ext cx="10058400" cy="1450757"/>
+          </a:xfrm>
+        </p:spPr>
+        <p:txBody>
+          <a:bodyPr/>
+          <a:lstStyle/>
+          <a:p>
+            <a:r>
+              <a:rPr lang="en-US" smtClean="0"/>
+              <a:t>Click to edit Master title style</a:t>
+            </a:r>
+            <a:endParaRPr lang="en-US" dirty="0"/>
+          </a:p>
+        </p:txBody>
+      </p:sp>
+      <p:sp>
+        <p:nvSpPr>
+          <p:cNvPr id="3" name="Text Placeholder 2"/>
+          <p:cNvSpPr>
+            <a:spLocks noGrp="1"/>
+          </p:cNvSpPr>
+          <p:nvPr>
+            <p:ph type="body" idx="1"/>
+          </p:nvPr>
+        </p:nvSpPr>
+        <p:spPr>
+          <a:xfrm>
+            <a:off x="1097280" y="1846052"/>
+            <a:ext cx="4937760" cy="736282"/>
+          </a:xfrm>
+        </p:spPr>
+        <p:txBody>
+          <a:bodyPr lIns="91440" rIns="91440" anchor="ctr">
+            <a:normAutofit/>
+          </a:bodyPr>
+          <a:lstStyle>
+            <a:lvl1pPr marL="0" indent="0">
+              <a:buNone/>
+              <a:defRPr sz="2000" b="0" cap="all" baseline="0">
+                <a:solidFill>
+                  <a:schemeClr val="tx2"/>
+                </a:solidFill>
+              </a:defRPr>
+            </a:lvl1pPr>
+            <a:lvl2pPr marL="457200" indent="0">
+              <a:buNone/>
+              <a:defRPr sz="2000" b="1"/>
+            </a:lvl2pPr>
+            <a:lvl3pPr marL="914400" indent="0">
+              <a:buNone/>
+              <a:defRPr sz="1800" b="1"/>
+            </a:lvl3pPr>
+            <a:lvl4pPr marL="1371600" indent="0">
+              <a:buNone/>
+              <a:defRPr sz="1600" b="1"/>
+            </a:lvl4pPr>
+            <a:lvl5pPr marL="1828800" indent="0">
+              <a:buNone/>
+              <a:defRPr sz="1600" b="1"/>
+            </a:lvl5pPr>
+            <a:lvl6pPr marL="2286000" indent="0">
+              <a:buNone/>
+              <a:defRPr sz="1600" b="1"/>
+            </a:lvl6pPr>
+            <a:lvl7pPr marL="2743200" indent="0">
+              <a:buNone/>
+              <a:defRPr sz="1600" b="1"/>
+            </a:lvl7pPr>
+            <a:lvl8pPr marL="3200400" indent="0">
+              <a:buNone/>
+              <a:defRPr sz="1600" b="1"/>
+            </a:lvl8pPr>
+            <a:lvl9pPr marL="3657600" indent="0">
+              <a:buNone/>
+              <a:defRPr sz="1600" b="1"/>
+            </a:lvl9pPr>
+          </a:lstStyle>
+          <a:p>
+            <a:pPr lvl="0"/>
+            <a:r>
+              <a:rPr lang="en-US" smtClean="0"/>
+              <a:t>Click to edit Master text styles</a:t>
+            </a:r>
+          </a:p>
+        </p:txBody>
+      </p:sp>
+      <p:sp>
+        <p:nvSpPr>
+          <p:cNvPr id="4" name="Content Placeholder 3"/>
+          <p:cNvSpPr>
+            <a:spLocks noGrp="1"/>
+          </p:cNvSpPr>
+          <p:nvPr>
+            <p:ph sz="half" idx="2"/>
+          </p:nvPr>
+        </p:nvSpPr>
+        <p:spPr>
+          <a:xfrm>
+            <a:off x="1097280" y="2582334"/>
+            <a:ext cx="4937760" cy="3378200"/>
+          </a:xfrm>
+        </p:spPr>
+        <p:txBody>
+          <a:bodyPr/>
+          <a:lstStyle/>
+          <a:p>
+            <a:pPr lvl="0"/>
+            <a:r>
+              <a:rPr lang="en-US" smtClean="0"/>
+              <a:t>Click to edit Master text styles</a:t>
+            </a:r>
+          </a:p>
+          <a:p>
+            <a:pPr lvl="1"/>
+            <a:r>
+              <a:rPr lang="en-US" smtClean="0"/>
+              <a:t>Second level</a:t>
+            </a:r>
+          </a:p>
+          <a:p>
+            <a:pPr lvl="2"/>
+            <a:r>
+              <a:rPr lang="en-US" smtClean="0"/>
+              <a:t>Third level</a:t>
+            </a:r>
+          </a:p>
+          <a:p>
+            <a:pPr lvl="3"/>
+            <a:r>
+              <a:rPr lang="en-US" smtClean="0"/>
+              <a:t>Fourth level</a:t>
+            </a:r>
+          </a:p>
+          <a:p>
+            <a:pPr lvl="4"/>
+            <a:r>
+              <a:rPr lang="en-US" smtClean="0"/>
+              <a:t>Fifth level</a:t>
+            </a:r>
+            <a:endParaRPr lang="en-US" dirty="0"/>
+          </a:p>
+        </p:txBody>
+      </p:sp>
+      <p:sp>
+        <p:nvSpPr>
+          <p:cNvPr id="5" name="Text Placeholder 4"/>
+          <p:cNvSpPr>
+            <a:spLocks noGrp="1"/>
+          </p:cNvSpPr>
+          <p:nvPr>
+            <p:ph type="body" sz="quarter" idx="3"/>
+          </p:nvPr>
+        </p:nvSpPr>
+        <p:spPr>
+          <a:xfrm>
+            <a:off x="6217920" y="1846052"/>
+            <a:ext cx="4937760" cy="736282"/>
+          </a:xfrm>
+        </p:spPr>
+        <p:txBody>
+          <a:bodyPr lIns="91440" rIns="91440" anchor="ctr">
+            <a:normAutofit/>
+          </a:bodyPr>
+          <a:lstStyle>
+            <a:lvl1pPr marL="0" indent="0">
+              <a:buNone/>
+              <a:defRPr sz="2000" b="0" cap="all" baseline="0">
+                <a:solidFill>
+                  <a:schemeClr val="tx2"/>
+                </a:solidFill>
+              </a:defRPr>
+            </a:lvl1pPr>
+            <a:lvl2pPr marL="457200" indent="0">
+              <a:buNone/>
+              <a:defRPr sz="2000" b="1"/>
+            </a:lvl2pPr>
+            <a:lvl3pPr marL="914400" indent="0">
+              <a:buNone/>
+              <a:defRPr sz="1800" b="1"/>
+            </a:lvl3pPr>
+            <a:lvl4pPr marL="1371600" indent="0">
+              <a:buNone/>
+              <a:defRPr sz="1600" b="1"/>
+            </a:lvl4pPr>
+            <a:lvl5pPr marL="1828800" indent="0">
+              <a:buNone/>
+              <a:defRPr sz="1600" b="1"/>
+            </a:lvl5pPr>
+            <a:lvl6pPr marL="2286000" indent="0">
+              <a:buNone/>
+              <a:defRPr sz="1600" b="1"/>
+            </a:lvl6pPr>
+            <a:lvl7pPr marL="2743200" indent="0">
+              <a:buNone/>
+              <a:defRPr sz="1600" b="1"/>
+            </a:lvl7pPr>
+            <a:lvl8pPr marL="3200400" indent="0">
+              <a:buNone/>
+              <a:defRPr sz="1600" b="1"/>
+            </a:lvl8pPr>
+            <a:lvl9pPr marL="3657600" indent="0">
+              <a:buNone/>
+              <a:defRPr sz="1600" b="1"/>
+            </a:lvl9pPr>
+          </a:lstStyle>
+          <a:p>
+            <a:pPr lvl="0"/>
+            <a:r>
+              <a:rPr lang="en-US" smtClean="0"/>
+              <a:t>Click to edit Master text styles</a:t>
+            </a:r>
+          </a:p>
+        </p:txBody>
+      </p:sp>
+      <p:sp>
+        <p:nvSpPr>
+          <p:cNvPr id="6" name="Content Placeholder 5"/>
+          <p:cNvSpPr>
+            <a:spLocks noGrp="1"/>
+          </p:cNvSpPr>
+          <p:nvPr>
+            <p:ph sz="quarter" idx="4"/>
+          </p:nvPr>
+        </p:nvSpPr>
+        <p:spPr>
+          <a:xfrm>
+            <a:off x="6217920" y="2582334"/>
+            <a:ext cx="4937760" cy="3378200"/>
+          </a:xfrm>
+        </p:spPr>
+        <p:txBody>
+          <a:bodyPr/>
+          <a:lstStyle/>
+          <a:p>
+            <a:pPr lvl="0"/>
+            <a:r>
+              <a:rPr lang="en-US" smtClean="0"/>
+              <a:t>Click to edit Master text styles</a:t>
+            </a:r>
+          </a:p>
+          <a:p>
+            <a:pPr lvl="1"/>
+            <a:r>
+              <a:rPr lang="en-US" smtClean="0"/>
+              <a:t>Second level</a:t>
+            </a:r>
+          </a:p>
+          <a:p>
+            <a:pPr lvl="2"/>
+            <a:r>
+              <a:rPr lang="en-US" smtClean="0"/>
+              <a:t>Third level</a:t>
+            </a:r>
+          </a:p>
+          <a:p>
+            <a:pPr lvl="3"/>
+            <a:r>
+              <a:rPr lang="en-US" smtClean="0"/>
+              <a:t>Fourth level</a:t>
+            </a:r>
+          </a:p>
+          <a:p>
+            <a:pPr lvl="4"/>
+            <a:r>
+              <a:rPr lang="en-US" smtClean="0"/>
+              <a:t>Fifth level</a:t>
+            </a:r>
+            <a:endParaRPr lang="en-US" dirty="0"/>
+          </a:p>
+        </p:txBody>
+      </p:sp>
+      <p:sp>
+        <p:nvSpPr>
+          <p:cNvPr id="7" name="Date Placeholder 6"/>
+          <p:cNvSpPr>
+            <a:spLocks noGrp="1"/>
+          </p:cNvSpPr>
+          <p:nvPr>
+            <p:ph type="dt" sz="half" idx="10"/>
+          </p:nvPr>
+        </p:nvSpPr>
+        <p:spPr/>
+        <p:txBody>
+          <a:bodyPr/>
+          <a:lstStyle/>
+          <a:p>
+            <a:fld id="{DB015147-83F3-45C6-9E05-437E8040FCD2}" type="datetimeFigureOut">
+              <a:rPr lang="en-GB" smtClean="0"/>
+              <a:t>13/03/2021</a:t>
+            </a:fld>
+            <a:endParaRPr lang="en-GB"/>
+          </a:p>
+        </p:txBody>
+      </p:sp>
+      <p:sp>
+        <p:nvSpPr>
+          <p:cNvPr id="8" name="Footer Placeholder 7"/>
+          <p:cNvSpPr>
+            <a:spLocks noGrp="1"/>
+          </p:cNvSpPr>
+          <p:nvPr>
+            <p:ph type="ftr" sz="quarter" idx="11"/>
+          </p:nvPr>
+        </p:nvSpPr>
+        <p:spPr/>
+        <p:txBody>
+          <a:bodyPr/>
+          <a:lstStyle/>
+          <a:p>
+            <a:endParaRPr lang="en-GB"/>
+          </a:p>
+        </p:txBody>
+      </p:sp>
+      <p:sp>
+        <p:nvSpPr>
+          <p:cNvPr id="9" name="Slide Number Placeholder 8"/>
+          <p:cNvSpPr>
+            <a:spLocks noGrp="1"/>
+          </p:cNvSpPr>
+          <p:nvPr>
+            <p:ph type="sldNum" sz="quarter" idx="12"/>
+          </p:nvPr>
+        </p:nvSpPr>
+        <p:spPr/>
+        <p:txBody>
+          <a:bodyPr/>
+          <a:lstStyle/>
+          <a:p>
+            <a:fld id="{DAF25575-6C16-43B6-8085-61DA8CEBF1F4}" type="slidenum">
+              <a:rPr lang="en-GB" smtClean="0"/>
+              <a:t>‹#›</a:t>
+            </a:fld>
+            <a:endParaRPr lang="en-GB"/>
+          </a:p>
+        </p:txBody>
+      </p:sp>
+    </p:spTree>
+    <p:extLst>
+      <p:ext uri="{BB962C8B-B14F-4D97-AF65-F5344CB8AC3E}">
+        <p14:creationId xmlns:p14="http://schemas.microsoft.com/office/powerpoint/2010/main" val="1302961050"/>
+      </p:ext>
+    </p:extLst>
+  </p:cSld>
+  <p:clrMapOvr>
+    <a:masterClrMapping/>
+  </p:clrMapOvr>
+</p:sldLayout>
+</file>
+
+<file path=ppt/slideLayouts/slideLayout6.xml><?xml version="1.0" encoding="utf-8"?>
+<p:sldLayout xmlns:a="http://schemas.openxmlformats.org/drawingml/2006/main" xmlns:r="http://schemas.openxmlformats.org/officeDocument/2006/relationships" xmlns:p="http://schemas.openxmlformats.org/presentationml/2006/main" type="titleOnly" preserve="1">
+  <p:cSld name="Title Only">
+    <p:spTree>
+      <p:nvGrpSpPr>
+        <p:cNvPr id="1" name=""/>
+        <p:cNvGrpSpPr/>
+        <p:nvPr/>
+      </p:nvGrpSpPr>
+      <p:grpSpPr>
+        <a:xfrm>
+          <a:off x="0" y="0"/>
+          <a:ext cx="0" cy="0"/>
+          <a:chOff x="0" y="0"/>
+          <a:chExt cx="0" cy="0"/>
+        </a:xfrm>
+      </p:grpSpPr>
+      <p:sp>
+        <p:nvSpPr>
+          <p:cNvPr id="2" name="Title 1"/>
+          <p:cNvSpPr>
+            <a:spLocks noGrp="1"/>
+          </p:cNvSpPr>
+          <p:nvPr>
+            <p:ph type="title"/>
+          </p:nvPr>
+        </p:nvSpPr>
+        <p:spPr/>
+        <p:txBody>
+          <a:bodyPr/>
+          <a:lstStyle/>
+          <a:p>
+            <a:r>
+              <a:rPr lang="en-US" smtClean="0"/>
+              <a:t>Click to edit Master title style</a:t>
+            </a:r>
+            <a:endParaRPr lang="en-US" dirty="0"/>
+          </a:p>
+        </p:txBody>
+      </p:sp>
+      <p:sp>
+        <p:nvSpPr>
+          <p:cNvPr id="3" name="Date Placeholder 2"/>
+          <p:cNvSpPr>
+            <a:spLocks noGrp="1"/>
+          </p:cNvSpPr>
+          <p:nvPr>
+            <p:ph type="dt" sz="half" idx="10"/>
+          </p:nvPr>
+        </p:nvSpPr>
+        <p:spPr/>
+        <p:txBody>
+          <a:bodyPr/>
+          <a:lstStyle/>
+          <a:p>
+            <a:fld id="{DB015147-83F3-45C6-9E05-437E8040FCD2}" type="datetimeFigureOut">
+              <a:rPr lang="en-GB" smtClean="0"/>
+              <a:t>13/03/2021</a:t>
+            </a:fld>
+            <a:endParaRPr lang="en-GB"/>
+          </a:p>
+        </p:txBody>
+      </p:sp>
+      <p:sp>
+        <p:nvSpPr>
+          <p:cNvPr id="4" name="Footer Placeholder 3"/>
+          <p:cNvSpPr>
+            <a:spLocks noGrp="1"/>
+          </p:cNvSpPr>
+          <p:nvPr>
+            <p:ph type="ftr" sz="quarter" idx="11"/>
+          </p:nvPr>
+        </p:nvSpPr>
+        <p:spPr/>
+        <p:txBody>
+          <a:bodyPr/>
+          <a:lstStyle/>
+          <a:p>
+            <a:endParaRPr lang="en-GB"/>
+          </a:p>
+        </p:txBody>
+      </p:sp>
+      <p:sp>
+        <p:nvSpPr>
+          <p:cNvPr id="5" name="Slide Number Placeholder 4"/>
+          <p:cNvSpPr>
+            <a:spLocks noGrp="1"/>
+          </p:cNvSpPr>
+          <p:nvPr>
+            <p:ph type="sldNum" sz="quarter" idx="12"/>
+          </p:nvPr>
+        </p:nvSpPr>
+        <p:spPr/>
+        <p:txBody>
+          <a:bodyPr/>
+          <a:lstStyle/>
+          <a:p>
+            <a:fld id="{DAF25575-6C16-43B6-8085-61DA8CEBF1F4}" type="slidenum">
+              <a:rPr lang="en-GB" smtClean="0"/>
+              <a:t>‹#›</a:t>
+            </a:fld>
+            <a:endParaRPr lang="en-GB"/>
+          </a:p>
+        </p:txBody>
+      </p:sp>
+    </p:spTree>
+    <p:extLst>
+      <p:ext uri="{BB962C8B-B14F-4D97-AF65-F5344CB8AC3E}">
+        <p14:creationId xmlns:p14="http://schemas.microsoft.com/office/powerpoint/2010/main" val="257501558"/>
+      </p:ext>
+    </p:extLst>
+  </p:cSld>
+  <p:clrMapOvr>
+    <a:masterClrMapping/>
+  </p:clrMapOvr>
+</p:sldLayout>
+</file>
+
+<file path=ppt/slideLayouts/slideLayout7.xml><?xml version="1.0" encoding="utf-8"?>
+<p:sldLayout xmlns:a="http://schemas.openxmlformats.org/drawingml/2006/main" xmlns:r="http://schemas.openxmlformats.org/officeDocument/2006/relationships" xmlns:p="http://schemas.openxmlformats.org/presentationml/2006/main" showMasterSp="0" type="blank" preserve="1">
+  <p:cSld name="Blank">
+    <p:spTree>
+      <p:nvGrpSpPr>
+        <p:cNvPr id="1" name=""/>
+        <p:cNvGrpSpPr/>
+        <p:nvPr/>
+      </p:nvGrpSpPr>
+      <p:grpSpPr>
+        <a:xfrm>
+          <a:off x="0" y="0"/>
+          <a:ext cx="0" cy="0"/>
+          <a:chOff x="0" y="0"/>
+          <a:chExt cx="0" cy="0"/>
+        </a:xfrm>
+      </p:grpSpPr>
+      <p:sp>
+        <p:nvSpPr>
+          <p:cNvPr id="5" name="Rectangle 4"/>
+          <p:cNvSpPr/>
+          <p:nvPr/>
+        </p:nvSpPr>
+        <p:spPr>
+          <a:xfrm>
+            <a:off x="3175" y="6400800"/>
+            <a:ext cx="12188825" cy="457200"/>
+          </a:xfrm>
+          <a:prstGeom prst="rect">
+            <a:avLst/>
+          </a:prstGeom>
+          <a:solidFill>
+            <a:schemeClr val="accent2"/>
+          </a:solidFill>
+          <a:ln>
+            <a:noFill/>
+          </a:ln>
+        </p:spPr>
+        <p:style>
+          <a:lnRef idx="2">
+            <a:schemeClr val="accent1">
+              <a:shade val="50000"/>
+            </a:schemeClr>
+          </a:lnRef>
+          <a:fillRef idx="1">
+            <a:schemeClr val="accent1"/>
+          </a:fillRef>
+          <a:effectRef idx="0">
+            <a:schemeClr val="accent1"/>
+          </a:effectRef>
+          <a:fontRef idx="minor">
+            <a:schemeClr val="lt1"/>
+          </a:fontRef>
+        </p:style>
+      </p:sp>
+      <p:sp>
+        <p:nvSpPr>
+          <p:cNvPr id="6" name="Rectangle 5"/>
+          <p:cNvSpPr/>
+          <p:nvPr/>
+        </p:nvSpPr>
+        <p:spPr>
+          <a:xfrm>
+            <a:off x="15" y="6334316"/>
+            <a:ext cx="12188825" cy="64008"/>
+          </a:xfrm>
+          <a:prstGeom prst="rect">
+            <a:avLst/>
+          </a:prstGeom>
+          <a:solidFill>
+            <a:schemeClr val="accent1"/>
+          </a:solidFill>
+          <a:ln>
+            <a:noFill/>
+          </a:ln>
+        </p:spPr>
+        <p:style>
+          <a:lnRef idx="2">
+            <a:schemeClr val="accent1">
+              <a:shade val="50000"/>
+            </a:schemeClr>
+          </a:lnRef>
+          <a:fillRef idx="1">
+            <a:schemeClr val="accent1"/>
+          </a:fillRef>
+          <a:effectRef idx="0">
+            <a:schemeClr val="accent1"/>
+          </a:effectRef>
+          <a:fontRef idx="minor">
+            <a:schemeClr val="lt1"/>
+          </a:fontRef>
+        </p:style>
+      </p:sp>
+      <p:sp>
+        <p:nvSpPr>
+          <p:cNvPr id="7" name="Date Placeholder 6"/>
+          <p:cNvSpPr>
+            <a:spLocks noGrp="1"/>
+          </p:cNvSpPr>
+          <p:nvPr>
+            <p:ph type="dt" sz="half" idx="10"/>
+          </p:nvPr>
+        </p:nvSpPr>
+        <p:spPr/>
+        <p:txBody>
+          <a:bodyPr/>
+          <a:lstStyle/>
+          <a:p>
+            <a:fld id="{DB015147-83F3-45C6-9E05-437E8040FCD2}" type="datetimeFigureOut">
+              <a:rPr lang="en-GB" smtClean="0"/>
+              <a:t>13/03/2021</a:t>
+            </a:fld>
+            <a:endParaRPr lang="en-GB"/>
+          </a:p>
+        </p:txBody>
+      </p:sp>
+      <p:sp>
+        <p:nvSpPr>
+          <p:cNvPr id="8" name="Footer Placeholder 7"/>
+          <p:cNvSpPr>
+            <a:spLocks noGrp="1"/>
+          </p:cNvSpPr>
+          <p:nvPr>
+            <p:ph type="ftr" sz="quarter" idx="11"/>
+          </p:nvPr>
+        </p:nvSpPr>
+        <p:spPr/>
+        <p:txBody>
+          <a:bodyPr/>
+          <a:lstStyle>
+            <a:lvl1pPr>
+              <a:defRPr>
+                <a:solidFill>
+                  <a:srgbClr val="FFFFFF"/>
+                </a:solidFill>
+              </a:defRPr>
+            </a:lvl1pPr>
+          </a:lstStyle>
+          <a:p>
+            <a:endParaRPr lang="en-GB"/>
+          </a:p>
+        </p:txBody>
+      </p:sp>
+      <p:sp>
+        <p:nvSpPr>
+          <p:cNvPr id="9" name="Slide Number Placeholder 8"/>
+          <p:cNvSpPr>
+            <a:spLocks noGrp="1"/>
+          </p:cNvSpPr>
+          <p:nvPr>
+            <p:ph type="sldNum" sz="quarter" idx="12"/>
+          </p:nvPr>
+        </p:nvSpPr>
+        <p:spPr/>
+        <p:txBody>
+          <a:bodyPr/>
+          <a:lstStyle/>
+          <a:p>
+            <a:fld id="{DAF25575-6C16-43B6-8085-61DA8CEBF1F4}" type="slidenum">
+              <a:rPr lang="en-GB" smtClean="0"/>
+              <a:t>‹#›</a:t>
+            </a:fld>
+            <a:endParaRPr lang="en-GB"/>
+          </a:p>
+        </p:txBody>
+      </p:sp>
+    </p:spTree>
+    <p:extLst>
+      <p:ext uri="{BB962C8B-B14F-4D97-AF65-F5344CB8AC3E}">
+        <p14:creationId xmlns:p14="http://schemas.microsoft.com/office/powerpoint/2010/main" val="428578935"/>
+      </p:ext>
+    </p:extLst>
+  </p:cSld>
+  <p:clrMapOvr>
+    <a:masterClrMapping/>
+  </p:clrMapOvr>
+</p:sldLayout>
+</file>
+
+<file path=ppt/slideLayouts/slideLayout8.xml><?xml version="1.0" encoding="utf-8"?>
+<p:sldLayout xmlns:a="http://schemas.openxmlformats.org/drawingml/2006/main" xmlns:r="http://schemas.openxmlformats.org/officeDocument/2006/relationships" xmlns:p="http://schemas.openxmlformats.org/presentationml/2006/main" showMasterSp="0" type="objTx" preserve="1">
+  <p:cSld name="Content with Caption">
+    <p:spTree>
+      <p:nvGrpSpPr>
+        <p:cNvPr id="1" name=""/>
+        <p:cNvGrpSpPr/>
+        <p:nvPr/>
+      </p:nvGrpSpPr>
+      <p:grpSpPr>
+        <a:xfrm>
+          <a:off x="0" y="0"/>
+          <a:ext cx="0" cy="0"/>
+          <a:chOff x="0" y="0"/>
+          <a:chExt cx="0" cy="0"/>
+        </a:xfrm>
+      </p:grpSpPr>
+      <p:sp>
+        <p:nvSpPr>
+          <p:cNvPr id="8" name="Rectangle 7"/>
+          <p:cNvSpPr/>
+          <p:nvPr/>
+        </p:nvSpPr>
+        <p:spPr>
+          <a:xfrm>
+            <a:off x="16" y="0"/>
+            <a:ext cx="4050791" cy="6858000"/>
+          </a:xfrm>
+          <a:prstGeom prst="rect">
+            <a:avLst/>
+          </a:prstGeom>
+          <a:solidFill>
+            <a:schemeClr val="accent2"/>
+          </a:solidFill>
+          <a:ln>
+            <a:noFill/>
+          </a:ln>
+        </p:spPr>
+        <p:style>
+          <a:lnRef idx="2">
+            <a:schemeClr val="accent1">
+              <a:shade val="50000"/>
+            </a:schemeClr>
+          </a:lnRef>
+          <a:fillRef idx="1">
+            <a:schemeClr val="accent1"/>
+          </a:fillRef>
+          <a:effectRef idx="0">
+            <a:schemeClr val="accent1"/>
+          </a:effectRef>
+          <a:fontRef idx="minor">
+            <a:schemeClr val="lt1"/>
+          </a:fontRef>
+        </p:style>
+      </p:sp>
+      <p:sp>
+        <p:nvSpPr>
+          <p:cNvPr id="9" name="Rectangle 8"/>
+          <p:cNvSpPr/>
+          <p:nvPr/>
+        </p:nvSpPr>
+        <p:spPr>
+          <a:xfrm>
+            <a:off x="4040071" y="0"/>
+            <a:ext cx="64008" cy="6858000"/>
+          </a:xfrm>
+          <a:prstGeom prst="rect">
+            <a:avLst/>
+          </a:prstGeom>
+          <a:solidFill>
+            <a:schemeClr val="accent1"/>
+          </a:solidFill>
+          <a:ln>
+            <a:noFill/>
+          </a:ln>
+        </p:spPr>
+        <p:style>
+          <a:lnRef idx="2">
+            <a:schemeClr val="accent1">
+              <a:shade val="50000"/>
+            </a:schemeClr>
+          </a:lnRef>
+          <a:fillRef idx="1">
+            <a:schemeClr val="accent1"/>
+          </a:fillRef>
+          <a:effectRef idx="0">
+            <a:schemeClr val="accent1"/>
+          </a:effectRef>
+          <a:fontRef idx="minor">
+            <a:schemeClr val="lt1"/>
+          </a:fontRef>
+        </p:style>
+      </p:sp>
+      <p:sp>
+        <p:nvSpPr>
+          <p:cNvPr id="2" name="Title 1"/>
+          <p:cNvSpPr>
+            <a:spLocks noGrp="1"/>
+          </p:cNvSpPr>
+          <p:nvPr>
+            <p:ph type="title"/>
+          </p:nvPr>
+        </p:nvSpPr>
+        <p:spPr>
+          <a:xfrm>
+            <a:off x="457200" y="594359"/>
+            <a:ext cx="3200400" cy="2286000"/>
+          </a:xfrm>
+        </p:spPr>
+        <p:txBody>
+          <a:bodyPr anchor="b">
+            <a:normAutofit/>
+          </a:bodyPr>
+          <a:lstStyle>
+            <a:lvl1pPr>
+              <a:defRPr sz="3600" b="0">
+                <a:solidFill>
+                  <a:srgbClr val="FFFFFF"/>
+                </a:solidFill>
+              </a:defRPr>
+            </a:lvl1pPr>
+          </a:lstStyle>
+          <a:p>
+            <a:r>
+              <a:rPr lang="en-US" smtClean="0"/>
+              <a:t>Click to edit Master title style</a:t>
+            </a:r>
+            <a:endParaRPr lang="en-US" dirty="0"/>
+          </a:p>
+        </p:txBody>
+      </p:sp>
+      <p:sp>
+        <p:nvSpPr>
+          <p:cNvPr id="3" name="Content Placeholder 2"/>
+          <p:cNvSpPr>
+            <a:spLocks noGrp="1"/>
+          </p:cNvSpPr>
+          <p:nvPr>
+            <p:ph idx="1"/>
+          </p:nvPr>
+        </p:nvSpPr>
+        <p:spPr>
+          <a:xfrm>
+            <a:off x="4800600" y="731520"/>
+            <a:ext cx="6492240" cy="5257800"/>
+          </a:xfrm>
+        </p:spPr>
+        <p:txBody>
+          <a:bodyPr/>
+          <a:lstStyle/>
+          <a:p>
+            <a:pPr lvl="0"/>
+            <a:r>
+              <a:rPr lang="en-US" smtClean="0"/>
+              <a:t>Click to edit Master text styles</a:t>
+            </a:r>
+          </a:p>
+          <a:p>
+            <a:pPr lvl="1"/>
+            <a:r>
+              <a:rPr lang="en-US" smtClean="0"/>
+              <a:t>Second level</a:t>
+            </a:r>
+          </a:p>
+          <a:p>
+            <a:pPr lvl="2"/>
+            <a:r>
+              <a:rPr lang="en-US" smtClean="0"/>
+              <a:t>Third level</a:t>
+            </a:r>
+          </a:p>
+          <a:p>
+            <a:pPr lvl="3"/>
+            <a:r>
+              <a:rPr lang="en-US" smtClean="0"/>
+              <a:t>Fourth level</a:t>
+            </a:r>
+          </a:p>
+          <a:p>
+            <a:pPr lvl="4"/>
+            <a:r>
+              <a:rPr lang="en-US" smtClean="0"/>
+              <a:t>Fifth level</a:t>
+            </a:r>
+            <a:endParaRPr lang="en-US" dirty="0"/>
+          </a:p>
+        </p:txBody>
+      </p:sp>
+      <p:sp>
+        <p:nvSpPr>
+          <p:cNvPr id="4" name="Text Placeholder 3"/>
+          <p:cNvSpPr>
+            <a:spLocks noGrp="1"/>
+          </p:cNvSpPr>
+          <p:nvPr>
+            <p:ph type="body" sz="half" idx="2"/>
+          </p:nvPr>
+        </p:nvSpPr>
+        <p:spPr>
+          <a:xfrm>
+            <a:off x="457200" y="2926080"/>
+            <a:ext cx="3200400" cy="3379124"/>
+          </a:xfrm>
+        </p:spPr>
+        <p:txBody>
+          <a:bodyPr lIns="91440" rIns="91440">
+            <a:normAutofit/>
+          </a:bodyPr>
+          <a:lstStyle>
+            <a:lvl1pPr marL="0" indent="0">
+              <a:buNone/>
+              <a:defRPr sz="1500">
+                <a:solidFill>
+                  <a:srgbClr val="FFFFFF"/>
+                </a:solidFill>
+              </a:defRPr>
+            </a:lvl1pPr>
+            <a:lvl2pPr marL="457200" indent="0">
+              <a:buNone/>
+              <a:defRPr sz="1200"/>
+            </a:lvl2pPr>
+            <a:lvl3pPr marL="914400" indent="0">
+              <a:buNone/>
+              <a:defRPr sz="1000"/>
+            </a:lvl3pPr>
+            <a:lvl4pPr marL="1371600" indent="0">
+              <a:buNone/>
+              <a:defRPr sz="900"/>
+            </a:lvl4pPr>
+            <a:lvl5pPr marL="1828800" indent="0">
+              <a:buNone/>
+              <a:defRPr sz="900"/>
+            </a:lvl5pPr>
+            <a:lvl6pPr marL="2286000" indent="0">
+              <a:buNone/>
+              <a:defRPr sz="900"/>
+            </a:lvl6pPr>
+            <a:lvl7pPr marL="2743200" indent="0">
+              <a:buNone/>
+              <a:defRPr sz="900"/>
+            </a:lvl7pPr>
+            <a:lvl8pPr marL="3200400" indent="0">
+              <a:buNone/>
+              <a:defRPr sz="900"/>
+            </a:lvl8pPr>
+            <a:lvl9pPr marL="3657600" indent="0">
+              <a:buNone/>
+              <a:defRPr sz="900"/>
+            </a:lvl9pPr>
+          </a:lstStyle>
+          <a:p>
+            <a:pPr lvl="0"/>
+            <a:r>
+              <a:rPr lang="en-US" smtClean="0"/>
+              <a:t>Click to edit Master text styles</a:t>
+            </a:r>
+          </a:p>
+        </p:txBody>
+      </p:sp>
+      <p:sp>
+        <p:nvSpPr>
+          <p:cNvPr id="5" name="Date Placeholder 4"/>
+          <p:cNvSpPr>
+            <a:spLocks noGrp="1"/>
+          </p:cNvSpPr>
+          <p:nvPr>
+            <p:ph type="dt" sz="half" idx="10"/>
+          </p:nvPr>
+        </p:nvSpPr>
+        <p:spPr>
+          <a:xfrm>
+            <a:off x="465512" y="6459785"/>
+            <a:ext cx="2618510" cy="365125"/>
+          </a:xfrm>
+        </p:spPr>
+        <p:txBody>
+          <a:bodyPr/>
+          <a:lstStyle>
+            <a:lvl1pPr algn="l">
+              <a:defRPr/>
+            </a:lvl1pPr>
+          </a:lstStyle>
+          <a:p>
+            <a:fld id="{DB015147-83F3-45C6-9E05-437E8040FCD2}" type="datetimeFigureOut">
+              <a:rPr lang="en-GB" smtClean="0"/>
+              <a:t>13/03/2021</a:t>
+            </a:fld>
+            <a:endParaRPr lang="en-GB"/>
+          </a:p>
+        </p:txBody>
+      </p:sp>
+      <p:sp>
+        <p:nvSpPr>
+          <p:cNvPr id="6" name="Footer Placeholder 5"/>
+          <p:cNvSpPr>
+            <a:spLocks noGrp="1"/>
+          </p:cNvSpPr>
+          <p:nvPr>
+            <p:ph type="ftr" sz="quarter" idx="11"/>
+          </p:nvPr>
+        </p:nvSpPr>
+        <p:spPr>
+          <a:xfrm>
+            <a:off x="4800600" y="6459785"/>
+            <a:ext cx="4648200" cy="365125"/>
+          </a:xfrm>
+        </p:spPr>
+        <p:txBody>
+          <a:bodyPr/>
+          <a:lstStyle>
+            <a:lvl1pPr algn="l">
+              <a:defRPr>
+                <a:solidFill>
+                  <a:schemeClr val="tx2"/>
+                </a:solidFill>
+              </a:defRPr>
+            </a:lvl1pPr>
+          </a:lstStyle>
+          <a:p>
+            <a:endParaRPr lang="en-GB"/>
+          </a:p>
+        </p:txBody>
+      </p:sp>
+      <p:sp>
+        <p:nvSpPr>
+          <p:cNvPr id="7" name="Slide Number Placeholder 6"/>
+          <p:cNvSpPr>
+            <a:spLocks noGrp="1"/>
+          </p:cNvSpPr>
+          <p:nvPr>
+            <p:ph type="sldNum" sz="quarter" idx="12"/>
+          </p:nvPr>
+        </p:nvSpPr>
+        <p:spPr/>
+        <p:txBody>
+          <a:bodyPr/>
+          <a:lstStyle>
+            <a:lvl1pPr>
+              <a:defRPr>
+                <a:solidFill>
+                  <a:schemeClr val="tx2"/>
+                </a:solidFill>
+              </a:defRPr>
+            </a:lvl1pPr>
+          </a:lstStyle>
+          <a:p>
+            <a:fld id="{DAF25575-6C16-43B6-8085-61DA8CEBF1F4}" type="slidenum">
+              <a:rPr lang="en-GB" smtClean="0"/>
+              <a:t>‹#›</a:t>
+            </a:fld>
+            <a:endParaRPr lang="en-GB"/>
+          </a:p>
+        </p:txBody>
+      </p:sp>
+    </p:spTree>
+    <p:extLst>
+      <p:ext uri="{BB962C8B-B14F-4D97-AF65-F5344CB8AC3E}">
+        <p14:creationId xmlns:p14="http://schemas.microsoft.com/office/powerpoint/2010/main" val="2204680753"/>
+      </p:ext>
+    </p:extLst>
+  </p:cSld>
+  <p:clrMapOvr>
+    <a:masterClrMapping/>
+  </p:clrMapOvr>
+</p:sldLayout>
+</file>
+
+<file path=ppt/slideLayouts/slideLayout9.xml><?xml version="1.0" encoding="utf-8"?>
+<p:sldLayout xmlns:a="http://schemas.openxmlformats.org/drawingml/2006/main" xmlns:r="http://schemas.openxmlformats.org/officeDocument/2006/relationships" xmlns:p="http://schemas.openxmlformats.org/presentationml/2006/main" showMasterSp="0" type="picTx" preserve="1">
   <p:cSld name="Picture with Caption">
     <p:spTree>
       <p:nvGrpSpPr>
@@ -3952,6 +6472,82 @@
       </p:grpSpPr>
       <p:sp>
         <p:nvSpPr>
+          <p:cNvPr id="8" name="Rectangle 7"/>
+          <p:cNvSpPr/>
+          <p:nvPr/>
+        </p:nvSpPr>
+        <p:spPr>
+          <a:xfrm>
+            <a:off x="0" y="4953000"/>
+            <a:ext cx="12188825" cy="1905000"/>
+          </a:xfrm>
+          <a:prstGeom prst="rect">
+            <a:avLst/>
+          </a:prstGeom>
+          <a:solidFill>
+            <a:schemeClr val="accent2"/>
+          </a:solidFill>
+          <a:ln>
+            <a:noFill/>
+          </a:ln>
+        </p:spPr>
+        <p:style>
+          <a:lnRef idx="2">
+            <a:schemeClr val="accent1">
+              <a:shade val="50000"/>
+            </a:schemeClr>
+          </a:lnRef>
+          <a:fillRef idx="1">
+            <a:schemeClr val="accent1"/>
+          </a:fillRef>
+          <a:effectRef idx="0">
+            <a:schemeClr val="accent1"/>
+          </a:effectRef>
+          <a:fontRef idx="minor">
+            <a:schemeClr val="lt1"/>
+          </a:fontRef>
+        </p:style>
+      </p:sp>
+      <p:sp>
+        <p:nvSpPr>
+          <p:cNvPr id="9" name="Rectangle 8"/>
+          <p:cNvSpPr/>
+          <p:nvPr/>
+        </p:nvSpPr>
+        <p:spPr>
+          <a:xfrm>
+            <a:off x="15" y="4915076"/>
+            <a:ext cx="12188825" cy="64008"/>
+          </a:xfrm>
+          <a:prstGeom prst="rect">
+            <a:avLst/>
+          </a:prstGeom>
+          <a:solidFill>
+            <a:schemeClr val="accent1"/>
+          </a:solidFill>
+          <a:ln>
+            <a:noFill/>
+          </a:ln>
+        </p:spPr>
+        <p:style>
+          <a:lnRef idx="2">
+            <a:schemeClr val="accent1">
+              <a:shade val="50000"/>
+            </a:schemeClr>
+          </a:lnRef>
+          <a:fillRef idx="1">
+            <a:schemeClr val="accent1"/>
+          </a:fillRef>
+          <a:effectRef idx="0">
+            <a:schemeClr val="accent1"/>
+          </a:effectRef>
+          <a:fontRef idx="minor">
+            <a:schemeClr val="lt1"/>
+          </a:fontRef>
+        </p:style>
+      </p:sp>
+      <p:sp>
+        <p:nvSpPr>
           <p:cNvPr id="2" name="Title 1"/>
           <p:cNvSpPr>
             <a:spLocks noGrp="1"/>
@@ -3962,15 +6558,21 @@
         </p:nvSpPr>
         <p:spPr>
           <a:xfrm>
-            <a:off x="839788" y="457200"/>
-            <a:ext cx="3932237" cy="1600200"/>
+            <a:off x="1097280" y="5074920"/>
+            <a:ext cx="10113264" cy="822960"/>
           </a:xfrm>
         </p:spPr>
         <p:txBody>
-          <a:bodyPr anchor="b"/>
+          <a:bodyPr lIns="91440" tIns="0" rIns="91440" bIns="0" anchor="b">
+            <a:noAutofit/>
+          </a:bodyPr>
           <a:lstStyle>
             <a:lvl1pPr>
-              <a:defRPr sz="3200"/>
+              <a:defRPr sz="3600" b="0">
+                <a:solidFill>
+                  <a:srgbClr val="FFFFFF"/>
+                </a:solidFill>
+              </a:defRPr>
             </a:lvl1pPr>
           </a:lstStyle>
           <a:p>
@@ -3978,7 +6580,7 @@
               <a:rPr lang="en-US" smtClean="0"/>
               <a:t>Click to edit Master title style</a:t>
             </a:r>
-            <a:endParaRPr lang="en-GB"/>
+            <a:endParaRPr lang="en-US" dirty="0"/>
           </a:p>
         </p:txBody>
       </p:sp>
@@ -3986,7 +6588,7 @@
         <p:nvSpPr>
           <p:cNvPr id="3" name="Picture Placeholder 2"/>
           <p:cNvSpPr>
-            <a:spLocks noGrp="1"/>
+            <a:spLocks noGrp="1" noChangeAspect="1"/>
           </p:cNvSpPr>
           <p:nvPr>
             <p:ph type="pic" idx="1"/>
@@ -3994,16 +6596,26 @@
         </p:nvSpPr>
         <p:spPr>
           <a:xfrm>
-            <a:off x="5183188" y="987425"/>
-            <a:ext cx="6172200" cy="4873625"/>
+            <a:off x="15" y="0"/>
+            <a:ext cx="12191985" cy="4915076"/>
           </a:xfrm>
+          <a:blipFill>
+            <a:blip r:embed="rId2"/>
+            <a:stretch>
+              <a:fillRect/>
+            </a:stretch>
+          </a:blipFill>
         </p:spPr>
         <p:txBody>
-          <a:bodyPr/>
+          <a:bodyPr lIns="457200" tIns="457200" anchor="t"/>
           <a:lstStyle>
             <a:lvl1pPr marL="0" indent="0">
               <a:buNone/>
-              <a:defRPr sz="3200"/>
+              <a:defRPr sz="3200">
+                <a:solidFill>
+                  <a:schemeClr val="bg1"/>
+                </a:solidFill>
+              </a:defRPr>
             </a:lvl1pPr>
             <a:lvl2pPr marL="457200" indent="0">
               <a:buNone/>
@@ -4039,7 +6651,11 @@
             </a:lvl9pPr>
           </a:lstStyle>
           <a:p>
-            <a:endParaRPr lang="en-GB"/>
+            <a:r>
+              <a:rPr lang="en-US" smtClean="0"/>
+              <a:t>Click icon to add picture</a:t>
+            </a:r>
+            <a:endParaRPr lang="en-US" dirty="0"/>
           </a:p>
         </p:txBody>
       </p:sp>
@@ -4055,48 +6671,60 @@
         </p:nvSpPr>
         <p:spPr>
           <a:xfrm>
-            <a:off x="839788" y="2057400"/>
-            <a:ext cx="3932237" cy="3811588"/>
+            <a:off x="1097280" y="5907023"/>
+            <a:ext cx="10113264" cy="594360"/>
           </a:xfrm>
         </p:spPr>
         <p:txBody>
-          <a:bodyPr/>
+          <a:bodyPr lIns="91440" tIns="0" rIns="91440" bIns="0">
+            <a:normAutofit/>
+          </a:bodyPr>
           <a:lstStyle>
             <a:lvl1pPr marL="0" indent="0">
+              <a:spcBef>
+                <a:spcPts val="0"/>
+              </a:spcBef>
+              <a:spcAft>
+                <a:spcPts val="600"/>
+              </a:spcAft>
               <a:buNone/>
-              <a:defRPr sz="1600"/>
+              <a:defRPr sz="1500">
+                <a:solidFill>
+                  <a:srgbClr val="FFFFFF"/>
+                </a:solidFill>
+              </a:defRPr>
             </a:lvl1pPr>
             <a:lvl2pPr marL="457200" indent="0">
               <a:buNone/>
-              <a:defRPr sz="1400"/>
+              <a:defRPr sz="1200"/>
             </a:lvl2pPr>
             <a:lvl3pPr marL="914400" indent="0">
               <a:buNone/>
-              <a:defRPr sz="1200"/>
+              <a:defRPr sz="1000"/>
             </a:lvl3pPr>
             <a:lvl4pPr marL="1371600" indent="0">
               <a:buNone/>
-              <a:defRPr sz="1000"/>
+              <a:defRPr sz="900"/>
             </a:lvl4pPr>
             <a:lvl5pPr marL="1828800" indent="0">
               <a:buNone/>
-              <a:defRPr sz="1000"/>
+              <a:defRPr sz="900"/>
             </a:lvl5pPr>
             <a:lvl6pPr marL="2286000" indent="0">
               <a:buNone/>
-              <a:defRPr sz="1000"/>
+              <a:defRPr sz="900"/>
             </a:lvl6pPr>
             <a:lvl7pPr marL="2743200" indent="0">
               <a:buNone/>
-              <a:defRPr sz="1000"/>
+              <a:defRPr sz="900"/>
             </a:lvl7pPr>
             <a:lvl8pPr marL="3200400" indent="0">
               <a:buNone/>
-              <a:defRPr sz="1000"/>
+              <a:defRPr sz="900"/>
             </a:lvl8pPr>
             <a:lvl9pPr marL="3657600" indent="0">
               <a:buNone/>
-              <a:defRPr sz="1000"/>
+              <a:defRPr sz="900"/>
             </a:lvl9pPr>
           </a:lstStyle>
           <a:p>
@@ -4125,7 +6753,7 @@
           <a:p>
             <a:fld id="{DB015147-83F3-45C6-9E05-437E8040FCD2}" type="datetimeFigureOut">
               <a:rPr lang="en-GB" smtClean="0"/>
-              <a:t>12/03/2021</a:t>
+              <a:t>13/03/2021</a:t>
             </a:fld>
             <a:endParaRPr lang="en-GB"/>
           </a:p>
@@ -4176,1980 +6804,7 @@
     </p:spTree>
     <p:extLst>
       <p:ext uri="{BB962C8B-B14F-4D97-AF65-F5344CB8AC3E}">
-        <p14:creationId xmlns:p14="http://schemas.microsoft.com/office/powerpoint/2010/main" val="292055731"/>
-      </p:ext>
-    </p:extLst>
-  </p:cSld>
-  <p:clrMapOvr>
-    <a:masterClrMapping/>
-  </p:clrMapOvr>
-</p:sldLayout>
-</file>
-
-<file path=ppt/slideLayouts/slideLayout11.xml><?xml version="1.0" encoding="utf-8"?>
-<p:sldLayout xmlns:a="http://schemas.openxmlformats.org/drawingml/2006/main" xmlns:r="http://schemas.openxmlformats.org/officeDocument/2006/relationships" xmlns:p="http://schemas.openxmlformats.org/presentationml/2006/main" type="vertTx" preserve="1">
-  <p:cSld name="Title and Vertical Text">
-    <p:spTree>
-      <p:nvGrpSpPr>
-        <p:cNvPr id="1" name=""/>
-        <p:cNvGrpSpPr/>
-        <p:nvPr/>
-      </p:nvGrpSpPr>
-      <p:grpSpPr>
-        <a:xfrm>
-          <a:off x="0" y="0"/>
-          <a:ext cx="0" cy="0"/>
-          <a:chOff x="0" y="0"/>
-          <a:chExt cx="0" cy="0"/>
-        </a:xfrm>
-      </p:grpSpPr>
-      <p:sp>
-        <p:nvSpPr>
-          <p:cNvPr id="2" name="Title 1"/>
-          <p:cNvSpPr>
-            <a:spLocks noGrp="1"/>
-          </p:cNvSpPr>
-          <p:nvPr>
-            <p:ph type="title"/>
-          </p:nvPr>
-        </p:nvSpPr>
-        <p:spPr/>
-        <p:txBody>
-          <a:bodyPr/>
-          <a:lstStyle/>
-          <a:p>
-            <a:r>
-              <a:rPr lang="en-US" smtClean="0"/>
-              <a:t>Click to edit Master title style</a:t>
-            </a:r>
-            <a:endParaRPr lang="en-GB"/>
-          </a:p>
-        </p:txBody>
-      </p:sp>
-      <p:sp>
-        <p:nvSpPr>
-          <p:cNvPr id="3" name="Vertical Text Placeholder 2"/>
-          <p:cNvSpPr>
-            <a:spLocks noGrp="1"/>
-          </p:cNvSpPr>
-          <p:nvPr>
-            <p:ph type="body" orient="vert" idx="1"/>
-          </p:nvPr>
-        </p:nvSpPr>
-        <p:spPr/>
-        <p:txBody>
-          <a:bodyPr vert="eaVert"/>
-          <a:lstStyle/>
-          <a:p>
-            <a:pPr lvl="0"/>
-            <a:r>
-              <a:rPr lang="en-US" smtClean="0"/>
-              <a:t>Click to edit Master text styles</a:t>
-            </a:r>
-          </a:p>
-          <a:p>
-            <a:pPr lvl="1"/>
-            <a:r>
-              <a:rPr lang="en-US" smtClean="0"/>
-              <a:t>Second level</a:t>
-            </a:r>
-          </a:p>
-          <a:p>
-            <a:pPr lvl="2"/>
-            <a:r>
-              <a:rPr lang="en-US" smtClean="0"/>
-              <a:t>Third level</a:t>
-            </a:r>
-          </a:p>
-          <a:p>
-            <a:pPr lvl="3"/>
-            <a:r>
-              <a:rPr lang="en-US" smtClean="0"/>
-              <a:t>Fourth level</a:t>
-            </a:r>
-          </a:p>
-          <a:p>
-            <a:pPr lvl="4"/>
-            <a:r>
-              <a:rPr lang="en-US" smtClean="0"/>
-              <a:t>Fifth level</a:t>
-            </a:r>
-            <a:endParaRPr lang="en-GB"/>
-          </a:p>
-        </p:txBody>
-      </p:sp>
-      <p:sp>
-        <p:nvSpPr>
-          <p:cNvPr id="4" name="Date Placeholder 3"/>
-          <p:cNvSpPr>
-            <a:spLocks noGrp="1"/>
-          </p:cNvSpPr>
-          <p:nvPr>
-            <p:ph type="dt" sz="half" idx="10"/>
-          </p:nvPr>
-        </p:nvSpPr>
-        <p:spPr/>
-        <p:txBody>
-          <a:bodyPr/>
-          <a:lstStyle/>
-          <a:p>
-            <a:fld id="{DB015147-83F3-45C6-9E05-437E8040FCD2}" type="datetimeFigureOut">
-              <a:rPr lang="en-GB" smtClean="0"/>
-              <a:t>12/03/2021</a:t>
-            </a:fld>
-            <a:endParaRPr lang="en-GB"/>
-          </a:p>
-        </p:txBody>
-      </p:sp>
-      <p:sp>
-        <p:nvSpPr>
-          <p:cNvPr id="5" name="Footer Placeholder 4"/>
-          <p:cNvSpPr>
-            <a:spLocks noGrp="1"/>
-          </p:cNvSpPr>
-          <p:nvPr>
-            <p:ph type="ftr" sz="quarter" idx="11"/>
-          </p:nvPr>
-        </p:nvSpPr>
-        <p:spPr/>
-        <p:txBody>
-          <a:bodyPr/>
-          <a:lstStyle/>
-          <a:p>
-            <a:endParaRPr lang="en-GB"/>
-          </a:p>
-        </p:txBody>
-      </p:sp>
-      <p:sp>
-        <p:nvSpPr>
-          <p:cNvPr id="6" name="Slide Number Placeholder 5"/>
-          <p:cNvSpPr>
-            <a:spLocks noGrp="1"/>
-          </p:cNvSpPr>
-          <p:nvPr>
-            <p:ph type="sldNum" sz="quarter" idx="12"/>
-          </p:nvPr>
-        </p:nvSpPr>
-        <p:spPr/>
-        <p:txBody>
-          <a:bodyPr/>
-          <a:lstStyle/>
-          <a:p>
-            <a:fld id="{DAF25575-6C16-43B6-8085-61DA8CEBF1F4}" type="slidenum">
-              <a:rPr lang="en-GB" smtClean="0"/>
-              <a:t>‹#›</a:t>
-            </a:fld>
-            <a:endParaRPr lang="en-GB"/>
-          </a:p>
-        </p:txBody>
-      </p:sp>
-    </p:spTree>
-    <p:extLst>
-      <p:ext uri="{BB962C8B-B14F-4D97-AF65-F5344CB8AC3E}">
-        <p14:creationId xmlns:p14="http://schemas.microsoft.com/office/powerpoint/2010/main" val="1033500248"/>
-      </p:ext>
-    </p:extLst>
-  </p:cSld>
-  <p:clrMapOvr>
-    <a:masterClrMapping/>
-  </p:clrMapOvr>
-</p:sldLayout>
-</file>
-
-<file path=ppt/slideLayouts/slideLayout12.xml><?xml version="1.0" encoding="utf-8"?>
-<p:sldLayout xmlns:a="http://schemas.openxmlformats.org/drawingml/2006/main" xmlns:r="http://schemas.openxmlformats.org/officeDocument/2006/relationships" xmlns:p="http://schemas.openxmlformats.org/presentationml/2006/main" type="vertTitleAndTx" preserve="1">
-  <p:cSld name="Vertical Title and Text">
-    <p:spTree>
-      <p:nvGrpSpPr>
-        <p:cNvPr id="1" name=""/>
-        <p:cNvGrpSpPr/>
-        <p:nvPr/>
-      </p:nvGrpSpPr>
-      <p:grpSpPr>
-        <a:xfrm>
-          <a:off x="0" y="0"/>
-          <a:ext cx="0" cy="0"/>
-          <a:chOff x="0" y="0"/>
-          <a:chExt cx="0" cy="0"/>
-        </a:xfrm>
-      </p:grpSpPr>
-      <p:sp>
-        <p:nvSpPr>
-          <p:cNvPr id="2" name="Vertical Title 1"/>
-          <p:cNvSpPr>
-            <a:spLocks noGrp="1"/>
-          </p:cNvSpPr>
-          <p:nvPr>
-            <p:ph type="title" orient="vert"/>
-          </p:nvPr>
-        </p:nvSpPr>
-        <p:spPr>
-          <a:xfrm>
-            <a:off x="8724900" y="365125"/>
-            <a:ext cx="2628900" cy="5811838"/>
-          </a:xfrm>
-        </p:spPr>
-        <p:txBody>
-          <a:bodyPr vert="eaVert"/>
-          <a:lstStyle/>
-          <a:p>
-            <a:r>
-              <a:rPr lang="en-US" smtClean="0"/>
-              <a:t>Click to edit Master title style</a:t>
-            </a:r>
-            <a:endParaRPr lang="en-GB"/>
-          </a:p>
-        </p:txBody>
-      </p:sp>
-      <p:sp>
-        <p:nvSpPr>
-          <p:cNvPr id="3" name="Vertical Text Placeholder 2"/>
-          <p:cNvSpPr>
-            <a:spLocks noGrp="1"/>
-          </p:cNvSpPr>
-          <p:nvPr>
-            <p:ph type="body" orient="vert" idx="1"/>
-          </p:nvPr>
-        </p:nvSpPr>
-        <p:spPr>
-          <a:xfrm>
-            <a:off x="838200" y="365125"/>
-            <a:ext cx="7734300" cy="5811838"/>
-          </a:xfrm>
-        </p:spPr>
-        <p:txBody>
-          <a:bodyPr vert="eaVert"/>
-          <a:lstStyle/>
-          <a:p>
-            <a:pPr lvl="0"/>
-            <a:r>
-              <a:rPr lang="en-US" smtClean="0"/>
-              <a:t>Click to edit Master text styles</a:t>
-            </a:r>
-          </a:p>
-          <a:p>
-            <a:pPr lvl="1"/>
-            <a:r>
-              <a:rPr lang="en-US" smtClean="0"/>
-              <a:t>Second level</a:t>
-            </a:r>
-          </a:p>
-          <a:p>
-            <a:pPr lvl="2"/>
-            <a:r>
-              <a:rPr lang="en-US" smtClean="0"/>
-              <a:t>Third level</a:t>
-            </a:r>
-          </a:p>
-          <a:p>
-            <a:pPr lvl="3"/>
-            <a:r>
-              <a:rPr lang="en-US" smtClean="0"/>
-              <a:t>Fourth level</a:t>
-            </a:r>
-          </a:p>
-          <a:p>
-            <a:pPr lvl="4"/>
-            <a:r>
-              <a:rPr lang="en-US" smtClean="0"/>
-              <a:t>Fifth level</a:t>
-            </a:r>
-            <a:endParaRPr lang="en-GB"/>
-          </a:p>
-        </p:txBody>
-      </p:sp>
-      <p:sp>
-        <p:nvSpPr>
-          <p:cNvPr id="4" name="Date Placeholder 3"/>
-          <p:cNvSpPr>
-            <a:spLocks noGrp="1"/>
-          </p:cNvSpPr>
-          <p:nvPr>
-            <p:ph type="dt" sz="half" idx="10"/>
-          </p:nvPr>
-        </p:nvSpPr>
-        <p:spPr/>
-        <p:txBody>
-          <a:bodyPr/>
-          <a:lstStyle/>
-          <a:p>
-            <a:fld id="{DB015147-83F3-45C6-9E05-437E8040FCD2}" type="datetimeFigureOut">
-              <a:rPr lang="en-GB" smtClean="0"/>
-              <a:t>12/03/2021</a:t>
-            </a:fld>
-            <a:endParaRPr lang="en-GB"/>
-          </a:p>
-        </p:txBody>
-      </p:sp>
-      <p:sp>
-        <p:nvSpPr>
-          <p:cNvPr id="5" name="Footer Placeholder 4"/>
-          <p:cNvSpPr>
-            <a:spLocks noGrp="1"/>
-          </p:cNvSpPr>
-          <p:nvPr>
-            <p:ph type="ftr" sz="quarter" idx="11"/>
-          </p:nvPr>
-        </p:nvSpPr>
-        <p:spPr/>
-        <p:txBody>
-          <a:bodyPr/>
-          <a:lstStyle/>
-          <a:p>
-            <a:endParaRPr lang="en-GB"/>
-          </a:p>
-        </p:txBody>
-      </p:sp>
-      <p:sp>
-        <p:nvSpPr>
-          <p:cNvPr id="6" name="Slide Number Placeholder 5"/>
-          <p:cNvSpPr>
-            <a:spLocks noGrp="1"/>
-          </p:cNvSpPr>
-          <p:nvPr>
-            <p:ph type="sldNum" sz="quarter" idx="12"/>
-          </p:nvPr>
-        </p:nvSpPr>
-        <p:spPr/>
-        <p:txBody>
-          <a:bodyPr/>
-          <a:lstStyle/>
-          <a:p>
-            <a:fld id="{DAF25575-6C16-43B6-8085-61DA8CEBF1F4}" type="slidenum">
-              <a:rPr lang="en-GB" smtClean="0"/>
-              <a:t>‹#›</a:t>
-            </a:fld>
-            <a:endParaRPr lang="en-GB"/>
-          </a:p>
-        </p:txBody>
-      </p:sp>
-    </p:spTree>
-    <p:extLst>
-      <p:ext uri="{BB962C8B-B14F-4D97-AF65-F5344CB8AC3E}">
-        <p14:creationId xmlns:p14="http://schemas.microsoft.com/office/powerpoint/2010/main" val="1595836898"/>
-      </p:ext>
-    </p:extLst>
-  </p:cSld>
-  <p:clrMapOvr>
-    <a:masterClrMapping/>
-  </p:clrMapOvr>
-</p:sldLayout>
-</file>
-
-<file path=ppt/slideLayouts/slideLayout2.xml><?xml version="1.0" encoding="utf-8"?>
-<p:sldLayout xmlns:a="http://schemas.openxmlformats.org/drawingml/2006/main" xmlns:r="http://schemas.openxmlformats.org/officeDocument/2006/relationships" xmlns:p="http://schemas.openxmlformats.org/presentationml/2006/main" type="obj" preserve="1">
-  <p:cSld name="Title and Content">
-    <p:spTree>
-      <p:nvGrpSpPr>
-        <p:cNvPr id="1" name=""/>
-        <p:cNvGrpSpPr/>
-        <p:nvPr/>
-      </p:nvGrpSpPr>
-      <p:grpSpPr>
-        <a:xfrm>
-          <a:off x="0" y="0"/>
-          <a:ext cx="0" cy="0"/>
-          <a:chOff x="0" y="0"/>
-          <a:chExt cx="0" cy="0"/>
-        </a:xfrm>
-      </p:grpSpPr>
-      <p:sp>
-        <p:nvSpPr>
-          <p:cNvPr id="2" name="Title 1"/>
-          <p:cNvSpPr>
-            <a:spLocks noGrp="1"/>
-          </p:cNvSpPr>
-          <p:nvPr>
-            <p:ph type="title"/>
-          </p:nvPr>
-        </p:nvSpPr>
-        <p:spPr/>
-        <p:txBody>
-          <a:bodyPr/>
-          <a:lstStyle/>
-          <a:p>
-            <a:r>
-              <a:rPr lang="en-US" smtClean="0"/>
-              <a:t>Click to edit Master title style</a:t>
-            </a:r>
-            <a:endParaRPr lang="en-GB"/>
-          </a:p>
-        </p:txBody>
-      </p:sp>
-      <p:sp>
-        <p:nvSpPr>
-          <p:cNvPr id="3" name="Content Placeholder 2"/>
-          <p:cNvSpPr>
-            <a:spLocks noGrp="1"/>
-          </p:cNvSpPr>
-          <p:nvPr>
-            <p:ph idx="1"/>
-          </p:nvPr>
-        </p:nvSpPr>
-        <p:spPr/>
-        <p:txBody>
-          <a:bodyPr/>
-          <a:lstStyle/>
-          <a:p>
-            <a:pPr lvl="0"/>
-            <a:r>
-              <a:rPr lang="en-US" smtClean="0"/>
-              <a:t>Click to edit Master text styles</a:t>
-            </a:r>
-          </a:p>
-          <a:p>
-            <a:pPr lvl="1"/>
-            <a:r>
-              <a:rPr lang="en-US" smtClean="0"/>
-              <a:t>Second level</a:t>
-            </a:r>
-          </a:p>
-          <a:p>
-            <a:pPr lvl="2"/>
-            <a:r>
-              <a:rPr lang="en-US" smtClean="0"/>
-              <a:t>Third level</a:t>
-            </a:r>
-          </a:p>
-          <a:p>
-            <a:pPr lvl="3"/>
-            <a:r>
-              <a:rPr lang="en-US" smtClean="0"/>
-              <a:t>Fourth level</a:t>
-            </a:r>
-          </a:p>
-          <a:p>
-            <a:pPr lvl="4"/>
-            <a:r>
-              <a:rPr lang="en-US" smtClean="0"/>
-              <a:t>Fifth level</a:t>
-            </a:r>
-            <a:endParaRPr lang="en-GB"/>
-          </a:p>
-        </p:txBody>
-      </p:sp>
-      <p:sp>
-        <p:nvSpPr>
-          <p:cNvPr id="4" name="Date Placeholder 3"/>
-          <p:cNvSpPr>
-            <a:spLocks noGrp="1"/>
-          </p:cNvSpPr>
-          <p:nvPr>
-            <p:ph type="dt" sz="half" idx="10"/>
-          </p:nvPr>
-        </p:nvSpPr>
-        <p:spPr/>
-        <p:txBody>
-          <a:bodyPr/>
-          <a:lstStyle/>
-          <a:p>
-            <a:fld id="{DB015147-83F3-45C6-9E05-437E8040FCD2}" type="datetimeFigureOut">
-              <a:rPr lang="en-GB" smtClean="0"/>
-              <a:t>12/03/2021</a:t>
-            </a:fld>
-            <a:endParaRPr lang="en-GB"/>
-          </a:p>
-        </p:txBody>
-      </p:sp>
-      <p:sp>
-        <p:nvSpPr>
-          <p:cNvPr id="5" name="Footer Placeholder 4"/>
-          <p:cNvSpPr>
-            <a:spLocks noGrp="1"/>
-          </p:cNvSpPr>
-          <p:nvPr>
-            <p:ph type="ftr" sz="quarter" idx="11"/>
-          </p:nvPr>
-        </p:nvSpPr>
-        <p:spPr/>
-        <p:txBody>
-          <a:bodyPr/>
-          <a:lstStyle/>
-          <a:p>
-            <a:endParaRPr lang="en-GB"/>
-          </a:p>
-        </p:txBody>
-      </p:sp>
-      <p:sp>
-        <p:nvSpPr>
-          <p:cNvPr id="6" name="Slide Number Placeholder 5"/>
-          <p:cNvSpPr>
-            <a:spLocks noGrp="1"/>
-          </p:cNvSpPr>
-          <p:nvPr>
-            <p:ph type="sldNum" sz="quarter" idx="12"/>
-          </p:nvPr>
-        </p:nvSpPr>
-        <p:spPr/>
-        <p:txBody>
-          <a:bodyPr/>
-          <a:lstStyle/>
-          <a:p>
-            <a:fld id="{DAF25575-6C16-43B6-8085-61DA8CEBF1F4}" type="slidenum">
-              <a:rPr lang="en-GB" smtClean="0"/>
-              <a:t>‹#›</a:t>
-            </a:fld>
-            <a:endParaRPr lang="en-GB"/>
-          </a:p>
-        </p:txBody>
-      </p:sp>
-    </p:spTree>
-    <p:extLst>
-      <p:ext uri="{BB962C8B-B14F-4D97-AF65-F5344CB8AC3E}">
-        <p14:creationId xmlns:p14="http://schemas.microsoft.com/office/powerpoint/2010/main" val="1573049411"/>
-      </p:ext>
-    </p:extLst>
-  </p:cSld>
-  <p:clrMapOvr>
-    <a:masterClrMapping/>
-  </p:clrMapOvr>
-</p:sldLayout>
-</file>
-
-<file path=ppt/slideLayouts/slideLayout3.xml><?xml version="1.0" encoding="utf-8"?>
-<p:sldLayout xmlns:a="http://schemas.openxmlformats.org/drawingml/2006/main" xmlns:r="http://schemas.openxmlformats.org/officeDocument/2006/relationships" xmlns:p="http://schemas.openxmlformats.org/presentationml/2006/main" type="secHead" preserve="1">
-  <p:cSld name="Section Header">
-    <p:spTree>
-      <p:nvGrpSpPr>
-        <p:cNvPr id="1" name=""/>
-        <p:cNvGrpSpPr/>
-        <p:nvPr/>
-      </p:nvGrpSpPr>
-      <p:grpSpPr>
-        <a:xfrm>
-          <a:off x="0" y="0"/>
-          <a:ext cx="0" cy="0"/>
-          <a:chOff x="0" y="0"/>
-          <a:chExt cx="0" cy="0"/>
-        </a:xfrm>
-      </p:grpSpPr>
-      <p:sp>
-        <p:nvSpPr>
-          <p:cNvPr id="2" name="Title 1"/>
-          <p:cNvSpPr>
-            <a:spLocks noGrp="1"/>
-          </p:cNvSpPr>
-          <p:nvPr>
-            <p:ph type="title"/>
-          </p:nvPr>
-        </p:nvSpPr>
-        <p:spPr>
-          <a:xfrm>
-            <a:off x="831850" y="1709738"/>
-            <a:ext cx="10515600" cy="2852737"/>
-          </a:xfrm>
-        </p:spPr>
-        <p:txBody>
-          <a:bodyPr anchor="b"/>
-          <a:lstStyle>
-            <a:lvl1pPr>
-              <a:defRPr sz="6000"/>
-            </a:lvl1pPr>
-          </a:lstStyle>
-          <a:p>
-            <a:r>
-              <a:rPr lang="en-US" smtClean="0"/>
-              <a:t>Click to edit Master title style</a:t>
-            </a:r>
-            <a:endParaRPr lang="en-GB"/>
-          </a:p>
-        </p:txBody>
-      </p:sp>
-      <p:sp>
-        <p:nvSpPr>
-          <p:cNvPr id="3" name="Text Placeholder 2"/>
-          <p:cNvSpPr>
-            <a:spLocks noGrp="1"/>
-          </p:cNvSpPr>
-          <p:nvPr>
-            <p:ph type="body" idx="1"/>
-          </p:nvPr>
-        </p:nvSpPr>
-        <p:spPr>
-          <a:xfrm>
-            <a:off x="831850" y="4589463"/>
-            <a:ext cx="10515600" cy="1500187"/>
-          </a:xfrm>
-        </p:spPr>
-        <p:txBody>
-          <a:bodyPr/>
-          <a:lstStyle>
-            <a:lvl1pPr marL="0" indent="0">
-              <a:buNone/>
-              <a:defRPr sz="2400">
-                <a:solidFill>
-                  <a:schemeClr val="tx1">
-                    <a:tint val="75000"/>
-                  </a:schemeClr>
-                </a:solidFill>
-              </a:defRPr>
-            </a:lvl1pPr>
-            <a:lvl2pPr marL="457200" indent="0">
-              <a:buNone/>
-              <a:defRPr sz="2000">
-                <a:solidFill>
-                  <a:schemeClr val="tx1">
-                    <a:tint val="75000"/>
-                  </a:schemeClr>
-                </a:solidFill>
-              </a:defRPr>
-            </a:lvl2pPr>
-            <a:lvl3pPr marL="914400" indent="0">
-              <a:buNone/>
-              <a:defRPr sz="1800">
-                <a:solidFill>
-                  <a:schemeClr val="tx1">
-                    <a:tint val="75000"/>
-                  </a:schemeClr>
-                </a:solidFill>
-              </a:defRPr>
-            </a:lvl3pPr>
-            <a:lvl4pPr marL="1371600" indent="0">
-              <a:buNone/>
-              <a:defRPr sz="1600">
-                <a:solidFill>
-                  <a:schemeClr val="tx1">
-                    <a:tint val="75000"/>
-                  </a:schemeClr>
-                </a:solidFill>
-              </a:defRPr>
-            </a:lvl4pPr>
-            <a:lvl5pPr marL="1828800" indent="0">
-              <a:buNone/>
-              <a:defRPr sz="1600">
-                <a:solidFill>
-                  <a:schemeClr val="tx1">
-                    <a:tint val="75000"/>
-                  </a:schemeClr>
-                </a:solidFill>
-              </a:defRPr>
-            </a:lvl5pPr>
-            <a:lvl6pPr marL="2286000" indent="0">
-              <a:buNone/>
-              <a:defRPr sz="1600">
-                <a:solidFill>
-                  <a:schemeClr val="tx1">
-                    <a:tint val="75000"/>
-                  </a:schemeClr>
-                </a:solidFill>
-              </a:defRPr>
-            </a:lvl6pPr>
-            <a:lvl7pPr marL="2743200" indent="0">
-              <a:buNone/>
-              <a:defRPr sz="1600">
-                <a:solidFill>
-                  <a:schemeClr val="tx1">
-                    <a:tint val="75000"/>
-                  </a:schemeClr>
-                </a:solidFill>
-              </a:defRPr>
-            </a:lvl7pPr>
-            <a:lvl8pPr marL="3200400" indent="0">
-              <a:buNone/>
-              <a:defRPr sz="1600">
-                <a:solidFill>
-                  <a:schemeClr val="tx1">
-                    <a:tint val="75000"/>
-                  </a:schemeClr>
-                </a:solidFill>
-              </a:defRPr>
-            </a:lvl8pPr>
-            <a:lvl9pPr marL="3657600" indent="0">
-              <a:buNone/>
-              <a:defRPr sz="1600">
-                <a:solidFill>
-                  <a:schemeClr val="tx1">
-                    <a:tint val="75000"/>
-                  </a:schemeClr>
-                </a:solidFill>
-              </a:defRPr>
-            </a:lvl9pPr>
-          </a:lstStyle>
-          <a:p>
-            <a:pPr lvl="0"/>
-            <a:r>
-              <a:rPr lang="en-US" smtClean="0"/>
-              <a:t>Click to edit Master text styles</a:t>
-            </a:r>
-          </a:p>
-        </p:txBody>
-      </p:sp>
-      <p:sp>
-        <p:nvSpPr>
-          <p:cNvPr id="4" name="Date Placeholder 3"/>
-          <p:cNvSpPr>
-            <a:spLocks noGrp="1"/>
-          </p:cNvSpPr>
-          <p:nvPr>
-            <p:ph type="dt" sz="half" idx="10"/>
-          </p:nvPr>
-        </p:nvSpPr>
-        <p:spPr/>
-        <p:txBody>
-          <a:bodyPr/>
-          <a:lstStyle/>
-          <a:p>
-            <a:fld id="{DB015147-83F3-45C6-9E05-437E8040FCD2}" type="datetimeFigureOut">
-              <a:rPr lang="en-GB" smtClean="0"/>
-              <a:t>12/03/2021</a:t>
-            </a:fld>
-            <a:endParaRPr lang="en-GB"/>
-          </a:p>
-        </p:txBody>
-      </p:sp>
-      <p:sp>
-        <p:nvSpPr>
-          <p:cNvPr id="5" name="Footer Placeholder 4"/>
-          <p:cNvSpPr>
-            <a:spLocks noGrp="1"/>
-          </p:cNvSpPr>
-          <p:nvPr>
-            <p:ph type="ftr" sz="quarter" idx="11"/>
-          </p:nvPr>
-        </p:nvSpPr>
-        <p:spPr/>
-        <p:txBody>
-          <a:bodyPr/>
-          <a:lstStyle/>
-          <a:p>
-            <a:endParaRPr lang="en-GB"/>
-          </a:p>
-        </p:txBody>
-      </p:sp>
-      <p:sp>
-        <p:nvSpPr>
-          <p:cNvPr id="6" name="Slide Number Placeholder 5"/>
-          <p:cNvSpPr>
-            <a:spLocks noGrp="1"/>
-          </p:cNvSpPr>
-          <p:nvPr>
-            <p:ph type="sldNum" sz="quarter" idx="12"/>
-          </p:nvPr>
-        </p:nvSpPr>
-        <p:spPr/>
-        <p:txBody>
-          <a:bodyPr/>
-          <a:lstStyle/>
-          <a:p>
-            <a:fld id="{DAF25575-6C16-43B6-8085-61DA8CEBF1F4}" type="slidenum">
-              <a:rPr lang="en-GB" smtClean="0"/>
-              <a:t>‹#›</a:t>
-            </a:fld>
-            <a:endParaRPr lang="en-GB"/>
-          </a:p>
-        </p:txBody>
-      </p:sp>
-    </p:spTree>
-    <p:extLst>
-      <p:ext uri="{BB962C8B-B14F-4D97-AF65-F5344CB8AC3E}">
-        <p14:creationId xmlns:p14="http://schemas.microsoft.com/office/powerpoint/2010/main" val="3430717447"/>
-      </p:ext>
-    </p:extLst>
-  </p:cSld>
-  <p:clrMapOvr>
-    <a:masterClrMapping/>
-  </p:clrMapOvr>
-</p:sldLayout>
-</file>
-
-<file path=ppt/slideLayouts/slideLayout4.xml><?xml version="1.0" encoding="utf-8"?>
-<p:sldLayout xmlns:a="http://schemas.openxmlformats.org/drawingml/2006/main" xmlns:r="http://schemas.openxmlformats.org/officeDocument/2006/relationships" xmlns:p="http://schemas.openxmlformats.org/presentationml/2006/main" type="twoObj" preserve="1">
-  <p:cSld name="Two Content">
-    <p:spTree>
-      <p:nvGrpSpPr>
-        <p:cNvPr id="1" name=""/>
-        <p:cNvGrpSpPr/>
-        <p:nvPr/>
-      </p:nvGrpSpPr>
-      <p:grpSpPr>
-        <a:xfrm>
-          <a:off x="0" y="0"/>
-          <a:ext cx="0" cy="0"/>
-          <a:chOff x="0" y="0"/>
-          <a:chExt cx="0" cy="0"/>
-        </a:xfrm>
-      </p:grpSpPr>
-      <p:sp>
-        <p:nvSpPr>
-          <p:cNvPr id="2" name="Title 1"/>
-          <p:cNvSpPr>
-            <a:spLocks noGrp="1"/>
-          </p:cNvSpPr>
-          <p:nvPr>
-            <p:ph type="title"/>
-          </p:nvPr>
-        </p:nvSpPr>
-        <p:spPr/>
-        <p:txBody>
-          <a:bodyPr/>
-          <a:lstStyle/>
-          <a:p>
-            <a:r>
-              <a:rPr lang="en-US" smtClean="0"/>
-              <a:t>Click to edit Master title style</a:t>
-            </a:r>
-            <a:endParaRPr lang="en-GB"/>
-          </a:p>
-        </p:txBody>
-      </p:sp>
-      <p:sp>
-        <p:nvSpPr>
-          <p:cNvPr id="3" name="Content Placeholder 2"/>
-          <p:cNvSpPr>
-            <a:spLocks noGrp="1"/>
-          </p:cNvSpPr>
-          <p:nvPr>
-            <p:ph sz="half" idx="1"/>
-          </p:nvPr>
-        </p:nvSpPr>
-        <p:spPr>
-          <a:xfrm>
-            <a:off x="838200" y="1825625"/>
-            <a:ext cx="5181600" cy="4351338"/>
-          </a:xfrm>
-        </p:spPr>
-        <p:txBody>
-          <a:bodyPr/>
-          <a:lstStyle/>
-          <a:p>
-            <a:pPr lvl="0"/>
-            <a:r>
-              <a:rPr lang="en-US" smtClean="0"/>
-              <a:t>Click to edit Master text styles</a:t>
-            </a:r>
-          </a:p>
-          <a:p>
-            <a:pPr lvl="1"/>
-            <a:r>
-              <a:rPr lang="en-US" smtClean="0"/>
-              <a:t>Second level</a:t>
-            </a:r>
-          </a:p>
-          <a:p>
-            <a:pPr lvl="2"/>
-            <a:r>
-              <a:rPr lang="en-US" smtClean="0"/>
-              <a:t>Third level</a:t>
-            </a:r>
-          </a:p>
-          <a:p>
-            <a:pPr lvl="3"/>
-            <a:r>
-              <a:rPr lang="en-US" smtClean="0"/>
-              <a:t>Fourth level</a:t>
-            </a:r>
-          </a:p>
-          <a:p>
-            <a:pPr lvl="4"/>
-            <a:r>
-              <a:rPr lang="en-US" smtClean="0"/>
-              <a:t>Fifth level</a:t>
-            </a:r>
-            <a:endParaRPr lang="en-GB"/>
-          </a:p>
-        </p:txBody>
-      </p:sp>
-      <p:sp>
-        <p:nvSpPr>
-          <p:cNvPr id="4" name="Content Placeholder 3"/>
-          <p:cNvSpPr>
-            <a:spLocks noGrp="1"/>
-          </p:cNvSpPr>
-          <p:nvPr>
-            <p:ph sz="half" idx="2"/>
-          </p:nvPr>
-        </p:nvSpPr>
-        <p:spPr>
-          <a:xfrm>
-            <a:off x="6172200" y="1825625"/>
-            <a:ext cx="5181600" cy="4351338"/>
-          </a:xfrm>
-        </p:spPr>
-        <p:txBody>
-          <a:bodyPr/>
-          <a:lstStyle/>
-          <a:p>
-            <a:pPr lvl="0"/>
-            <a:r>
-              <a:rPr lang="en-US" smtClean="0"/>
-              <a:t>Click to edit Master text styles</a:t>
-            </a:r>
-          </a:p>
-          <a:p>
-            <a:pPr lvl="1"/>
-            <a:r>
-              <a:rPr lang="en-US" smtClean="0"/>
-              <a:t>Second level</a:t>
-            </a:r>
-          </a:p>
-          <a:p>
-            <a:pPr lvl="2"/>
-            <a:r>
-              <a:rPr lang="en-US" smtClean="0"/>
-              <a:t>Third level</a:t>
-            </a:r>
-          </a:p>
-          <a:p>
-            <a:pPr lvl="3"/>
-            <a:r>
-              <a:rPr lang="en-US" smtClean="0"/>
-              <a:t>Fourth level</a:t>
-            </a:r>
-          </a:p>
-          <a:p>
-            <a:pPr lvl="4"/>
-            <a:r>
-              <a:rPr lang="en-US" smtClean="0"/>
-              <a:t>Fifth level</a:t>
-            </a:r>
-            <a:endParaRPr lang="en-GB"/>
-          </a:p>
-        </p:txBody>
-      </p:sp>
-      <p:sp>
-        <p:nvSpPr>
-          <p:cNvPr id="5" name="Date Placeholder 4"/>
-          <p:cNvSpPr>
-            <a:spLocks noGrp="1"/>
-          </p:cNvSpPr>
-          <p:nvPr>
-            <p:ph type="dt" sz="half" idx="10"/>
-          </p:nvPr>
-        </p:nvSpPr>
-        <p:spPr/>
-        <p:txBody>
-          <a:bodyPr/>
-          <a:lstStyle/>
-          <a:p>
-            <a:fld id="{DB015147-83F3-45C6-9E05-437E8040FCD2}" type="datetimeFigureOut">
-              <a:rPr lang="en-GB" smtClean="0"/>
-              <a:t>12/03/2021</a:t>
-            </a:fld>
-            <a:endParaRPr lang="en-GB"/>
-          </a:p>
-        </p:txBody>
-      </p:sp>
-      <p:sp>
-        <p:nvSpPr>
-          <p:cNvPr id="6" name="Footer Placeholder 5"/>
-          <p:cNvSpPr>
-            <a:spLocks noGrp="1"/>
-          </p:cNvSpPr>
-          <p:nvPr>
-            <p:ph type="ftr" sz="quarter" idx="11"/>
-          </p:nvPr>
-        </p:nvSpPr>
-        <p:spPr/>
-        <p:txBody>
-          <a:bodyPr/>
-          <a:lstStyle/>
-          <a:p>
-            <a:endParaRPr lang="en-GB"/>
-          </a:p>
-        </p:txBody>
-      </p:sp>
-      <p:sp>
-        <p:nvSpPr>
-          <p:cNvPr id="7" name="Slide Number Placeholder 6"/>
-          <p:cNvSpPr>
-            <a:spLocks noGrp="1"/>
-          </p:cNvSpPr>
-          <p:nvPr>
-            <p:ph type="sldNum" sz="quarter" idx="12"/>
-          </p:nvPr>
-        </p:nvSpPr>
-        <p:spPr/>
-        <p:txBody>
-          <a:bodyPr/>
-          <a:lstStyle/>
-          <a:p>
-            <a:fld id="{DAF25575-6C16-43B6-8085-61DA8CEBF1F4}" type="slidenum">
-              <a:rPr lang="en-GB" smtClean="0"/>
-              <a:t>‹#›</a:t>
-            </a:fld>
-            <a:endParaRPr lang="en-GB"/>
-          </a:p>
-        </p:txBody>
-      </p:sp>
-    </p:spTree>
-    <p:extLst>
-      <p:ext uri="{BB962C8B-B14F-4D97-AF65-F5344CB8AC3E}">
-        <p14:creationId xmlns:p14="http://schemas.microsoft.com/office/powerpoint/2010/main" val="998312872"/>
-      </p:ext>
-    </p:extLst>
-  </p:cSld>
-  <p:clrMapOvr>
-    <a:masterClrMapping/>
-  </p:clrMapOvr>
-</p:sldLayout>
-</file>
-
-<file path=ppt/slideLayouts/slideLayout5.xml><?xml version="1.0" encoding="utf-8"?>
-<p:sldLayout xmlns:a="http://schemas.openxmlformats.org/drawingml/2006/main" xmlns:r="http://schemas.openxmlformats.org/officeDocument/2006/relationships" xmlns:p="http://schemas.openxmlformats.org/presentationml/2006/main" type="twoTxTwoObj" preserve="1">
-  <p:cSld name="Comparison">
-    <p:spTree>
-      <p:nvGrpSpPr>
-        <p:cNvPr id="1" name=""/>
-        <p:cNvGrpSpPr/>
-        <p:nvPr/>
-      </p:nvGrpSpPr>
-      <p:grpSpPr>
-        <a:xfrm>
-          <a:off x="0" y="0"/>
-          <a:ext cx="0" cy="0"/>
-          <a:chOff x="0" y="0"/>
-          <a:chExt cx="0" cy="0"/>
-        </a:xfrm>
-      </p:grpSpPr>
-      <p:sp>
-        <p:nvSpPr>
-          <p:cNvPr id="2" name="Title 1"/>
-          <p:cNvSpPr>
-            <a:spLocks noGrp="1"/>
-          </p:cNvSpPr>
-          <p:nvPr>
-            <p:ph type="title"/>
-          </p:nvPr>
-        </p:nvSpPr>
-        <p:spPr>
-          <a:xfrm>
-            <a:off x="839788" y="365125"/>
-            <a:ext cx="10515600" cy="1325563"/>
-          </a:xfrm>
-        </p:spPr>
-        <p:txBody>
-          <a:bodyPr/>
-          <a:lstStyle/>
-          <a:p>
-            <a:r>
-              <a:rPr lang="en-US" smtClean="0"/>
-              <a:t>Click to edit Master title style</a:t>
-            </a:r>
-            <a:endParaRPr lang="en-GB"/>
-          </a:p>
-        </p:txBody>
-      </p:sp>
-      <p:sp>
-        <p:nvSpPr>
-          <p:cNvPr id="3" name="Text Placeholder 2"/>
-          <p:cNvSpPr>
-            <a:spLocks noGrp="1"/>
-          </p:cNvSpPr>
-          <p:nvPr>
-            <p:ph type="body" idx="1"/>
-          </p:nvPr>
-        </p:nvSpPr>
-        <p:spPr>
-          <a:xfrm>
-            <a:off x="839788" y="1681163"/>
-            <a:ext cx="5157787" cy="823912"/>
-          </a:xfrm>
-        </p:spPr>
-        <p:txBody>
-          <a:bodyPr anchor="b"/>
-          <a:lstStyle>
-            <a:lvl1pPr marL="0" indent="0">
-              <a:buNone/>
-              <a:defRPr sz="2400" b="1"/>
-            </a:lvl1pPr>
-            <a:lvl2pPr marL="457200" indent="0">
-              <a:buNone/>
-              <a:defRPr sz="2000" b="1"/>
-            </a:lvl2pPr>
-            <a:lvl3pPr marL="914400" indent="0">
-              <a:buNone/>
-              <a:defRPr sz="1800" b="1"/>
-            </a:lvl3pPr>
-            <a:lvl4pPr marL="1371600" indent="0">
-              <a:buNone/>
-              <a:defRPr sz="1600" b="1"/>
-            </a:lvl4pPr>
-            <a:lvl5pPr marL="1828800" indent="0">
-              <a:buNone/>
-              <a:defRPr sz="1600" b="1"/>
-            </a:lvl5pPr>
-            <a:lvl6pPr marL="2286000" indent="0">
-              <a:buNone/>
-              <a:defRPr sz="1600" b="1"/>
-            </a:lvl6pPr>
-            <a:lvl7pPr marL="2743200" indent="0">
-              <a:buNone/>
-              <a:defRPr sz="1600" b="1"/>
-            </a:lvl7pPr>
-            <a:lvl8pPr marL="3200400" indent="0">
-              <a:buNone/>
-              <a:defRPr sz="1600" b="1"/>
-            </a:lvl8pPr>
-            <a:lvl9pPr marL="3657600" indent="0">
-              <a:buNone/>
-              <a:defRPr sz="1600" b="1"/>
-            </a:lvl9pPr>
-          </a:lstStyle>
-          <a:p>
-            <a:pPr lvl="0"/>
-            <a:r>
-              <a:rPr lang="en-US" smtClean="0"/>
-              <a:t>Click to edit Master text styles</a:t>
-            </a:r>
-          </a:p>
-        </p:txBody>
-      </p:sp>
-      <p:sp>
-        <p:nvSpPr>
-          <p:cNvPr id="4" name="Content Placeholder 3"/>
-          <p:cNvSpPr>
-            <a:spLocks noGrp="1"/>
-          </p:cNvSpPr>
-          <p:nvPr>
-            <p:ph sz="half" idx="2"/>
-          </p:nvPr>
-        </p:nvSpPr>
-        <p:spPr>
-          <a:xfrm>
-            <a:off x="839788" y="2505075"/>
-            <a:ext cx="5157787" cy="3684588"/>
-          </a:xfrm>
-        </p:spPr>
-        <p:txBody>
-          <a:bodyPr/>
-          <a:lstStyle/>
-          <a:p>
-            <a:pPr lvl="0"/>
-            <a:r>
-              <a:rPr lang="en-US" smtClean="0"/>
-              <a:t>Click to edit Master text styles</a:t>
-            </a:r>
-          </a:p>
-          <a:p>
-            <a:pPr lvl="1"/>
-            <a:r>
-              <a:rPr lang="en-US" smtClean="0"/>
-              <a:t>Second level</a:t>
-            </a:r>
-          </a:p>
-          <a:p>
-            <a:pPr lvl="2"/>
-            <a:r>
-              <a:rPr lang="en-US" smtClean="0"/>
-              <a:t>Third level</a:t>
-            </a:r>
-          </a:p>
-          <a:p>
-            <a:pPr lvl="3"/>
-            <a:r>
-              <a:rPr lang="en-US" smtClean="0"/>
-              <a:t>Fourth level</a:t>
-            </a:r>
-          </a:p>
-          <a:p>
-            <a:pPr lvl="4"/>
-            <a:r>
-              <a:rPr lang="en-US" smtClean="0"/>
-              <a:t>Fifth level</a:t>
-            </a:r>
-            <a:endParaRPr lang="en-GB"/>
-          </a:p>
-        </p:txBody>
-      </p:sp>
-      <p:sp>
-        <p:nvSpPr>
-          <p:cNvPr id="5" name="Text Placeholder 4"/>
-          <p:cNvSpPr>
-            <a:spLocks noGrp="1"/>
-          </p:cNvSpPr>
-          <p:nvPr>
-            <p:ph type="body" sz="quarter" idx="3"/>
-          </p:nvPr>
-        </p:nvSpPr>
-        <p:spPr>
-          <a:xfrm>
-            <a:off x="6172200" y="1681163"/>
-            <a:ext cx="5183188" cy="823912"/>
-          </a:xfrm>
-        </p:spPr>
-        <p:txBody>
-          <a:bodyPr anchor="b"/>
-          <a:lstStyle>
-            <a:lvl1pPr marL="0" indent="0">
-              <a:buNone/>
-              <a:defRPr sz="2400" b="1"/>
-            </a:lvl1pPr>
-            <a:lvl2pPr marL="457200" indent="0">
-              <a:buNone/>
-              <a:defRPr sz="2000" b="1"/>
-            </a:lvl2pPr>
-            <a:lvl3pPr marL="914400" indent="0">
-              <a:buNone/>
-              <a:defRPr sz="1800" b="1"/>
-            </a:lvl3pPr>
-            <a:lvl4pPr marL="1371600" indent="0">
-              <a:buNone/>
-              <a:defRPr sz="1600" b="1"/>
-            </a:lvl4pPr>
-            <a:lvl5pPr marL="1828800" indent="0">
-              <a:buNone/>
-              <a:defRPr sz="1600" b="1"/>
-            </a:lvl5pPr>
-            <a:lvl6pPr marL="2286000" indent="0">
-              <a:buNone/>
-              <a:defRPr sz="1600" b="1"/>
-            </a:lvl6pPr>
-            <a:lvl7pPr marL="2743200" indent="0">
-              <a:buNone/>
-              <a:defRPr sz="1600" b="1"/>
-            </a:lvl7pPr>
-            <a:lvl8pPr marL="3200400" indent="0">
-              <a:buNone/>
-              <a:defRPr sz="1600" b="1"/>
-            </a:lvl8pPr>
-            <a:lvl9pPr marL="3657600" indent="0">
-              <a:buNone/>
-              <a:defRPr sz="1600" b="1"/>
-            </a:lvl9pPr>
-          </a:lstStyle>
-          <a:p>
-            <a:pPr lvl="0"/>
-            <a:r>
-              <a:rPr lang="en-US" smtClean="0"/>
-              <a:t>Click to edit Master text styles</a:t>
-            </a:r>
-          </a:p>
-        </p:txBody>
-      </p:sp>
-      <p:sp>
-        <p:nvSpPr>
-          <p:cNvPr id="6" name="Content Placeholder 5"/>
-          <p:cNvSpPr>
-            <a:spLocks noGrp="1"/>
-          </p:cNvSpPr>
-          <p:nvPr>
-            <p:ph sz="quarter" idx="4"/>
-          </p:nvPr>
-        </p:nvSpPr>
-        <p:spPr>
-          <a:xfrm>
-            <a:off x="6172200" y="2505075"/>
-            <a:ext cx="5183188" cy="3684588"/>
-          </a:xfrm>
-        </p:spPr>
-        <p:txBody>
-          <a:bodyPr/>
-          <a:lstStyle/>
-          <a:p>
-            <a:pPr lvl="0"/>
-            <a:r>
-              <a:rPr lang="en-US" smtClean="0"/>
-              <a:t>Click to edit Master text styles</a:t>
-            </a:r>
-          </a:p>
-          <a:p>
-            <a:pPr lvl="1"/>
-            <a:r>
-              <a:rPr lang="en-US" smtClean="0"/>
-              <a:t>Second level</a:t>
-            </a:r>
-          </a:p>
-          <a:p>
-            <a:pPr lvl="2"/>
-            <a:r>
-              <a:rPr lang="en-US" smtClean="0"/>
-              <a:t>Third level</a:t>
-            </a:r>
-          </a:p>
-          <a:p>
-            <a:pPr lvl="3"/>
-            <a:r>
-              <a:rPr lang="en-US" smtClean="0"/>
-              <a:t>Fourth level</a:t>
-            </a:r>
-          </a:p>
-          <a:p>
-            <a:pPr lvl="4"/>
-            <a:r>
-              <a:rPr lang="en-US" smtClean="0"/>
-              <a:t>Fifth level</a:t>
-            </a:r>
-            <a:endParaRPr lang="en-GB"/>
-          </a:p>
-        </p:txBody>
-      </p:sp>
-      <p:sp>
-        <p:nvSpPr>
-          <p:cNvPr id="7" name="Date Placeholder 6"/>
-          <p:cNvSpPr>
-            <a:spLocks noGrp="1"/>
-          </p:cNvSpPr>
-          <p:nvPr>
-            <p:ph type="dt" sz="half" idx="10"/>
-          </p:nvPr>
-        </p:nvSpPr>
-        <p:spPr/>
-        <p:txBody>
-          <a:bodyPr/>
-          <a:lstStyle/>
-          <a:p>
-            <a:fld id="{DB015147-83F3-45C6-9E05-437E8040FCD2}" type="datetimeFigureOut">
-              <a:rPr lang="en-GB" smtClean="0"/>
-              <a:t>12/03/2021</a:t>
-            </a:fld>
-            <a:endParaRPr lang="en-GB"/>
-          </a:p>
-        </p:txBody>
-      </p:sp>
-      <p:sp>
-        <p:nvSpPr>
-          <p:cNvPr id="8" name="Footer Placeholder 7"/>
-          <p:cNvSpPr>
-            <a:spLocks noGrp="1"/>
-          </p:cNvSpPr>
-          <p:nvPr>
-            <p:ph type="ftr" sz="quarter" idx="11"/>
-          </p:nvPr>
-        </p:nvSpPr>
-        <p:spPr/>
-        <p:txBody>
-          <a:bodyPr/>
-          <a:lstStyle/>
-          <a:p>
-            <a:endParaRPr lang="en-GB"/>
-          </a:p>
-        </p:txBody>
-      </p:sp>
-      <p:sp>
-        <p:nvSpPr>
-          <p:cNvPr id="9" name="Slide Number Placeholder 8"/>
-          <p:cNvSpPr>
-            <a:spLocks noGrp="1"/>
-          </p:cNvSpPr>
-          <p:nvPr>
-            <p:ph type="sldNum" sz="quarter" idx="12"/>
-          </p:nvPr>
-        </p:nvSpPr>
-        <p:spPr/>
-        <p:txBody>
-          <a:bodyPr/>
-          <a:lstStyle/>
-          <a:p>
-            <a:fld id="{DAF25575-6C16-43B6-8085-61DA8CEBF1F4}" type="slidenum">
-              <a:rPr lang="en-GB" smtClean="0"/>
-              <a:t>‹#›</a:t>
-            </a:fld>
-            <a:endParaRPr lang="en-GB"/>
-          </a:p>
-        </p:txBody>
-      </p:sp>
-    </p:spTree>
-    <p:extLst>
-      <p:ext uri="{BB962C8B-B14F-4D97-AF65-F5344CB8AC3E}">
-        <p14:creationId xmlns:p14="http://schemas.microsoft.com/office/powerpoint/2010/main" val="1156051693"/>
-      </p:ext>
-    </p:extLst>
-  </p:cSld>
-  <p:clrMapOvr>
-    <a:masterClrMapping/>
-  </p:clrMapOvr>
-</p:sldLayout>
-</file>
-
-<file path=ppt/slideLayouts/slideLayout6.xml><?xml version="1.0" encoding="utf-8"?>
-<p:sldLayout xmlns:a="http://schemas.openxmlformats.org/drawingml/2006/main" xmlns:r="http://schemas.openxmlformats.org/officeDocument/2006/relationships" xmlns:p="http://schemas.openxmlformats.org/presentationml/2006/main" type="titleOnly" preserve="1">
-  <p:cSld name="Title Only">
-    <p:spTree>
-      <p:nvGrpSpPr>
-        <p:cNvPr id="1" name=""/>
-        <p:cNvGrpSpPr/>
-        <p:nvPr/>
-      </p:nvGrpSpPr>
-      <p:grpSpPr>
-        <a:xfrm>
-          <a:off x="0" y="0"/>
-          <a:ext cx="0" cy="0"/>
-          <a:chOff x="0" y="0"/>
-          <a:chExt cx="0" cy="0"/>
-        </a:xfrm>
-      </p:grpSpPr>
-      <p:sp>
-        <p:nvSpPr>
-          <p:cNvPr id="2" name="Title 1"/>
-          <p:cNvSpPr>
-            <a:spLocks noGrp="1"/>
-          </p:cNvSpPr>
-          <p:nvPr>
-            <p:ph type="title"/>
-          </p:nvPr>
-        </p:nvSpPr>
-        <p:spPr/>
-        <p:txBody>
-          <a:bodyPr/>
-          <a:lstStyle/>
-          <a:p>
-            <a:r>
-              <a:rPr lang="en-US" smtClean="0"/>
-              <a:t>Click to edit Master title style</a:t>
-            </a:r>
-            <a:endParaRPr lang="en-GB"/>
-          </a:p>
-        </p:txBody>
-      </p:sp>
-      <p:sp>
-        <p:nvSpPr>
-          <p:cNvPr id="3" name="Date Placeholder 2"/>
-          <p:cNvSpPr>
-            <a:spLocks noGrp="1"/>
-          </p:cNvSpPr>
-          <p:nvPr>
-            <p:ph type="dt" sz="half" idx="10"/>
-          </p:nvPr>
-        </p:nvSpPr>
-        <p:spPr/>
-        <p:txBody>
-          <a:bodyPr/>
-          <a:lstStyle/>
-          <a:p>
-            <a:fld id="{DB015147-83F3-45C6-9E05-437E8040FCD2}" type="datetimeFigureOut">
-              <a:rPr lang="en-GB" smtClean="0"/>
-              <a:t>12/03/2021</a:t>
-            </a:fld>
-            <a:endParaRPr lang="en-GB"/>
-          </a:p>
-        </p:txBody>
-      </p:sp>
-      <p:sp>
-        <p:nvSpPr>
-          <p:cNvPr id="4" name="Footer Placeholder 3"/>
-          <p:cNvSpPr>
-            <a:spLocks noGrp="1"/>
-          </p:cNvSpPr>
-          <p:nvPr>
-            <p:ph type="ftr" sz="quarter" idx="11"/>
-          </p:nvPr>
-        </p:nvSpPr>
-        <p:spPr/>
-        <p:txBody>
-          <a:bodyPr/>
-          <a:lstStyle/>
-          <a:p>
-            <a:endParaRPr lang="en-GB"/>
-          </a:p>
-        </p:txBody>
-      </p:sp>
-      <p:sp>
-        <p:nvSpPr>
-          <p:cNvPr id="5" name="Slide Number Placeholder 4"/>
-          <p:cNvSpPr>
-            <a:spLocks noGrp="1"/>
-          </p:cNvSpPr>
-          <p:nvPr>
-            <p:ph type="sldNum" sz="quarter" idx="12"/>
-          </p:nvPr>
-        </p:nvSpPr>
-        <p:spPr/>
-        <p:txBody>
-          <a:bodyPr/>
-          <a:lstStyle/>
-          <a:p>
-            <a:fld id="{DAF25575-6C16-43B6-8085-61DA8CEBF1F4}" type="slidenum">
-              <a:rPr lang="en-GB" smtClean="0"/>
-              <a:t>‹#›</a:t>
-            </a:fld>
-            <a:endParaRPr lang="en-GB"/>
-          </a:p>
-        </p:txBody>
-      </p:sp>
-    </p:spTree>
-    <p:extLst>
-      <p:ext uri="{BB962C8B-B14F-4D97-AF65-F5344CB8AC3E}">
-        <p14:creationId xmlns:p14="http://schemas.microsoft.com/office/powerpoint/2010/main" val="3009523882"/>
-      </p:ext>
-    </p:extLst>
-  </p:cSld>
-  <p:clrMapOvr>
-    <a:masterClrMapping/>
-  </p:clrMapOvr>
-</p:sldLayout>
-</file>
-
-<file path=ppt/slideLayouts/slideLayout7.xml><?xml version="1.0" encoding="utf-8"?>
-<p:sldLayout xmlns:a="http://schemas.openxmlformats.org/drawingml/2006/main" xmlns:r="http://schemas.openxmlformats.org/officeDocument/2006/relationships" xmlns:p="http://schemas.openxmlformats.org/presentationml/2006/main" preserve="1" userDrawn="1">
-  <p:cSld name="Custom Layout">
-    <p:spTree>
-      <p:nvGrpSpPr>
-        <p:cNvPr id="1" name=""/>
-        <p:cNvGrpSpPr/>
-        <p:nvPr/>
-      </p:nvGrpSpPr>
-      <p:grpSpPr>
-        <a:xfrm>
-          <a:off x="0" y="0"/>
-          <a:ext cx="0" cy="0"/>
-          <a:chOff x="0" y="0"/>
-          <a:chExt cx="0" cy="0"/>
-        </a:xfrm>
-      </p:grpSpPr>
-      <p:sp>
-        <p:nvSpPr>
-          <p:cNvPr id="2" name="Title 1"/>
-          <p:cNvSpPr>
-            <a:spLocks noGrp="1"/>
-          </p:cNvSpPr>
-          <p:nvPr>
-            <p:ph type="title"/>
-          </p:nvPr>
-        </p:nvSpPr>
-        <p:spPr/>
-        <p:txBody>
-          <a:bodyPr/>
-          <a:lstStyle/>
-          <a:p>
-            <a:r>
-              <a:rPr lang="en-US" smtClean="0"/>
-              <a:t>Click to edit Master title style</a:t>
-            </a:r>
-            <a:endParaRPr lang="en-GB"/>
-          </a:p>
-        </p:txBody>
-      </p:sp>
-      <p:sp>
-        <p:nvSpPr>
-          <p:cNvPr id="3" name="Date Placeholder 2"/>
-          <p:cNvSpPr>
-            <a:spLocks noGrp="1"/>
-          </p:cNvSpPr>
-          <p:nvPr>
-            <p:ph type="dt" sz="half" idx="10"/>
-          </p:nvPr>
-        </p:nvSpPr>
-        <p:spPr/>
-        <p:txBody>
-          <a:bodyPr/>
-          <a:lstStyle/>
-          <a:p>
-            <a:fld id="{DB015147-83F3-45C6-9E05-437E8040FCD2}" type="datetimeFigureOut">
-              <a:rPr lang="en-GB" smtClean="0"/>
-              <a:t>12/03/2021</a:t>
-            </a:fld>
-            <a:endParaRPr lang="en-GB"/>
-          </a:p>
-        </p:txBody>
-      </p:sp>
-      <p:sp>
-        <p:nvSpPr>
-          <p:cNvPr id="4" name="Footer Placeholder 3"/>
-          <p:cNvSpPr>
-            <a:spLocks noGrp="1"/>
-          </p:cNvSpPr>
-          <p:nvPr>
-            <p:ph type="ftr" sz="quarter" idx="11"/>
-          </p:nvPr>
-        </p:nvSpPr>
-        <p:spPr/>
-        <p:txBody>
-          <a:bodyPr/>
-          <a:lstStyle/>
-          <a:p>
-            <a:endParaRPr lang="en-GB"/>
-          </a:p>
-        </p:txBody>
-      </p:sp>
-      <p:sp>
-        <p:nvSpPr>
-          <p:cNvPr id="5" name="Slide Number Placeholder 4"/>
-          <p:cNvSpPr>
-            <a:spLocks noGrp="1"/>
-          </p:cNvSpPr>
-          <p:nvPr>
-            <p:ph type="sldNum" sz="quarter" idx="12"/>
-          </p:nvPr>
-        </p:nvSpPr>
-        <p:spPr/>
-        <p:txBody>
-          <a:bodyPr/>
-          <a:lstStyle/>
-          <a:p>
-            <a:fld id="{DAF25575-6C16-43B6-8085-61DA8CEBF1F4}" type="slidenum">
-              <a:rPr lang="en-GB" smtClean="0"/>
-              <a:t>‹#›</a:t>
-            </a:fld>
-            <a:endParaRPr lang="en-GB"/>
-          </a:p>
-        </p:txBody>
-      </p:sp>
-    </p:spTree>
-    <p:extLst>
-      <p:ext uri="{BB962C8B-B14F-4D97-AF65-F5344CB8AC3E}">
-        <p14:creationId xmlns:p14="http://schemas.microsoft.com/office/powerpoint/2010/main" val="328124189"/>
-      </p:ext>
-    </p:extLst>
-  </p:cSld>
-  <p:clrMapOvr>
-    <a:masterClrMapping/>
-  </p:clrMapOvr>
-</p:sldLayout>
-</file>
-
-<file path=ppt/slideLayouts/slideLayout8.xml><?xml version="1.0" encoding="utf-8"?>
-<p:sldLayout xmlns:a="http://schemas.openxmlformats.org/drawingml/2006/main" xmlns:r="http://schemas.openxmlformats.org/officeDocument/2006/relationships" xmlns:p="http://schemas.openxmlformats.org/presentationml/2006/main" type="blank" preserve="1">
-  <p:cSld name="Blank">
-    <p:spTree>
-      <p:nvGrpSpPr>
-        <p:cNvPr id="1" name=""/>
-        <p:cNvGrpSpPr/>
-        <p:nvPr/>
-      </p:nvGrpSpPr>
-      <p:grpSpPr>
-        <a:xfrm>
-          <a:off x="0" y="0"/>
-          <a:ext cx="0" cy="0"/>
-          <a:chOff x="0" y="0"/>
-          <a:chExt cx="0" cy="0"/>
-        </a:xfrm>
-      </p:grpSpPr>
-      <p:sp>
-        <p:nvSpPr>
-          <p:cNvPr id="2" name="Date Placeholder 1"/>
-          <p:cNvSpPr>
-            <a:spLocks noGrp="1"/>
-          </p:cNvSpPr>
-          <p:nvPr>
-            <p:ph type="dt" sz="half" idx="10"/>
-          </p:nvPr>
-        </p:nvSpPr>
-        <p:spPr/>
-        <p:txBody>
-          <a:bodyPr/>
-          <a:lstStyle/>
-          <a:p>
-            <a:fld id="{DB015147-83F3-45C6-9E05-437E8040FCD2}" type="datetimeFigureOut">
-              <a:rPr lang="en-GB" smtClean="0"/>
-              <a:t>12/03/2021</a:t>
-            </a:fld>
-            <a:endParaRPr lang="en-GB"/>
-          </a:p>
-        </p:txBody>
-      </p:sp>
-      <p:sp>
-        <p:nvSpPr>
-          <p:cNvPr id="3" name="Footer Placeholder 2"/>
-          <p:cNvSpPr>
-            <a:spLocks noGrp="1"/>
-          </p:cNvSpPr>
-          <p:nvPr>
-            <p:ph type="ftr" sz="quarter" idx="11"/>
-          </p:nvPr>
-        </p:nvSpPr>
-        <p:spPr/>
-        <p:txBody>
-          <a:bodyPr/>
-          <a:lstStyle/>
-          <a:p>
-            <a:endParaRPr lang="en-GB"/>
-          </a:p>
-        </p:txBody>
-      </p:sp>
-      <p:sp>
-        <p:nvSpPr>
-          <p:cNvPr id="4" name="Slide Number Placeholder 3"/>
-          <p:cNvSpPr>
-            <a:spLocks noGrp="1"/>
-          </p:cNvSpPr>
-          <p:nvPr>
-            <p:ph type="sldNum" sz="quarter" idx="12"/>
-          </p:nvPr>
-        </p:nvSpPr>
-        <p:spPr/>
-        <p:txBody>
-          <a:bodyPr/>
-          <a:lstStyle/>
-          <a:p>
-            <a:fld id="{DAF25575-6C16-43B6-8085-61DA8CEBF1F4}" type="slidenum">
-              <a:rPr lang="en-GB" smtClean="0"/>
-              <a:t>‹#›</a:t>
-            </a:fld>
-            <a:endParaRPr lang="en-GB"/>
-          </a:p>
-        </p:txBody>
-      </p:sp>
-    </p:spTree>
-    <p:extLst>
-      <p:ext uri="{BB962C8B-B14F-4D97-AF65-F5344CB8AC3E}">
-        <p14:creationId xmlns:p14="http://schemas.microsoft.com/office/powerpoint/2010/main" val="2872424018"/>
-      </p:ext>
-    </p:extLst>
-  </p:cSld>
-  <p:clrMapOvr>
-    <a:masterClrMapping/>
-  </p:clrMapOvr>
-</p:sldLayout>
-</file>
-
-<file path=ppt/slideLayouts/slideLayout9.xml><?xml version="1.0" encoding="utf-8"?>
-<p:sldLayout xmlns:a="http://schemas.openxmlformats.org/drawingml/2006/main" xmlns:r="http://schemas.openxmlformats.org/officeDocument/2006/relationships" xmlns:p="http://schemas.openxmlformats.org/presentationml/2006/main" type="objTx" preserve="1">
-  <p:cSld name="Content with Caption">
-    <p:spTree>
-      <p:nvGrpSpPr>
-        <p:cNvPr id="1" name=""/>
-        <p:cNvGrpSpPr/>
-        <p:nvPr/>
-      </p:nvGrpSpPr>
-      <p:grpSpPr>
-        <a:xfrm>
-          <a:off x="0" y="0"/>
-          <a:ext cx="0" cy="0"/>
-          <a:chOff x="0" y="0"/>
-          <a:chExt cx="0" cy="0"/>
-        </a:xfrm>
-      </p:grpSpPr>
-      <p:sp>
-        <p:nvSpPr>
-          <p:cNvPr id="2" name="Title 1"/>
-          <p:cNvSpPr>
-            <a:spLocks noGrp="1"/>
-          </p:cNvSpPr>
-          <p:nvPr>
-            <p:ph type="title"/>
-          </p:nvPr>
-        </p:nvSpPr>
-        <p:spPr>
-          <a:xfrm>
-            <a:off x="839788" y="457200"/>
-            <a:ext cx="3932237" cy="1600200"/>
-          </a:xfrm>
-        </p:spPr>
-        <p:txBody>
-          <a:bodyPr anchor="b"/>
-          <a:lstStyle>
-            <a:lvl1pPr>
-              <a:defRPr sz="3200"/>
-            </a:lvl1pPr>
-          </a:lstStyle>
-          <a:p>
-            <a:r>
-              <a:rPr lang="en-US" smtClean="0"/>
-              <a:t>Click to edit Master title style</a:t>
-            </a:r>
-            <a:endParaRPr lang="en-GB"/>
-          </a:p>
-        </p:txBody>
-      </p:sp>
-      <p:sp>
-        <p:nvSpPr>
-          <p:cNvPr id="3" name="Content Placeholder 2"/>
-          <p:cNvSpPr>
-            <a:spLocks noGrp="1"/>
-          </p:cNvSpPr>
-          <p:nvPr>
-            <p:ph idx="1"/>
-          </p:nvPr>
-        </p:nvSpPr>
-        <p:spPr>
-          <a:xfrm>
-            <a:off x="5183188" y="987425"/>
-            <a:ext cx="6172200" cy="4873625"/>
-          </a:xfrm>
-        </p:spPr>
-        <p:txBody>
-          <a:bodyPr/>
-          <a:lstStyle>
-            <a:lvl1pPr>
-              <a:defRPr sz="3200"/>
-            </a:lvl1pPr>
-            <a:lvl2pPr>
-              <a:defRPr sz="2800"/>
-            </a:lvl2pPr>
-            <a:lvl3pPr>
-              <a:defRPr sz="2400"/>
-            </a:lvl3pPr>
-            <a:lvl4pPr>
-              <a:defRPr sz="2000"/>
-            </a:lvl4pPr>
-            <a:lvl5pPr>
-              <a:defRPr sz="2000"/>
-            </a:lvl5pPr>
-            <a:lvl6pPr>
-              <a:defRPr sz="2000"/>
-            </a:lvl6pPr>
-            <a:lvl7pPr>
-              <a:defRPr sz="2000"/>
-            </a:lvl7pPr>
-            <a:lvl8pPr>
-              <a:defRPr sz="2000"/>
-            </a:lvl8pPr>
-            <a:lvl9pPr>
-              <a:defRPr sz="2000"/>
-            </a:lvl9pPr>
-          </a:lstStyle>
-          <a:p>
-            <a:pPr lvl="0"/>
-            <a:r>
-              <a:rPr lang="en-US" smtClean="0"/>
-              <a:t>Click to edit Master text styles</a:t>
-            </a:r>
-          </a:p>
-          <a:p>
-            <a:pPr lvl="1"/>
-            <a:r>
-              <a:rPr lang="en-US" smtClean="0"/>
-              <a:t>Second level</a:t>
-            </a:r>
-          </a:p>
-          <a:p>
-            <a:pPr lvl="2"/>
-            <a:r>
-              <a:rPr lang="en-US" smtClean="0"/>
-              <a:t>Third level</a:t>
-            </a:r>
-          </a:p>
-          <a:p>
-            <a:pPr lvl="3"/>
-            <a:r>
-              <a:rPr lang="en-US" smtClean="0"/>
-              <a:t>Fourth level</a:t>
-            </a:r>
-          </a:p>
-          <a:p>
-            <a:pPr lvl="4"/>
-            <a:r>
-              <a:rPr lang="en-US" smtClean="0"/>
-              <a:t>Fifth level</a:t>
-            </a:r>
-            <a:endParaRPr lang="en-GB"/>
-          </a:p>
-        </p:txBody>
-      </p:sp>
-      <p:sp>
-        <p:nvSpPr>
-          <p:cNvPr id="4" name="Text Placeholder 3"/>
-          <p:cNvSpPr>
-            <a:spLocks noGrp="1"/>
-          </p:cNvSpPr>
-          <p:nvPr>
-            <p:ph type="body" sz="half" idx="2"/>
-          </p:nvPr>
-        </p:nvSpPr>
-        <p:spPr>
-          <a:xfrm>
-            <a:off x="839788" y="2057400"/>
-            <a:ext cx="3932237" cy="3811588"/>
-          </a:xfrm>
-        </p:spPr>
-        <p:txBody>
-          <a:bodyPr/>
-          <a:lstStyle>
-            <a:lvl1pPr marL="0" indent="0">
-              <a:buNone/>
-              <a:defRPr sz="1600"/>
-            </a:lvl1pPr>
-            <a:lvl2pPr marL="457200" indent="0">
-              <a:buNone/>
-              <a:defRPr sz="1400"/>
-            </a:lvl2pPr>
-            <a:lvl3pPr marL="914400" indent="0">
-              <a:buNone/>
-              <a:defRPr sz="1200"/>
-            </a:lvl3pPr>
-            <a:lvl4pPr marL="1371600" indent="0">
-              <a:buNone/>
-              <a:defRPr sz="1000"/>
-            </a:lvl4pPr>
-            <a:lvl5pPr marL="1828800" indent="0">
-              <a:buNone/>
-              <a:defRPr sz="1000"/>
-            </a:lvl5pPr>
-            <a:lvl6pPr marL="2286000" indent="0">
-              <a:buNone/>
-              <a:defRPr sz="1000"/>
-            </a:lvl6pPr>
-            <a:lvl7pPr marL="2743200" indent="0">
-              <a:buNone/>
-              <a:defRPr sz="1000"/>
-            </a:lvl7pPr>
-            <a:lvl8pPr marL="3200400" indent="0">
-              <a:buNone/>
-              <a:defRPr sz="1000"/>
-            </a:lvl8pPr>
-            <a:lvl9pPr marL="3657600" indent="0">
-              <a:buNone/>
-              <a:defRPr sz="1000"/>
-            </a:lvl9pPr>
-          </a:lstStyle>
-          <a:p>
-            <a:pPr lvl="0"/>
-            <a:r>
-              <a:rPr lang="en-US" smtClean="0"/>
-              <a:t>Click to edit Master text styles</a:t>
-            </a:r>
-          </a:p>
-        </p:txBody>
-      </p:sp>
-      <p:sp>
-        <p:nvSpPr>
-          <p:cNvPr id="5" name="Date Placeholder 4"/>
-          <p:cNvSpPr>
-            <a:spLocks noGrp="1"/>
-          </p:cNvSpPr>
-          <p:nvPr>
-            <p:ph type="dt" sz="half" idx="10"/>
-          </p:nvPr>
-        </p:nvSpPr>
-        <p:spPr/>
-        <p:txBody>
-          <a:bodyPr/>
-          <a:lstStyle/>
-          <a:p>
-            <a:fld id="{DB015147-83F3-45C6-9E05-437E8040FCD2}" type="datetimeFigureOut">
-              <a:rPr lang="en-GB" smtClean="0"/>
-              <a:t>12/03/2021</a:t>
-            </a:fld>
-            <a:endParaRPr lang="en-GB"/>
-          </a:p>
-        </p:txBody>
-      </p:sp>
-      <p:sp>
-        <p:nvSpPr>
-          <p:cNvPr id="6" name="Footer Placeholder 5"/>
-          <p:cNvSpPr>
-            <a:spLocks noGrp="1"/>
-          </p:cNvSpPr>
-          <p:nvPr>
-            <p:ph type="ftr" sz="quarter" idx="11"/>
-          </p:nvPr>
-        </p:nvSpPr>
-        <p:spPr/>
-        <p:txBody>
-          <a:bodyPr/>
-          <a:lstStyle/>
-          <a:p>
-            <a:endParaRPr lang="en-GB"/>
-          </a:p>
-        </p:txBody>
-      </p:sp>
-      <p:sp>
-        <p:nvSpPr>
-          <p:cNvPr id="7" name="Slide Number Placeholder 6"/>
-          <p:cNvSpPr>
-            <a:spLocks noGrp="1"/>
-          </p:cNvSpPr>
-          <p:nvPr>
-            <p:ph type="sldNum" sz="quarter" idx="12"/>
-          </p:nvPr>
-        </p:nvSpPr>
-        <p:spPr/>
-        <p:txBody>
-          <a:bodyPr/>
-          <a:lstStyle/>
-          <a:p>
-            <a:fld id="{DAF25575-6C16-43B6-8085-61DA8CEBF1F4}" type="slidenum">
-              <a:rPr lang="en-GB" smtClean="0"/>
-              <a:t>‹#›</a:t>
-            </a:fld>
-            <a:endParaRPr lang="en-GB"/>
-          </a:p>
-        </p:txBody>
-      </p:sp>
-    </p:spTree>
-    <p:extLst>
-      <p:ext uri="{BB962C8B-B14F-4D97-AF65-F5344CB8AC3E}">
-        <p14:creationId xmlns:p14="http://schemas.microsoft.com/office/powerpoint/2010/main" val="954661145"/>
+        <p14:creationId xmlns:p14="http://schemas.microsoft.com/office/powerpoint/2010/main" val="2428367803"/>
       </p:ext>
     </p:extLst>
   </p:cSld>
@@ -6183,6 +6838,82 @@
       </p:grpSpPr>
       <p:sp>
         <p:nvSpPr>
+          <p:cNvPr id="7" name="Rectangle 6"/>
+          <p:cNvSpPr/>
+          <p:nvPr/>
+        </p:nvSpPr>
+        <p:spPr>
+          <a:xfrm>
+            <a:off x="1" y="6400800"/>
+            <a:ext cx="12192000" cy="457200"/>
+          </a:xfrm>
+          <a:prstGeom prst="rect">
+            <a:avLst/>
+          </a:prstGeom>
+          <a:solidFill>
+            <a:schemeClr val="accent2"/>
+          </a:solidFill>
+          <a:ln>
+            <a:noFill/>
+          </a:ln>
+        </p:spPr>
+        <p:style>
+          <a:lnRef idx="2">
+            <a:schemeClr val="accent1">
+              <a:shade val="50000"/>
+            </a:schemeClr>
+          </a:lnRef>
+          <a:fillRef idx="1">
+            <a:schemeClr val="accent1"/>
+          </a:fillRef>
+          <a:effectRef idx="0">
+            <a:schemeClr val="accent1"/>
+          </a:effectRef>
+          <a:fontRef idx="minor">
+            <a:schemeClr val="lt1"/>
+          </a:fontRef>
+        </p:style>
+      </p:sp>
+      <p:sp>
+        <p:nvSpPr>
+          <p:cNvPr id="9" name="Rectangle 8"/>
+          <p:cNvSpPr/>
+          <p:nvPr/>
+        </p:nvSpPr>
+        <p:spPr>
+          <a:xfrm>
+            <a:off x="0" y="6334316"/>
+            <a:ext cx="12192001" cy="65998"/>
+          </a:xfrm>
+          <a:prstGeom prst="rect">
+            <a:avLst/>
+          </a:prstGeom>
+          <a:solidFill>
+            <a:schemeClr val="accent1"/>
+          </a:solidFill>
+          <a:ln>
+            <a:noFill/>
+          </a:ln>
+        </p:spPr>
+        <p:style>
+          <a:lnRef idx="2">
+            <a:schemeClr val="accent1">
+              <a:shade val="50000"/>
+            </a:schemeClr>
+          </a:lnRef>
+          <a:fillRef idx="1">
+            <a:schemeClr val="accent1"/>
+          </a:fillRef>
+          <a:effectRef idx="0">
+            <a:schemeClr val="accent1"/>
+          </a:effectRef>
+          <a:fontRef idx="minor">
+            <a:schemeClr val="lt1"/>
+          </a:fontRef>
+        </p:style>
+      </p:sp>
+      <p:sp>
+        <p:nvSpPr>
           <p:cNvPr id="2" name="Title Placeholder 1"/>
           <p:cNvSpPr>
             <a:spLocks noGrp="1"/>
@@ -6193,15 +6924,15 @@
         </p:nvSpPr>
         <p:spPr>
           <a:xfrm>
-            <a:off x="838200" y="365125"/>
-            <a:ext cx="10515600" cy="1325563"/>
+            <a:off x="1097280" y="286603"/>
+            <a:ext cx="10058400" cy="1450757"/>
           </a:xfrm>
           <a:prstGeom prst="rect">
             <a:avLst/>
           </a:prstGeom>
         </p:spPr>
         <p:txBody>
-          <a:bodyPr vert="horz" lIns="91440" tIns="45720" rIns="91440" bIns="45720" rtlCol="0" anchor="ctr">
+          <a:bodyPr vert="horz" lIns="91440" tIns="45720" rIns="91440" bIns="45720" rtlCol="0" anchor="b">
             <a:normAutofit/>
           </a:bodyPr>
           <a:lstStyle/>
@@ -6210,7 +6941,7 @@
               <a:rPr lang="en-US" smtClean="0"/>
               <a:t>Click to edit Master title style</a:t>
             </a:r>
-            <a:endParaRPr lang="en-GB"/>
+            <a:endParaRPr lang="en-US" dirty="0"/>
           </a:p>
         </p:txBody>
       </p:sp>
@@ -6226,15 +6957,15 @@
         </p:nvSpPr>
         <p:spPr>
           <a:xfrm>
-            <a:off x="838200" y="1825625"/>
-            <a:ext cx="10515600" cy="4351338"/>
+            <a:off x="1097280" y="1845734"/>
+            <a:ext cx="10058400" cy="4023360"/>
           </a:xfrm>
           <a:prstGeom prst="rect">
             <a:avLst/>
           </a:prstGeom>
         </p:spPr>
         <p:txBody>
-          <a:bodyPr vert="horz" lIns="91440" tIns="45720" rIns="91440" bIns="45720" rtlCol="0">
+          <a:bodyPr vert="horz" lIns="0" tIns="45720" rIns="0" bIns="45720" rtlCol="0">
             <a:normAutofit/>
           </a:bodyPr>
           <a:lstStyle/>
@@ -6272,7 +7003,7 @@
               <a:rPr lang="en-US" smtClean="0"/>
               <a:t>Fifth level</a:t>
             </a:r>
-            <a:endParaRPr lang="en-GB"/>
+            <a:endParaRPr lang="en-US" dirty="0"/>
           </a:p>
         </p:txBody>
       </p:sp>
@@ -6288,8 +7019,8 @@
         </p:nvSpPr>
         <p:spPr>
           <a:xfrm>
-            <a:off x="838200" y="6356350"/>
-            <a:ext cx="2743200" cy="365125"/>
+            <a:off x="1097280" y="6459785"/>
+            <a:ext cx="2472271" cy="365125"/>
           </a:xfrm>
           <a:prstGeom prst="rect">
             <a:avLst/>
@@ -6299,11 +7030,9 @@
           <a:bodyPr vert="horz" lIns="91440" tIns="45720" rIns="91440" bIns="45720" rtlCol="0" anchor="ctr"/>
           <a:lstStyle>
             <a:lvl1pPr algn="l">
-              <a:defRPr sz="1200">
+              <a:defRPr sz="900">
                 <a:solidFill>
-                  <a:schemeClr val="tx1">
-                    <a:tint val="75000"/>
-                  </a:schemeClr>
+                  <a:srgbClr val="FFFFFF"/>
                 </a:solidFill>
               </a:defRPr>
             </a:lvl1pPr>
@@ -6311,7 +7040,7 @@
           <a:p>
             <a:fld id="{DB015147-83F3-45C6-9E05-437E8040FCD2}" type="datetimeFigureOut">
               <a:rPr lang="en-GB" smtClean="0"/>
-              <a:t>12/03/2021</a:t>
+              <a:t>13/03/2021</a:t>
             </a:fld>
             <a:endParaRPr lang="en-GB"/>
           </a:p>
@@ -6329,8 +7058,8 @@
         </p:nvSpPr>
         <p:spPr>
           <a:xfrm>
-            <a:off x="4038600" y="6356350"/>
-            <a:ext cx="4114800" cy="365125"/>
+            <a:off x="3686185" y="6459785"/>
+            <a:ext cx="4822804" cy="365125"/>
           </a:xfrm>
           <a:prstGeom prst="rect">
             <a:avLst/>
@@ -6340,11 +7069,9 @@
           <a:bodyPr vert="horz" lIns="91440" tIns="45720" rIns="91440" bIns="45720" rtlCol="0" anchor="ctr"/>
           <a:lstStyle>
             <a:lvl1pPr algn="ctr">
-              <a:defRPr sz="1200">
+              <a:defRPr sz="900" cap="all" baseline="0">
                 <a:solidFill>
-                  <a:schemeClr val="tx1">
-                    <a:tint val="75000"/>
-                  </a:schemeClr>
+                  <a:srgbClr val="FFFFFF"/>
                 </a:solidFill>
               </a:defRPr>
             </a:lvl1pPr>
@@ -6366,8 +7093,8 @@
         </p:nvSpPr>
         <p:spPr>
           <a:xfrm>
-            <a:off x="8610600" y="6356350"/>
-            <a:ext cx="2743200" cy="365125"/>
+            <a:off x="9900458" y="6459785"/>
+            <a:ext cx="1312025" cy="365125"/>
           </a:xfrm>
           <a:prstGeom prst="rect">
             <a:avLst/>
@@ -6377,11 +7104,9 @@
           <a:bodyPr vert="horz" lIns="91440" tIns="45720" rIns="91440" bIns="45720" rtlCol="0" anchor="ctr"/>
           <a:lstStyle>
             <a:lvl1pPr algn="r">
-              <a:defRPr sz="1200">
+              <a:defRPr sz="1050">
                 <a:solidFill>
-                  <a:schemeClr val="tx1">
-                    <a:tint val="75000"/>
-                  </a:schemeClr>
+                  <a:srgbClr val="FFFFFF"/>
                 </a:solidFill>
               </a:defRPr>
             </a:lvl1pPr>
@@ -6395,41 +7120,82 @@
           </a:p>
         </p:txBody>
       </p:sp>
+      <p:cxnSp>
+        <p:nvCxnSpPr>
+          <p:cNvPr id="10" name="Straight Connector 9"/>
+          <p:cNvCxnSpPr/>
+          <p:nvPr/>
+        </p:nvCxnSpPr>
+        <p:spPr>
+          <a:xfrm>
+            <a:off x="1193532" y="1737845"/>
+            <a:ext cx="9966960" cy="0"/>
+          </a:xfrm>
+          <a:prstGeom prst="line">
+            <a:avLst/>
+          </a:prstGeom>
+          <a:ln w="6350">
+            <a:solidFill>
+              <a:schemeClr val="tx1">
+                <a:lumMod val="50000"/>
+                <a:lumOff val="50000"/>
+              </a:schemeClr>
+            </a:solidFill>
+          </a:ln>
+        </p:spPr>
+        <p:style>
+          <a:lnRef idx="1">
+            <a:schemeClr val="accent1"/>
+          </a:lnRef>
+          <a:fillRef idx="0">
+            <a:schemeClr val="accent1"/>
+          </a:fillRef>
+          <a:effectRef idx="0">
+            <a:schemeClr val="accent1"/>
+          </a:effectRef>
+          <a:fontRef idx="minor">
+            <a:schemeClr val="tx1"/>
+          </a:fontRef>
+        </p:style>
+      </p:cxnSp>
     </p:spTree>
     <p:extLst>
       <p:ext uri="{BB962C8B-B14F-4D97-AF65-F5344CB8AC3E}">
-        <p14:creationId xmlns:p14="http://schemas.microsoft.com/office/powerpoint/2010/main" val="1352046336"/>
+        <p14:creationId xmlns:p14="http://schemas.microsoft.com/office/powerpoint/2010/main" val="1365936588"/>
       </p:ext>
     </p:extLst>
   </p:cSld>
   <p:clrMap bg1="lt1" tx1="dk1" bg2="lt2" tx2="dk2" accent1="accent1" accent2="accent2" accent3="accent3" accent4="accent4" accent5="accent5" accent6="accent6" hlink="hlink" folHlink="folHlink"/>
   <p:sldLayoutIdLst>
-    <p:sldLayoutId id="2147483678" r:id="rId1"/>
-    <p:sldLayoutId id="2147483679" r:id="rId2"/>
-    <p:sldLayoutId id="2147483680" r:id="rId3"/>
-    <p:sldLayoutId id="2147483681" r:id="rId4"/>
-    <p:sldLayoutId id="2147483682" r:id="rId5"/>
-    <p:sldLayoutId id="2147483683" r:id="rId6"/>
-    <p:sldLayoutId id="2147483689" r:id="rId7"/>
-    <p:sldLayoutId id="2147483684" r:id="rId8"/>
-    <p:sldLayoutId id="2147483685" r:id="rId9"/>
-    <p:sldLayoutId id="2147483686" r:id="rId10"/>
-    <p:sldLayoutId id="2147483687" r:id="rId11"/>
-    <p:sldLayoutId id="2147483688" r:id="rId12"/>
+    <p:sldLayoutId id="2147483691" r:id="rId1"/>
+    <p:sldLayoutId id="2147483692" r:id="rId2"/>
+    <p:sldLayoutId id="2147483693" r:id="rId3"/>
+    <p:sldLayoutId id="2147483694" r:id="rId4"/>
+    <p:sldLayoutId id="2147483695" r:id="rId5"/>
+    <p:sldLayoutId id="2147483696" r:id="rId6"/>
+    <p:sldLayoutId id="2147483697" r:id="rId7"/>
+    <p:sldLayoutId id="2147483698" r:id="rId8"/>
+    <p:sldLayoutId id="2147483699" r:id="rId9"/>
+    <p:sldLayoutId id="2147483700" r:id="rId10"/>
+    <p:sldLayoutId id="2147483701" r:id="rId11"/>
+    <p:sldLayoutId id="2147483689" r:id="rId12"/>
   </p:sldLayoutIdLst>
   <p:txStyles>
     <p:titleStyle>
       <a:lvl1pPr algn="l" defTabSz="914400" rtl="0" eaLnBrk="1" latinLnBrk="0" hangingPunct="1">
         <a:lnSpc>
-          <a:spcPct val="90000"/>
+          <a:spcPct val="85000"/>
         </a:lnSpc>
         <a:spcBef>
           <a:spcPct val="0"/>
         </a:spcBef>
         <a:buNone/>
-        <a:defRPr sz="4400" kern="1200">
+        <a:defRPr sz="4800" kern="1200" spc="-50" baseline="0">
           <a:solidFill>
-            <a:schemeClr val="tx1"/>
+            <a:schemeClr val="tx1">
+              <a:lumMod val="75000"/>
+              <a:lumOff val="25000"/>
+            </a:schemeClr>
           </a:solidFill>
           <a:latin typeface="+mj-lt"/>
           <a:ea typeface="+mj-ea"/>
@@ -6438,162 +7204,244 @@
       </a:lvl1pPr>
     </p:titleStyle>
     <p:bodyStyle>
-      <a:lvl1pPr marL="228600" indent="-228600" algn="l" defTabSz="914400" rtl="0" eaLnBrk="1" latinLnBrk="0" hangingPunct="1">
+      <a:lvl1pPr marL="91440" indent="-91440" algn="l" defTabSz="914400" rtl="0" eaLnBrk="1" latinLnBrk="0" hangingPunct="1">
         <a:lnSpc>
           <a:spcPct val="90000"/>
         </a:lnSpc>
         <a:spcBef>
-          <a:spcPts val="1000"/>
+          <a:spcPts val="1200"/>
         </a:spcBef>
-        <a:buFont typeface="Arial" panose="020B0604020202020204" pitchFamily="34" charset="0"/>
-        <a:buChar char="•"/>
-        <a:defRPr sz="2800" kern="1200">
+        <a:spcAft>
+          <a:spcPts val="200"/>
+        </a:spcAft>
+        <a:buClr>
+          <a:schemeClr val="accent1"/>
+        </a:buClr>
+        <a:buSzPct val="100000"/>
+        <a:buFont typeface="Calibri" panose="020F0502020204030204" pitchFamily="34" charset="0"/>
+        <a:buChar char=" "/>
+        <a:defRPr sz="2000" kern="1200">
           <a:solidFill>
-            <a:schemeClr val="tx1"/>
+            <a:schemeClr val="tx1">
+              <a:lumMod val="75000"/>
+              <a:lumOff val="25000"/>
+            </a:schemeClr>
           </a:solidFill>
           <a:latin typeface="+mn-lt"/>
           <a:ea typeface="+mn-ea"/>
           <a:cs typeface="+mn-cs"/>
         </a:defRPr>
       </a:lvl1pPr>
-      <a:lvl2pPr marL="685800" indent="-228600" algn="l" defTabSz="914400" rtl="0" eaLnBrk="1" latinLnBrk="0" hangingPunct="1">
+      <a:lvl2pPr marL="384048" indent="-182880" algn="l" defTabSz="914400" rtl="0" eaLnBrk="1" latinLnBrk="0" hangingPunct="1">
         <a:lnSpc>
           <a:spcPct val="90000"/>
         </a:lnSpc>
         <a:spcBef>
-          <a:spcPts val="500"/>
+          <a:spcPts val="200"/>
         </a:spcBef>
-        <a:buFont typeface="Arial" panose="020B0604020202020204" pitchFamily="34" charset="0"/>
-        <a:buChar char="•"/>
-        <a:defRPr sz="2400" kern="1200">
+        <a:spcAft>
+          <a:spcPts val="400"/>
+        </a:spcAft>
+        <a:buClr>
+          <a:schemeClr val="accent1"/>
+        </a:buClr>
+        <a:buFont typeface="Calibri" pitchFamily="34" charset="0"/>
+        <a:buChar char="◦"/>
+        <a:defRPr sz="1800" kern="1200">
           <a:solidFill>
-            <a:schemeClr val="tx1"/>
+            <a:schemeClr val="tx1">
+              <a:lumMod val="75000"/>
+              <a:lumOff val="25000"/>
+            </a:schemeClr>
           </a:solidFill>
           <a:latin typeface="+mn-lt"/>
           <a:ea typeface="+mn-ea"/>
           <a:cs typeface="+mn-cs"/>
         </a:defRPr>
       </a:lvl2pPr>
-      <a:lvl3pPr marL="1143000" indent="-228600" algn="l" defTabSz="914400" rtl="0" eaLnBrk="1" latinLnBrk="0" hangingPunct="1">
+      <a:lvl3pPr marL="566928" indent="-182880" algn="l" defTabSz="914400" rtl="0" eaLnBrk="1" latinLnBrk="0" hangingPunct="1">
         <a:lnSpc>
           <a:spcPct val="90000"/>
         </a:lnSpc>
         <a:spcBef>
-          <a:spcPts val="500"/>
+          <a:spcPts val="200"/>
         </a:spcBef>
-        <a:buFont typeface="Arial" panose="020B0604020202020204" pitchFamily="34" charset="0"/>
-        <a:buChar char="•"/>
-        <a:defRPr sz="2000" kern="1200">
+        <a:spcAft>
+          <a:spcPts val="400"/>
+        </a:spcAft>
+        <a:buClr>
+          <a:schemeClr val="accent1"/>
+        </a:buClr>
+        <a:buFont typeface="Calibri" pitchFamily="34" charset="0"/>
+        <a:buChar char="◦"/>
+        <a:defRPr sz="1400" kern="1200">
           <a:solidFill>
-            <a:schemeClr val="tx1"/>
+            <a:schemeClr val="tx1">
+              <a:lumMod val="75000"/>
+              <a:lumOff val="25000"/>
+            </a:schemeClr>
           </a:solidFill>
           <a:latin typeface="+mn-lt"/>
           <a:ea typeface="+mn-ea"/>
           <a:cs typeface="+mn-cs"/>
         </a:defRPr>
       </a:lvl3pPr>
-      <a:lvl4pPr marL="1600200" indent="-228600" algn="l" defTabSz="914400" rtl="0" eaLnBrk="1" latinLnBrk="0" hangingPunct="1">
+      <a:lvl4pPr marL="749808" indent="-182880" algn="l" defTabSz="914400" rtl="0" eaLnBrk="1" latinLnBrk="0" hangingPunct="1">
         <a:lnSpc>
           <a:spcPct val="90000"/>
         </a:lnSpc>
         <a:spcBef>
-          <a:spcPts val="500"/>
+          <a:spcPts val="200"/>
         </a:spcBef>
-        <a:buFont typeface="Arial" panose="020B0604020202020204" pitchFamily="34" charset="0"/>
-        <a:buChar char="•"/>
-        <a:defRPr sz="1800" kern="1200">
+        <a:spcAft>
+          <a:spcPts val="400"/>
+        </a:spcAft>
+        <a:buClr>
+          <a:schemeClr val="accent1"/>
+        </a:buClr>
+        <a:buFont typeface="Calibri" pitchFamily="34" charset="0"/>
+        <a:buChar char="◦"/>
+        <a:defRPr sz="1400" kern="1200">
           <a:solidFill>
-            <a:schemeClr val="tx1"/>
+            <a:schemeClr val="tx1">
+              <a:lumMod val="75000"/>
+              <a:lumOff val="25000"/>
+            </a:schemeClr>
           </a:solidFill>
           <a:latin typeface="+mn-lt"/>
           <a:ea typeface="+mn-ea"/>
           <a:cs typeface="+mn-cs"/>
         </a:defRPr>
       </a:lvl4pPr>
-      <a:lvl5pPr marL="2057400" indent="-228600" algn="l" defTabSz="914400" rtl="0" eaLnBrk="1" latinLnBrk="0" hangingPunct="1">
+      <a:lvl5pPr marL="932688" indent="-182880" algn="l" defTabSz="914400" rtl="0" eaLnBrk="1" latinLnBrk="0" hangingPunct="1">
         <a:lnSpc>
           <a:spcPct val="90000"/>
         </a:lnSpc>
         <a:spcBef>
-          <a:spcPts val="500"/>
+          <a:spcPts val="200"/>
         </a:spcBef>
-        <a:buFont typeface="Arial" panose="020B0604020202020204" pitchFamily="34" charset="0"/>
-        <a:buChar char="•"/>
-        <a:defRPr sz="1800" kern="1200">
+        <a:spcAft>
+          <a:spcPts val="400"/>
+        </a:spcAft>
+        <a:buClr>
+          <a:schemeClr val="accent1"/>
+        </a:buClr>
+        <a:buFont typeface="Calibri" pitchFamily="34" charset="0"/>
+        <a:buChar char="◦"/>
+        <a:defRPr sz="1400" kern="1200">
           <a:solidFill>
-            <a:schemeClr val="tx1"/>
+            <a:schemeClr val="tx1">
+              <a:lumMod val="75000"/>
+              <a:lumOff val="25000"/>
+            </a:schemeClr>
           </a:solidFill>
           <a:latin typeface="+mn-lt"/>
           <a:ea typeface="+mn-ea"/>
           <a:cs typeface="+mn-cs"/>
         </a:defRPr>
       </a:lvl5pPr>
-      <a:lvl6pPr marL="2514600" indent="-228600" algn="l" defTabSz="914400" rtl="0" eaLnBrk="1" latinLnBrk="0" hangingPunct="1">
+      <a:lvl6pPr marL="1100000" indent="-228600" algn="l" defTabSz="914400" rtl="0" eaLnBrk="1" latinLnBrk="0" hangingPunct="1">
         <a:lnSpc>
           <a:spcPct val="90000"/>
         </a:lnSpc>
         <a:spcBef>
-          <a:spcPts val="500"/>
+          <a:spcPts val="200"/>
         </a:spcBef>
-        <a:buFont typeface="Arial" panose="020B0604020202020204" pitchFamily="34" charset="0"/>
-        <a:buChar char="•"/>
-        <a:defRPr sz="1800" kern="1200">
+        <a:spcAft>
+          <a:spcPts val="400"/>
+        </a:spcAft>
+        <a:buClr>
+          <a:schemeClr val="accent1"/>
+        </a:buClr>
+        <a:buFont typeface="Calibri" pitchFamily="34" charset="0"/>
+        <a:buChar char="◦"/>
+        <a:defRPr sz="1400" kern="1200">
           <a:solidFill>
-            <a:schemeClr val="tx1"/>
+            <a:schemeClr val="tx1">
+              <a:lumMod val="75000"/>
+              <a:lumOff val="25000"/>
+            </a:schemeClr>
           </a:solidFill>
           <a:latin typeface="+mn-lt"/>
           <a:ea typeface="+mn-ea"/>
           <a:cs typeface="+mn-cs"/>
         </a:defRPr>
       </a:lvl6pPr>
-      <a:lvl7pPr marL="2971800" indent="-228600" algn="l" defTabSz="914400" rtl="0" eaLnBrk="1" latinLnBrk="0" hangingPunct="1">
+      <a:lvl7pPr marL="1300000" indent="-228600" algn="l" defTabSz="914400" rtl="0" eaLnBrk="1" latinLnBrk="0" hangingPunct="1">
         <a:lnSpc>
           <a:spcPct val="90000"/>
         </a:lnSpc>
         <a:spcBef>
-          <a:spcPts val="500"/>
+          <a:spcPts val="200"/>
         </a:spcBef>
-        <a:buFont typeface="Arial" panose="020B0604020202020204" pitchFamily="34" charset="0"/>
-        <a:buChar char="•"/>
-        <a:defRPr sz="1800" kern="1200">
+        <a:spcAft>
+          <a:spcPts val="400"/>
+        </a:spcAft>
+        <a:buClr>
+          <a:schemeClr val="accent1"/>
+        </a:buClr>
+        <a:buFont typeface="Calibri" pitchFamily="34" charset="0"/>
+        <a:buChar char="◦"/>
+        <a:defRPr sz="1400" kern="1200">
           <a:solidFill>
-            <a:schemeClr val="tx1"/>
+            <a:schemeClr val="tx1">
+              <a:lumMod val="75000"/>
+              <a:lumOff val="25000"/>
+            </a:schemeClr>
           </a:solidFill>
           <a:latin typeface="+mn-lt"/>
           <a:ea typeface="+mn-ea"/>
           <a:cs typeface="+mn-cs"/>
         </a:defRPr>
       </a:lvl7pPr>
-      <a:lvl8pPr marL="3429000" indent="-228600" algn="l" defTabSz="914400" rtl="0" eaLnBrk="1" latinLnBrk="0" hangingPunct="1">
+      <a:lvl8pPr marL="1500000" indent="-228600" algn="l" defTabSz="914400" rtl="0" eaLnBrk="1" latinLnBrk="0" hangingPunct="1">
         <a:lnSpc>
           <a:spcPct val="90000"/>
         </a:lnSpc>
         <a:spcBef>
-          <a:spcPts val="500"/>
+          <a:spcPts val="200"/>
         </a:spcBef>
-        <a:buFont typeface="Arial" panose="020B0604020202020204" pitchFamily="34" charset="0"/>
-        <a:buChar char="•"/>
-        <a:defRPr sz="1800" kern="1200">
+        <a:spcAft>
+          <a:spcPts val="400"/>
+        </a:spcAft>
+        <a:buClr>
+          <a:schemeClr val="accent1"/>
+        </a:buClr>
+        <a:buFont typeface="Calibri" pitchFamily="34" charset="0"/>
+        <a:buChar char="◦"/>
+        <a:defRPr sz="1400" kern="1200">
           <a:solidFill>
-            <a:schemeClr val="tx1"/>
+            <a:schemeClr val="tx1">
+              <a:lumMod val="75000"/>
+              <a:lumOff val="25000"/>
+            </a:schemeClr>
           </a:solidFill>
           <a:latin typeface="+mn-lt"/>
           <a:ea typeface="+mn-ea"/>
           <a:cs typeface="+mn-cs"/>
         </a:defRPr>
       </a:lvl8pPr>
-      <a:lvl9pPr marL="3886200" indent="-228600" algn="l" defTabSz="914400" rtl="0" eaLnBrk="1" latinLnBrk="0" hangingPunct="1">
+      <a:lvl9pPr marL="1700000" indent="-228600" algn="l" defTabSz="914400" rtl="0" eaLnBrk="1" latinLnBrk="0" hangingPunct="1">
         <a:lnSpc>
           <a:spcPct val="90000"/>
         </a:lnSpc>
         <a:spcBef>
-          <a:spcPts val="500"/>
+          <a:spcPts val="200"/>
         </a:spcBef>
-        <a:buFont typeface="Arial" panose="020B0604020202020204" pitchFamily="34" charset="0"/>
-        <a:buChar char="•"/>
-        <a:defRPr sz="1800" kern="1200">
+        <a:spcAft>
+          <a:spcPts val="400"/>
+        </a:spcAft>
+        <a:buClr>
+          <a:schemeClr val="accent1"/>
+        </a:buClr>
+        <a:buFont typeface="Calibri" pitchFamily="34" charset="0"/>
+        <a:buChar char="◦"/>
+        <a:defRPr sz="1400" kern="1200">
           <a:solidFill>
-            <a:schemeClr val="tx1"/>
+            <a:schemeClr val="tx1">
+              <a:lumMod val="75000"/>
+              <a:lumOff val="25000"/>
+            </a:schemeClr>
           </a:solidFill>
           <a:latin typeface="+mn-lt"/>
           <a:ea typeface="+mn-ea"/>
@@ -6735,7 +7583,12 @@
             <p:ph type="ctrTitle"/>
           </p:nvPr>
         </p:nvSpPr>
-        <p:spPr/>
+        <p:spPr>
+          <a:xfrm>
+            <a:off x="969264" y="758952"/>
+            <a:ext cx="10189187" cy="3566160"/>
+          </a:xfrm>
+        </p:spPr>
         <p:txBody>
           <a:bodyPr/>
           <a:lstStyle/>
@@ -6756,7 +7609,7 @@
       </p:sp>
       <p:sp>
         <p:nvSpPr>
-          <p:cNvPr id="3" name="Subtitle 2"/>
+          <p:cNvPr id="11" name="Subtitle 10"/>
           <p:cNvSpPr>
             <a:spLocks noGrp="1"/>
           </p:cNvSpPr>
@@ -6799,13 +7652,7 @@
               <a:srgbClr val="333333"/>
             </a:solidFill>
           </a:ln>
-          <a:effectLst>
-            <a:outerShdw blurRad="381000" dist="292100" dir="5400000" sx="-80000" sy="-18000" rotWithShape="0">
-              <a:srgbClr val="000000">
-                <a:alpha val="22000"/>
-              </a:srgbClr>
-            </a:outerShdw>
-          </a:effectLst>
+          <a:effectLst/>
           <a:scene3d>
             <a:camera prst="orthographicFront"/>
             <a:lightRig rig="contrasting" dir="t">
@@ -7005,32 +7852,60 @@
           <a:bodyPr/>
           <a:lstStyle/>
           <a:p>
+            <a:pPr>
+              <a:buFont typeface="Wingdings" panose="05000000000000000000" pitchFamily="2" charset="2"/>
+              <a:buChar char="Ø"/>
+            </a:pPr>
             <a:r>
               <a:rPr lang="en-US" dirty="0" smtClean="0"/>
-              <a:t>Heart disease is one of the major diseases of human being.  Everyone has to take care of it. </a:t>
-            </a:r>
-            <a:r>
-              <a:rPr lang="en-US" dirty="0"/>
-              <a:t>H</a:t>
+              <a:t> Heart </a:t>
             </a:r>
             <a:r>
               <a:rPr lang="en-US" dirty="0" smtClean="0"/>
-              <a:t>ere is a work that  predict risk of  heart disease in few minutes with some information about you .</a:t>
-            </a:r>
-          </a:p>
-          <a:p>
+              <a:t>disease is one of the major diseases of human being.  Everyone has to take care of it. </a:t>
+            </a:r>
+            <a:r>
+              <a:rPr lang="en-US" dirty="0" smtClean="0"/>
+              <a:t>             Here </a:t>
+            </a:r>
+            <a:r>
+              <a:rPr lang="en-US" dirty="0" smtClean="0"/>
+              <a:t>is a work that  predict risk of  heart disease in few minutes with some information about you .</a:t>
+            </a:r>
+          </a:p>
+          <a:p>
+            <a:pPr>
+              <a:buFont typeface="Wingdings" panose="05000000000000000000" pitchFamily="2" charset="2"/>
+              <a:buChar char="Ø"/>
+            </a:pPr>
             <a:r>
               <a:rPr lang="en-US" dirty="0" smtClean="0"/>
               <a:t>We are going to come on with two hypothesis that you have a risk of having heart disease or not.</a:t>
             </a:r>
           </a:p>
           <a:p>
+            <a:pPr>
+              <a:buFont typeface="Wingdings" panose="05000000000000000000" pitchFamily="2" charset="2"/>
+              <a:buChar char="Ø"/>
+            </a:pPr>
             <a:r>
               <a:rPr lang="en-US" dirty="0" smtClean="0"/>
-              <a:t>Data science play an important role in diagnosing medical report. We use Data science to identify the heart disease .</a:t>
-            </a:r>
-          </a:p>
-          <a:p>
+              <a:t>Data science play an important role in diagnosing medical report. We use Data science to </a:t>
+            </a:r>
+            <a:r>
+              <a:rPr lang="en-US" dirty="0" smtClean="0"/>
+              <a:t>   identify </a:t>
+            </a:r>
+            <a:r>
+              <a:rPr lang="en-US" dirty="0" smtClean="0"/>
+              <a:t>the heart disease .</a:t>
+            </a:r>
+          </a:p>
+          <a:p>
+            <a:pPr>
+              <a:buFont typeface="Wingdings" panose="05000000000000000000" pitchFamily="2" charset="2"/>
+              <a:buChar char="Ø"/>
+            </a:pPr>
             <a:r>
               <a:rPr lang="en-US" dirty="0" smtClean="0"/>
               <a:t>Heart disease has been identified based on the threshold value of report</a:t>
@@ -7089,6 +7964,29 @@
           <a:chExt cx="0" cy="0"/>
         </a:xfrm>
       </p:grpSpPr>
+      <p:sp>
+        <p:nvSpPr>
+          <p:cNvPr id="121" name="Title 120"/>
+          <p:cNvSpPr>
+            <a:spLocks noGrp="1"/>
+          </p:cNvSpPr>
+          <p:nvPr>
+            <p:ph type="title"/>
+          </p:nvPr>
+        </p:nvSpPr>
+        <p:spPr/>
+        <p:txBody>
+          <a:bodyPr/>
+          <a:lstStyle/>
+          <a:p>
+            <a:r>
+              <a:rPr lang="en-US" dirty="0" smtClean="0"/>
+              <a:t>Architecture Diagram</a:t>
+            </a:r>
+            <a:endParaRPr lang="en-GB" dirty="0"/>
+          </a:p>
+        </p:txBody>
+      </p:sp>
       <p:graphicFrame>
         <p:nvGraphicFramePr>
           <p:cNvPr id="19" name="Content Placeholder 18"/>
@@ -7099,14 +7997,14 @@
             <p:ph idx="1"/>
             <p:extLst>
               <p:ext uri="{D42A27DB-BD31-4B8C-83A1-F6EECF244321}">
-                <p14:modId xmlns:p14="http://schemas.microsoft.com/office/powerpoint/2010/main" val="892349477"/>
+                <p14:modId xmlns:p14="http://schemas.microsoft.com/office/powerpoint/2010/main" val="3324495195"/>
               </p:ext>
             </p:extLst>
           </p:nvPr>
         </p:nvGraphicFramePr>
         <p:xfrm>
-          <a:off x="838200" y="1825625"/>
-          <a:ext cx="10515600" cy="4351338"/>
+          <a:off x="1096963" y="1846263"/>
+          <a:ext cx="10058400" cy="4022725"/>
         </p:xfrm>
         <a:graphic>
           <a:graphicData uri="http://schemas.openxmlformats.org/drawingml/2006/diagram">
@@ -7122,8 +8020,8 @@
         </p:nvSpPr>
         <p:spPr>
           <a:xfrm>
-            <a:off x="860867" y="3568496"/>
-            <a:ext cx="1458847" cy="681228"/>
+            <a:off x="707923" y="3685863"/>
+            <a:ext cx="1106128" cy="757159"/>
           </a:xfrm>
           <a:prstGeom prst="rect">
             <a:avLst/>
@@ -7166,7 +8064,29 @@
                 <a:ea typeface="Calibri" panose="020F0502020204030204" pitchFamily="34" charset="0"/>
                 <a:cs typeface="Times New Roman" panose="02020603050405020304" pitchFamily="18" charset="0"/>
               </a:rPr>
-              <a:t>     Dataset</a:t>
+              <a:t>  </a:t>
+            </a:r>
+            <a:r>
+              <a:rPr lang="en-GB" dirty="0" smtClean="0">
+                <a:solidFill>
+                  <a:schemeClr val="tx1"/>
+                </a:solidFill>
+                <a:latin typeface="Calibri" panose="020F0502020204030204" pitchFamily="34" charset="0"/>
+                <a:ea typeface="Calibri" panose="020F0502020204030204" pitchFamily="34" charset="0"/>
+                <a:cs typeface="Times New Roman" panose="02020603050405020304" pitchFamily="18" charset="0"/>
+              </a:rPr>
+              <a:t> </a:t>
+            </a:r>
+            <a:r>
+              <a:rPr lang="en-GB" dirty="0" smtClean="0">
+                <a:solidFill>
+                  <a:schemeClr val="tx1"/>
+                </a:solidFill>
+                <a:latin typeface="Calibri" panose="020F0502020204030204" pitchFamily="34" charset="0"/>
+                <a:ea typeface="Calibri" panose="020F0502020204030204" pitchFamily="34" charset="0"/>
+                <a:cs typeface="Times New Roman" panose="02020603050405020304" pitchFamily="18" charset="0"/>
+              </a:rPr>
+              <a:t>Dataset</a:t>
             </a:r>
             <a:endParaRPr lang="en-GB" dirty="0"/>
           </a:p>
@@ -7180,8 +8100,8 @@
         </p:nvSpPr>
         <p:spPr>
           <a:xfrm>
-            <a:off x="9304299" y="3689836"/>
-            <a:ext cx="2084832" cy="681227"/>
+            <a:off x="9794325" y="3685864"/>
+            <a:ext cx="1633252" cy="757159"/>
           </a:xfrm>
           <a:prstGeom prst="ellipse">
             <a:avLst/>
@@ -7215,6 +8135,7 @@
           </a:bodyPr>
           <a:lstStyle/>
           <a:p>
+            <a:pPr algn="ctr"/>
             <a:r>
               <a:rPr lang="en-GB" dirty="0">
                 <a:solidFill>
@@ -7238,7 +8159,7 @@
         </p:nvSpPr>
         <p:spPr>
           <a:xfrm>
-            <a:off x="2459709" y="2374721"/>
+            <a:off x="2297488" y="2388091"/>
             <a:ext cx="2401062" cy="629208"/>
           </a:xfrm>
           <a:prstGeom prst="roundRect">
@@ -7280,6 +8201,7 @@
           </a:bodyPr>
           <a:lstStyle/>
           <a:p>
+            <a:pPr algn="ctr"/>
             <a:r>
               <a:rPr lang="en-GB" dirty="0" err="1">
                 <a:solidFill>
@@ -7314,8 +8236,8 @@
         </p:nvSpPr>
         <p:spPr>
           <a:xfrm>
-            <a:off x="5822773" y="3640542"/>
-            <a:ext cx="1097279" cy="653689"/>
+            <a:off x="5604885" y="3699828"/>
+            <a:ext cx="1097279" cy="743195"/>
           </a:xfrm>
           <a:prstGeom prst="roundRect">
             <a:avLst/>
@@ -7354,6 +8276,7 @@
           </a:bodyPr>
           <a:lstStyle/>
           <a:p>
+            <a:pPr algn="ctr"/>
             <a:r>
               <a:rPr lang="en-GB" dirty="0">
                 <a:solidFill>
@@ -7377,8 +8300,8 @@
         </p:nvSpPr>
         <p:spPr>
           <a:xfrm>
-            <a:off x="7553559" y="3664640"/>
-            <a:ext cx="1220911" cy="656382"/>
+            <a:off x="7664190" y="3699828"/>
+            <a:ext cx="1220911" cy="743195"/>
           </a:xfrm>
           <a:prstGeom prst="roundRect">
             <a:avLst/>
@@ -7417,6 +8340,7 @@
           </a:bodyPr>
           <a:lstStyle/>
           <a:p>
+            <a:pPr algn="ctr"/>
             <a:r>
               <a:rPr lang="en-GB" dirty="0" smtClean="0">
                 <a:solidFill>
@@ -7440,7 +8364,7 @@
         </p:nvSpPr>
         <p:spPr>
           <a:xfrm>
-            <a:off x="5398816" y="2374721"/>
+            <a:off x="5390224" y="2387620"/>
             <a:ext cx="1945195" cy="628075"/>
           </a:xfrm>
           <a:prstGeom prst="roundRect">
@@ -7482,6 +8406,7 @@
           </a:bodyPr>
           <a:lstStyle/>
           <a:p>
+            <a:pPr algn="ctr"/>
             <a:r>
               <a:rPr lang="en-GB" dirty="0">
                 <a:solidFill>
@@ -7490,11 +8415,6 @@
               </a:rPr>
               <a:t>Model Selection</a:t>
             </a:r>
-            <a:endParaRPr lang="en-GB" dirty="0">
-              <a:solidFill>
-                <a:schemeClr val="tx1"/>
-              </a:solidFill>
-            </a:endParaRPr>
           </a:p>
         </p:txBody>
       </p:sp>
@@ -7506,7 +8426,7 @@
         </p:nvSpPr>
         <p:spPr>
           <a:xfrm>
-            <a:off x="7612064" y="2374720"/>
+            <a:off x="7946852" y="2394017"/>
             <a:ext cx="1576577" cy="628075"/>
           </a:xfrm>
           <a:prstGeom prst="roundRect">
@@ -7548,6 +8468,7 @@
           </a:bodyPr>
           <a:lstStyle/>
           <a:p>
+            <a:pPr algn="ctr"/>
             <a:r>
               <a:rPr lang="en-GB" dirty="0">
                 <a:solidFill>
@@ -7556,11 +8477,6 @@
               </a:rPr>
               <a:t>Validation</a:t>
             </a:r>
-            <a:endParaRPr lang="en-GB" dirty="0">
-              <a:solidFill>
-                <a:schemeClr val="tx1"/>
-              </a:solidFill>
-            </a:endParaRPr>
           </a:p>
         </p:txBody>
       </p:sp>
@@ -7572,7 +8488,7 @@
         </p:nvSpPr>
         <p:spPr>
           <a:xfrm>
-            <a:off x="9755879" y="2393430"/>
+            <a:off x="10245905" y="2394091"/>
             <a:ext cx="1181672" cy="628075"/>
           </a:xfrm>
           <a:prstGeom prst="roundRect">
@@ -7614,6 +8530,7 @@
           </a:bodyPr>
           <a:lstStyle/>
           <a:p>
+            <a:pPr algn="ctr"/>
             <a:r>
               <a:rPr lang="en-US" dirty="0" smtClean="0">
                 <a:solidFill>
@@ -7638,8 +8555,8 @@
         </p:nvSpPr>
         <p:spPr>
           <a:xfrm>
-            <a:off x="1695450" y="4882896"/>
-            <a:ext cx="2029776" cy="645197"/>
+            <a:off x="2465803" y="5243809"/>
+            <a:ext cx="2059305" cy="645197"/>
           </a:xfrm>
           <a:prstGeom prst="ellipse">
             <a:avLst/>
@@ -7673,6 +8590,7 @@
           </a:bodyPr>
           <a:lstStyle/>
           <a:p>
+            <a:pPr algn="ctr"/>
             <a:r>
               <a:rPr lang="en-US" dirty="0" smtClean="0">
                 <a:solidFill>
@@ -7697,8 +8615,8 @@
         </p:nvSpPr>
         <p:spPr>
           <a:xfrm>
-            <a:off x="2881185" y="3602798"/>
-            <a:ext cx="2059305" cy="681228"/>
+            <a:off x="2465804" y="3685864"/>
+            <a:ext cx="2059305" cy="757159"/>
           </a:xfrm>
           <a:prstGeom prst="roundRect">
             <a:avLst/>
@@ -7737,13 +8655,30 @@
           </a:bodyPr>
           <a:lstStyle/>
           <a:p>
-            <a:r>
-              <a:rPr lang="en-US" smtClean="0">
+            <a:pPr algn="ctr"/>
+            <a:r>
+              <a:rPr lang="en-US" dirty="0" smtClean="0">
                 <a:solidFill>
                   <a:schemeClr val="tx1"/>
                 </a:solidFill>
               </a:rPr>
-              <a:t>        Feature          Engineering</a:t>
+              <a:t> </a:t>
+            </a:r>
+            <a:r>
+              <a:rPr lang="en-US" dirty="0" smtClean="0">
+                <a:solidFill>
+                  <a:schemeClr val="tx1"/>
+                </a:solidFill>
+              </a:rPr>
+              <a:t>Feature          </a:t>
+            </a:r>
+            <a:r>
+              <a:rPr lang="en-US" dirty="0" smtClean="0">
+                <a:solidFill>
+                  <a:schemeClr val="tx1"/>
+                </a:solidFill>
+              </a:rPr>
+              <a:t>Engineering</a:t>
             </a:r>
             <a:endParaRPr lang="en-GB" dirty="0">
               <a:solidFill>
@@ -7758,13 +8693,306 @@
           <p:cNvPr id="25" name="Straight Arrow Connector 24"/>
           <p:cNvCxnSpPr>
             <a:stCxn id="6" idx="3"/>
+            <a:endCxn id="11" idx="1"/>
+          </p:cNvCxnSpPr>
+          <p:nvPr/>
+        </p:nvCxnSpPr>
+        <p:spPr>
+          <a:xfrm>
+            <a:off x="1814051" y="4064443"/>
+            <a:ext cx="651753" cy="1"/>
+          </a:xfrm>
+          <a:prstGeom prst="straightConnector1">
+            <a:avLst/>
+          </a:prstGeom>
+          <a:ln>
+            <a:tailEnd type="triangle"/>
+          </a:ln>
+        </p:spPr>
+        <p:style>
+          <a:lnRef idx="1">
+            <a:schemeClr val="accent1"/>
+          </a:lnRef>
+          <a:fillRef idx="0">
+            <a:schemeClr val="accent1"/>
+          </a:fillRef>
+          <a:effectRef idx="0">
+            <a:schemeClr val="accent1"/>
+          </a:effectRef>
+          <a:fontRef idx="minor">
+            <a:schemeClr val="tx1"/>
+          </a:fontRef>
+        </p:style>
+      </p:cxnSp>
+      <p:cxnSp>
+        <p:nvCxnSpPr>
+          <p:cNvPr id="3" name="Straight Arrow Connector 2"/>
+          <p:cNvCxnSpPr>
+            <a:stCxn id="11" idx="3"/>
+            <a:endCxn id="9" idx="1"/>
+          </p:cNvCxnSpPr>
+          <p:nvPr/>
+        </p:nvCxnSpPr>
+        <p:spPr>
+          <a:xfrm>
+            <a:off x="4525109" y="4064444"/>
+            <a:ext cx="1079776" cy="6982"/>
+          </a:xfrm>
+          <a:prstGeom prst="straightConnector1">
+            <a:avLst/>
+          </a:prstGeom>
+          <a:ln>
+            <a:tailEnd type="triangle"/>
+          </a:ln>
+        </p:spPr>
+        <p:style>
+          <a:lnRef idx="1">
+            <a:schemeClr val="accent1"/>
+          </a:lnRef>
+          <a:fillRef idx="0">
+            <a:schemeClr val="accent1"/>
+          </a:fillRef>
+          <a:effectRef idx="0">
+            <a:schemeClr val="accent1"/>
+          </a:effectRef>
+          <a:fontRef idx="minor">
+            <a:schemeClr val="tx1"/>
+          </a:fontRef>
+        </p:style>
+      </p:cxnSp>
+      <p:cxnSp>
+        <p:nvCxnSpPr>
+          <p:cNvPr id="17" name="Straight Arrow Connector 16"/>
+          <p:cNvCxnSpPr>
+            <a:stCxn id="9" idx="3"/>
+            <a:endCxn id="10" idx="1"/>
+          </p:cNvCxnSpPr>
+          <p:nvPr/>
+        </p:nvCxnSpPr>
+        <p:spPr>
+          <a:xfrm>
+            <a:off x="6702164" y="4071426"/>
+            <a:ext cx="962026" cy="0"/>
+          </a:xfrm>
+          <a:prstGeom prst="straightConnector1">
+            <a:avLst/>
+          </a:prstGeom>
+          <a:ln>
+            <a:tailEnd type="triangle"/>
+          </a:ln>
+        </p:spPr>
+        <p:style>
+          <a:lnRef idx="1">
+            <a:schemeClr val="accent1"/>
+          </a:lnRef>
+          <a:fillRef idx="0">
+            <a:schemeClr val="accent1"/>
+          </a:fillRef>
+          <a:effectRef idx="0">
+            <a:schemeClr val="accent1"/>
+          </a:effectRef>
+          <a:fontRef idx="minor">
+            <a:schemeClr val="tx1"/>
+          </a:fontRef>
+        </p:style>
+      </p:cxnSp>
+      <p:cxnSp>
+        <p:nvCxnSpPr>
+          <p:cNvPr id="18" name="Straight Arrow Connector 17"/>
+          <p:cNvCxnSpPr>
+            <a:stCxn id="10" idx="3"/>
+            <a:endCxn id="7" idx="2"/>
           </p:cNvCxnSpPr>
           <p:nvPr/>
         </p:nvCxnSpPr>
         <p:spPr>
           <a:xfrm flipV="1">
-            <a:off x="2319714" y="3909107"/>
-            <a:ext cx="489968" cy="3"/>
+            <a:off x="8885101" y="4064444"/>
+            <a:ext cx="909224" cy="6982"/>
+          </a:xfrm>
+          <a:prstGeom prst="straightConnector1">
+            <a:avLst/>
+          </a:prstGeom>
+          <a:ln>
+            <a:tailEnd type="triangle"/>
+          </a:ln>
+        </p:spPr>
+        <p:style>
+          <a:lnRef idx="1">
+            <a:schemeClr val="accent1"/>
+          </a:lnRef>
+          <a:fillRef idx="0">
+            <a:schemeClr val="accent1"/>
+          </a:fillRef>
+          <a:effectRef idx="0">
+            <a:schemeClr val="accent1"/>
+          </a:effectRef>
+          <a:fontRef idx="minor">
+            <a:schemeClr val="tx1"/>
+          </a:fontRef>
+        </p:style>
+      </p:cxnSp>
+      <p:cxnSp>
+        <p:nvCxnSpPr>
+          <p:cNvPr id="26" name="Straight Arrow Connector 25"/>
+          <p:cNvCxnSpPr>
+            <a:stCxn id="8" idx="2"/>
+            <a:endCxn id="11" idx="0"/>
+          </p:cNvCxnSpPr>
+          <p:nvPr/>
+        </p:nvCxnSpPr>
+        <p:spPr>
+          <a:xfrm flipH="1">
+            <a:off x="3495457" y="3017299"/>
+            <a:ext cx="2562" cy="668565"/>
+          </a:xfrm>
+          <a:prstGeom prst="straightConnector1">
+            <a:avLst/>
+          </a:prstGeom>
+          <a:ln>
+            <a:headEnd type="triangle"/>
+            <a:tailEnd type="triangle"/>
+          </a:ln>
+        </p:spPr>
+        <p:style>
+          <a:lnRef idx="1">
+            <a:schemeClr val="accent1"/>
+          </a:lnRef>
+          <a:fillRef idx="0">
+            <a:schemeClr val="accent1"/>
+          </a:fillRef>
+          <a:effectRef idx="0">
+            <a:schemeClr val="accent1"/>
+          </a:effectRef>
+          <a:fontRef idx="minor">
+            <a:schemeClr val="tx1"/>
+          </a:fontRef>
+        </p:style>
+      </p:cxnSp>
+      <p:cxnSp>
+        <p:nvCxnSpPr>
+          <p:cNvPr id="32" name="Straight Arrow Connector 31"/>
+          <p:cNvCxnSpPr>
+            <a:stCxn id="12" idx="1"/>
+            <a:endCxn id="8" idx="3"/>
+          </p:cNvCxnSpPr>
+          <p:nvPr/>
+        </p:nvCxnSpPr>
+        <p:spPr>
+          <a:xfrm flipH="1">
+            <a:off x="4698550" y="2701658"/>
+            <a:ext cx="691674" cy="1037"/>
+          </a:xfrm>
+          <a:prstGeom prst="straightConnector1">
+            <a:avLst/>
+          </a:prstGeom>
+          <a:ln>
+            <a:headEnd type="triangle"/>
+            <a:tailEnd type="triangle"/>
+          </a:ln>
+        </p:spPr>
+        <p:style>
+          <a:lnRef idx="1">
+            <a:schemeClr val="accent1"/>
+          </a:lnRef>
+          <a:fillRef idx="0">
+            <a:schemeClr val="accent1"/>
+          </a:fillRef>
+          <a:effectRef idx="0">
+            <a:schemeClr val="accent1"/>
+          </a:effectRef>
+          <a:fontRef idx="minor">
+            <a:schemeClr val="tx1"/>
+          </a:fontRef>
+        </p:style>
+      </p:cxnSp>
+      <p:cxnSp>
+        <p:nvCxnSpPr>
+          <p:cNvPr id="34" name="Straight Arrow Connector 33"/>
+          <p:cNvCxnSpPr>
+            <a:stCxn id="12" idx="3"/>
+            <a:endCxn id="13" idx="1"/>
+          </p:cNvCxnSpPr>
+          <p:nvPr/>
+        </p:nvCxnSpPr>
+        <p:spPr>
+          <a:xfrm>
+            <a:off x="7335419" y="2701658"/>
+            <a:ext cx="611433" cy="6397"/>
+          </a:xfrm>
+          <a:prstGeom prst="straightConnector1">
+            <a:avLst/>
+          </a:prstGeom>
+          <a:ln>
+            <a:headEnd type="triangle"/>
+            <a:tailEnd type="triangle"/>
+          </a:ln>
+        </p:spPr>
+        <p:style>
+          <a:lnRef idx="1">
+            <a:schemeClr val="accent1"/>
+          </a:lnRef>
+          <a:fillRef idx="0">
+            <a:schemeClr val="accent1"/>
+          </a:fillRef>
+          <a:effectRef idx="0">
+            <a:schemeClr val="accent1"/>
+          </a:effectRef>
+          <a:fontRef idx="minor">
+            <a:schemeClr val="tx1"/>
+          </a:fontRef>
+        </p:style>
+      </p:cxnSp>
+      <p:cxnSp>
+        <p:nvCxnSpPr>
+          <p:cNvPr id="37" name="Straight Arrow Connector 36"/>
+          <p:cNvCxnSpPr>
+            <a:stCxn id="13" idx="3"/>
+            <a:endCxn id="14" idx="1"/>
+          </p:cNvCxnSpPr>
+          <p:nvPr/>
+        </p:nvCxnSpPr>
+        <p:spPr>
+          <a:xfrm>
+            <a:off x="9523429" y="2708055"/>
+            <a:ext cx="722476" cy="74"/>
+          </a:xfrm>
+          <a:prstGeom prst="straightConnector1">
+            <a:avLst/>
+          </a:prstGeom>
+          <a:ln>
+            <a:headEnd type="triangle"/>
+            <a:tailEnd type="triangle"/>
+          </a:ln>
+        </p:spPr>
+        <p:style>
+          <a:lnRef idx="1">
+            <a:schemeClr val="accent1"/>
+          </a:lnRef>
+          <a:fillRef idx="0">
+            <a:schemeClr val="accent1"/>
+          </a:fillRef>
+          <a:effectRef idx="0">
+            <a:schemeClr val="accent1"/>
+          </a:effectRef>
+          <a:fontRef idx="minor">
+            <a:schemeClr val="tx1"/>
+          </a:fontRef>
+        </p:style>
+      </p:cxnSp>
+      <p:cxnSp>
+        <p:nvCxnSpPr>
+          <p:cNvPr id="42" name="Straight Arrow Connector 41"/>
+          <p:cNvCxnSpPr>
+            <a:stCxn id="15" idx="0"/>
+            <a:endCxn id="11" idx="2"/>
+          </p:cNvCxnSpPr>
+          <p:nvPr/>
+        </p:nvCxnSpPr>
+        <p:spPr>
+          <a:xfrm flipV="1">
+            <a:off x="3495456" y="4443023"/>
+            <a:ext cx="1" cy="800786"/>
           </a:xfrm>
           <a:prstGeom prst="straightConnector1">
             <a:avLst/>
@@ -7808,48 +9036,135 @@
 </p:sld>
 </file>
 
+<file path=ppt/slides/slide5.xml><?xml version="1.0" encoding="utf-8"?>
+<p:sld xmlns:a="http://schemas.openxmlformats.org/drawingml/2006/main" xmlns:r="http://schemas.openxmlformats.org/officeDocument/2006/relationships" xmlns:p="http://schemas.openxmlformats.org/presentationml/2006/main">
+  <p:cSld>
+    <p:bg>
+      <p:bgPr>
+        <a:solidFill>
+          <a:srgbClr val="FFFFD1"/>
+        </a:solidFill>
+        <a:effectLst/>
+      </p:bgPr>
+    </p:bg>
+    <p:spTree>
+      <p:nvGrpSpPr>
+        <p:cNvPr id="1" name=""/>
+        <p:cNvGrpSpPr/>
+        <p:nvPr/>
+      </p:nvGrpSpPr>
+      <p:grpSpPr>
+        <a:xfrm>
+          <a:off x="0" y="0"/>
+          <a:ext cx="0" cy="0"/>
+          <a:chOff x="0" y="0"/>
+          <a:chExt cx="0" cy="0"/>
+        </a:xfrm>
+      </p:grpSpPr>
+      <p:sp>
+        <p:nvSpPr>
+          <p:cNvPr id="2" name="Title 1"/>
+          <p:cNvSpPr>
+            <a:spLocks noGrp="1"/>
+          </p:cNvSpPr>
+          <p:nvPr>
+            <p:ph type="title"/>
+          </p:nvPr>
+        </p:nvSpPr>
+        <p:spPr/>
+        <p:txBody>
+          <a:bodyPr/>
+          <a:lstStyle/>
+          <a:p>
+            <a:r>
+              <a:rPr lang="en-US" dirty="0" smtClean="0"/>
+              <a:t>Module</a:t>
+            </a:r>
+            <a:endParaRPr lang="en-GB" dirty="0"/>
+          </a:p>
+        </p:txBody>
+      </p:sp>
+      <p:sp>
+        <p:nvSpPr>
+          <p:cNvPr id="3" name="Content Placeholder 2"/>
+          <p:cNvSpPr>
+            <a:spLocks noGrp="1"/>
+          </p:cNvSpPr>
+          <p:nvPr>
+            <p:ph idx="1"/>
+          </p:nvPr>
+        </p:nvSpPr>
+        <p:spPr/>
+        <p:txBody>
+          <a:bodyPr/>
+          <a:lstStyle/>
+          <a:p>
+            <a:endParaRPr lang="en-GB" dirty="0"/>
+          </a:p>
+        </p:txBody>
+      </p:sp>
+    </p:spTree>
+    <p:extLst>
+      <p:ext uri="{BB962C8B-B14F-4D97-AF65-F5344CB8AC3E}">
+        <p14:creationId xmlns:p14="http://schemas.microsoft.com/office/powerpoint/2010/main" val="1943311896"/>
+      </p:ext>
+    </p:extLst>
+  </p:cSld>
+  <p:clrMapOvr>
+    <a:masterClrMapping/>
+  </p:clrMapOvr>
+  <p:timing>
+    <p:tnLst>
+      <p:par>
+        <p:cTn id="1" dur="indefinite" restart="never" nodeType="tmRoot"/>
+      </p:par>
+    </p:tnLst>
+  </p:timing>
+</p:sld>
+</file>
+
 <file path=ppt/theme/theme1.xml><?xml version="1.0" encoding="utf-8"?>
-<a:theme xmlns:a="http://schemas.openxmlformats.org/drawingml/2006/main" name="Office Theme">
+<a:theme xmlns:a="http://schemas.openxmlformats.org/drawingml/2006/main" name="Retrospect">
   <a:themeElements>
-    <a:clrScheme name="Office">
+    <a:clrScheme name="Retrospect">
       <a:dk1>
-        <a:sysClr val="windowText" lastClr="000000"/>
+        <a:srgbClr val="000000"/>
       </a:dk1>
       <a:lt1>
         <a:sysClr val="window" lastClr="FFFFFF"/>
       </a:lt1>
       <a:dk2>
-        <a:srgbClr val="44546A"/>
+        <a:srgbClr val="637052"/>
       </a:dk2>
       <a:lt2>
-        <a:srgbClr val="E7E6E6"/>
+        <a:srgbClr val="CCDDEA"/>
       </a:lt2>
       <a:accent1>
-        <a:srgbClr val="5B9BD5"/>
+        <a:srgbClr val="E48312"/>
       </a:accent1>
       <a:accent2>
-        <a:srgbClr val="ED7D31"/>
+        <a:srgbClr val="BD582C"/>
       </a:accent2>
       <a:accent3>
-        <a:srgbClr val="A5A5A5"/>
+        <a:srgbClr val="865640"/>
       </a:accent3>
       <a:accent4>
-        <a:srgbClr val="FFC000"/>
+        <a:srgbClr val="9B8357"/>
       </a:accent4>
       <a:accent5>
-        <a:srgbClr val="4472C4"/>
+        <a:srgbClr val="C2BC80"/>
       </a:accent5>
       <a:accent6>
-        <a:srgbClr val="70AD47"/>
+        <a:srgbClr val="94A088"/>
       </a:accent6>
       <a:hlink>
-        <a:srgbClr val="0563C1"/>
+        <a:srgbClr val="2998E3"/>
       </a:hlink>
       <a:folHlink>
-        <a:srgbClr val="954F72"/>
+        <a:srgbClr val="8C8C8C"/>
       </a:folHlink>
     </a:clrScheme>
-    <a:fontScheme name="Office">
+    <a:fontScheme name="Retrospect">
       <a:majorFont>
         <a:latin typeface="Calibri Light" panose="020F0302020204030204"/>
         <a:ea typeface=""/>
@@ -7921,7 +9236,7 @@
         <a:font script="Geor" typeface="Sylfaen"/>
       </a:minorFont>
     </a:fontScheme>
-    <a:fmtScheme name="Office">
+    <a:fmtScheme name="Retrospect">
       <a:fillStyleLst>
         <a:solidFill>
           <a:schemeClr val="phClr"/>
@@ -7930,76 +9245,81 @@
           <a:gsLst>
             <a:gs pos="0">
               <a:schemeClr val="phClr">
-                <a:lumMod val="110000"/>
-                <a:satMod val="105000"/>
-                <a:tint val="67000"/>
+                <a:tint val="65000"/>
+                <a:shade val="92000"/>
+                <a:satMod val="130000"/>
               </a:schemeClr>
             </a:gs>
-            <a:gs pos="50000">
+            <a:gs pos="45000">
               <a:schemeClr val="phClr">
-                <a:lumMod val="105000"/>
-                <a:satMod val="103000"/>
-                <a:tint val="73000"/>
+                <a:tint val="60000"/>
+                <a:shade val="99000"/>
+                <a:satMod val="120000"/>
               </a:schemeClr>
             </a:gs>
             <a:gs pos="100000">
               <a:schemeClr val="phClr">
-                <a:lumMod val="105000"/>
-                <a:satMod val="109000"/>
-                <a:tint val="81000"/>
+                <a:tint val="55000"/>
+                <a:satMod val="140000"/>
               </a:schemeClr>
             </a:gs>
           </a:gsLst>
-          <a:lin ang="5400000" scaled="0"/>
+          <a:path path="circle">
+            <a:fillToRect l="100000" t="100000" r="100000" b="100000"/>
+          </a:path>
         </a:gradFill>
         <a:gradFill rotWithShape="1">
           <a:gsLst>
             <a:gs pos="0">
               <a:schemeClr val="phClr">
-                <a:satMod val="103000"/>
-                <a:lumMod val="102000"/>
-                <a:tint val="94000"/>
+                <a:shade val="85000"/>
+                <a:satMod val="130000"/>
               </a:schemeClr>
             </a:gs>
-            <a:gs pos="50000">
+            <a:gs pos="34000">
               <a:schemeClr val="phClr">
-                <a:satMod val="110000"/>
-                <a:lumMod val="100000"/>
-                <a:shade val="100000"/>
+                <a:shade val="87000"/>
+                <a:satMod val="125000"/>
+              </a:schemeClr>
+            </a:gs>
+            <a:gs pos="70000">
+              <a:schemeClr val="phClr">
+                <a:tint val="100000"/>
+                <a:shade val="90000"/>
+                <a:satMod val="130000"/>
               </a:schemeClr>
             </a:gs>
             <a:gs pos="100000">
               <a:schemeClr val="phClr">
-                <a:lumMod val="99000"/>
-                <a:satMod val="120000"/>
-                <a:shade val="78000"/>
+                <a:tint val="100000"/>
+                <a:shade val="100000"/>
+                <a:satMod val="110000"/>
               </a:schemeClr>
             </a:gs>
           </a:gsLst>
-          <a:lin ang="5400000" scaled="0"/>
+          <a:path path="circle">
+            <a:fillToRect l="100000" t="100000" r="100000" b="100000"/>
+          </a:path>
         </a:gradFill>
       </a:fillStyleLst>
       <a:lnStyleLst>
-        <a:ln w="6350" cap="flat" cmpd="sng" algn="ctr">
-          <a:solidFill>
-            <a:schemeClr val="phClr"/>
-          </a:solidFill>
-          <a:prstDash val="solid"/>
-          <a:miter lim="800000"/>
-        </a:ln>
         <a:ln w="12700" cap="flat" cmpd="sng" algn="ctr">
           <a:solidFill>
             <a:schemeClr val="phClr"/>
           </a:solidFill>
           <a:prstDash val="solid"/>
-          <a:miter lim="800000"/>
         </a:ln>
-        <a:ln w="19050" cap="flat" cmpd="sng" algn="ctr">
+        <a:ln w="15875" cap="flat" cmpd="sng" algn="ctr">
           <a:solidFill>
             <a:schemeClr val="phClr"/>
           </a:solidFill>
           <a:prstDash val="solid"/>
-          <a:miter lim="800000"/>
+        </a:ln>
+        <a:ln w="25400" cap="flat" cmpd="sng" algn="ctr">
+          <a:solidFill>
+            <a:schemeClr val="phClr"/>
+          </a:solidFill>
+          <a:prstDash val="solid"/>
         </a:ln>
       </a:lnStyleLst>
       <a:effectStyleLst>
@@ -8007,16 +9327,33 @@
           <a:effectLst/>
         </a:effectStyle>
         <a:effectStyle>
-          <a:effectLst/>
+          <a:effectLst>
+            <a:outerShdw blurRad="38100" dist="25400" dir="2700000" algn="br" rotWithShape="0">
+              <a:srgbClr val="000000">
+                <a:alpha val="60000"/>
+              </a:srgbClr>
+            </a:outerShdw>
+          </a:effectLst>
         </a:effectStyle>
         <a:effectStyle>
           <a:effectLst>
-            <a:outerShdw blurRad="57150" dist="19050" dir="5400000" algn="ctr" rotWithShape="0">
+            <a:outerShdw blurRad="44450" dist="25400" dir="2700000" algn="br" rotWithShape="0">
               <a:srgbClr val="000000">
-                <a:alpha val="63000"/>
+                <a:alpha val="60000"/>
               </a:srgbClr>
             </a:outerShdw>
           </a:effectLst>
+          <a:scene3d>
+            <a:camera prst="orthographicFront">
+              <a:rot lat="0" lon="0" rev="0"/>
+            </a:camera>
+            <a:lightRig rig="threePt" dir="t">
+              <a:rot lat="0" lon="0" rev="19800000"/>
+            </a:lightRig>
+          </a:scene3d>
+          <a:sp3d prstMaterial="flat">
+            <a:bevelT w="25400" h="31750"/>
+          </a:sp3d>
         </a:effectStyle>
       </a:effectStyleLst>
       <a:bgFillStyleLst>
@@ -8025,36 +9362,36 @@
         </a:solidFill>
         <a:solidFill>
           <a:schemeClr val="phClr">
-            <a:tint val="95000"/>
-            <a:satMod val="170000"/>
+            <a:tint val="90000"/>
+            <a:shade val="97000"/>
+            <a:satMod val="130000"/>
           </a:schemeClr>
         </a:solidFill>
         <a:gradFill rotWithShape="1">
           <a:gsLst>
             <a:gs pos="0">
               <a:schemeClr val="phClr">
-                <a:tint val="93000"/>
-                <a:satMod val="150000"/>
-                <a:shade val="98000"/>
-                <a:lumMod val="102000"/>
+                <a:tint val="96000"/>
+                <a:shade val="99000"/>
+                <a:satMod val="140000"/>
               </a:schemeClr>
             </a:gs>
-            <a:gs pos="50000">
+            <a:gs pos="65000">
               <a:schemeClr val="phClr">
-                <a:tint val="98000"/>
+                <a:tint val="100000"/>
+                <a:shade val="80000"/>
                 <a:satMod val="130000"/>
-                <a:shade val="90000"/>
-                <a:lumMod val="103000"/>
               </a:schemeClr>
             </a:gs>
             <a:gs pos="100000">
               <a:schemeClr val="phClr">
-                <a:shade val="63000"/>
+                <a:tint val="100000"/>
+                <a:shade val="48000"/>
                 <a:satMod val="120000"/>
               </a:schemeClr>
             </a:gs>
           </a:gsLst>
-          <a:lin ang="5400000" scaled="0"/>
+          <a:lin ang="16200000" scaled="0"/>
         </a:gradFill>
       </a:bgFillStyleLst>
     </a:fmtScheme>
@@ -8063,7 +9400,7 @@
   <a:extraClrSchemeLst/>
   <a:extLst>
     <a:ext uri="{05A4C25C-085E-4340-85A3-A5531E510DB2}">
-      <thm15:themeFamily xmlns:thm15="http://schemas.microsoft.com/office/thememl/2012/main" name="Office Theme" id="{62F939B6-93AF-4DB8-9C6B-D6C7DFDC589F}" vid="{4A3C46E8-61CC-4603-A589-7422A47A8E4A}"/>
+      <thm15:themeFamily xmlns:thm15="http://schemas.microsoft.com/office/thememl/2012/main" name="Retrospect" id="{5F128B03-DCCA-4EEB-AB3B-CF2899314A46}" vid="{3F1AAB62-24C6-49D2-8E01-B56FAC9A3DCD}"/>
     </a:ext>
   </a:extLst>
 </a:theme>

--- a/Heart Disease Prediction.pptx
+++ b/Heart Disease Prediction.pptx
@@ -3229,7 +3229,7 @@
           <a:p>
             <a:fld id="{3DB7B210-8A61-4DF4-9165-2B9AEB2DEA2A}" type="datetimeFigureOut">
               <a:rPr lang="en-GB" smtClean="0"/>
-              <a:t>13/03/2021</a:t>
+              <a:t>14/03/2021</a:t>
             </a:fld>
             <a:endParaRPr lang="en-GB"/>
           </a:p>
@@ -3975,7 +3975,7 @@
           <a:p>
             <a:fld id="{DB015147-83F3-45C6-9E05-437E8040FCD2}" type="datetimeFigureOut">
               <a:rPr lang="en-GB" smtClean="0"/>
-              <a:t>13/03/2021</a:t>
+              <a:t>14/03/2021</a:t>
             </a:fld>
             <a:endParaRPr lang="en-GB"/>
           </a:p>
@@ -4183,7 +4183,7 @@
           <a:p>
             <a:fld id="{DB015147-83F3-45C6-9E05-437E8040FCD2}" type="datetimeFigureOut">
               <a:rPr lang="en-GB" smtClean="0"/>
-              <a:t>13/03/2021</a:t>
+              <a:t>14/03/2021</a:t>
             </a:fld>
             <a:endParaRPr lang="en-GB"/>
           </a:p>
@@ -4439,7 +4439,7 @@
           <a:p>
             <a:fld id="{DB015147-83F3-45C6-9E05-437E8040FCD2}" type="datetimeFigureOut">
               <a:rPr lang="en-GB" smtClean="0"/>
-              <a:t>13/03/2021</a:t>
+              <a:t>14/03/2021</a:t>
             </a:fld>
             <a:endParaRPr lang="en-GB"/>
           </a:p>
@@ -4557,7 +4557,7 @@
           <a:p>
             <a:fld id="{DB015147-83F3-45C6-9E05-437E8040FCD2}" type="datetimeFigureOut">
               <a:rPr lang="en-GB" smtClean="0"/>
-              <a:t>13/03/2021</a:t>
+              <a:t>14/03/2021</a:t>
             </a:fld>
             <a:endParaRPr lang="en-GB"/>
           </a:p>
@@ -4731,7 +4731,7 @@
           <a:p>
             <a:fld id="{DB015147-83F3-45C6-9E05-437E8040FCD2}" type="datetimeFigureOut">
               <a:rPr lang="en-GB" smtClean="0"/>
-              <a:t>13/03/2021</a:t>
+              <a:t>14/03/2021</a:t>
             </a:fld>
             <a:endParaRPr lang="en-GB"/>
           </a:p>
@@ -5074,7 +5074,7 @@
           <a:p>
             <a:fld id="{DB015147-83F3-45C6-9E05-437E8040FCD2}" type="datetimeFigureOut">
               <a:rPr lang="en-GB" smtClean="0"/>
-              <a:t>13/03/2021</a:t>
+              <a:t>14/03/2021</a:t>
             </a:fld>
             <a:endParaRPr lang="en-GB"/>
           </a:p>
@@ -5349,7 +5349,7 @@
           <a:p>
             <a:fld id="{DB015147-83F3-45C6-9E05-437E8040FCD2}" type="datetimeFigureOut">
               <a:rPr lang="en-GB" smtClean="0"/>
-              <a:t>13/03/2021</a:t>
+              <a:t>14/03/2021</a:t>
             </a:fld>
             <a:endParaRPr lang="en-GB"/>
           </a:p>
@@ -5728,7 +5728,7 @@
           <a:p>
             <a:fld id="{DB015147-83F3-45C6-9E05-437E8040FCD2}" type="datetimeFigureOut">
               <a:rPr lang="en-GB" smtClean="0"/>
-              <a:t>13/03/2021</a:t>
+              <a:t>14/03/2021</a:t>
             </a:fld>
             <a:endParaRPr lang="en-GB"/>
           </a:p>
@@ -5846,7 +5846,7 @@
           <a:p>
             <a:fld id="{DB015147-83F3-45C6-9E05-437E8040FCD2}" type="datetimeFigureOut">
               <a:rPr lang="en-GB" smtClean="0"/>
-              <a:t>13/03/2021</a:t>
+              <a:t>14/03/2021</a:t>
             </a:fld>
             <a:endParaRPr lang="en-GB"/>
           </a:p>
@@ -6017,7 +6017,7 @@
           <a:p>
             <a:fld id="{DB015147-83F3-45C6-9E05-437E8040FCD2}" type="datetimeFigureOut">
               <a:rPr lang="en-GB" smtClean="0"/>
-              <a:t>13/03/2021</a:t>
+              <a:t>14/03/2021</a:t>
             </a:fld>
             <a:endParaRPr lang="en-GB"/>
           </a:p>
@@ -6371,7 +6371,7 @@
           <a:p>
             <a:fld id="{DB015147-83F3-45C6-9E05-437E8040FCD2}" type="datetimeFigureOut">
               <a:rPr lang="en-GB" smtClean="0"/>
-              <a:t>13/03/2021</a:t>
+              <a:t>14/03/2021</a:t>
             </a:fld>
             <a:endParaRPr lang="en-GB"/>
           </a:p>
@@ -6753,7 +6753,7 @@
           <a:p>
             <a:fld id="{DB015147-83F3-45C6-9E05-437E8040FCD2}" type="datetimeFigureOut">
               <a:rPr lang="en-GB" smtClean="0"/>
-              <a:t>13/03/2021</a:t>
+              <a:t>14/03/2021</a:t>
             </a:fld>
             <a:endParaRPr lang="en-GB"/>
           </a:p>
@@ -7040,7 +7040,7 @@
           <a:p>
             <a:fld id="{DB015147-83F3-45C6-9E05-437E8040FCD2}" type="datetimeFigureOut">
               <a:rPr lang="en-GB" smtClean="0"/>
-              <a:t>13/03/2021</a:t>
+              <a:t>14/03/2021</a:t>
             </a:fld>
             <a:endParaRPr lang="en-GB"/>
           </a:p>
@@ -7858,19 +7858,7 @@
             </a:pPr>
             <a:r>
               <a:rPr lang="en-US" dirty="0" smtClean="0"/>
-              <a:t> Heart </a:t>
-            </a:r>
-            <a:r>
-              <a:rPr lang="en-US" dirty="0" smtClean="0"/>
-              <a:t>disease is one of the major diseases of human being.  Everyone has to take care of it. </a:t>
-            </a:r>
-            <a:r>
-              <a:rPr lang="en-US" dirty="0" smtClean="0"/>
-              <a:t>             Here </a:t>
-            </a:r>
-            <a:r>
-              <a:rPr lang="en-US" dirty="0" smtClean="0"/>
-              <a:t>is a work that  predict risk of  heart disease in few minutes with some information about you .</a:t>
+              <a:t> Heart disease is one of the major diseases of human being.  Everyone has to take care of it.              Here is a work that  predict risk of  heart disease in few minutes with some information about you .</a:t>
             </a:r>
           </a:p>
           <a:p>
@@ -7890,15 +7878,7 @@
             </a:pPr>
             <a:r>
               <a:rPr lang="en-US" dirty="0" smtClean="0"/>
-              <a:t>Data science play an important role in diagnosing medical report. We use Data science to </a:t>
-            </a:r>
-            <a:r>
-              <a:rPr lang="en-US" dirty="0" smtClean="0"/>
-              <a:t>   identify </a:t>
-            </a:r>
-            <a:r>
-              <a:rPr lang="en-US" dirty="0" smtClean="0"/>
-              <a:t>the heart disease .</a:t>
+              <a:t>Data science play an important role in diagnosing medical report. We use Data science to    identify the heart disease .</a:t>
             </a:r>
           </a:p>
           <a:p>
@@ -8064,29 +8044,7 @@
                 <a:ea typeface="Calibri" panose="020F0502020204030204" pitchFamily="34" charset="0"/>
                 <a:cs typeface="Times New Roman" panose="02020603050405020304" pitchFamily="18" charset="0"/>
               </a:rPr>
-              <a:t>  </a:t>
-            </a:r>
-            <a:r>
-              <a:rPr lang="en-GB" dirty="0" smtClean="0">
-                <a:solidFill>
-                  <a:schemeClr val="tx1"/>
-                </a:solidFill>
-                <a:latin typeface="Calibri" panose="020F0502020204030204" pitchFamily="34" charset="0"/>
-                <a:ea typeface="Calibri" panose="020F0502020204030204" pitchFamily="34" charset="0"/>
-                <a:cs typeface="Times New Roman" panose="02020603050405020304" pitchFamily="18" charset="0"/>
-              </a:rPr>
-              <a:t> </a:t>
-            </a:r>
-            <a:r>
-              <a:rPr lang="en-GB" dirty="0" smtClean="0">
-                <a:solidFill>
-                  <a:schemeClr val="tx1"/>
-                </a:solidFill>
-                <a:latin typeface="Calibri" panose="020F0502020204030204" pitchFamily="34" charset="0"/>
-                <a:ea typeface="Calibri" panose="020F0502020204030204" pitchFamily="34" charset="0"/>
-                <a:cs typeface="Times New Roman" panose="02020603050405020304" pitchFamily="18" charset="0"/>
-              </a:rPr>
-              <a:t>Dataset</a:t>
+              <a:t>   Dataset</a:t>
             </a:r>
             <a:endParaRPr lang="en-GB" dirty="0"/>
           </a:p>
@@ -8159,7 +8117,7 @@
         </p:nvSpPr>
         <p:spPr>
           <a:xfrm>
-            <a:off x="2297488" y="2388091"/>
+            <a:off x="2055779" y="2387620"/>
             <a:ext cx="2401062" cy="629208"/>
           </a:xfrm>
           <a:prstGeom prst="roundRect">
@@ -8236,7 +8194,7 @@
         </p:nvSpPr>
         <p:spPr>
           <a:xfrm>
-            <a:off x="5604885" y="3699828"/>
+            <a:off x="5421327" y="3699828"/>
             <a:ext cx="1097279" cy="743195"/>
           </a:xfrm>
           <a:prstGeom prst="roundRect">
@@ -8300,8 +8258,8 @@
         </p:nvSpPr>
         <p:spPr>
           <a:xfrm>
-            <a:off x="7664190" y="3699828"/>
-            <a:ext cx="1220911" cy="743195"/>
+            <a:off x="7203087" y="3699828"/>
+            <a:ext cx="1437166" cy="743195"/>
           </a:xfrm>
           <a:prstGeom prst="roundRect">
             <a:avLst/>
@@ -8350,7 +8308,7 @@
                 <a:ea typeface="Calibri" panose="020F0502020204030204" pitchFamily="34" charset="0"/>
                 <a:cs typeface="Times New Roman" panose="02020603050405020304" pitchFamily="18" charset="0"/>
               </a:rPr>
-              <a:t>   output</a:t>
+              <a:t>Deployment</a:t>
             </a:r>
             <a:endParaRPr lang="en-GB" dirty="0"/>
           </a:p>
@@ -8364,7 +8322,7 @@
         </p:nvSpPr>
         <p:spPr>
           <a:xfrm>
-            <a:off x="5390224" y="2387620"/>
+            <a:off x="4997370" y="2387620"/>
             <a:ext cx="1945195" cy="628075"/>
           </a:xfrm>
           <a:prstGeom prst="roundRect">
@@ -8555,7 +8513,7 @@
         </p:nvSpPr>
         <p:spPr>
           <a:xfrm>
-            <a:off x="2465803" y="5243809"/>
+            <a:off x="6892017" y="5105142"/>
             <a:ext cx="2059305" cy="645197"/>
           </a:xfrm>
           <a:prstGeom prst="ellipse">
@@ -8615,7 +8573,7 @@
         </p:nvSpPr>
         <p:spPr>
           <a:xfrm>
-            <a:off x="2465804" y="3685864"/>
+            <a:off x="2226658" y="3685863"/>
             <a:ext cx="2059305" cy="757159"/>
           </a:xfrm>
           <a:prstGeom prst="roundRect">
@@ -8662,23 +8620,7 @@
                   <a:schemeClr val="tx1"/>
                 </a:solidFill>
               </a:rPr>
-              <a:t> </a:t>
-            </a:r>
-            <a:r>
-              <a:rPr lang="en-US" dirty="0" smtClean="0">
-                <a:solidFill>
-                  <a:schemeClr val="tx1"/>
-                </a:solidFill>
-              </a:rPr>
-              <a:t>Feature          </a:t>
-            </a:r>
-            <a:r>
-              <a:rPr lang="en-US" dirty="0" smtClean="0">
-                <a:solidFill>
-                  <a:schemeClr val="tx1"/>
-                </a:solidFill>
-              </a:rPr>
-              <a:t>Engineering</a:t>
+              <a:t> Feature          Engineering</a:t>
             </a:r>
             <a:endParaRPr lang="en-GB" dirty="0">
               <a:solidFill>
@@ -8700,7 +8642,7 @@
         <p:spPr>
           <a:xfrm>
             <a:off x="1814051" y="4064443"/>
-            <a:ext cx="651753" cy="1"/>
+            <a:ext cx="412607" cy="0"/>
           </a:xfrm>
           <a:prstGeom prst="straightConnector1">
             <a:avLst/>
@@ -8735,8 +8677,8 @@
         </p:nvCxnSpPr>
         <p:spPr>
           <a:xfrm>
-            <a:off x="4525109" y="4064444"/>
-            <a:ext cx="1079776" cy="6982"/>
+            <a:off x="4285963" y="4064443"/>
+            <a:ext cx="1135364" cy="6983"/>
           </a:xfrm>
           <a:prstGeom prst="straightConnector1">
             <a:avLst/>
@@ -8771,8 +8713,8 @@
         </p:nvCxnSpPr>
         <p:spPr>
           <a:xfrm>
-            <a:off x="6702164" y="4071426"/>
-            <a:ext cx="962026" cy="0"/>
+            <a:off x="6518606" y="4071426"/>
+            <a:ext cx="684481" cy="0"/>
           </a:xfrm>
           <a:prstGeom prst="straightConnector1">
             <a:avLst/>
@@ -8807,8 +8749,8 @@
         </p:nvCxnSpPr>
         <p:spPr>
           <a:xfrm flipV="1">
-            <a:off x="8885101" y="4064444"/>
-            <a:ext cx="909224" cy="6982"/>
+            <a:off x="8640253" y="4064444"/>
+            <a:ext cx="1154072" cy="6982"/>
           </a:xfrm>
           <a:prstGeom prst="straightConnector1">
             <a:avLst/>
@@ -8842,9 +8784,9 @@
           <p:nvPr/>
         </p:nvCxnSpPr>
         <p:spPr>
-          <a:xfrm flipH="1">
-            <a:off x="3495457" y="3017299"/>
-            <a:ext cx="2562" cy="668565"/>
+          <a:xfrm>
+            <a:off x="3256310" y="3016828"/>
+            <a:ext cx="1" cy="669035"/>
           </a:xfrm>
           <a:prstGeom prst="straightConnector1">
             <a:avLst/>
@@ -8880,8 +8822,8 @@
         </p:nvCxnSpPr>
         <p:spPr>
           <a:xfrm flipH="1">
-            <a:off x="4698550" y="2701658"/>
-            <a:ext cx="691674" cy="1037"/>
+            <a:off x="4456841" y="2701658"/>
+            <a:ext cx="540529" cy="566"/>
           </a:xfrm>
           <a:prstGeom prst="straightConnector1">
             <a:avLst/>
@@ -8917,8 +8859,8 @@
         </p:nvCxnSpPr>
         <p:spPr>
           <a:xfrm>
-            <a:off x="7335419" y="2701658"/>
-            <a:ext cx="611433" cy="6397"/>
+            <a:off x="6942565" y="2701658"/>
+            <a:ext cx="1004287" cy="6397"/>
           </a:xfrm>
           <a:prstGeom prst="straightConnector1">
             <a:avLst/>
@@ -8982,17 +8924,53 @@
       </p:cxnSp>
       <p:cxnSp>
         <p:nvCxnSpPr>
-          <p:cNvPr id="42" name="Straight Arrow Connector 41"/>
+          <p:cNvPr id="39" name="Straight Arrow Connector 38"/>
           <p:cNvCxnSpPr>
             <a:stCxn id="15" idx="0"/>
-            <a:endCxn id="11" idx="2"/>
+            <a:endCxn id="10" idx="2"/>
           </p:cNvCxnSpPr>
           <p:nvPr/>
         </p:nvCxnSpPr>
         <p:spPr>
           <a:xfrm flipV="1">
-            <a:off x="3495456" y="4443023"/>
-            <a:ext cx="1" cy="800786"/>
+            <a:off x="7921670" y="4443023"/>
+            <a:ext cx="0" cy="662119"/>
+          </a:xfrm>
+          <a:prstGeom prst="straightConnector1">
+            <a:avLst/>
+          </a:prstGeom>
+          <a:ln>
+            <a:tailEnd type="triangle"/>
+          </a:ln>
+        </p:spPr>
+        <p:style>
+          <a:lnRef idx="1">
+            <a:schemeClr val="accent1"/>
+          </a:lnRef>
+          <a:fillRef idx="0">
+            <a:schemeClr val="accent1"/>
+          </a:fillRef>
+          <a:effectRef idx="0">
+            <a:schemeClr val="accent1"/>
+          </a:effectRef>
+          <a:fontRef idx="minor">
+            <a:schemeClr val="tx1"/>
+          </a:fontRef>
+        </p:style>
+      </p:cxnSp>
+      <p:cxnSp>
+        <p:nvCxnSpPr>
+          <p:cNvPr id="48" name="Straight Arrow Connector 47"/>
+          <p:cNvCxnSpPr>
+            <a:stCxn id="12" idx="2"/>
+            <a:endCxn id="9" idx="0"/>
+          </p:cNvCxnSpPr>
+          <p:nvPr/>
+        </p:nvCxnSpPr>
+        <p:spPr>
+          <a:xfrm flipH="1">
+            <a:off x="5969967" y="3015695"/>
+            <a:ext cx="1" cy="684133"/>
           </a:xfrm>
           <a:prstGeom prst="straightConnector1">
             <a:avLst/>
@@ -9078,7 +9056,7 @@
           <a:p>
             <a:r>
               <a:rPr lang="en-US" dirty="0" smtClean="0"/>
-              <a:t>Module</a:t>
+              <a:t>Modules</a:t>
             </a:r>
             <a:endParaRPr lang="en-GB" dirty="0"/>
           </a:p>
@@ -9099,7 +9077,225 @@
           <a:bodyPr/>
           <a:lstStyle/>
           <a:p>
-            <a:endParaRPr lang="en-GB" dirty="0"/>
+            <a:pPr marL="0" indent="0">
+              <a:buNone/>
+            </a:pPr>
+            <a:r>
+              <a:rPr lang="en-US" dirty="0" smtClean="0"/>
+              <a:t>There are four modules in heart disease prediction</a:t>
+            </a:r>
+          </a:p>
+          <a:p>
+            <a:pPr marL="0" indent="0">
+              <a:spcBef>
+                <a:spcPts val="0"/>
+              </a:spcBef>
+              <a:spcAft>
+                <a:spcPts val="0"/>
+              </a:spcAft>
+              <a:buNone/>
+            </a:pPr>
+            <a:endParaRPr lang="en-US" dirty="0" smtClean="0"/>
+          </a:p>
+          <a:p>
+            <a:pPr marL="0" indent="0">
+              <a:spcBef>
+                <a:spcPts val="0"/>
+              </a:spcBef>
+              <a:spcAft>
+                <a:spcPts val="0"/>
+              </a:spcAft>
+              <a:buNone/>
+            </a:pPr>
+            <a:r>
+              <a:rPr lang="en-US" b="1" i="1" dirty="0" smtClean="0"/>
+              <a:t>Dataset Preparation</a:t>
+            </a:r>
+            <a:endParaRPr lang="en-GB" b="1" i="1" dirty="0"/>
+          </a:p>
+          <a:p>
+            <a:pPr marL="0" indent="0">
+              <a:spcBef>
+                <a:spcPts val="0"/>
+              </a:spcBef>
+              <a:spcAft>
+                <a:spcPts val="0"/>
+              </a:spcAft>
+              <a:buNone/>
+            </a:pPr>
+            <a:r>
+              <a:rPr lang="en-US" dirty="0"/>
+              <a:t> </a:t>
+            </a:r>
+            <a:r>
+              <a:rPr lang="en-US" dirty="0" smtClean="0"/>
+              <a:t>    Collecting dataset ,Feature engineering, </a:t>
+            </a:r>
+            <a:r>
+              <a:rPr lang="en-US" dirty="0" err="1" smtClean="0"/>
+              <a:t>Explotary</a:t>
+            </a:r>
+            <a:r>
+              <a:rPr lang="en-US" dirty="0" smtClean="0"/>
+              <a:t> Data Analysis</a:t>
+            </a:r>
+          </a:p>
+          <a:p>
+            <a:pPr marL="0" indent="0">
+              <a:spcBef>
+                <a:spcPts val="0"/>
+              </a:spcBef>
+              <a:spcAft>
+                <a:spcPts val="0"/>
+              </a:spcAft>
+              <a:buNone/>
+            </a:pPr>
+            <a:r>
+              <a:rPr lang="en-US" b="1" i="1" dirty="0" smtClean="0"/>
+              <a:t>Predictive Modelling</a:t>
+            </a:r>
+          </a:p>
+          <a:p>
+            <a:pPr marL="0" indent="0">
+              <a:spcBef>
+                <a:spcPts val="0"/>
+              </a:spcBef>
+              <a:spcAft>
+                <a:spcPts val="0"/>
+              </a:spcAft>
+              <a:buNone/>
+            </a:pPr>
+            <a:r>
+              <a:rPr lang="en-US" dirty="0"/>
+              <a:t> </a:t>
+            </a:r>
+            <a:r>
+              <a:rPr lang="en-US" dirty="0" smtClean="0"/>
+              <a:t>     Algorithm Selection, Validation, Testing</a:t>
+            </a:r>
+          </a:p>
+          <a:p>
+            <a:pPr marL="0" indent="0">
+              <a:spcBef>
+                <a:spcPts val="0"/>
+              </a:spcBef>
+              <a:spcAft>
+                <a:spcPts val="0"/>
+              </a:spcAft>
+              <a:buNone/>
+            </a:pPr>
+            <a:r>
+              <a:rPr lang="en-US" b="1" i="1" dirty="0" smtClean="0"/>
+              <a:t>Web Application</a:t>
+            </a:r>
+          </a:p>
+          <a:p>
+            <a:pPr marL="0" indent="0">
+              <a:spcBef>
+                <a:spcPts val="0"/>
+              </a:spcBef>
+              <a:spcAft>
+                <a:spcPts val="0"/>
+              </a:spcAft>
+              <a:buNone/>
+            </a:pPr>
+            <a:r>
+              <a:rPr lang="en-US" dirty="0"/>
+              <a:t> </a:t>
+            </a:r>
+            <a:r>
+              <a:rPr lang="en-US" dirty="0" smtClean="0"/>
+              <a:t>     User </a:t>
+            </a:r>
+            <a:r>
+              <a:rPr lang="en-US" dirty="0"/>
+              <a:t>d</a:t>
+            </a:r>
+            <a:r>
+              <a:rPr lang="en-US" dirty="0" smtClean="0"/>
+              <a:t>ata collection</a:t>
+            </a:r>
+            <a:r>
+              <a:rPr lang="en-US" dirty="0"/>
+              <a:t> </a:t>
+            </a:r>
+            <a:r>
+              <a:rPr lang="en-US" dirty="0" smtClean="0"/>
+              <a:t>and displaying data using flask</a:t>
+            </a:r>
+          </a:p>
+          <a:p>
+            <a:pPr marL="0" indent="0">
+              <a:spcBef>
+                <a:spcPts val="0"/>
+              </a:spcBef>
+              <a:spcAft>
+                <a:spcPts val="0"/>
+              </a:spcAft>
+              <a:buNone/>
+            </a:pPr>
+            <a:r>
+              <a:rPr lang="en-US" b="1" i="1" dirty="0" smtClean="0"/>
+              <a:t>Deployment</a:t>
+            </a:r>
+          </a:p>
+          <a:p>
+            <a:pPr marL="0" indent="0">
+              <a:spcBef>
+                <a:spcPts val="0"/>
+              </a:spcBef>
+              <a:spcAft>
+                <a:spcPts val="0"/>
+              </a:spcAft>
+              <a:buNone/>
+            </a:pPr>
+            <a:r>
+              <a:rPr lang="en-US" dirty="0"/>
+              <a:t> </a:t>
+            </a:r>
+            <a:r>
+              <a:rPr lang="en-US" dirty="0" smtClean="0"/>
+              <a:t>      Deploying the model and web application in </a:t>
+            </a:r>
+            <a:r>
+              <a:rPr lang="en-US" dirty="0" err="1" smtClean="0"/>
+              <a:t>Heroku</a:t>
+            </a:r>
+            <a:r>
+              <a:rPr lang="en-US" dirty="0" smtClean="0"/>
+              <a:t> Platform</a:t>
+            </a:r>
+          </a:p>
+          <a:p>
+            <a:pPr marL="0" indent="0">
+              <a:spcBef>
+                <a:spcPts val="0"/>
+              </a:spcBef>
+              <a:spcAft>
+                <a:spcPts val="0"/>
+              </a:spcAft>
+              <a:buNone/>
+            </a:pPr>
+            <a:r>
+              <a:rPr lang="en-US" dirty="0"/>
+              <a:t> </a:t>
+            </a:r>
+            <a:r>
+              <a:rPr lang="en-US" dirty="0" smtClean="0"/>
+              <a:t>     </a:t>
+            </a:r>
+          </a:p>
+          <a:p>
+            <a:pPr marL="0" indent="0">
+              <a:spcBef>
+                <a:spcPts val="0"/>
+              </a:spcBef>
+              <a:spcAft>
+                <a:spcPts val="0"/>
+              </a:spcAft>
+              <a:buNone/>
+            </a:pPr>
+            <a:endParaRPr lang="en-US" dirty="0" smtClean="0"/>
           </a:p>
         </p:txBody>
       </p:sp>

--- a/Heart Disease Prediction.pptx
+++ b/Heart Disease Prediction.pptx
@@ -2,7 +2,7 @@
 <file path=ppt/presentation.xml><?xml version="1.0" encoding="utf-8"?>
 <p:presentation xmlns:a="http://schemas.openxmlformats.org/drawingml/2006/main" xmlns:r="http://schemas.openxmlformats.org/officeDocument/2006/relationships" xmlns:p="http://schemas.openxmlformats.org/presentationml/2006/main" saveSubsetFonts="1">
   <p:sldMasterIdLst>
-    <p:sldMasterId id="2147483690" r:id="rId1"/>
+    <p:sldMasterId id="2147483762" r:id="rId1"/>
   </p:sldMasterIdLst>
   <p:notesMasterIdLst>
     <p:notesMasterId r:id="rId7"/>
@@ -4064,7 +4064,7 @@
     </p:spTree>
     <p:extLst>
       <p:ext uri="{BB962C8B-B14F-4D97-AF65-F5344CB8AC3E}">
-        <p14:creationId xmlns:p14="http://schemas.microsoft.com/office/powerpoint/2010/main" val="821539446"/>
+        <p14:creationId xmlns:p14="http://schemas.microsoft.com/office/powerpoint/2010/main" val="134961143"/>
       </p:ext>
     </p:extLst>
   </p:cSld>
@@ -4234,7 +4234,7 @@
     </p:spTree>
     <p:extLst>
       <p:ext uri="{BB962C8B-B14F-4D97-AF65-F5344CB8AC3E}">
-        <p14:creationId xmlns:p14="http://schemas.microsoft.com/office/powerpoint/2010/main" val="2158008126"/>
+        <p14:creationId xmlns:p14="http://schemas.microsoft.com/office/powerpoint/2010/main" val="1460133831"/>
       </p:ext>
     </p:extLst>
   </p:cSld>
@@ -4490,7 +4490,7 @@
     </p:spTree>
     <p:extLst>
       <p:ext uri="{BB962C8B-B14F-4D97-AF65-F5344CB8AC3E}">
-        <p14:creationId xmlns:p14="http://schemas.microsoft.com/office/powerpoint/2010/main" val="3148197851"/>
+        <p14:creationId xmlns:p14="http://schemas.microsoft.com/office/powerpoint/2010/main" val="676417045"/>
       </p:ext>
     </p:extLst>
   </p:cSld>
@@ -4782,7 +4782,7 @@
     </p:spTree>
     <p:extLst>
       <p:ext uri="{BB962C8B-B14F-4D97-AF65-F5344CB8AC3E}">
-        <p14:creationId xmlns:p14="http://schemas.microsoft.com/office/powerpoint/2010/main" val="2272894135"/>
+        <p14:creationId xmlns:p14="http://schemas.microsoft.com/office/powerpoint/2010/main" val="2647721866"/>
       </p:ext>
     </p:extLst>
   </p:cSld>
@@ -5163,7 +5163,7 @@
     </p:spTree>
     <p:extLst>
       <p:ext uri="{BB962C8B-B14F-4D97-AF65-F5344CB8AC3E}">
-        <p14:creationId xmlns:p14="http://schemas.microsoft.com/office/powerpoint/2010/main" val="2564852525"/>
+        <p14:creationId xmlns:p14="http://schemas.microsoft.com/office/powerpoint/2010/main" val="3250083088"/>
       </p:ext>
     </p:extLst>
   </p:cSld>
@@ -5400,7 +5400,7 @@
     </p:spTree>
     <p:extLst>
       <p:ext uri="{BB962C8B-B14F-4D97-AF65-F5344CB8AC3E}">
-        <p14:creationId xmlns:p14="http://schemas.microsoft.com/office/powerpoint/2010/main" val="1960633836"/>
+        <p14:creationId xmlns:p14="http://schemas.microsoft.com/office/powerpoint/2010/main" val="2768210261"/>
       </p:ext>
     </p:extLst>
   </p:cSld>
@@ -5779,7 +5779,7 @@
     </p:spTree>
     <p:extLst>
       <p:ext uri="{BB962C8B-B14F-4D97-AF65-F5344CB8AC3E}">
-        <p14:creationId xmlns:p14="http://schemas.microsoft.com/office/powerpoint/2010/main" val="1302961050"/>
+        <p14:creationId xmlns:p14="http://schemas.microsoft.com/office/powerpoint/2010/main" val="4017099270"/>
       </p:ext>
     </p:extLst>
   </p:cSld>
@@ -5897,7 +5897,7 @@
     </p:spTree>
     <p:extLst>
       <p:ext uri="{BB962C8B-B14F-4D97-AF65-F5344CB8AC3E}">
-        <p14:creationId xmlns:p14="http://schemas.microsoft.com/office/powerpoint/2010/main" val="257501558"/>
+        <p14:creationId xmlns:p14="http://schemas.microsoft.com/office/powerpoint/2010/main" val="1593898155"/>
       </p:ext>
     </p:extLst>
   </p:cSld>
@@ -6076,7 +6076,7 @@
     </p:spTree>
     <p:extLst>
       <p:ext uri="{BB962C8B-B14F-4D97-AF65-F5344CB8AC3E}">
-        <p14:creationId xmlns:p14="http://schemas.microsoft.com/office/powerpoint/2010/main" val="428578935"/>
+        <p14:creationId xmlns:p14="http://schemas.microsoft.com/office/powerpoint/2010/main" val="591589908"/>
       </p:ext>
     </p:extLst>
   </p:cSld>
@@ -6443,7 +6443,7 @@
     </p:spTree>
     <p:extLst>
       <p:ext uri="{BB962C8B-B14F-4D97-AF65-F5344CB8AC3E}">
-        <p14:creationId xmlns:p14="http://schemas.microsoft.com/office/powerpoint/2010/main" val="2204680753"/>
+        <p14:creationId xmlns:p14="http://schemas.microsoft.com/office/powerpoint/2010/main" val="507715668"/>
       </p:ext>
     </p:extLst>
   </p:cSld>
@@ -6804,7 +6804,7 @@
     </p:spTree>
     <p:extLst>
       <p:ext uri="{BB962C8B-B14F-4D97-AF65-F5344CB8AC3E}">
-        <p14:creationId xmlns:p14="http://schemas.microsoft.com/office/powerpoint/2010/main" val="2428367803"/>
+        <p14:creationId xmlns:p14="http://schemas.microsoft.com/office/powerpoint/2010/main" val="2484963327"/>
       </p:ext>
     </p:extLst>
   </p:cSld>
@@ -7161,23 +7161,23 @@
     </p:spTree>
     <p:extLst>
       <p:ext uri="{BB962C8B-B14F-4D97-AF65-F5344CB8AC3E}">
-        <p14:creationId xmlns:p14="http://schemas.microsoft.com/office/powerpoint/2010/main" val="1365936588"/>
+        <p14:creationId xmlns:p14="http://schemas.microsoft.com/office/powerpoint/2010/main" val="2779299635"/>
       </p:ext>
     </p:extLst>
   </p:cSld>
   <p:clrMap bg1="lt1" tx1="dk1" bg2="lt2" tx2="dk2" accent1="accent1" accent2="accent2" accent3="accent3" accent4="accent4" accent5="accent5" accent6="accent6" hlink="hlink" folHlink="folHlink"/>
   <p:sldLayoutIdLst>
-    <p:sldLayoutId id="2147483691" r:id="rId1"/>
-    <p:sldLayoutId id="2147483692" r:id="rId2"/>
-    <p:sldLayoutId id="2147483693" r:id="rId3"/>
-    <p:sldLayoutId id="2147483694" r:id="rId4"/>
-    <p:sldLayoutId id="2147483695" r:id="rId5"/>
-    <p:sldLayoutId id="2147483696" r:id="rId6"/>
-    <p:sldLayoutId id="2147483697" r:id="rId7"/>
-    <p:sldLayoutId id="2147483698" r:id="rId8"/>
-    <p:sldLayoutId id="2147483699" r:id="rId9"/>
-    <p:sldLayoutId id="2147483700" r:id="rId10"/>
-    <p:sldLayoutId id="2147483701" r:id="rId11"/>
+    <p:sldLayoutId id="2147483763" r:id="rId1"/>
+    <p:sldLayoutId id="2147483764" r:id="rId2"/>
+    <p:sldLayoutId id="2147483765" r:id="rId3"/>
+    <p:sldLayoutId id="2147483766" r:id="rId4"/>
+    <p:sldLayoutId id="2147483767" r:id="rId5"/>
+    <p:sldLayoutId id="2147483768" r:id="rId6"/>
+    <p:sldLayoutId id="2147483769" r:id="rId7"/>
+    <p:sldLayoutId id="2147483770" r:id="rId8"/>
+    <p:sldLayoutId id="2147483771" r:id="rId9"/>
+    <p:sldLayoutId id="2147483772" r:id="rId10"/>
+    <p:sldLayoutId id="2147483773" r:id="rId11"/>
     <p:sldLayoutId id="2147483689" r:id="rId12"/>
   </p:sldLayoutIdLst>
   <p:txStyles>
@@ -7551,14 +7551,6 @@
 <file path=ppt/slides/slide1.xml><?xml version="1.0" encoding="utf-8"?>
 <p:sld xmlns:a="http://schemas.openxmlformats.org/drawingml/2006/main" xmlns:r="http://schemas.openxmlformats.org/officeDocument/2006/relationships" xmlns:p="http://schemas.openxmlformats.org/presentationml/2006/main">
   <p:cSld>
-    <p:bg>
-      <p:bgPr>
-        <a:solidFill>
-          <a:srgbClr val="FFFFD1"/>
-        </a:solidFill>
-        <a:effectLst/>
-      </p:bgPr>
-    </p:bg>
     <p:spTree>
       <p:nvGrpSpPr>
         <p:cNvPr id="1" name=""/>
@@ -7595,12 +7587,18 @@
           <a:p>
             <a:r>
               <a:rPr lang="en-US" dirty="0" smtClean="0">
+                <a:solidFill>
+                  <a:srgbClr val="FF0000"/>
+                </a:solidFill>
                 <a:latin typeface="Times New Roman" panose="02020603050405020304" pitchFamily="18" charset="0"/>
                 <a:cs typeface="Times New Roman" panose="02020603050405020304" pitchFamily="18" charset="0"/>
               </a:rPr>
               <a:t>Heart Disease Prediction</a:t>
             </a:r>
             <a:endParaRPr lang="en-GB" dirty="0">
+              <a:solidFill>
+                <a:srgbClr val="FF0000"/>
+              </a:solidFill>
               <a:latin typeface="Times New Roman" panose="02020603050405020304" pitchFamily="18" charset="0"/>
               <a:cs typeface="Times New Roman" panose="02020603050405020304" pitchFamily="18" charset="0"/>
             </a:endParaRPr>
@@ -7641,8 +7639,8 @@
         </p:blipFill>
         <p:spPr>
           <a:xfrm>
-            <a:off x="4067606" y="438912"/>
-            <a:ext cx="3790335" cy="2094271"/>
+            <a:off x="3654651" y="447761"/>
+            <a:ext cx="3660549" cy="2094271"/>
           </a:xfrm>
           <a:prstGeom prst="ellipse">
             <a:avLst/>
@@ -7690,14 +7688,6 @@
 <file path=ppt/slides/slide2.xml><?xml version="1.0" encoding="utf-8"?>
 <p:sld xmlns:a="http://schemas.openxmlformats.org/drawingml/2006/main" xmlns:r="http://schemas.openxmlformats.org/officeDocument/2006/relationships" xmlns:p="http://schemas.openxmlformats.org/presentationml/2006/main">
   <p:cSld>
-    <p:bg>
-      <p:bgPr>
-        <a:solidFill>
-          <a:srgbClr val="FFFFD1"/>
-        </a:solidFill>
-        <a:effectLst/>
-      </p:bgPr>
-    </p:bg>
     <p:spTree>
       <p:nvGrpSpPr>
         <p:cNvPr id="1" name=""/>
@@ -7730,10 +7720,18 @@
           <a:lstStyle/>
           <a:p>
             <a:r>
-              <a:rPr lang="en-US" dirty="0" smtClean="0"/>
+              <a:rPr lang="en-US" dirty="0" smtClean="0">
+                <a:solidFill>
+                  <a:srgbClr val="FF0000"/>
+                </a:solidFill>
+              </a:rPr>
               <a:t>Worrying fact</a:t>
             </a:r>
-            <a:endParaRPr lang="en-GB" dirty="0"/>
+            <a:endParaRPr lang="en-GB" dirty="0">
+              <a:solidFill>
+                <a:srgbClr val="FF0000"/>
+              </a:solidFill>
+            </a:endParaRPr>
           </a:p>
         </p:txBody>
       </p:sp>
@@ -7792,14 +7790,6 @@
 <file path=ppt/slides/slide3.xml><?xml version="1.0" encoding="utf-8"?>
 <p:sld xmlns:a="http://schemas.openxmlformats.org/drawingml/2006/main" xmlns:r="http://schemas.openxmlformats.org/officeDocument/2006/relationships" xmlns:p="http://schemas.openxmlformats.org/presentationml/2006/main">
   <p:cSld>
-    <p:bg>
-      <p:bgPr>
-        <a:solidFill>
-          <a:srgbClr val="FFFFD1"/>
-        </a:solidFill>
-        <a:effectLst/>
-      </p:bgPr>
-    </p:bg>
     <p:spTree>
       <p:nvGrpSpPr>
         <p:cNvPr id="1" name=""/>
@@ -7830,10 +7820,18 @@
           <a:lstStyle/>
           <a:p>
             <a:r>
-              <a:rPr lang="en-US" dirty="0" smtClean="0"/>
+              <a:rPr lang="en-US" dirty="0" smtClean="0">
+                <a:solidFill>
+                  <a:srgbClr val="FF0000"/>
+                </a:solidFill>
+              </a:rPr>
               <a:t>Abstraction</a:t>
             </a:r>
-            <a:endParaRPr lang="en-GB" dirty="0"/>
+            <a:endParaRPr lang="en-GB" dirty="0">
+              <a:solidFill>
+                <a:srgbClr val="FF0000"/>
+              </a:solidFill>
+            </a:endParaRPr>
           </a:p>
         </p:txBody>
       </p:sp>
@@ -7922,14 +7920,6 @@
 <file path=ppt/slides/slide4.xml><?xml version="1.0" encoding="utf-8"?>
 <p:sld xmlns:a="http://schemas.openxmlformats.org/drawingml/2006/main" xmlns:r="http://schemas.openxmlformats.org/officeDocument/2006/relationships" xmlns:p="http://schemas.openxmlformats.org/presentationml/2006/main">
   <p:cSld>
-    <p:bg>
-      <p:bgPr>
-        <a:solidFill>
-          <a:srgbClr val="FFFFD1"/>
-        </a:solidFill>
-        <a:effectLst/>
-      </p:bgPr>
-    </p:bg>
     <p:spTree>
       <p:nvGrpSpPr>
         <p:cNvPr id="1" name=""/>
@@ -7960,10 +7950,18 @@
           <a:lstStyle/>
           <a:p>
             <a:r>
-              <a:rPr lang="en-US" dirty="0" smtClean="0"/>
+              <a:rPr lang="en-US" dirty="0" smtClean="0">
+                <a:solidFill>
+                  <a:srgbClr val="FF0000"/>
+                </a:solidFill>
+              </a:rPr>
               <a:t>Architecture Diagram</a:t>
             </a:r>
-            <a:endParaRPr lang="en-GB" dirty="0"/>
+            <a:endParaRPr lang="en-GB" dirty="0">
+              <a:solidFill>
+                <a:srgbClr val="FF0000"/>
+              </a:solidFill>
+            </a:endParaRPr>
           </a:p>
         </p:txBody>
       </p:sp>
@@ -7977,7 +7975,7 @@
             <p:ph idx="1"/>
             <p:extLst>
               <p:ext uri="{D42A27DB-BD31-4B8C-83A1-F6EECF244321}">
-                <p14:modId xmlns:p14="http://schemas.microsoft.com/office/powerpoint/2010/main" val="3324495195"/>
+                <p14:modId xmlns:p14="http://schemas.microsoft.com/office/powerpoint/2010/main" val="429479764"/>
               </p:ext>
             </p:extLst>
           </p:nvPr>
@@ -8000,133 +7998,14 @@
         </p:nvSpPr>
         <p:spPr>
           <a:xfrm>
-            <a:off x="707923" y="3685863"/>
+            <a:off x="473064" y="3685863"/>
             <a:ext cx="1106128" cy="757159"/>
           </a:xfrm>
           <a:prstGeom prst="rect">
             <a:avLst/>
           </a:prstGeom>
           <a:solidFill>
-            <a:schemeClr val="bg1"/>
-          </a:solidFill>
-        </p:spPr>
-        <p:style>
-          <a:lnRef idx="2">
-            <a:schemeClr val="accent1">
-              <a:shade val="50000"/>
-            </a:schemeClr>
-          </a:lnRef>
-          <a:fillRef idx="1">
-            <a:schemeClr val="accent1"/>
-          </a:fillRef>
-          <a:effectRef idx="0">
-            <a:schemeClr val="accent1"/>
-          </a:effectRef>
-          <a:fontRef idx="minor">
-            <a:schemeClr val="lt1"/>
-          </a:fontRef>
-        </p:style>
-        <p:txBody>
-          <a:bodyPr rot="0" spcFirstLastPara="0" vert="horz" wrap="square" lIns="91440" tIns="45720" rIns="91440" bIns="45720" numCol="1" spcCol="0" rtlCol="0" fromWordArt="0" anchor="ctr" anchorCtr="0" forceAA="0" compatLnSpc="1">
-            <a:prstTxWarp prst="textNoShape">
-              <a:avLst/>
-            </a:prstTxWarp>
-            <a:noAutofit/>
-          </a:bodyPr>
-          <a:lstStyle/>
-          <a:p>
-            <a:r>
-              <a:rPr lang="en-GB" dirty="0" smtClean="0">
-                <a:solidFill>
-                  <a:schemeClr val="tx1"/>
-                </a:solidFill>
-                <a:latin typeface="Calibri" panose="020F0502020204030204" pitchFamily="34" charset="0"/>
-                <a:ea typeface="Calibri" panose="020F0502020204030204" pitchFamily="34" charset="0"/>
-                <a:cs typeface="Times New Roman" panose="02020603050405020304" pitchFamily="18" charset="0"/>
-              </a:rPr>
-              <a:t>   Dataset</a:t>
-            </a:r>
-            <a:endParaRPr lang="en-GB" dirty="0"/>
-          </a:p>
-        </p:txBody>
-      </p:sp>
-      <p:sp>
-        <p:nvSpPr>
-          <p:cNvPr id="7" name="Oval 6"/>
-          <p:cNvSpPr/>
-          <p:nvPr/>
-        </p:nvSpPr>
-        <p:spPr>
-          <a:xfrm>
-            <a:off x="9794325" y="3685864"/>
-            <a:ext cx="1633252" cy="757159"/>
-          </a:xfrm>
-          <a:prstGeom prst="ellipse">
-            <a:avLst/>
-          </a:prstGeom>
-          <a:solidFill>
-            <a:schemeClr val="bg1"/>
-          </a:solidFill>
-        </p:spPr>
-        <p:style>
-          <a:lnRef idx="2">
-            <a:schemeClr val="accent1">
-              <a:shade val="50000"/>
-            </a:schemeClr>
-          </a:lnRef>
-          <a:fillRef idx="1">
-            <a:schemeClr val="accent1"/>
-          </a:fillRef>
-          <a:effectRef idx="0">
-            <a:schemeClr val="accent1"/>
-          </a:effectRef>
-          <a:fontRef idx="minor">
-            <a:schemeClr val="lt1"/>
-          </a:fontRef>
-        </p:style>
-        <p:txBody>
-          <a:bodyPr rot="0" spcFirstLastPara="0" vert="horz" wrap="square" lIns="91440" tIns="45720" rIns="91440" bIns="45720" numCol="1" spcCol="0" rtlCol="0" fromWordArt="0" anchor="ctr" anchorCtr="0" forceAA="0" compatLnSpc="1">
-            <a:prstTxWarp prst="textNoShape">
-              <a:avLst/>
-            </a:prstTxWarp>
-            <a:noAutofit/>
-          </a:bodyPr>
-          <a:lstStyle/>
-          <a:p>
-            <a:pPr algn="ctr"/>
-            <a:r>
-              <a:rPr lang="en-GB" dirty="0">
-                <a:solidFill>
-                  <a:schemeClr val="tx1"/>
-                </a:solidFill>
-                <a:latin typeface="Calibri" panose="020F0502020204030204" pitchFamily="34" charset="0"/>
-                <a:ea typeface="Calibri" panose="020F0502020204030204" pitchFamily="34" charset="0"/>
-                <a:cs typeface="Times New Roman" panose="02020603050405020304" pitchFamily="18" charset="0"/>
-              </a:rPr>
-              <a:t>Prediction</a:t>
-            </a:r>
-            <a:endParaRPr lang="en-GB" dirty="0"/>
-          </a:p>
-        </p:txBody>
-      </p:sp>
-      <p:sp>
-        <p:nvSpPr>
-          <p:cNvPr id="8" name="Rounded Rectangle 7"/>
-          <p:cNvSpPr/>
-          <p:nvPr/>
-        </p:nvSpPr>
-        <p:spPr>
-          <a:xfrm>
-            <a:off x="2055779" y="2387620"/>
-            <a:ext cx="2401062" cy="629208"/>
-          </a:xfrm>
-          <a:prstGeom prst="roundRect">
-            <a:avLst>
-              <a:gd name="adj" fmla="val 0"/>
-            </a:avLst>
-          </a:prstGeom>
-          <a:solidFill>
-            <a:schemeClr val="bg1"/>
+            <a:srgbClr val="F8F8F8"/>
           </a:solidFill>
           <a:ln>
             <a:solidFill>
@@ -8159,9 +8038,8 @@
           </a:bodyPr>
           <a:lstStyle/>
           <a:p>
-            <a:pPr algn="ctr"/>
-            <a:r>
-              <a:rPr lang="en-GB" dirty="0" err="1">
+            <a:r>
+              <a:rPr lang="en-GB" dirty="0" smtClean="0">
                 <a:solidFill>
                   <a:schemeClr val="tx1"/>
                 </a:solidFill>
@@ -8169,18 +8047,7 @@
                 <a:ea typeface="Calibri" panose="020F0502020204030204" pitchFamily="34" charset="0"/>
                 <a:cs typeface="Times New Roman" panose="02020603050405020304" pitchFamily="18" charset="0"/>
               </a:rPr>
-              <a:t>Explotary</a:t>
-            </a:r>
-            <a:r>
-              <a:rPr lang="en-GB" dirty="0">
-                <a:solidFill>
-                  <a:schemeClr val="tx1"/>
-                </a:solidFill>
-                <a:latin typeface="Calibri" panose="020F0502020204030204" pitchFamily="34" charset="0"/>
-                <a:ea typeface="Calibri" panose="020F0502020204030204" pitchFamily="34" charset="0"/>
-                <a:cs typeface="Times New Roman" panose="02020603050405020304" pitchFamily="18" charset="0"/>
-              </a:rPr>
-              <a:t> Data Analysis</a:t>
+              <a:t>   Dataset</a:t>
             </a:r>
             <a:endParaRPr lang="en-GB" dirty="0"/>
           </a:p>
@@ -8188,20 +8055,20 @@
       </p:sp>
       <p:sp>
         <p:nvSpPr>
-          <p:cNvPr id="9" name="Rounded Rectangle 8"/>
+          <p:cNvPr id="7" name="Oval 6"/>
           <p:cNvSpPr/>
           <p:nvPr/>
         </p:nvSpPr>
         <p:spPr>
           <a:xfrm>
-            <a:off x="5421327" y="3699828"/>
-            <a:ext cx="1097279" cy="743195"/>
+            <a:off x="9978655" y="3685863"/>
+            <a:ext cx="1633252" cy="757159"/>
           </a:xfrm>
-          <a:prstGeom prst="roundRect">
+          <a:prstGeom prst="ellipse">
             <a:avLst/>
           </a:prstGeom>
           <a:solidFill>
-            <a:schemeClr val="bg1"/>
+            <a:srgbClr val="F8F8F8"/>
           </a:solidFill>
           <a:ln>
             <a:solidFill>
@@ -8244,7 +8111,7 @@
                 <a:ea typeface="Calibri" panose="020F0502020204030204" pitchFamily="34" charset="0"/>
                 <a:cs typeface="Times New Roman" panose="02020603050405020304" pitchFamily="18" charset="0"/>
               </a:rPr>
-              <a:t>Model</a:t>
+              <a:t>Prediction</a:t>
             </a:r>
             <a:endParaRPr lang="en-GB" dirty="0"/>
           </a:p>
@@ -8252,20 +8119,22 @@
       </p:sp>
       <p:sp>
         <p:nvSpPr>
-          <p:cNvPr id="10" name="Rounded Rectangle 9"/>
+          <p:cNvPr id="8" name="Rounded Rectangle 7"/>
           <p:cNvSpPr/>
           <p:nvPr/>
         </p:nvSpPr>
         <p:spPr>
           <a:xfrm>
-            <a:off x="7203087" y="3699828"/>
-            <a:ext cx="1437166" cy="743195"/>
+            <a:off x="1773141" y="2394017"/>
+            <a:ext cx="2401062" cy="629208"/>
           </a:xfrm>
           <a:prstGeom prst="roundRect">
-            <a:avLst/>
+            <a:avLst>
+              <a:gd name="adj" fmla="val 0"/>
+            </a:avLst>
           </a:prstGeom>
           <a:solidFill>
-            <a:schemeClr val="bg1"/>
+            <a:srgbClr val="F8F8F8"/>
           </a:solidFill>
           <a:ln>
             <a:solidFill>
@@ -8300,7 +8169,7 @@
           <a:p>
             <a:pPr algn="ctr"/>
             <a:r>
-              <a:rPr lang="en-GB" dirty="0" smtClean="0">
+              <a:rPr lang="en-GB" dirty="0" err="1">
                 <a:solidFill>
                   <a:schemeClr val="tx1"/>
                 </a:solidFill>
@@ -8308,7 +8177,18 @@
                 <a:ea typeface="Calibri" panose="020F0502020204030204" pitchFamily="34" charset="0"/>
                 <a:cs typeface="Times New Roman" panose="02020603050405020304" pitchFamily="18" charset="0"/>
               </a:rPr>
-              <a:t>Deployment</a:t>
+              <a:t>Explotary</a:t>
+            </a:r>
+            <a:r>
+              <a:rPr lang="en-GB" dirty="0">
+                <a:solidFill>
+                  <a:schemeClr val="tx1"/>
+                </a:solidFill>
+                <a:latin typeface="Calibri" panose="020F0502020204030204" pitchFamily="34" charset="0"/>
+                <a:ea typeface="Calibri" panose="020F0502020204030204" pitchFamily="34" charset="0"/>
+                <a:cs typeface="Times New Roman" panose="02020603050405020304" pitchFamily="18" charset="0"/>
+              </a:rPr>
+              <a:t> Data Analysis</a:t>
             </a:r>
             <a:endParaRPr lang="en-GB" dirty="0"/>
           </a:p>
@@ -8316,22 +8196,20 @@
       </p:sp>
       <p:sp>
         <p:nvSpPr>
-          <p:cNvPr id="12" name="Rounded Rectangle 11"/>
+          <p:cNvPr id="9" name="Rounded Rectangle 8"/>
           <p:cNvSpPr/>
           <p:nvPr/>
         </p:nvSpPr>
         <p:spPr>
           <a:xfrm>
-            <a:off x="4997370" y="2387620"/>
-            <a:ext cx="1945195" cy="628075"/>
+            <a:off x="4505926" y="3699828"/>
+            <a:ext cx="1097279" cy="743195"/>
           </a:xfrm>
           <a:prstGeom prst="roundRect">
-            <a:avLst>
-              <a:gd name="adj" fmla="val 0"/>
-            </a:avLst>
+            <a:avLst/>
           </a:prstGeom>
           <a:solidFill>
-            <a:schemeClr val="bg1"/>
+            <a:srgbClr val="F8F8F8"/>
           </a:solidFill>
           <a:ln>
             <a:solidFill>
@@ -8370,30 +8248,32 @@
                 <a:solidFill>
                   <a:schemeClr val="tx1"/>
                 </a:solidFill>
+                <a:latin typeface="Calibri" panose="020F0502020204030204" pitchFamily="34" charset="0"/>
+                <a:ea typeface="Calibri" panose="020F0502020204030204" pitchFamily="34" charset="0"/>
+                <a:cs typeface="Times New Roman" panose="02020603050405020304" pitchFamily="18" charset="0"/>
               </a:rPr>
-              <a:t>Model Selection</a:t>
-            </a:r>
+              <a:t>Model</a:t>
+            </a:r>
+            <a:endParaRPr lang="en-GB" dirty="0"/>
           </a:p>
         </p:txBody>
       </p:sp>
       <p:sp>
         <p:nvSpPr>
-          <p:cNvPr id="13" name="Rounded Rectangle 12"/>
+          <p:cNvPr id="10" name="Rounded Rectangle 9"/>
           <p:cNvSpPr/>
           <p:nvPr/>
         </p:nvSpPr>
         <p:spPr>
           <a:xfrm>
-            <a:off x="7946852" y="2394017"/>
-            <a:ext cx="1576577" cy="628075"/>
+            <a:off x="6084218" y="3699828"/>
+            <a:ext cx="1437166" cy="743195"/>
           </a:xfrm>
           <a:prstGeom prst="roundRect">
-            <a:avLst>
-              <a:gd name="adj" fmla="val 0"/>
-            </a:avLst>
+            <a:avLst/>
           </a:prstGeom>
           <a:solidFill>
-            <a:schemeClr val="bg1"/>
+            <a:srgbClr val="F8F8F8"/>
           </a:solidFill>
           <a:ln>
             <a:solidFill>
@@ -8428,26 +8308,30 @@
           <a:p>
             <a:pPr algn="ctr"/>
             <a:r>
-              <a:rPr lang="en-GB" dirty="0">
+              <a:rPr lang="en-GB" dirty="0" smtClean="0">
                 <a:solidFill>
                   <a:schemeClr val="tx1"/>
                 </a:solidFill>
+                <a:latin typeface="Calibri" panose="020F0502020204030204" pitchFamily="34" charset="0"/>
+                <a:ea typeface="Calibri" panose="020F0502020204030204" pitchFamily="34" charset="0"/>
+                <a:cs typeface="Times New Roman" panose="02020603050405020304" pitchFamily="18" charset="0"/>
               </a:rPr>
-              <a:t>Validation</a:t>
-            </a:r>
+              <a:t>Deployment</a:t>
+            </a:r>
+            <a:endParaRPr lang="en-GB" dirty="0"/>
           </a:p>
         </p:txBody>
       </p:sp>
       <p:sp>
         <p:nvSpPr>
-          <p:cNvPr id="14" name="Rounded Rectangle 13"/>
+          <p:cNvPr id="12" name="Rounded Rectangle 11"/>
           <p:cNvSpPr/>
           <p:nvPr/>
         </p:nvSpPr>
         <p:spPr>
           <a:xfrm>
-            <a:off x="10245905" y="2394091"/>
-            <a:ext cx="1181672" cy="628075"/>
+            <a:off x="4550250" y="2394016"/>
+            <a:ext cx="1945195" cy="628075"/>
           </a:xfrm>
           <a:prstGeom prst="roundRect">
             <a:avLst>
@@ -8455,7 +8339,7 @@
             </a:avLst>
           </a:prstGeom>
           <a:solidFill>
-            <a:schemeClr val="bg1"/>
+            <a:srgbClr val="F8F8F8"/>
           </a:solidFill>
           <a:ln>
             <a:solidFill>
@@ -8490,97 +8374,34 @@
           <a:p>
             <a:pPr algn="ctr"/>
             <a:r>
-              <a:rPr lang="en-US" dirty="0" smtClean="0">
+              <a:rPr lang="en-GB" dirty="0">
                 <a:solidFill>
                   <a:schemeClr val="tx1"/>
                 </a:solidFill>
               </a:rPr>
-              <a:t>Testing</a:t>
-            </a:r>
-            <a:endParaRPr lang="en-GB" dirty="0">
-              <a:solidFill>
-                <a:schemeClr val="tx1"/>
-              </a:solidFill>
-            </a:endParaRPr>
+              <a:t>Model Selection</a:t>
+            </a:r>
           </a:p>
         </p:txBody>
       </p:sp>
       <p:sp>
         <p:nvSpPr>
-          <p:cNvPr id="15" name="Oval 14"/>
+          <p:cNvPr id="13" name="Rounded Rectangle 12"/>
           <p:cNvSpPr/>
           <p:nvPr/>
         </p:nvSpPr>
         <p:spPr>
           <a:xfrm>
-            <a:off x="6892017" y="5105142"/>
-            <a:ext cx="2059305" cy="645197"/>
+            <a:off x="7946852" y="2394017"/>
+            <a:ext cx="1576577" cy="628075"/>
           </a:xfrm>
-          <a:prstGeom prst="ellipse">
-            <a:avLst/>
+          <a:prstGeom prst="roundRect">
+            <a:avLst>
+              <a:gd name="adj" fmla="val 0"/>
+            </a:avLst>
           </a:prstGeom>
           <a:solidFill>
-            <a:schemeClr val="bg1"/>
-          </a:solidFill>
-        </p:spPr>
-        <p:style>
-          <a:lnRef idx="2">
-            <a:schemeClr val="accent1">
-              <a:shade val="50000"/>
-            </a:schemeClr>
-          </a:lnRef>
-          <a:fillRef idx="1">
-            <a:schemeClr val="accent1"/>
-          </a:fillRef>
-          <a:effectRef idx="0">
-            <a:schemeClr val="accent1"/>
-          </a:effectRef>
-          <a:fontRef idx="minor">
-            <a:schemeClr val="lt1"/>
-          </a:fontRef>
-        </p:style>
-        <p:txBody>
-          <a:bodyPr rot="0" spcFirstLastPara="0" vert="horz" wrap="square" lIns="91440" tIns="45720" rIns="91440" bIns="45720" numCol="1" spcCol="0" rtlCol="0" fromWordArt="0" anchor="ctr" anchorCtr="0" forceAA="0" compatLnSpc="1">
-            <a:prstTxWarp prst="textNoShape">
-              <a:avLst/>
-            </a:prstTxWarp>
-            <a:noAutofit/>
-          </a:bodyPr>
-          <a:lstStyle/>
-          <a:p>
-            <a:pPr algn="ctr"/>
-            <a:r>
-              <a:rPr lang="en-US" dirty="0" smtClean="0">
-                <a:solidFill>
-                  <a:schemeClr val="tx1"/>
-                </a:solidFill>
-              </a:rPr>
-              <a:t>User Input</a:t>
-            </a:r>
-            <a:endParaRPr lang="en-GB" dirty="0">
-              <a:solidFill>
-                <a:schemeClr val="tx1"/>
-              </a:solidFill>
-            </a:endParaRPr>
-          </a:p>
-        </p:txBody>
-      </p:sp>
-      <p:sp>
-        <p:nvSpPr>
-          <p:cNvPr id="11" name="Rounded Rectangle 10"/>
-          <p:cNvSpPr/>
-          <p:nvPr/>
-        </p:nvSpPr>
-        <p:spPr>
-          <a:xfrm>
-            <a:off x="2226658" y="3685863"/>
-            <a:ext cx="2059305" cy="757159"/>
-          </a:xfrm>
-          <a:prstGeom prst="roundRect">
-            <a:avLst/>
-          </a:prstGeom>
-          <a:solidFill>
-            <a:schemeClr val="bg1"/>
+            <a:srgbClr val="F8F8F8"/>
           </a:solidFill>
           <a:ln>
             <a:solidFill>
@@ -8615,6 +8436,198 @@
           <a:p>
             <a:pPr algn="ctr"/>
             <a:r>
+              <a:rPr lang="en-GB" dirty="0">
+                <a:solidFill>
+                  <a:schemeClr val="tx1"/>
+                </a:solidFill>
+              </a:rPr>
+              <a:t>Validation</a:t>
+            </a:r>
+          </a:p>
+        </p:txBody>
+      </p:sp>
+      <p:sp>
+        <p:nvSpPr>
+          <p:cNvPr id="14" name="Rounded Rectangle 13"/>
+          <p:cNvSpPr/>
+          <p:nvPr/>
+        </p:nvSpPr>
+        <p:spPr>
+          <a:xfrm>
+            <a:off x="10245905" y="2394091"/>
+            <a:ext cx="1181672" cy="628075"/>
+          </a:xfrm>
+          <a:prstGeom prst="roundRect">
+            <a:avLst>
+              <a:gd name="adj" fmla="val 0"/>
+            </a:avLst>
+          </a:prstGeom>
+          <a:solidFill>
+            <a:srgbClr val="F8F8F8"/>
+          </a:solidFill>
+          <a:ln>
+            <a:solidFill>
+              <a:schemeClr val="tx1"/>
+            </a:solidFill>
+          </a:ln>
+        </p:spPr>
+        <p:style>
+          <a:lnRef idx="2">
+            <a:schemeClr val="accent1">
+              <a:shade val="50000"/>
+            </a:schemeClr>
+          </a:lnRef>
+          <a:fillRef idx="1">
+            <a:schemeClr val="accent1"/>
+          </a:fillRef>
+          <a:effectRef idx="0">
+            <a:schemeClr val="accent1"/>
+          </a:effectRef>
+          <a:fontRef idx="minor">
+            <a:schemeClr val="lt1"/>
+          </a:fontRef>
+        </p:style>
+        <p:txBody>
+          <a:bodyPr rot="0" spcFirstLastPara="0" vert="horz" wrap="square" lIns="91440" tIns="45720" rIns="91440" bIns="45720" numCol="1" spcCol="0" rtlCol="0" fromWordArt="0" anchor="ctr" anchorCtr="0" forceAA="0" compatLnSpc="1">
+            <a:prstTxWarp prst="textNoShape">
+              <a:avLst/>
+            </a:prstTxWarp>
+            <a:noAutofit/>
+          </a:bodyPr>
+          <a:lstStyle/>
+          <a:p>
+            <a:pPr algn="ctr"/>
+            <a:r>
+              <a:rPr lang="en-US" dirty="0" smtClean="0">
+                <a:solidFill>
+                  <a:schemeClr val="tx1"/>
+                </a:solidFill>
+              </a:rPr>
+              <a:t>Testing</a:t>
+            </a:r>
+            <a:endParaRPr lang="en-GB" dirty="0">
+              <a:solidFill>
+                <a:schemeClr val="tx1"/>
+              </a:solidFill>
+            </a:endParaRPr>
+          </a:p>
+        </p:txBody>
+      </p:sp>
+      <p:sp>
+        <p:nvSpPr>
+          <p:cNvPr id="15" name="Oval 14"/>
+          <p:cNvSpPr/>
+          <p:nvPr/>
+        </p:nvSpPr>
+        <p:spPr>
+          <a:xfrm>
+            <a:off x="7720366" y="5097665"/>
+            <a:ext cx="2059305" cy="645197"/>
+          </a:xfrm>
+          <a:prstGeom prst="ellipse">
+            <a:avLst/>
+          </a:prstGeom>
+          <a:solidFill>
+            <a:srgbClr val="F8F8F8"/>
+          </a:solidFill>
+          <a:ln>
+            <a:solidFill>
+              <a:schemeClr val="tx1"/>
+            </a:solidFill>
+          </a:ln>
+        </p:spPr>
+        <p:style>
+          <a:lnRef idx="2">
+            <a:schemeClr val="accent1">
+              <a:shade val="50000"/>
+            </a:schemeClr>
+          </a:lnRef>
+          <a:fillRef idx="1">
+            <a:schemeClr val="accent1"/>
+          </a:fillRef>
+          <a:effectRef idx="0">
+            <a:schemeClr val="accent1"/>
+          </a:effectRef>
+          <a:fontRef idx="minor">
+            <a:schemeClr val="lt1"/>
+          </a:fontRef>
+        </p:style>
+        <p:txBody>
+          <a:bodyPr rot="0" spcFirstLastPara="0" vert="horz" wrap="square" lIns="91440" tIns="45720" rIns="91440" bIns="45720" numCol="1" spcCol="0" rtlCol="0" fromWordArt="0" anchor="ctr" anchorCtr="0" forceAA="0" compatLnSpc="1">
+            <a:prstTxWarp prst="textNoShape">
+              <a:avLst/>
+            </a:prstTxWarp>
+            <a:noAutofit/>
+          </a:bodyPr>
+          <a:lstStyle/>
+          <a:p>
+            <a:pPr algn="ctr"/>
+            <a:r>
+              <a:rPr lang="en-US" dirty="0" smtClean="0">
+                <a:solidFill>
+                  <a:schemeClr val="tx1"/>
+                </a:solidFill>
+              </a:rPr>
+              <a:t>User Input</a:t>
+            </a:r>
+            <a:endParaRPr lang="en-GB" dirty="0">
+              <a:solidFill>
+                <a:schemeClr val="tx1"/>
+              </a:solidFill>
+            </a:endParaRPr>
+          </a:p>
+        </p:txBody>
+      </p:sp>
+      <p:sp>
+        <p:nvSpPr>
+          <p:cNvPr id="11" name="Rounded Rectangle 10"/>
+          <p:cNvSpPr/>
+          <p:nvPr/>
+        </p:nvSpPr>
+        <p:spPr>
+          <a:xfrm>
+            <a:off x="1944020" y="3685863"/>
+            <a:ext cx="2059305" cy="757159"/>
+          </a:xfrm>
+          <a:prstGeom prst="roundRect">
+            <a:avLst/>
+          </a:prstGeom>
+          <a:solidFill>
+            <a:srgbClr val="F8F8F8"/>
+          </a:solidFill>
+          <a:ln>
+            <a:solidFill>
+              <a:schemeClr val="tx1"/>
+            </a:solidFill>
+          </a:ln>
+        </p:spPr>
+        <p:style>
+          <a:lnRef idx="2">
+            <a:schemeClr val="accent1">
+              <a:shade val="50000"/>
+            </a:schemeClr>
+          </a:lnRef>
+          <a:fillRef idx="1">
+            <a:schemeClr val="accent1"/>
+          </a:fillRef>
+          <a:effectRef idx="0">
+            <a:schemeClr val="accent1"/>
+          </a:effectRef>
+          <a:fontRef idx="minor">
+            <a:schemeClr val="lt1"/>
+          </a:fontRef>
+        </p:style>
+        <p:txBody>
+          <a:bodyPr rot="0" spcFirstLastPara="0" vert="horz" wrap="square" lIns="91440" tIns="45720" rIns="91440" bIns="45720" numCol="1" spcCol="0" rtlCol="0" fromWordArt="0" anchor="ctr" anchorCtr="0" forceAA="0" compatLnSpc="1">
+            <a:prstTxWarp prst="textNoShape">
+              <a:avLst/>
+            </a:prstTxWarp>
+            <a:noAutofit/>
+          </a:bodyPr>
+          <a:lstStyle/>
+          <a:p>
+            <a:pPr algn="ctr"/>
+            <a:r>
               <a:rPr lang="en-US" dirty="0" smtClean="0">
                 <a:solidFill>
                   <a:schemeClr val="tx1"/>
@@ -8641,24 +8654,27 @@
         </p:nvCxnSpPr>
         <p:spPr>
           <a:xfrm>
-            <a:off x="1814051" y="4064443"/>
-            <a:ext cx="412607" cy="0"/>
+            <a:off x="1579192" y="4064443"/>
+            <a:ext cx="364828" cy="0"/>
           </a:xfrm>
           <a:prstGeom prst="straightConnector1">
             <a:avLst/>
           </a:prstGeom>
           <a:ln>
+            <a:solidFill>
+              <a:srgbClr val="FF0000"/>
+            </a:solidFill>
             <a:tailEnd type="triangle"/>
           </a:ln>
         </p:spPr>
         <p:style>
-          <a:lnRef idx="1">
+          <a:lnRef idx="3">
             <a:schemeClr val="accent1"/>
           </a:lnRef>
           <a:fillRef idx="0">
             <a:schemeClr val="accent1"/>
           </a:fillRef>
-          <a:effectRef idx="0">
+          <a:effectRef idx="2">
             <a:schemeClr val="accent1"/>
           </a:effectRef>
           <a:fontRef idx="minor">
@@ -8677,24 +8693,27 @@
         </p:nvCxnSpPr>
         <p:spPr>
           <a:xfrm>
-            <a:off x="4285963" y="4064443"/>
-            <a:ext cx="1135364" cy="6983"/>
+            <a:off x="4003325" y="4064443"/>
+            <a:ext cx="502601" cy="6983"/>
           </a:xfrm>
           <a:prstGeom prst="straightConnector1">
             <a:avLst/>
           </a:prstGeom>
           <a:ln>
+            <a:solidFill>
+              <a:srgbClr val="FF0000"/>
+            </a:solidFill>
             <a:tailEnd type="triangle"/>
           </a:ln>
         </p:spPr>
         <p:style>
-          <a:lnRef idx="1">
+          <a:lnRef idx="3">
             <a:schemeClr val="accent1"/>
           </a:lnRef>
           <a:fillRef idx="0">
             <a:schemeClr val="accent1"/>
           </a:fillRef>
-          <a:effectRef idx="0">
+          <a:effectRef idx="2">
             <a:schemeClr val="accent1"/>
           </a:effectRef>
           <a:fontRef idx="minor">
@@ -8713,24 +8732,27 @@
         </p:nvCxnSpPr>
         <p:spPr>
           <a:xfrm>
-            <a:off x="6518606" y="4071426"/>
-            <a:ext cx="684481" cy="0"/>
+            <a:off x="5603205" y="4071426"/>
+            <a:ext cx="481013" cy="0"/>
           </a:xfrm>
           <a:prstGeom prst="straightConnector1">
             <a:avLst/>
           </a:prstGeom>
           <a:ln>
+            <a:solidFill>
+              <a:srgbClr val="FF0000"/>
+            </a:solidFill>
             <a:tailEnd type="triangle"/>
           </a:ln>
         </p:spPr>
         <p:style>
-          <a:lnRef idx="1">
+          <a:lnRef idx="3">
             <a:schemeClr val="accent1"/>
           </a:lnRef>
           <a:fillRef idx="0">
             <a:schemeClr val="accent1"/>
           </a:fillRef>
-          <a:effectRef idx="0">
+          <a:effectRef idx="2">
             <a:schemeClr val="accent1"/>
           </a:effectRef>
           <a:fontRef idx="minor">
@@ -8743,30 +8765,33 @@
           <p:cNvPr id="18" name="Straight Arrow Connector 17"/>
           <p:cNvCxnSpPr>
             <a:stCxn id="10" idx="3"/>
-            <a:endCxn id="7" idx="2"/>
+            <a:endCxn id="49" idx="1"/>
           </p:cNvCxnSpPr>
           <p:nvPr/>
         </p:nvCxnSpPr>
         <p:spPr>
           <a:xfrm flipV="1">
-            <a:off x="8640253" y="4064444"/>
-            <a:ext cx="1154072" cy="6982"/>
+            <a:off x="7521384" y="4064442"/>
+            <a:ext cx="481013" cy="6984"/>
           </a:xfrm>
           <a:prstGeom prst="straightConnector1">
             <a:avLst/>
           </a:prstGeom>
           <a:ln>
+            <a:solidFill>
+              <a:srgbClr val="FF0000"/>
+            </a:solidFill>
             <a:tailEnd type="triangle"/>
           </a:ln>
         </p:spPr>
         <p:style>
-          <a:lnRef idx="1">
+          <a:lnRef idx="3">
             <a:schemeClr val="accent1"/>
           </a:lnRef>
           <a:fillRef idx="0">
             <a:schemeClr val="accent1"/>
           </a:fillRef>
-          <a:effectRef idx="0">
+          <a:effectRef idx="2">
             <a:schemeClr val="accent1"/>
           </a:effectRef>
           <a:fontRef idx="minor">
@@ -8785,25 +8810,28 @@
         </p:nvCxnSpPr>
         <p:spPr>
           <a:xfrm>
-            <a:off x="3256310" y="3016828"/>
-            <a:ext cx="1" cy="669035"/>
+            <a:off x="2973672" y="3023225"/>
+            <a:ext cx="1" cy="662638"/>
           </a:xfrm>
           <a:prstGeom prst="straightConnector1">
             <a:avLst/>
           </a:prstGeom>
           <a:ln>
+            <a:solidFill>
+              <a:srgbClr val="FF0000"/>
+            </a:solidFill>
             <a:headEnd type="triangle"/>
             <a:tailEnd type="triangle"/>
           </a:ln>
         </p:spPr>
         <p:style>
-          <a:lnRef idx="1">
+          <a:lnRef idx="3">
             <a:schemeClr val="accent1"/>
           </a:lnRef>
           <a:fillRef idx="0">
             <a:schemeClr val="accent1"/>
           </a:fillRef>
-          <a:effectRef idx="0">
+          <a:effectRef idx="2">
             <a:schemeClr val="accent1"/>
           </a:effectRef>
           <a:fontRef idx="minor">
@@ -8822,25 +8850,28 @@
         </p:nvCxnSpPr>
         <p:spPr>
           <a:xfrm flipH="1">
-            <a:off x="4456841" y="2701658"/>
-            <a:ext cx="540529" cy="566"/>
+            <a:off x="4174203" y="2708054"/>
+            <a:ext cx="376047" cy="567"/>
           </a:xfrm>
           <a:prstGeom prst="straightConnector1">
             <a:avLst/>
           </a:prstGeom>
           <a:ln>
+            <a:solidFill>
+              <a:srgbClr val="FF0000"/>
+            </a:solidFill>
             <a:headEnd type="triangle"/>
             <a:tailEnd type="triangle"/>
           </a:ln>
         </p:spPr>
         <p:style>
-          <a:lnRef idx="1">
+          <a:lnRef idx="3">
             <a:schemeClr val="accent1"/>
           </a:lnRef>
           <a:fillRef idx="0">
             <a:schemeClr val="accent1"/>
           </a:fillRef>
-          <a:effectRef idx="0">
+          <a:effectRef idx="2">
             <a:schemeClr val="accent1"/>
           </a:effectRef>
           <a:fontRef idx="minor">
@@ -8859,25 +8890,28 @@
         </p:nvCxnSpPr>
         <p:spPr>
           <a:xfrm>
-            <a:off x="6942565" y="2701658"/>
-            <a:ext cx="1004287" cy="6397"/>
+            <a:off x="6495445" y="2708054"/>
+            <a:ext cx="1451407" cy="1"/>
           </a:xfrm>
           <a:prstGeom prst="straightConnector1">
             <a:avLst/>
           </a:prstGeom>
           <a:ln>
+            <a:solidFill>
+              <a:srgbClr val="FF0000"/>
+            </a:solidFill>
             <a:headEnd type="triangle"/>
             <a:tailEnd type="triangle"/>
           </a:ln>
         </p:spPr>
         <p:style>
-          <a:lnRef idx="1">
+          <a:lnRef idx="3">
             <a:schemeClr val="accent1"/>
           </a:lnRef>
           <a:fillRef idx="0">
             <a:schemeClr val="accent1"/>
           </a:fillRef>
-          <a:effectRef idx="0">
+          <a:effectRef idx="2">
             <a:schemeClr val="accent1"/>
           </a:effectRef>
           <a:fontRef idx="minor">
@@ -8903,18 +8937,21 @@
             <a:avLst/>
           </a:prstGeom>
           <a:ln>
+            <a:solidFill>
+              <a:srgbClr val="FF0000"/>
+            </a:solidFill>
             <a:headEnd type="triangle"/>
             <a:tailEnd type="triangle"/>
           </a:ln>
         </p:spPr>
         <p:style>
-          <a:lnRef idx="1">
+          <a:lnRef idx="3">
             <a:schemeClr val="accent1"/>
           </a:lnRef>
           <a:fillRef idx="0">
             <a:schemeClr val="accent1"/>
           </a:fillRef>
-          <a:effectRef idx="0">
+          <a:effectRef idx="2">
             <a:schemeClr val="accent1"/>
           </a:effectRef>
           <a:fontRef idx="minor">
@@ -8927,30 +8964,132 @@
           <p:cNvPr id="39" name="Straight Arrow Connector 38"/>
           <p:cNvCxnSpPr>
             <a:stCxn id="15" idx="0"/>
-            <a:endCxn id="10" idx="2"/>
+            <a:endCxn id="49" idx="2"/>
           </p:cNvCxnSpPr>
           <p:nvPr/>
         </p:nvCxnSpPr>
         <p:spPr>
           <a:xfrm flipV="1">
-            <a:off x="7921670" y="4443023"/>
-            <a:ext cx="0" cy="662119"/>
+            <a:off x="8750019" y="4436039"/>
+            <a:ext cx="1" cy="661626"/>
           </a:xfrm>
           <a:prstGeom prst="straightConnector1">
             <a:avLst/>
           </a:prstGeom>
           <a:ln>
+            <a:solidFill>
+              <a:srgbClr val="FF0000"/>
+            </a:solidFill>
             <a:tailEnd type="triangle"/>
           </a:ln>
         </p:spPr>
         <p:style>
-          <a:lnRef idx="1">
+          <a:lnRef idx="3">
             <a:schemeClr val="accent1"/>
           </a:lnRef>
           <a:fillRef idx="0">
             <a:schemeClr val="accent1"/>
           </a:fillRef>
+          <a:effectRef idx="2">
+            <a:schemeClr val="accent1"/>
+          </a:effectRef>
+          <a:fontRef idx="minor">
+            <a:schemeClr val="tx1"/>
+          </a:fontRef>
+        </p:style>
+      </p:cxnSp>
+      <p:sp>
+        <p:nvSpPr>
+          <p:cNvPr id="49" name="Rounded Rectangle 48"/>
+          <p:cNvSpPr/>
+          <p:nvPr/>
+        </p:nvSpPr>
+        <p:spPr>
+          <a:xfrm>
+            <a:off x="8002397" y="3692845"/>
+            <a:ext cx="1495245" cy="743194"/>
+          </a:xfrm>
+          <a:prstGeom prst="roundRect">
+            <a:avLst/>
+          </a:prstGeom>
+          <a:solidFill>
+            <a:srgbClr val="F8F8F8"/>
+          </a:solidFill>
+          <a:ln>
+            <a:solidFill>
+              <a:schemeClr val="tx1"/>
+            </a:solidFill>
+          </a:ln>
+        </p:spPr>
+        <p:style>
+          <a:lnRef idx="2">
+            <a:schemeClr val="accent1">
+              <a:shade val="50000"/>
+            </a:schemeClr>
+          </a:lnRef>
+          <a:fillRef idx="1">
+            <a:schemeClr val="accent1"/>
+          </a:fillRef>
           <a:effectRef idx="0">
+            <a:schemeClr val="accent1"/>
+          </a:effectRef>
+          <a:fontRef idx="minor">
+            <a:schemeClr val="lt1"/>
+          </a:fontRef>
+        </p:style>
+        <p:txBody>
+          <a:bodyPr rtlCol="0" anchor="ctr"/>
+          <a:lstStyle/>
+          <a:p>
+            <a:pPr algn="ctr"/>
+            <a:r>
+              <a:rPr lang="en-US" dirty="0" smtClean="0">
+                <a:solidFill>
+                  <a:schemeClr val="tx1"/>
+                </a:solidFill>
+              </a:rPr>
+              <a:t>Web Application</a:t>
+            </a:r>
+            <a:endParaRPr lang="en-GB" dirty="0">
+              <a:solidFill>
+                <a:schemeClr val="tx1"/>
+              </a:solidFill>
+            </a:endParaRPr>
+          </a:p>
+        </p:txBody>
+      </p:sp>
+      <p:cxnSp>
+        <p:nvCxnSpPr>
+          <p:cNvPr id="52" name="Straight Arrow Connector 51"/>
+          <p:cNvCxnSpPr>
+            <a:stCxn id="49" idx="3"/>
+            <a:endCxn id="7" idx="2"/>
+          </p:cNvCxnSpPr>
+          <p:nvPr/>
+        </p:nvCxnSpPr>
+        <p:spPr>
+          <a:xfrm>
+            <a:off x="9497642" y="4064442"/>
+            <a:ext cx="481013" cy="1"/>
+          </a:xfrm>
+          <a:prstGeom prst="straightConnector1">
+            <a:avLst/>
+          </a:prstGeom>
+          <a:ln>
+            <a:solidFill>
+              <a:srgbClr val="FF0000"/>
+            </a:solidFill>
+            <a:tailEnd type="triangle"/>
+          </a:ln>
+        </p:spPr>
+        <p:style>
+          <a:lnRef idx="3">
+            <a:schemeClr val="accent1"/>
+          </a:lnRef>
+          <a:fillRef idx="0">
+            <a:schemeClr val="accent1"/>
+          </a:fillRef>
+          <a:effectRef idx="2">
             <a:schemeClr val="accent1"/>
           </a:effectRef>
           <a:fontRef idx="minor">
@@ -8960,7 +9099,7 @@
       </p:cxnSp>
       <p:cxnSp>
         <p:nvCxnSpPr>
-          <p:cNvPr id="48" name="Straight Arrow Connector 47"/>
+          <p:cNvPr id="57" name="Elbow Connector 56"/>
           <p:cNvCxnSpPr>
             <a:stCxn id="12" idx="2"/>
             <a:endCxn id="9" idx="0"/>
@@ -8968,25 +9107,71 @@
           <p:nvPr/>
         </p:nvCxnSpPr>
         <p:spPr>
-          <a:xfrm flipH="1">
-            <a:off x="5969967" y="3015695"/>
-            <a:ext cx="1" cy="684133"/>
+          <a:xfrm rot="5400000">
+            <a:off x="4949839" y="3126818"/>
+            <a:ext cx="677737" cy="468282"/>
           </a:xfrm>
-          <a:prstGeom prst="straightConnector1">
+          <a:prstGeom prst="bentConnector3">
             <a:avLst/>
           </a:prstGeom>
           <a:ln>
+            <a:solidFill>
+              <a:srgbClr val="FF0000"/>
+            </a:solidFill>
             <a:tailEnd type="triangle"/>
           </a:ln>
         </p:spPr>
         <p:style>
-          <a:lnRef idx="1">
+          <a:lnRef idx="3">
             <a:schemeClr val="accent1"/>
           </a:lnRef>
           <a:fillRef idx="0">
             <a:schemeClr val="accent1"/>
           </a:fillRef>
-          <a:effectRef idx="0">
+          <a:effectRef idx="2">
+            <a:schemeClr val="accent1"/>
+          </a:effectRef>
+          <a:fontRef idx="minor">
+            <a:schemeClr val="tx1"/>
+          </a:fontRef>
+        </p:style>
+      </p:cxnSp>
+      <p:cxnSp>
+        <p:nvCxnSpPr>
+          <p:cNvPr id="59" name="Elbow Connector 58"/>
+          <p:cNvCxnSpPr>
+            <a:stCxn id="14" idx="3"/>
+            <a:endCxn id="8" idx="1"/>
+          </p:cNvCxnSpPr>
+          <p:nvPr/>
+        </p:nvCxnSpPr>
+        <p:spPr>
+          <a:xfrm flipH="1">
+            <a:off x="1773141" y="2708129"/>
+            <a:ext cx="9654436" cy="492"/>
+          </a:xfrm>
+          <a:prstGeom prst="bentConnector5">
+            <a:avLst>
+              <a:gd name="adj1" fmla="val -2368"/>
+              <a:gd name="adj2" fmla="val -132301626"/>
+              <a:gd name="adj3" fmla="val 102368"/>
+            </a:avLst>
+          </a:prstGeom>
+          <a:ln>
+            <a:solidFill>
+              <a:srgbClr val="FF0000"/>
+            </a:solidFill>
+            <a:tailEnd type="triangle"/>
+          </a:ln>
+        </p:spPr>
+        <p:style>
+          <a:lnRef idx="3">
+            <a:schemeClr val="accent1"/>
+          </a:lnRef>
+          <a:fillRef idx="0">
+            <a:schemeClr val="accent1"/>
+          </a:fillRef>
+          <a:effectRef idx="2">
             <a:schemeClr val="accent1"/>
           </a:effectRef>
           <a:fontRef idx="minor">
@@ -9017,14 +9202,6 @@
 <file path=ppt/slides/slide5.xml><?xml version="1.0" encoding="utf-8"?>
 <p:sld xmlns:a="http://schemas.openxmlformats.org/drawingml/2006/main" xmlns:r="http://schemas.openxmlformats.org/officeDocument/2006/relationships" xmlns:p="http://schemas.openxmlformats.org/presentationml/2006/main">
   <p:cSld>
-    <p:bg>
-      <p:bgPr>
-        <a:solidFill>
-          <a:srgbClr val="FFFFD1"/>
-        </a:solidFill>
-        <a:effectLst/>
-      </p:bgPr>
-    </p:bg>
     <p:spTree>
       <p:nvGrpSpPr>
         <p:cNvPr id="1" name=""/>
@@ -9055,10 +9232,18 @@
           <a:lstStyle/>
           <a:p>
             <a:r>
-              <a:rPr lang="en-US" dirty="0" smtClean="0"/>
+              <a:rPr lang="en-US" dirty="0" smtClean="0">
+                <a:solidFill>
+                  <a:srgbClr val="FF0000"/>
+                </a:solidFill>
+              </a:rPr>
               <a:t>Modules</a:t>
             </a:r>
-            <a:endParaRPr lang="en-GB" dirty="0"/>
+            <a:endParaRPr lang="en-GB" dirty="0">
+              <a:solidFill>
+                <a:srgbClr val="FF0000"/>
+              </a:solidFill>
+            </a:endParaRPr>
           </a:p>
         </p:txBody>
       </p:sp>
@@ -9322,42 +9507,42 @@
 <file path=ppt/theme/theme1.xml><?xml version="1.0" encoding="utf-8"?>
 <a:theme xmlns:a="http://schemas.openxmlformats.org/drawingml/2006/main" name="Retrospect">
   <a:themeElements>
-    <a:clrScheme name="Retrospect">
+    <a:clrScheme name="Green Yellow">
       <a:dk1>
-        <a:srgbClr val="000000"/>
+        <a:sysClr val="windowText" lastClr="000000"/>
       </a:dk1>
       <a:lt1>
         <a:sysClr val="window" lastClr="FFFFFF"/>
       </a:lt1>
       <a:dk2>
-        <a:srgbClr val="637052"/>
+        <a:srgbClr val="455F51"/>
       </a:dk2>
       <a:lt2>
-        <a:srgbClr val="CCDDEA"/>
+        <a:srgbClr val="E2DFCC"/>
       </a:lt2>
       <a:accent1>
-        <a:srgbClr val="E48312"/>
+        <a:srgbClr val="99CB38"/>
       </a:accent1>
       <a:accent2>
-        <a:srgbClr val="BD582C"/>
+        <a:srgbClr val="63A537"/>
       </a:accent2>
       <a:accent3>
-        <a:srgbClr val="865640"/>
+        <a:srgbClr val="37A76F"/>
       </a:accent3>
       <a:accent4>
-        <a:srgbClr val="9B8357"/>
+        <a:srgbClr val="44C1A3"/>
       </a:accent4>
       <a:accent5>
-        <a:srgbClr val="C2BC80"/>
+        <a:srgbClr val="4EB3CF"/>
       </a:accent5>
       <a:accent6>
-        <a:srgbClr val="94A088"/>
+        <a:srgbClr val="51C3F9"/>
       </a:accent6>
       <a:hlink>
-        <a:srgbClr val="2998E3"/>
+        <a:srgbClr val="EE7B08"/>
       </a:hlink>
       <a:folHlink>
-        <a:srgbClr val="8C8C8C"/>
+        <a:srgbClr val="977B2D"/>
       </a:folHlink>
     </a:clrScheme>
     <a:fontScheme name="Retrospect">

--- a/Heart Disease Prediction.pptx
+++ b/Heart Disease Prediction.pptx
@@ -2,17 +2,18 @@
 <file path=ppt/presentation.xml><?xml version="1.0" encoding="utf-8"?>
 <p:presentation xmlns:a="http://schemas.openxmlformats.org/drawingml/2006/main" xmlns:r="http://schemas.openxmlformats.org/officeDocument/2006/relationships" xmlns:p="http://schemas.openxmlformats.org/presentationml/2006/main" saveSubsetFonts="1">
   <p:sldMasterIdLst>
-    <p:sldMasterId id="2147483762" r:id="rId1"/>
+    <p:sldMasterId id="2147483810" r:id="rId1"/>
   </p:sldMasterIdLst>
   <p:notesMasterIdLst>
-    <p:notesMasterId r:id="rId7"/>
+    <p:notesMasterId r:id="rId8"/>
   </p:notesMasterIdLst>
   <p:sldIdLst>
     <p:sldId id="256" r:id="rId2"/>
     <p:sldId id="257" r:id="rId3"/>
     <p:sldId id="258" r:id="rId4"/>
-    <p:sldId id="259" r:id="rId5"/>
-    <p:sldId id="260" r:id="rId6"/>
+    <p:sldId id="261" r:id="rId5"/>
+    <p:sldId id="259" r:id="rId6"/>
+    <p:sldId id="260" r:id="rId7"/>
   </p:sldIdLst>
   <p:sldSz cx="12192000" cy="6858000"/>
   <p:notesSz cx="6858000" cy="9144000"/>
@@ -3229,7 +3230,7 @@
           <a:p>
             <a:fld id="{3DB7B210-8A61-4DF4-9165-2B9AEB2DEA2A}" type="datetimeFigureOut">
               <a:rPr lang="en-GB" smtClean="0"/>
-              <a:t>14/03/2021</a:t>
+              <a:t>19/03/2021</a:t>
             </a:fld>
             <a:endParaRPr lang="en-GB"/>
           </a:p>
@@ -3524,7 +3525,12 @@
             <p:ph type="sldImg"/>
           </p:nvPr>
         </p:nvSpPr>
-        <p:spPr/>
+        <p:spPr>
+          <a:xfrm>
+            <a:off x="685800" y="1143000"/>
+            <a:ext cx="5486400" cy="3086100"/>
+          </a:xfrm>
+        </p:spPr>
       </p:sp>
       <p:sp>
         <p:nvSpPr>
@@ -3608,7 +3614,12 @@
             <p:ph type="sldImg"/>
           </p:nvPr>
         </p:nvSpPr>
-        <p:spPr/>
+        <p:spPr>
+          <a:xfrm>
+            <a:off x="685800" y="1143000"/>
+            <a:ext cx="5486400" cy="3086100"/>
+          </a:xfrm>
+        </p:spPr>
       </p:sp>
       <p:sp>
         <p:nvSpPr>
@@ -3692,7 +3703,12 @@
             <p:ph type="sldImg"/>
           </p:nvPr>
         </p:nvSpPr>
-        <p:spPr/>
+        <p:spPr>
+          <a:xfrm>
+            <a:off x="685800" y="1143000"/>
+            <a:ext cx="5486400" cy="3086100"/>
+          </a:xfrm>
+        </p:spPr>
       </p:sp>
       <p:sp>
         <p:nvSpPr>
@@ -3750,7 +3766,7 @@
 </file>
 
 <file path=ppt/slideLayouts/slideLayout1.xml><?xml version="1.0" encoding="utf-8"?>
-<p:sldLayout xmlns:a="http://schemas.openxmlformats.org/drawingml/2006/main" xmlns:r="http://schemas.openxmlformats.org/officeDocument/2006/relationships" xmlns:p="http://schemas.openxmlformats.org/presentationml/2006/main" showMasterSp="0" type="title" preserve="1">
+<p:sldLayout xmlns:a="http://schemas.openxmlformats.org/drawingml/2006/main" xmlns:r="http://schemas.openxmlformats.org/officeDocument/2006/relationships" xmlns:p="http://schemas.openxmlformats.org/presentationml/2006/main" type="title" preserve="1">
   <p:cSld name="Title Slide">
     <p:spTree>
       <p:nvGrpSpPr>
@@ -3768,82 +3784,6 @@
       </p:grpSpPr>
       <p:sp>
         <p:nvSpPr>
-          <p:cNvPr id="7" name="Rectangle 6"/>
-          <p:cNvSpPr/>
-          <p:nvPr/>
-        </p:nvSpPr>
-        <p:spPr>
-          <a:xfrm>
-            <a:off x="3175" y="6400800"/>
-            <a:ext cx="12188825" cy="457200"/>
-          </a:xfrm>
-          <a:prstGeom prst="rect">
-            <a:avLst/>
-          </a:prstGeom>
-          <a:solidFill>
-            <a:schemeClr val="accent2"/>
-          </a:solidFill>
-          <a:ln>
-            <a:noFill/>
-          </a:ln>
-        </p:spPr>
-        <p:style>
-          <a:lnRef idx="2">
-            <a:schemeClr val="accent1">
-              <a:shade val="50000"/>
-            </a:schemeClr>
-          </a:lnRef>
-          <a:fillRef idx="1">
-            <a:schemeClr val="accent1"/>
-          </a:fillRef>
-          <a:effectRef idx="0">
-            <a:schemeClr val="accent1"/>
-          </a:effectRef>
-          <a:fontRef idx="minor">
-            <a:schemeClr val="lt1"/>
-          </a:fontRef>
-        </p:style>
-      </p:sp>
-      <p:sp>
-        <p:nvSpPr>
-          <p:cNvPr id="8" name="Rectangle 7"/>
-          <p:cNvSpPr/>
-          <p:nvPr/>
-        </p:nvSpPr>
-        <p:spPr>
-          <a:xfrm>
-            <a:off x="15" y="6334316"/>
-            <a:ext cx="12188825" cy="64008"/>
-          </a:xfrm>
-          <a:prstGeom prst="rect">
-            <a:avLst/>
-          </a:prstGeom>
-          <a:solidFill>
-            <a:schemeClr val="accent1"/>
-          </a:solidFill>
-          <a:ln>
-            <a:noFill/>
-          </a:ln>
-        </p:spPr>
-        <p:style>
-          <a:lnRef idx="2">
-            <a:schemeClr val="accent1">
-              <a:shade val="50000"/>
-            </a:schemeClr>
-          </a:lnRef>
-          <a:fillRef idx="1">
-            <a:schemeClr val="accent1"/>
-          </a:fillRef>
-          <a:effectRef idx="0">
-            <a:schemeClr val="accent1"/>
-          </a:effectRef>
-          <a:fontRef idx="minor">
-            <a:schemeClr val="lt1"/>
-          </a:fontRef>
-        </p:style>
-      </p:sp>
-      <p:sp>
-        <p:nvSpPr>
           <p:cNvPr id="2" name="Title 1"/>
           <p:cNvSpPr>
             <a:spLocks noGrp="1"/>
@@ -3854,27 +3794,15 @@
         </p:nvSpPr>
         <p:spPr>
           <a:xfrm>
-            <a:off x="1097280" y="758952"/>
-            <a:ext cx="10058400" cy="3566160"/>
+            <a:off x="1524000" y="1122363"/>
+            <a:ext cx="9144000" cy="2387600"/>
           </a:xfrm>
         </p:spPr>
         <p:txBody>
-          <a:bodyPr anchor="b">
-            <a:normAutofit/>
-          </a:bodyPr>
+          <a:bodyPr anchor="b"/>
           <a:lstStyle>
-            <a:lvl1pPr algn="l">
-              <a:lnSpc>
-                <a:spcPct val="85000"/>
-              </a:lnSpc>
-              <a:defRPr sz="8000" spc="-50" baseline="0">
-                <a:solidFill>
-                  <a:schemeClr val="tx1">
-                    <a:lumMod val="85000"/>
-                    <a:lumOff val="15000"/>
-                  </a:schemeClr>
-                </a:solidFill>
-              </a:defRPr>
+            <a:lvl1pPr algn="ctr">
+              <a:defRPr sz="6000"/>
             </a:lvl1pPr>
           </a:lstStyle>
           <a:p>
@@ -3898,55 +3826,48 @@
         </p:nvSpPr>
         <p:spPr>
           <a:xfrm>
-            <a:off x="1100051" y="4455620"/>
-            <a:ext cx="10058400" cy="1143000"/>
+            <a:off x="1524000" y="3602038"/>
+            <a:ext cx="9144000" cy="1655762"/>
           </a:xfrm>
         </p:spPr>
         <p:txBody>
-          <a:bodyPr lIns="91440" rIns="91440">
-            <a:normAutofit/>
-          </a:bodyPr>
+          <a:bodyPr/>
           <a:lstStyle>
-            <a:lvl1pPr marL="0" indent="0" algn="l">
+            <a:lvl1pPr marL="0" indent="0" algn="ctr">
               <a:buNone/>
-              <a:defRPr sz="2400" cap="all" spc="200" baseline="0">
-                <a:solidFill>
-                  <a:schemeClr val="tx2"/>
-                </a:solidFill>
-                <a:latin typeface="+mj-lt"/>
-              </a:defRPr>
+              <a:defRPr sz="2400"/>
             </a:lvl1pPr>
             <a:lvl2pPr marL="457200" indent="0" algn="ctr">
               <a:buNone/>
-              <a:defRPr sz="2400"/>
+              <a:defRPr sz="2000"/>
             </a:lvl2pPr>
             <a:lvl3pPr marL="914400" indent="0" algn="ctr">
               <a:buNone/>
-              <a:defRPr sz="2400"/>
+              <a:defRPr sz="1800"/>
             </a:lvl3pPr>
             <a:lvl4pPr marL="1371600" indent="0" algn="ctr">
               <a:buNone/>
-              <a:defRPr sz="2000"/>
+              <a:defRPr sz="1600"/>
             </a:lvl4pPr>
             <a:lvl5pPr marL="1828800" indent="0" algn="ctr">
               <a:buNone/>
-              <a:defRPr sz="2000"/>
+              <a:defRPr sz="1600"/>
             </a:lvl5pPr>
             <a:lvl6pPr marL="2286000" indent="0" algn="ctr">
               <a:buNone/>
-              <a:defRPr sz="2000"/>
+              <a:defRPr sz="1600"/>
             </a:lvl6pPr>
             <a:lvl7pPr marL="2743200" indent="0" algn="ctr">
               <a:buNone/>
-              <a:defRPr sz="2000"/>
+              <a:defRPr sz="1600"/>
             </a:lvl7pPr>
             <a:lvl8pPr marL="3200400" indent="0" algn="ctr">
               <a:buNone/>
-              <a:defRPr sz="2000"/>
+              <a:defRPr sz="1600"/>
             </a:lvl8pPr>
             <a:lvl9pPr marL="3657600" indent="0" algn="ctr">
               <a:buNone/>
-              <a:defRPr sz="2000"/>
+              <a:defRPr sz="1600"/>
             </a:lvl9pPr>
           </a:lstStyle>
           <a:p>
@@ -3975,7 +3896,7 @@
           <a:p>
             <a:fld id="{DB015147-83F3-45C6-9E05-437E8040FCD2}" type="datetimeFigureOut">
               <a:rPr lang="en-GB" smtClean="0"/>
-              <a:t>14/03/2021</a:t>
+              <a:t>19/03/2021</a:t>
             </a:fld>
             <a:endParaRPr lang="en-GB"/>
           </a:p>
@@ -4023,48 +3944,10 @@
           </a:p>
         </p:txBody>
       </p:sp>
-      <p:cxnSp>
-        <p:nvCxnSpPr>
-          <p:cNvPr id="9" name="Straight Connector 8"/>
-          <p:cNvCxnSpPr/>
-          <p:nvPr/>
-        </p:nvCxnSpPr>
-        <p:spPr>
-          <a:xfrm>
-            <a:off x="1207658" y="4343400"/>
-            <a:ext cx="9875520" cy="0"/>
-          </a:xfrm>
-          <a:prstGeom prst="line">
-            <a:avLst/>
-          </a:prstGeom>
-          <a:ln w="6350">
-            <a:solidFill>
-              <a:schemeClr val="tx1">
-                <a:lumMod val="50000"/>
-                <a:lumOff val="50000"/>
-              </a:schemeClr>
-            </a:solidFill>
-          </a:ln>
-        </p:spPr>
-        <p:style>
-          <a:lnRef idx="1">
-            <a:schemeClr val="accent1"/>
-          </a:lnRef>
-          <a:fillRef idx="0">
-            <a:schemeClr val="accent1"/>
-          </a:fillRef>
-          <a:effectRef idx="0">
-            <a:schemeClr val="accent1"/>
-          </a:effectRef>
-          <a:fontRef idx="minor">
-            <a:schemeClr val="tx1"/>
-          </a:fontRef>
-        </p:style>
-      </p:cxnSp>
     </p:spTree>
     <p:extLst>
       <p:ext uri="{BB962C8B-B14F-4D97-AF65-F5344CB8AC3E}">
-        <p14:creationId xmlns:p14="http://schemas.microsoft.com/office/powerpoint/2010/main" val="134961143"/>
+        <p14:creationId xmlns:p14="http://schemas.microsoft.com/office/powerpoint/2010/main" val="1684135528"/>
       </p:ext>
     </p:extLst>
   </p:cSld>
@@ -4126,7 +4009,7 @@
         </p:nvSpPr>
         <p:spPr/>
         <p:txBody>
-          <a:bodyPr vert="eaVert" lIns="45720" tIns="0" rIns="45720" bIns="0"/>
+          <a:bodyPr vert="eaVert"/>
           <a:lstStyle/>
           <a:p>
             <a:pPr lvl="0"/>
@@ -4183,7 +4066,7 @@
           <a:p>
             <a:fld id="{DB015147-83F3-45C6-9E05-437E8040FCD2}" type="datetimeFigureOut">
               <a:rPr lang="en-GB" smtClean="0"/>
-              <a:t>14/03/2021</a:t>
+              <a:t>19/03/2021</a:t>
             </a:fld>
             <a:endParaRPr lang="en-GB"/>
           </a:p>
@@ -4234,7 +4117,7 @@
     </p:spTree>
     <p:extLst>
       <p:ext uri="{BB962C8B-B14F-4D97-AF65-F5344CB8AC3E}">
-        <p14:creationId xmlns:p14="http://schemas.microsoft.com/office/powerpoint/2010/main" val="1460133831"/>
+        <p14:creationId xmlns:p14="http://schemas.microsoft.com/office/powerpoint/2010/main" val="2043798495"/>
       </p:ext>
     </p:extLst>
   </p:cSld>
@@ -4245,7 +4128,7 @@
 </file>
 
 <file path=ppt/slideLayouts/slideLayout11.xml><?xml version="1.0" encoding="utf-8"?>
-<p:sldLayout xmlns:a="http://schemas.openxmlformats.org/drawingml/2006/main" xmlns:r="http://schemas.openxmlformats.org/officeDocument/2006/relationships" xmlns:p="http://schemas.openxmlformats.org/presentationml/2006/main" showMasterSp="0" type="vertTitleAndTx" preserve="1">
+<p:sldLayout xmlns:a="http://schemas.openxmlformats.org/drawingml/2006/main" xmlns:r="http://schemas.openxmlformats.org/officeDocument/2006/relationships" xmlns:p="http://schemas.openxmlformats.org/presentationml/2006/main" type="vertTitleAndTx" preserve="1">
   <p:cSld name="Vertical Title and Text">
     <p:spTree>
       <p:nvGrpSpPr>
@@ -4263,82 +4146,6 @@
       </p:grpSpPr>
       <p:sp>
         <p:nvSpPr>
-          <p:cNvPr id="7" name="Rectangle 6"/>
-          <p:cNvSpPr/>
-          <p:nvPr/>
-        </p:nvSpPr>
-        <p:spPr>
-          <a:xfrm>
-            <a:off x="3175" y="6400800"/>
-            <a:ext cx="12188825" cy="457200"/>
-          </a:xfrm>
-          <a:prstGeom prst="rect">
-            <a:avLst/>
-          </a:prstGeom>
-          <a:solidFill>
-            <a:schemeClr val="accent2"/>
-          </a:solidFill>
-          <a:ln>
-            <a:noFill/>
-          </a:ln>
-        </p:spPr>
-        <p:style>
-          <a:lnRef idx="2">
-            <a:schemeClr val="accent1">
-              <a:shade val="50000"/>
-            </a:schemeClr>
-          </a:lnRef>
-          <a:fillRef idx="1">
-            <a:schemeClr val="accent1"/>
-          </a:fillRef>
-          <a:effectRef idx="0">
-            <a:schemeClr val="accent1"/>
-          </a:effectRef>
-          <a:fontRef idx="minor">
-            <a:schemeClr val="lt1"/>
-          </a:fontRef>
-        </p:style>
-      </p:sp>
-      <p:sp>
-        <p:nvSpPr>
-          <p:cNvPr id="8" name="Rectangle 7"/>
-          <p:cNvSpPr/>
-          <p:nvPr/>
-        </p:nvSpPr>
-        <p:spPr>
-          <a:xfrm>
-            <a:off x="15" y="6334316"/>
-            <a:ext cx="12188825" cy="64008"/>
-          </a:xfrm>
-          <a:prstGeom prst="rect">
-            <a:avLst/>
-          </a:prstGeom>
-          <a:solidFill>
-            <a:schemeClr val="accent1"/>
-          </a:solidFill>
-          <a:ln>
-            <a:noFill/>
-          </a:ln>
-        </p:spPr>
-        <p:style>
-          <a:lnRef idx="2">
-            <a:schemeClr val="accent1">
-              <a:shade val="50000"/>
-            </a:schemeClr>
-          </a:lnRef>
-          <a:fillRef idx="1">
-            <a:schemeClr val="accent1"/>
-          </a:fillRef>
-          <a:effectRef idx="0">
-            <a:schemeClr val="accent1"/>
-          </a:effectRef>
-          <a:fontRef idx="minor">
-            <a:schemeClr val="lt1"/>
-          </a:fontRef>
-        </p:style>
-      </p:sp>
-      <p:sp>
-        <p:nvSpPr>
           <p:cNvPr id="2" name="Vertical Title 1"/>
           <p:cNvSpPr>
             <a:spLocks noGrp="1"/>
@@ -4349,8 +4156,8 @@
         </p:nvSpPr>
         <p:spPr>
           <a:xfrm>
-            <a:off x="8724900" y="414778"/>
-            <a:ext cx="2628900" cy="5757421"/>
+            <a:off x="8724900" y="365125"/>
+            <a:ext cx="2628900" cy="5811838"/>
           </a:xfrm>
         </p:spPr>
         <p:txBody>
@@ -4377,12 +4184,12 @@
         </p:nvSpPr>
         <p:spPr>
           <a:xfrm>
-            <a:off x="838200" y="414778"/>
-            <a:ext cx="7734300" cy="5757422"/>
+            <a:off x="838200" y="365125"/>
+            <a:ext cx="7734300" cy="5811838"/>
           </a:xfrm>
         </p:spPr>
         <p:txBody>
-          <a:bodyPr vert="eaVert" lIns="45720" tIns="0" rIns="45720" bIns="0"/>
+          <a:bodyPr vert="eaVert"/>
           <a:lstStyle/>
           <a:p>
             <a:pPr lvl="0"/>
@@ -4439,7 +4246,7 @@
           <a:p>
             <a:fld id="{DB015147-83F3-45C6-9E05-437E8040FCD2}" type="datetimeFigureOut">
               <a:rPr lang="en-GB" smtClean="0"/>
-              <a:t>14/03/2021</a:t>
+              <a:t>19/03/2021</a:t>
             </a:fld>
             <a:endParaRPr lang="en-GB"/>
           </a:p>
@@ -4490,7 +4297,7 @@
     </p:spTree>
     <p:extLst>
       <p:ext uri="{BB962C8B-B14F-4D97-AF65-F5344CB8AC3E}">
-        <p14:creationId xmlns:p14="http://schemas.microsoft.com/office/powerpoint/2010/main" val="676417045"/>
+        <p14:creationId xmlns:p14="http://schemas.microsoft.com/office/powerpoint/2010/main" val="70680985"/>
       </p:ext>
     </p:extLst>
   </p:cSld>
@@ -4557,7 +4364,7 @@
           <a:p>
             <a:fld id="{DB015147-83F3-45C6-9E05-437E8040FCD2}" type="datetimeFigureOut">
               <a:rPr lang="en-GB" smtClean="0"/>
-              <a:t>14/03/2021</a:t>
+              <a:t>19/03/2021</a:t>
             </a:fld>
             <a:endParaRPr lang="en-GB"/>
           </a:p>
@@ -4648,11 +4455,7 @@
         <p:spPr/>
         <p:txBody>
           <a:bodyPr/>
-          <a:lstStyle>
-            <a:lvl1pPr marL="0">
-              <a:defRPr/>
-            </a:lvl1pPr>
-          </a:lstStyle>
+          <a:lstStyle/>
           <a:p>
             <a:r>
               <a:rPr lang="en-US" smtClean="0"/>
@@ -4731,7 +4534,7 @@
           <a:p>
             <a:fld id="{DB015147-83F3-45C6-9E05-437E8040FCD2}" type="datetimeFigureOut">
               <a:rPr lang="en-GB" smtClean="0"/>
-              <a:t>14/03/2021</a:t>
+              <a:t>19/03/2021</a:t>
             </a:fld>
             <a:endParaRPr lang="en-GB"/>
           </a:p>
@@ -4782,7 +4585,7 @@
     </p:spTree>
     <p:extLst>
       <p:ext uri="{BB962C8B-B14F-4D97-AF65-F5344CB8AC3E}">
-        <p14:creationId xmlns:p14="http://schemas.microsoft.com/office/powerpoint/2010/main" val="2647721866"/>
+        <p14:creationId xmlns:p14="http://schemas.microsoft.com/office/powerpoint/2010/main" val="1142624181"/>
       </p:ext>
     </p:extLst>
   </p:cSld>
@@ -4793,16 +4596,8 @@
 </file>
 
 <file path=ppt/slideLayouts/slideLayout3.xml><?xml version="1.0" encoding="utf-8"?>
-<p:sldLayout xmlns:a="http://schemas.openxmlformats.org/drawingml/2006/main" xmlns:r="http://schemas.openxmlformats.org/officeDocument/2006/relationships" xmlns:p="http://schemas.openxmlformats.org/presentationml/2006/main" showMasterSp="0" type="secHead" preserve="1">
+<p:sldLayout xmlns:a="http://schemas.openxmlformats.org/drawingml/2006/main" xmlns:r="http://schemas.openxmlformats.org/officeDocument/2006/relationships" xmlns:p="http://schemas.openxmlformats.org/presentationml/2006/main" type="secHead" preserve="1">
   <p:cSld name="Section Header">
-    <p:bg>
-      <p:bgPr>
-        <a:solidFill>
-          <a:schemeClr val="bg1"/>
-        </a:solidFill>
-        <a:effectLst/>
-      </p:bgPr>
-    </p:bg>
     <p:spTree>
       <p:nvGrpSpPr>
         <p:cNvPr id="1" name=""/>
@@ -4819,82 +4614,6 @@
       </p:grpSpPr>
       <p:sp>
         <p:nvSpPr>
-          <p:cNvPr id="7" name="Rectangle 6"/>
-          <p:cNvSpPr/>
-          <p:nvPr/>
-        </p:nvSpPr>
-        <p:spPr>
-          <a:xfrm>
-            <a:off x="3175" y="6400800"/>
-            <a:ext cx="12188825" cy="457200"/>
-          </a:xfrm>
-          <a:prstGeom prst="rect">
-            <a:avLst/>
-          </a:prstGeom>
-          <a:solidFill>
-            <a:schemeClr val="accent2"/>
-          </a:solidFill>
-          <a:ln>
-            <a:noFill/>
-          </a:ln>
-        </p:spPr>
-        <p:style>
-          <a:lnRef idx="2">
-            <a:schemeClr val="accent1">
-              <a:shade val="50000"/>
-            </a:schemeClr>
-          </a:lnRef>
-          <a:fillRef idx="1">
-            <a:schemeClr val="accent1"/>
-          </a:fillRef>
-          <a:effectRef idx="0">
-            <a:schemeClr val="accent1"/>
-          </a:effectRef>
-          <a:fontRef idx="minor">
-            <a:schemeClr val="lt1"/>
-          </a:fontRef>
-        </p:style>
-      </p:sp>
-      <p:sp>
-        <p:nvSpPr>
-          <p:cNvPr id="8" name="Rectangle 7"/>
-          <p:cNvSpPr/>
-          <p:nvPr/>
-        </p:nvSpPr>
-        <p:spPr>
-          <a:xfrm>
-            <a:off x="15" y="6334316"/>
-            <a:ext cx="12188825" cy="64008"/>
-          </a:xfrm>
-          <a:prstGeom prst="rect">
-            <a:avLst/>
-          </a:prstGeom>
-          <a:solidFill>
-            <a:schemeClr val="accent1"/>
-          </a:solidFill>
-          <a:ln>
-            <a:noFill/>
-          </a:ln>
-        </p:spPr>
-        <p:style>
-          <a:lnRef idx="2">
-            <a:schemeClr val="accent1">
-              <a:shade val="50000"/>
-            </a:schemeClr>
-          </a:lnRef>
-          <a:fillRef idx="1">
-            <a:schemeClr val="accent1"/>
-          </a:fillRef>
-          <a:effectRef idx="0">
-            <a:schemeClr val="accent1"/>
-          </a:effectRef>
-          <a:fontRef idx="minor">
-            <a:schemeClr val="lt1"/>
-          </a:fontRef>
-        </p:style>
-      </p:sp>
-      <p:sp>
-        <p:nvSpPr>
           <p:cNvPr id="2" name="Title 1"/>
           <p:cNvSpPr>
             <a:spLocks noGrp="1"/>
@@ -4905,27 +4624,15 @@
         </p:nvSpPr>
         <p:spPr>
           <a:xfrm>
-            <a:off x="1097280" y="758952"/>
-            <a:ext cx="10058400" cy="3566160"/>
+            <a:off x="831850" y="1709738"/>
+            <a:ext cx="10515600" cy="2852737"/>
           </a:xfrm>
         </p:spPr>
         <p:txBody>
-          <a:bodyPr anchor="b" anchorCtr="0">
-            <a:normAutofit/>
-          </a:bodyPr>
+          <a:bodyPr anchor="b"/>
           <a:lstStyle>
             <a:lvl1pPr>
-              <a:lnSpc>
-                <a:spcPct val="85000"/>
-              </a:lnSpc>
-              <a:defRPr sz="8000" b="0">
-                <a:solidFill>
-                  <a:schemeClr val="tx1">
-                    <a:lumMod val="85000"/>
-                    <a:lumOff val="15000"/>
-                  </a:schemeClr>
-                </a:solidFill>
-              </a:defRPr>
+              <a:defRPr sz="6000"/>
             </a:lvl1pPr>
           </a:lstStyle>
           <a:p>
@@ -4949,27 +4656,26 @@
         </p:nvSpPr>
         <p:spPr>
           <a:xfrm>
-            <a:off x="1097280" y="4453128"/>
-            <a:ext cx="10058400" cy="1143000"/>
+            <a:off x="831850" y="4589463"/>
+            <a:ext cx="10515600" cy="1500187"/>
           </a:xfrm>
         </p:spPr>
         <p:txBody>
-          <a:bodyPr lIns="91440" rIns="91440" anchor="t" anchorCtr="0">
-            <a:normAutofit/>
-          </a:bodyPr>
+          <a:bodyPr/>
           <a:lstStyle>
             <a:lvl1pPr marL="0" indent="0">
               <a:buNone/>
-              <a:defRPr sz="2400" cap="all" spc="200" baseline="0">
+              <a:defRPr sz="2400">
                 <a:solidFill>
-                  <a:schemeClr val="tx2"/>
+                  <a:schemeClr val="tx1">
+                    <a:tint val="75000"/>
+                  </a:schemeClr>
                 </a:solidFill>
-                <a:latin typeface="+mj-lt"/>
               </a:defRPr>
             </a:lvl1pPr>
             <a:lvl2pPr marL="457200" indent="0">
               <a:buNone/>
-              <a:defRPr sz="1800">
+              <a:defRPr sz="2000">
                 <a:solidFill>
                   <a:schemeClr val="tx1">
                     <a:tint val="75000"/>
@@ -4979,7 +4685,7 @@
             </a:lvl2pPr>
             <a:lvl3pPr marL="914400" indent="0">
               <a:buNone/>
-              <a:defRPr sz="1600">
+              <a:defRPr sz="1800">
                 <a:solidFill>
                   <a:schemeClr val="tx1">
                     <a:tint val="75000"/>
@@ -4989,7 +4695,7 @@
             </a:lvl3pPr>
             <a:lvl4pPr marL="1371600" indent="0">
               <a:buNone/>
-              <a:defRPr sz="1400">
+              <a:defRPr sz="1600">
                 <a:solidFill>
                   <a:schemeClr val="tx1">
                     <a:tint val="75000"/>
@@ -4999,7 +4705,7 @@
             </a:lvl4pPr>
             <a:lvl5pPr marL="1828800" indent="0">
               <a:buNone/>
-              <a:defRPr sz="1400">
+              <a:defRPr sz="1600">
                 <a:solidFill>
                   <a:schemeClr val="tx1">
                     <a:tint val="75000"/>
@@ -5009,7 +4715,7 @@
             </a:lvl5pPr>
             <a:lvl6pPr marL="2286000" indent="0">
               <a:buNone/>
-              <a:defRPr sz="1400">
+              <a:defRPr sz="1600">
                 <a:solidFill>
                   <a:schemeClr val="tx1">
                     <a:tint val="75000"/>
@@ -5019,7 +4725,7 @@
             </a:lvl6pPr>
             <a:lvl7pPr marL="2743200" indent="0">
               <a:buNone/>
-              <a:defRPr sz="1400">
+              <a:defRPr sz="1600">
                 <a:solidFill>
                   <a:schemeClr val="tx1">
                     <a:tint val="75000"/>
@@ -5029,7 +4735,7 @@
             </a:lvl7pPr>
             <a:lvl8pPr marL="3200400" indent="0">
               <a:buNone/>
-              <a:defRPr sz="1400">
+              <a:defRPr sz="1600">
                 <a:solidFill>
                   <a:schemeClr val="tx1">
                     <a:tint val="75000"/>
@@ -5039,7 +4745,7 @@
             </a:lvl8pPr>
             <a:lvl9pPr marL="3657600" indent="0">
               <a:buNone/>
-              <a:defRPr sz="1400">
+              <a:defRPr sz="1600">
                 <a:solidFill>
                   <a:schemeClr val="tx1">
                     <a:tint val="75000"/>
@@ -5074,7 +4780,7 @@
           <a:p>
             <a:fld id="{DB015147-83F3-45C6-9E05-437E8040FCD2}" type="datetimeFigureOut">
               <a:rPr lang="en-GB" smtClean="0"/>
-              <a:t>14/03/2021</a:t>
+              <a:t>19/03/2021</a:t>
             </a:fld>
             <a:endParaRPr lang="en-GB"/>
           </a:p>
@@ -5122,48 +4828,10 @@
           </a:p>
         </p:txBody>
       </p:sp>
-      <p:cxnSp>
-        <p:nvCxnSpPr>
-          <p:cNvPr id="9" name="Straight Connector 8"/>
-          <p:cNvCxnSpPr/>
-          <p:nvPr/>
-        </p:nvCxnSpPr>
-        <p:spPr>
-          <a:xfrm>
-            <a:off x="1207658" y="4343400"/>
-            <a:ext cx="9875520" cy="0"/>
-          </a:xfrm>
-          <a:prstGeom prst="line">
-            <a:avLst/>
-          </a:prstGeom>
-          <a:ln w="6350">
-            <a:solidFill>
-              <a:schemeClr val="tx1">
-                <a:lumMod val="50000"/>
-                <a:lumOff val="50000"/>
-              </a:schemeClr>
-            </a:solidFill>
-          </a:ln>
-        </p:spPr>
-        <p:style>
-          <a:lnRef idx="1">
-            <a:schemeClr val="accent1"/>
-          </a:lnRef>
-          <a:fillRef idx="0">
-            <a:schemeClr val="accent1"/>
-          </a:fillRef>
-          <a:effectRef idx="0">
-            <a:schemeClr val="accent1"/>
-          </a:effectRef>
-          <a:fontRef idx="minor">
-            <a:schemeClr val="tx1"/>
-          </a:fontRef>
-        </p:style>
-      </p:cxnSp>
     </p:spTree>
     <p:extLst>
       <p:ext uri="{BB962C8B-B14F-4D97-AF65-F5344CB8AC3E}">
-        <p14:creationId xmlns:p14="http://schemas.microsoft.com/office/powerpoint/2010/main" val="3250083088"/>
+        <p14:creationId xmlns:p14="http://schemas.microsoft.com/office/powerpoint/2010/main" val="365062774"/>
       </p:ext>
     </p:extLst>
   </p:cSld>
@@ -5192,7 +4860,7 @@
       </p:grpSpPr>
       <p:sp>
         <p:nvSpPr>
-          <p:cNvPr id="8" name="Title 7"/>
+          <p:cNvPr id="2" name="Title 1"/>
           <p:cNvSpPr>
             <a:spLocks noGrp="1"/>
           </p:cNvSpPr>
@@ -5200,12 +4868,7 @@
             <p:ph type="title"/>
           </p:nvPr>
         </p:nvSpPr>
-        <p:spPr>
-          <a:xfrm>
-            <a:off x="1097280" y="286603"/>
-            <a:ext cx="10058400" cy="1450757"/>
-          </a:xfrm>
-        </p:spPr>
+        <p:spPr/>
         <p:txBody>
           <a:bodyPr/>
           <a:lstStyle/>
@@ -5230,8 +4893,8 @@
         </p:nvSpPr>
         <p:spPr>
           <a:xfrm>
-            <a:off x="1097279" y="1845734"/>
-            <a:ext cx="4937760" cy="4023360"/>
+            <a:off x="838200" y="1825625"/>
+            <a:ext cx="5181600" cy="4351338"/>
           </a:xfrm>
         </p:spPr>
         <p:txBody>
@@ -5287,8 +4950,8 @@
         </p:nvSpPr>
         <p:spPr>
           <a:xfrm>
-            <a:off x="6217920" y="1845735"/>
-            <a:ext cx="4937760" cy="4023360"/>
+            <a:off x="6172200" y="1825625"/>
+            <a:ext cx="5181600" cy="4351338"/>
           </a:xfrm>
         </p:spPr>
         <p:txBody>
@@ -5349,7 +5012,7 @@
           <a:p>
             <a:fld id="{DB015147-83F3-45C6-9E05-437E8040FCD2}" type="datetimeFigureOut">
               <a:rPr lang="en-GB" smtClean="0"/>
-              <a:t>14/03/2021</a:t>
+              <a:t>19/03/2021</a:t>
             </a:fld>
             <a:endParaRPr lang="en-GB"/>
           </a:p>
@@ -5400,7 +5063,7 @@
     </p:spTree>
     <p:extLst>
       <p:ext uri="{BB962C8B-B14F-4D97-AF65-F5344CB8AC3E}">
-        <p14:creationId xmlns:p14="http://schemas.microsoft.com/office/powerpoint/2010/main" val="2768210261"/>
+        <p14:creationId xmlns:p14="http://schemas.microsoft.com/office/powerpoint/2010/main" val="3619376915"/>
       </p:ext>
     </p:extLst>
   </p:cSld>
@@ -5429,7 +5092,7 @@
       </p:grpSpPr>
       <p:sp>
         <p:nvSpPr>
-          <p:cNvPr id="10" name="Title 9"/>
+          <p:cNvPr id="2" name="Title 1"/>
           <p:cNvSpPr>
             <a:spLocks noGrp="1"/>
           </p:cNvSpPr>
@@ -5439,8 +5102,8 @@
         </p:nvSpPr>
         <p:spPr>
           <a:xfrm>
-            <a:off x="1097280" y="286603"/>
-            <a:ext cx="10058400" cy="1450757"/>
+            <a:off x="839788" y="365125"/>
+            <a:ext cx="10515600" cy="1325563"/>
           </a:xfrm>
         </p:spPr>
         <p:txBody>
@@ -5467,22 +5130,16 @@
         </p:nvSpPr>
         <p:spPr>
           <a:xfrm>
-            <a:off x="1097280" y="1846052"/>
-            <a:ext cx="4937760" cy="736282"/>
+            <a:off x="839788" y="1681163"/>
+            <a:ext cx="5157787" cy="823912"/>
           </a:xfrm>
         </p:spPr>
         <p:txBody>
-          <a:bodyPr lIns="91440" rIns="91440" anchor="ctr">
-            <a:normAutofit/>
-          </a:bodyPr>
+          <a:bodyPr anchor="b"/>
           <a:lstStyle>
             <a:lvl1pPr marL="0" indent="0">
               <a:buNone/>
-              <a:defRPr sz="2000" b="0" cap="all" baseline="0">
-                <a:solidFill>
-                  <a:schemeClr val="tx2"/>
-                </a:solidFill>
-              </a:defRPr>
+              <a:defRPr sz="2400" b="1"/>
             </a:lvl1pPr>
             <a:lvl2pPr marL="457200" indent="0">
               <a:buNone/>
@@ -5538,8 +5195,8 @@
         </p:nvSpPr>
         <p:spPr>
           <a:xfrm>
-            <a:off x="1097280" y="2582334"/>
-            <a:ext cx="4937760" cy="3378200"/>
+            <a:off x="839788" y="2505075"/>
+            <a:ext cx="5157787" cy="3684588"/>
           </a:xfrm>
         </p:spPr>
         <p:txBody>
@@ -5595,22 +5252,16 @@
         </p:nvSpPr>
         <p:spPr>
           <a:xfrm>
-            <a:off x="6217920" y="1846052"/>
-            <a:ext cx="4937760" cy="736282"/>
+            <a:off x="6172200" y="1681163"/>
+            <a:ext cx="5183188" cy="823912"/>
           </a:xfrm>
         </p:spPr>
         <p:txBody>
-          <a:bodyPr lIns="91440" rIns="91440" anchor="ctr">
-            <a:normAutofit/>
-          </a:bodyPr>
+          <a:bodyPr anchor="b"/>
           <a:lstStyle>
             <a:lvl1pPr marL="0" indent="0">
               <a:buNone/>
-              <a:defRPr sz="2000" b="0" cap="all" baseline="0">
-                <a:solidFill>
-                  <a:schemeClr val="tx2"/>
-                </a:solidFill>
-              </a:defRPr>
+              <a:defRPr sz="2400" b="1"/>
             </a:lvl1pPr>
             <a:lvl2pPr marL="457200" indent="0">
               <a:buNone/>
@@ -5666,8 +5317,8 @@
         </p:nvSpPr>
         <p:spPr>
           <a:xfrm>
-            <a:off x="6217920" y="2582334"/>
-            <a:ext cx="4937760" cy="3378200"/>
+            <a:off x="6172200" y="2505075"/>
+            <a:ext cx="5183188" cy="3684588"/>
           </a:xfrm>
         </p:spPr>
         <p:txBody>
@@ -5728,7 +5379,7 @@
           <a:p>
             <a:fld id="{DB015147-83F3-45C6-9E05-437E8040FCD2}" type="datetimeFigureOut">
               <a:rPr lang="en-GB" smtClean="0"/>
-              <a:t>14/03/2021</a:t>
+              <a:t>19/03/2021</a:t>
             </a:fld>
             <a:endParaRPr lang="en-GB"/>
           </a:p>
@@ -5779,7 +5430,7 @@
     </p:spTree>
     <p:extLst>
       <p:ext uri="{BB962C8B-B14F-4D97-AF65-F5344CB8AC3E}">
-        <p14:creationId xmlns:p14="http://schemas.microsoft.com/office/powerpoint/2010/main" val="4017099270"/>
+        <p14:creationId xmlns:p14="http://schemas.microsoft.com/office/powerpoint/2010/main" val="251729847"/>
       </p:ext>
     </p:extLst>
   </p:cSld>
@@ -5846,7 +5497,7 @@
           <a:p>
             <a:fld id="{DB015147-83F3-45C6-9E05-437E8040FCD2}" type="datetimeFigureOut">
               <a:rPr lang="en-GB" smtClean="0"/>
-              <a:t>14/03/2021</a:t>
+              <a:t>19/03/2021</a:t>
             </a:fld>
             <a:endParaRPr lang="en-GB"/>
           </a:p>
@@ -5897,7 +5548,7 @@
     </p:spTree>
     <p:extLst>
       <p:ext uri="{BB962C8B-B14F-4D97-AF65-F5344CB8AC3E}">
-        <p14:creationId xmlns:p14="http://schemas.microsoft.com/office/powerpoint/2010/main" val="1593898155"/>
+        <p14:creationId xmlns:p14="http://schemas.microsoft.com/office/powerpoint/2010/main" val="729560678"/>
       </p:ext>
     </p:extLst>
   </p:cSld>
@@ -5908,7 +5559,7 @@
 </file>
 
 <file path=ppt/slideLayouts/slideLayout7.xml><?xml version="1.0" encoding="utf-8"?>
-<p:sldLayout xmlns:a="http://schemas.openxmlformats.org/drawingml/2006/main" xmlns:r="http://schemas.openxmlformats.org/officeDocument/2006/relationships" xmlns:p="http://schemas.openxmlformats.org/presentationml/2006/main" showMasterSp="0" type="blank" preserve="1">
+<p:sldLayout xmlns:a="http://schemas.openxmlformats.org/drawingml/2006/main" xmlns:r="http://schemas.openxmlformats.org/officeDocument/2006/relationships" xmlns:p="http://schemas.openxmlformats.org/presentationml/2006/main" type="blank" preserve="1">
   <p:cSld name="Blank">
     <p:spTree>
       <p:nvGrpSpPr>
@@ -5926,83 +5577,7 @@
       </p:grpSpPr>
       <p:sp>
         <p:nvSpPr>
-          <p:cNvPr id="5" name="Rectangle 4"/>
-          <p:cNvSpPr/>
-          <p:nvPr/>
-        </p:nvSpPr>
-        <p:spPr>
-          <a:xfrm>
-            <a:off x="3175" y="6400800"/>
-            <a:ext cx="12188825" cy="457200"/>
-          </a:xfrm>
-          <a:prstGeom prst="rect">
-            <a:avLst/>
-          </a:prstGeom>
-          <a:solidFill>
-            <a:schemeClr val="accent2"/>
-          </a:solidFill>
-          <a:ln>
-            <a:noFill/>
-          </a:ln>
-        </p:spPr>
-        <p:style>
-          <a:lnRef idx="2">
-            <a:schemeClr val="accent1">
-              <a:shade val="50000"/>
-            </a:schemeClr>
-          </a:lnRef>
-          <a:fillRef idx="1">
-            <a:schemeClr val="accent1"/>
-          </a:fillRef>
-          <a:effectRef idx="0">
-            <a:schemeClr val="accent1"/>
-          </a:effectRef>
-          <a:fontRef idx="minor">
-            <a:schemeClr val="lt1"/>
-          </a:fontRef>
-        </p:style>
-      </p:sp>
-      <p:sp>
-        <p:nvSpPr>
-          <p:cNvPr id="6" name="Rectangle 5"/>
-          <p:cNvSpPr/>
-          <p:nvPr/>
-        </p:nvSpPr>
-        <p:spPr>
-          <a:xfrm>
-            <a:off x="15" y="6334316"/>
-            <a:ext cx="12188825" cy="64008"/>
-          </a:xfrm>
-          <a:prstGeom prst="rect">
-            <a:avLst/>
-          </a:prstGeom>
-          <a:solidFill>
-            <a:schemeClr val="accent1"/>
-          </a:solidFill>
-          <a:ln>
-            <a:noFill/>
-          </a:ln>
-        </p:spPr>
-        <p:style>
-          <a:lnRef idx="2">
-            <a:schemeClr val="accent1">
-              <a:shade val="50000"/>
-            </a:schemeClr>
-          </a:lnRef>
-          <a:fillRef idx="1">
-            <a:schemeClr val="accent1"/>
-          </a:fillRef>
-          <a:effectRef idx="0">
-            <a:schemeClr val="accent1"/>
-          </a:effectRef>
-          <a:fontRef idx="minor">
-            <a:schemeClr val="lt1"/>
-          </a:fontRef>
-        </p:style>
-      </p:sp>
-      <p:sp>
-        <p:nvSpPr>
-          <p:cNvPr id="7" name="Date Placeholder 6"/>
+          <p:cNvPr id="2" name="Date Placeholder 1"/>
           <p:cNvSpPr>
             <a:spLocks noGrp="1"/>
           </p:cNvSpPr>
@@ -6017,7 +5592,7 @@
           <a:p>
             <a:fld id="{DB015147-83F3-45C6-9E05-437E8040FCD2}" type="datetimeFigureOut">
               <a:rPr lang="en-GB" smtClean="0"/>
-              <a:t>14/03/2021</a:t>
+              <a:t>19/03/2021</a:t>
             </a:fld>
             <a:endParaRPr lang="en-GB"/>
           </a:p>
@@ -6025,7 +5600,7 @@
       </p:sp>
       <p:sp>
         <p:nvSpPr>
-          <p:cNvPr id="8" name="Footer Placeholder 7"/>
+          <p:cNvPr id="3" name="Footer Placeholder 2"/>
           <p:cNvSpPr>
             <a:spLocks noGrp="1"/>
           </p:cNvSpPr>
@@ -6036,15 +5611,7 @@
         <p:spPr/>
         <p:txBody>
           <a:bodyPr/>
-          <a:lstStyle>
-            <a:lvl1pPr>
-              <a:defRPr>
-                <a:solidFill>
-                  <a:srgbClr val="FFFFFF"/>
-                </a:solidFill>
-              </a:defRPr>
-            </a:lvl1pPr>
-          </a:lstStyle>
+          <a:lstStyle/>
           <a:p>
             <a:endParaRPr lang="en-GB"/>
           </a:p>
@@ -6052,7 +5619,7 @@
       </p:sp>
       <p:sp>
         <p:nvSpPr>
-          <p:cNvPr id="9" name="Slide Number Placeholder 8"/>
+          <p:cNvPr id="4" name="Slide Number Placeholder 3"/>
           <p:cNvSpPr>
             <a:spLocks noGrp="1"/>
           </p:cNvSpPr>
@@ -6076,7 +5643,7 @@
     </p:spTree>
     <p:extLst>
       <p:ext uri="{BB962C8B-B14F-4D97-AF65-F5344CB8AC3E}">
-        <p14:creationId xmlns:p14="http://schemas.microsoft.com/office/powerpoint/2010/main" val="591589908"/>
+        <p14:creationId xmlns:p14="http://schemas.microsoft.com/office/powerpoint/2010/main" val="3952930200"/>
       </p:ext>
     </p:extLst>
   </p:cSld>
@@ -6087,7 +5654,7 @@
 </file>
 
 <file path=ppt/slideLayouts/slideLayout8.xml><?xml version="1.0" encoding="utf-8"?>
-<p:sldLayout xmlns:a="http://schemas.openxmlformats.org/drawingml/2006/main" xmlns:r="http://schemas.openxmlformats.org/officeDocument/2006/relationships" xmlns:p="http://schemas.openxmlformats.org/presentationml/2006/main" showMasterSp="0" type="objTx" preserve="1">
+<p:sldLayout xmlns:a="http://schemas.openxmlformats.org/drawingml/2006/main" xmlns:r="http://schemas.openxmlformats.org/officeDocument/2006/relationships" xmlns:p="http://schemas.openxmlformats.org/presentationml/2006/main" type="objTx" preserve="1">
   <p:cSld name="Content with Caption">
     <p:spTree>
       <p:nvGrpSpPr>
@@ -6105,82 +5672,6 @@
       </p:grpSpPr>
       <p:sp>
         <p:nvSpPr>
-          <p:cNvPr id="8" name="Rectangle 7"/>
-          <p:cNvSpPr/>
-          <p:nvPr/>
-        </p:nvSpPr>
-        <p:spPr>
-          <a:xfrm>
-            <a:off x="16" y="0"/>
-            <a:ext cx="4050791" cy="6858000"/>
-          </a:xfrm>
-          <a:prstGeom prst="rect">
-            <a:avLst/>
-          </a:prstGeom>
-          <a:solidFill>
-            <a:schemeClr val="accent2"/>
-          </a:solidFill>
-          <a:ln>
-            <a:noFill/>
-          </a:ln>
-        </p:spPr>
-        <p:style>
-          <a:lnRef idx="2">
-            <a:schemeClr val="accent1">
-              <a:shade val="50000"/>
-            </a:schemeClr>
-          </a:lnRef>
-          <a:fillRef idx="1">
-            <a:schemeClr val="accent1"/>
-          </a:fillRef>
-          <a:effectRef idx="0">
-            <a:schemeClr val="accent1"/>
-          </a:effectRef>
-          <a:fontRef idx="minor">
-            <a:schemeClr val="lt1"/>
-          </a:fontRef>
-        </p:style>
-      </p:sp>
-      <p:sp>
-        <p:nvSpPr>
-          <p:cNvPr id="9" name="Rectangle 8"/>
-          <p:cNvSpPr/>
-          <p:nvPr/>
-        </p:nvSpPr>
-        <p:spPr>
-          <a:xfrm>
-            <a:off x="4040071" y="0"/>
-            <a:ext cx="64008" cy="6858000"/>
-          </a:xfrm>
-          <a:prstGeom prst="rect">
-            <a:avLst/>
-          </a:prstGeom>
-          <a:solidFill>
-            <a:schemeClr val="accent1"/>
-          </a:solidFill>
-          <a:ln>
-            <a:noFill/>
-          </a:ln>
-        </p:spPr>
-        <p:style>
-          <a:lnRef idx="2">
-            <a:schemeClr val="accent1">
-              <a:shade val="50000"/>
-            </a:schemeClr>
-          </a:lnRef>
-          <a:fillRef idx="1">
-            <a:schemeClr val="accent1"/>
-          </a:fillRef>
-          <a:effectRef idx="0">
-            <a:schemeClr val="accent1"/>
-          </a:effectRef>
-          <a:fontRef idx="minor">
-            <a:schemeClr val="lt1"/>
-          </a:fontRef>
-        </p:style>
-      </p:sp>
-      <p:sp>
-        <p:nvSpPr>
           <p:cNvPr id="2" name="Title 1"/>
           <p:cNvSpPr>
             <a:spLocks noGrp="1"/>
@@ -6191,21 +5682,15 @@
         </p:nvSpPr>
         <p:spPr>
           <a:xfrm>
-            <a:off x="457200" y="594359"/>
-            <a:ext cx="3200400" cy="2286000"/>
+            <a:off x="839788" y="457200"/>
+            <a:ext cx="3932237" cy="1600200"/>
           </a:xfrm>
         </p:spPr>
         <p:txBody>
-          <a:bodyPr anchor="b">
-            <a:normAutofit/>
-          </a:bodyPr>
+          <a:bodyPr anchor="b"/>
           <a:lstStyle>
             <a:lvl1pPr>
-              <a:defRPr sz="3600" b="0">
-                <a:solidFill>
-                  <a:srgbClr val="FFFFFF"/>
-                </a:solidFill>
-              </a:defRPr>
+              <a:defRPr sz="3200"/>
             </a:lvl1pPr>
           </a:lstStyle>
           <a:p>
@@ -6229,13 +5714,41 @@
         </p:nvSpPr>
         <p:spPr>
           <a:xfrm>
-            <a:off x="4800600" y="731520"/>
-            <a:ext cx="6492240" cy="5257800"/>
+            <a:off x="5183188" y="987425"/>
+            <a:ext cx="6172200" cy="4873625"/>
           </a:xfrm>
         </p:spPr>
         <p:txBody>
           <a:bodyPr/>
-          <a:lstStyle/>
+          <a:lstStyle>
+            <a:lvl1pPr>
+              <a:defRPr sz="3200"/>
+            </a:lvl1pPr>
+            <a:lvl2pPr>
+              <a:defRPr sz="2800"/>
+            </a:lvl2pPr>
+            <a:lvl3pPr>
+              <a:defRPr sz="2400"/>
+            </a:lvl3pPr>
+            <a:lvl4pPr>
+              <a:defRPr sz="2000"/>
+            </a:lvl4pPr>
+            <a:lvl5pPr>
+              <a:defRPr sz="2000"/>
+            </a:lvl5pPr>
+            <a:lvl6pPr>
+              <a:defRPr sz="2000"/>
+            </a:lvl6pPr>
+            <a:lvl7pPr>
+              <a:defRPr sz="2000"/>
+            </a:lvl7pPr>
+            <a:lvl8pPr>
+              <a:defRPr sz="2000"/>
+            </a:lvl8pPr>
+            <a:lvl9pPr>
+              <a:defRPr sz="2000"/>
+            </a:lvl9pPr>
+          </a:lstStyle>
           <a:p>
             <a:pPr lvl="0"/>
             <a:r>
@@ -6286,54 +5799,48 @@
         </p:nvSpPr>
         <p:spPr>
           <a:xfrm>
-            <a:off x="457200" y="2926080"/>
-            <a:ext cx="3200400" cy="3379124"/>
+            <a:off x="839788" y="2057400"/>
+            <a:ext cx="3932237" cy="3811588"/>
           </a:xfrm>
         </p:spPr>
         <p:txBody>
-          <a:bodyPr lIns="91440" rIns="91440">
-            <a:normAutofit/>
-          </a:bodyPr>
+          <a:bodyPr/>
           <a:lstStyle>
             <a:lvl1pPr marL="0" indent="0">
               <a:buNone/>
-              <a:defRPr sz="1500">
-                <a:solidFill>
-                  <a:srgbClr val="FFFFFF"/>
-                </a:solidFill>
-              </a:defRPr>
+              <a:defRPr sz="1600"/>
             </a:lvl1pPr>
             <a:lvl2pPr marL="457200" indent="0">
               <a:buNone/>
-              <a:defRPr sz="1200"/>
+              <a:defRPr sz="1400"/>
             </a:lvl2pPr>
             <a:lvl3pPr marL="914400" indent="0">
               <a:buNone/>
-              <a:defRPr sz="1000"/>
+              <a:defRPr sz="1200"/>
             </a:lvl3pPr>
             <a:lvl4pPr marL="1371600" indent="0">
               <a:buNone/>
-              <a:defRPr sz="900"/>
+              <a:defRPr sz="1000"/>
             </a:lvl4pPr>
             <a:lvl5pPr marL="1828800" indent="0">
               <a:buNone/>
-              <a:defRPr sz="900"/>
+              <a:defRPr sz="1000"/>
             </a:lvl5pPr>
             <a:lvl6pPr marL="2286000" indent="0">
               <a:buNone/>
-              <a:defRPr sz="900"/>
+              <a:defRPr sz="1000"/>
             </a:lvl6pPr>
             <a:lvl7pPr marL="2743200" indent="0">
               <a:buNone/>
-              <a:defRPr sz="900"/>
+              <a:defRPr sz="1000"/>
             </a:lvl7pPr>
             <a:lvl8pPr marL="3200400" indent="0">
               <a:buNone/>
-              <a:defRPr sz="900"/>
+              <a:defRPr sz="1000"/>
             </a:lvl8pPr>
             <a:lvl9pPr marL="3657600" indent="0">
               <a:buNone/>
-              <a:defRPr sz="900"/>
+              <a:defRPr sz="1000"/>
             </a:lvl9pPr>
           </a:lstStyle>
           <a:p>
@@ -6355,23 +5862,14 @@
             <p:ph type="dt" sz="half" idx="10"/>
           </p:nvPr>
         </p:nvSpPr>
-        <p:spPr>
-          <a:xfrm>
-            <a:off x="465512" y="6459785"/>
-            <a:ext cx="2618510" cy="365125"/>
-          </a:xfrm>
-        </p:spPr>
+        <p:spPr/>
         <p:txBody>
           <a:bodyPr/>
-          <a:lstStyle>
-            <a:lvl1pPr algn="l">
-              <a:defRPr/>
-            </a:lvl1pPr>
-          </a:lstStyle>
+          <a:lstStyle/>
           <a:p>
             <a:fld id="{DB015147-83F3-45C6-9E05-437E8040FCD2}" type="datetimeFigureOut">
               <a:rPr lang="en-GB" smtClean="0"/>
-              <a:t>14/03/2021</a:t>
+              <a:t>19/03/2021</a:t>
             </a:fld>
             <a:endParaRPr lang="en-GB"/>
           </a:p>
@@ -6387,23 +5885,10 @@
             <p:ph type="ftr" sz="quarter" idx="11"/>
           </p:nvPr>
         </p:nvSpPr>
-        <p:spPr>
-          <a:xfrm>
-            <a:off x="4800600" y="6459785"/>
-            <a:ext cx="4648200" cy="365125"/>
-          </a:xfrm>
-        </p:spPr>
+        <p:spPr/>
         <p:txBody>
           <a:bodyPr/>
-          <a:lstStyle>
-            <a:lvl1pPr algn="l">
-              <a:defRPr>
-                <a:solidFill>
-                  <a:schemeClr val="tx2"/>
-                </a:solidFill>
-              </a:defRPr>
-            </a:lvl1pPr>
-          </a:lstStyle>
+          <a:lstStyle/>
           <a:p>
             <a:endParaRPr lang="en-GB"/>
           </a:p>
@@ -6422,15 +5907,7 @@
         <p:spPr/>
         <p:txBody>
           <a:bodyPr/>
-          <a:lstStyle>
-            <a:lvl1pPr>
-              <a:defRPr>
-                <a:solidFill>
-                  <a:schemeClr val="tx2"/>
-                </a:solidFill>
-              </a:defRPr>
-            </a:lvl1pPr>
-          </a:lstStyle>
+          <a:lstStyle/>
           <a:p>
             <a:fld id="{DAF25575-6C16-43B6-8085-61DA8CEBF1F4}" type="slidenum">
               <a:rPr lang="en-GB" smtClean="0"/>
@@ -6443,7 +5920,7 @@
     </p:spTree>
     <p:extLst>
       <p:ext uri="{BB962C8B-B14F-4D97-AF65-F5344CB8AC3E}">
-        <p14:creationId xmlns:p14="http://schemas.microsoft.com/office/powerpoint/2010/main" val="507715668"/>
+        <p14:creationId xmlns:p14="http://schemas.microsoft.com/office/powerpoint/2010/main" val="47155979"/>
       </p:ext>
     </p:extLst>
   </p:cSld>
@@ -6454,7 +5931,7 @@
 </file>
 
 <file path=ppt/slideLayouts/slideLayout9.xml><?xml version="1.0" encoding="utf-8"?>
-<p:sldLayout xmlns:a="http://schemas.openxmlformats.org/drawingml/2006/main" xmlns:r="http://schemas.openxmlformats.org/officeDocument/2006/relationships" xmlns:p="http://schemas.openxmlformats.org/presentationml/2006/main" showMasterSp="0" type="picTx" preserve="1">
+<p:sldLayout xmlns:a="http://schemas.openxmlformats.org/drawingml/2006/main" xmlns:r="http://schemas.openxmlformats.org/officeDocument/2006/relationships" xmlns:p="http://schemas.openxmlformats.org/presentationml/2006/main" type="picTx" preserve="1">
   <p:cSld name="Picture with Caption">
     <p:spTree>
       <p:nvGrpSpPr>
@@ -6472,82 +5949,6 @@
       </p:grpSpPr>
       <p:sp>
         <p:nvSpPr>
-          <p:cNvPr id="8" name="Rectangle 7"/>
-          <p:cNvSpPr/>
-          <p:nvPr/>
-        </p:nvSpPr>
-        <p:spPr>
-          <a:xfrm>
-            <a:off x="0" y="4953000"/>
-            <a:ext cx="12188825" cy="1905000"/>
-          </a:xfrm>
-          <a:prstGeom prst="rect">
-            <a:avLst/>
-          </a:prstGeom>
-          <a:solidFill>
-            <a:schemeClr val="accent2"/>
-          </a:solidFill>
-          <a:ln>
-            <a:noFill/>
-          </a:ln>
-        </p:spPr>
-        <p:style>
-          <a:lnRef idx="2">
-            <a:schemeClr val="accent1">
-              <a:shade val="50000"/>
-            </a:schemeClr>
-          </a:lnRef>
-          <a:fillRef idx="1">
-            <a:schemeClr val="accent1"/>
-          </a:fillRef>
-          <a:effectRef idx="0">
-            <a:schemeClr val="accent1"/>
-          </a:effectRef>
-          <a:fontRef idx="minor">
-            <a:schemeClr val="lt1"/>
-          </a:fontRef>
-        </p:style>
-      </p:sp>
-      <p:sp>
-        <p:nvSpPr>
-          <p:cNvPr id="9" name="Rectangle 8"/>
-          <p:cNvSpPr/>
-          <p:nvPr/>
-        </p:nvSpPr>
-        <p:spPr>
-          <a:xfrm>
-            <a:off x="15" y="4915076"/>
-            <a:ext cx="12188825" cy="64008"/>
-          </a:xfrm>
-          <a:prstGeom prst="rect">
-            <a:avLst/>
-          </a:prstGeom>
-          <a:solidFill>
-            <a:schemeClr val="accent1"/>
-          </a:solidFill>
-          <a:ln>
-            <a:noFill/>
-          </a:ln>
-        </p:spPr>
-        <p:style>
-          <a:lnRef idx="2">
-            <a:schemeClr val="accent1">
-              <a:shade val="50000"/>
-            </a:schemeClr>
-          </a:lnRef>
-          <a:fillRef idx="1">
-            <a:schemeClr val="accent1"/>
-          </a:fillRef>
-          <a:effectRef idx="0">
-            <a:schemeClr val="accent1"/>
-          </a:effectRef>
-          <a:fontRef idx="minor">
-            <a:schemeClr val="lt1"/>
-          </a:fontRef>
-        </p:style>
-      </p:sp>
-      <p:sp>
-        <p:nvSpPr>
           <p:cNvPr id="2" name="Title 1"/>
           <p:cNvSpPr>
             <a:spLocks noGrp="1"/>
@@ -6558,21 +5959,15 @@
         </p:nvSpPr>
         <p:spPr>
           <a:xfrm>
-            <a:off x="1097280" y="5074920"/>
-            <a:ext cx="10113264" cy="822960"/>
+            <a:off x="839788" y="457200"/>
+            <a:ext cx="3932237" cy="1600200"/>
           </a:xfrm>
         </p:spPr>
         <p:txBody>
-          <a:bodyPr lIns="91440" tIns="0" rIns="91440" bIns="0" anchor="b">
-            <a:noAutofit/>
-          </a:bodyPr>
+          <a:bodyPr anchor="b"/>
           <a:lstStyle>
             <a:lvl1pPr>
-              <a:defRPr sz="3600" b="0">
-                <a:solidFill>
-                  <a:srgbClr val="FFFFFF"/>
-                </a:solidFill>
-              </a:defRPr>
+              <a:defRPr sz="3200"/>
             </a:lvl1pPr>
           </a:lstStyle>
           <a:p>
@@ -6596,26 +5991,16 @@
         </p:nvSpPr>
         <p:spPr>
           <a:xfrm>
-            <a:off x="15" y="0"/>
-            <a:ext cx="12191985" cy="4915076"/>
+            <a:off x="5183188" y="987425"/>
+            <a:ext cx="6172200" cy="4873625"/>
           </a:xfrm>
-          <a:blipFill>
-            <a:blip r:embed="rId2"/>
-            <a:stretch>
-              <a:fillRect/>
-            </a:stretch>
-          </a:blipFill>
         </p:spPr>
         <p:txBody>
-          <a:bodyPr lIns="457200" tIns="457200" anchor="t"/>
+          <a:bodyPr anchor="t"/>
           <a:lstStyle>
             <a:lvl1pPr marL="0" indent="0">
               <a:buNone/>
-              <a:defRPr sz="3200">
-                <a:solidFill>
-                  <a:schemeClr val="bg1"/>
-                </a:solidFill>
-              </a:defRPr>
+              <a:defRPr sz="3200"/>
             </a:lvl1pPr>
             <a:lvl2pPr marL="457200" indent="0">
               <a:buNone/>
@@ -6671,60 +6056,48 @@
         </p:nvSpPr>
         <p:spPr>
           <a:xfrm>
-            <a:off x="1097280" y="5907023"/>
-            <a:ext cx="10113264" cy="594360"/>
+            <a:off x="839788" y="2057400"/>
+            <a:ext cx="3932237" cy="3811588"/>
           </a:xfrm>
         </p:spPr>
         <p:txBody>
-          <a:bodyPr lIns="91440" tIns="0" rIns="91440" bIns="0">
-            <a:normAutofit/>
-          </a:bodyPr>
+          <a:bodyPr/>
           <a:lstStyle>
             <a:lvl1pPr marL="0" indent="0">
-              <a:spcBef>
-                <a:spcPts val="0"/>
-              </a:spcBef>
-              <a:spcAft>
-                <a:spcPts val="600"/>
-              </a:spcAft>
               <a:buNone/>
-              <a:defRPr sz="1500">
-                <a:solidFill>
-                  <a:srgbClr val="FFFFFF"/>
-                </a:solidFill>
-              </a:defRPr>
+              <a:defRPr sz="1600"/>
             </a:lvl1pPr>
             <a:lvl2pPr marL="457200" indent="0">
               <a:buNone/>
-              <a:defRPr sz="1200"/>
+              <a:defRPr sz="1400"/>
             </a:lvl2pPr>
             <a:lvl3pPr marL="914400" indent="0">
               <a:buNone/>
-              <a:defRPr sz="1000"/>
+              <a:defRPr sz="1200"/>
             </a:lvl3pPr>
             <a:lvl4pPr marL="1371600" indent="0">
               <a:buNone/>
-              <a:defRPr sz="900"/>
+              <a:defRPr sz="1000"/>
             </a:lvl4pPr>
             <a:lvl5pPr marL="1828800" indent="0">
               <a:buNone/>
-              <a:defRPr sz="900"/>
+              <a:defRPr sz="1000"/>
             </a:lvl5pPr>
             <a:lvl6pPr marL="2286000" indent="0">
               <a:buNone/>
-              <a:defRPr sz="900"/>
+              <a:defRPr sz="1000"/>
             </a:lvl6pPr>
             <a:lvl7pPr marL="2743200" indent="0">
               <a:buNone/>
-              <a:defRPr sz="900"/>
+              <a:defRPr sz="1000"/>
             </a:lvl7pPr>
             <a:lvl8pPr marL="3200400" indent="0">
               <a:buNone/>
-              <a:defRPr sz="900"/>
+              <a:defRPr sz="1000"/>
             </a:lvl8pPr>
             <a:lvl9pPr marL="3657600" indent="0">
               <a:buNone/>
-              <a:defRPr sz="900"/>
+              <a:defRPr sz="1000"/>
             </a:lvl9pPr>
           </a:lstStyle>
           <a:p>
@@ -6753,7 +6126,7 @@
           <a:p>
             <a:fld id="{DB015147-83F3-45C6-9E05-437E8040FCD2}" type="datetimeFigureOut">
               <a:rPr lang="en-GB" smtClean="0"/>
-              <a:t>14/03/2021</a:t>
+              <a:t>19/03/2021</a:t>
             </a:fld>
             <a:endParaRPr lang="en-GB"/>
           </a:p>
@@ -6804,7 +6177,7 @@
     </p:spTree>
     <p:extLst>
       <p:ext uri="{BB962C8B-B14F-4D97-AF65-F5344CB8AC3E}">
-        <p14:creationId xmlns:p14="http://schemas.microsoft.com/office/powerpoint/2010/main" val="2484963327"/>
+        <p14:creationId xmlns:p14="http://schemas.microsoft.com/office/powerpoint/2010/main" val="3332915345"/>
       </p:ext>
     </p:extLst>
   </p:cSld>
@@ -6838,82 +6211,6 @@
       </p:grpSpPr>
       <p:sp>
         <p:nvSpPr>
-          <p:cNvPr id="7" name="Rectangle 6"/>
-          <p:cNvSpPr/>
-          <p:nvPr/>
-        </p:nvSpPr>
-        <p:spPr>
-          <a:xfrm>
-            <a:off x="1" y="6400800"/>
-            <a:ext cx="12192000" cy="457200"/>
-          </a:xfrm>
-          <a:prstGeom prst="rect">
-            <a:avLst/>
-          </a:prstGeom>
-          <a:solidFill>
-            <a:schemeClr val="accent2"/>
-          </a:solidFill>
-          <a:ln>
-            <a:noFill/>
-          </a:ln>
-        </p:spPr>
-        <p:style>
-          <a:lnRef idx="2">
-            <a:schemeClr val="accent1">
-              <a:shade val="50000"/>
-            </a:schemeClr>
-          </a:lnRef>
-          <a:fillRef idx="1">
-            <a:schemeClr val="accent1"/>
-          </a:fillRef>
-          <a:effectRef idx="0">
-            <a:schemeClr val="accent1"/>
-          </a:effectRef>
-          <a:fontRef idx="minor">
-            <a:schemeClr val="lt1"/>
-          </a:fontRef>
-        </p:style>
-      </p:sp>
-      <p:sp>
-        <p:nvSpPr>
-          <p:cNvPr id="9" name="Rectangle 8"/>
-          <p:cNvSpPr/>
-          <p:nvPr/>
-        </p:nvSpPr>
-        <p:spPr>
-          <a:xfrm>
-            <a:off x="0" y="6334316"/>
-            <a:ext cx="12192001" cy="65998"/>
-          </a:xfrm>
-          <a:prstGeom prst="rect">
-            <a:avLst/>
-          </a:prstGeom>
-          <a:solidFill>
-            <a:schemeClr val="accent1"/>
-          </a:solidFill>
-          <a:ln>
-            <a:noFill/>
-          </a:ln>
-        </p:spPr>
-        <p:style>
-          <a:lnRef idx="2">
-            <a:schemeClr val="accent1">
-              <a:shade val="50000"/>
-            </a:schemeClr>
-          </a:lnRef>
-          <a:fillRef idx="1">
-            <a:schemeClr val="accent1"/>
-          </a:fillRef>
-          <a:effectRef idx="0">
-            <a:schemeClr val="accent1"/>
-          </a:effectRef>
-          <a:fontRef idx="minor">
-            <a:schemeClr val="lt1"/>
-          </a:fontRef>
-        </p:style>
-      </p:sp>
-      <p:sp>
-        <p:nvSpPr>
           <p:cNvPr id="2" name="Title Placeholder 1"/>
           <p:cNvSpPr>
             <a:spLocks noGrp="1"/>
@@ -6924,15 +6221,15 @@
         </p:nvSpPr>
         <p:spPr>
           <a:xfrm>
-            <a:off x="1097280" y="286603"/>
-            <a:ext cx="10058400" cy="1450757"/>
+            <a:off x="838200" y="365125"/>
+            <a:ext cx="10515600" cy="1325563"/>
           </a:xfrm>
           <a:prstGeom prst="rect">
             <a:avLst/>
           </a:prstGeom>
         </p:spPr>
         <p:txBody>
-          <a:bodyPr vert="horz" lIns="91440" tIns="45720" rIns="91440" bIns="45720" rtlCol="0" anchor="b">
+          <a:bodyPr vert="horz" lIns="91440" tIns="45720" rIns="91440" bIns="45720" rtlCol="0" anchor="ctr">
             <a:normAutofit/>
           </a:bodyPr>
           <a:lstStyle/>
@@ -6957,15 +6254,15 @@
         </p:nvSpPr>
         <p:spPr>
           <a:xfrm>
-            <a:off x="1097280" y="1845734"/>
-            <a:ext cx="10058400" cy="4023360"/>
+            <a:off x="838200" y="1825625"/>
+            <a:ext cx="10515600" cy="4351338"/>
           </a:xfrm>
           <a:prstGeom prst="rect">
             <a:avLst/>
           </a:prstGeom>
         </p:spPr>
         <p:txBody>
-          <a:bodyPr vert="horz" lIns="0" tIns="45720" rIns="0" bIns="45720" rtlCol="0">
+          <a:bodyPr vert="horz" lIns="91440" tIns="45720" rIns="91440" bIns="45720" rtlCol="0">
             <a:normAutofit/>
           </a:bodyPr>
           <a:lstStyle/>
@@ -7019,8 +6316,8 @@
         </p:nvSpPr>
         <p:spPr>
           <a:xfrm>
-            <a:off x="1097280" y="6459785"/>
-            <a:ext cx="2472271" cy="365125"/>
+            <a:off x="838200" y="6356350"/>
+            <a:ext cx="2743200" cy="365125"/>
           </a:xfrm>
           <a:prstGeom prst="rect">
             <a:avLst/>
@@ -7030,9 +6327,11 @@
           <a:bodyPr vert="horz" lIns="91440" tIns="45720" rIns="91440" bIns="45720" rtlCol="0" anchor="ctr"/>
           <a:lstStyle>
             <a:lvl1pPr algn="l">
-              <a:defRPr sz="900">
+              <a:defRPr sz="1200">
                 <a:solidFill>
-                  <a:srgbClr val="FFFFFF"/>
+                  <a:schemeClr val="tx1">
+                    <a:tint val="75000"/>
+                  </a:schemeClr>
                 </a:solidFill>
               </a:defRPr>
             </a:lvl1pPr>
@@ -7040,7 +6339,7 @@
           <a:p>
             <a:fld id="{DB015147-83F3-45C6-9E05-437E8040FCD2}" type="datetimeFigureOut">
               <a:rPr lang="en-GB" smtClean="0"/>
-              <a:t>14/03/2021</a:t>
+              <a:t>19/03/2021</a:t>
             </a:fld>
             <a:endParaRPr lang="en-GB"/>
           </a:p>
@@ -7058,8 +6357,8 @@
         </p:nvSpPr>
         <p:spPr>
           <a:xfrm>
-            <a:off x="3686185" y="6459785"/>
-            <a:ext cx="4822804" cy="365125"/>
+            <a:off x="4038600" y="6356350"/>
+            <a:ext cx="4114800" cy="365125"/>
           </a:xfrm>
           <a:prstGeom prst="rect">
             <a:avLst/>
@@ -7069,9 +6368,11 @@
           <a:bodyPr vert="horz" lIns="91440" tIns="45720" rIns="91440" bIns="45720" rtlCol="0" anchor="ctr"/>
           <a:lstStyle>
             <a:lvl1pPr algn="ctr">
-              <a:defRPr sz="900" cap="all" baseline="0">
+              <a:defRPr sz="1200">
                 <a:solidFill>
-                  <a:srgbClr val="FFFFFF"/>
+                  <a:schemeClr val="tx1">
+                    <a:tint val="75000"/>
+                  </a:schemeClr>
                 </a:solidFill>
               </a:defRPr>
             </a:lvl1pPr>
@@ -7093,8 +6394,8 @@
         </p:nvSpPr>
         <p:spPr>
           <a:xfrm>
-            <a:off x="9900458" y="6459785"/>
-            <a:ext cx="1312025" cy="365125"/>
+            <a:off x="8610600" y="6356350"/>
+            <a:ext cx="2743200" cy="365125"/>
           </a:xfrm>
           <a:prstGeom prst="rect">
             <a:avLst/>
@@ -7104,9 +6405,11 @@
           <a:bodyPr vert="horz" lIns="91440" tIns="45720" rIns="91440" bIns="45720" rtlCol="0" anchor="ctr"/>
           <a:lstStyle>
             <a:lvl1pPr algn="r">
-              <a:defRPr sz="1050">
+              <a:defRPr sz="1200">
                 <a:solidFill>
-                  <a:srgbClr val="FFFFFF"/>
+                  <a:schemeClr val="tx1">
+                    <a:tint val="75000"/>
+                  </a:schemeClr>
                 </a:solidFill>
               </a:defRPr>
             </a:lvl1pPr>
@@ -7120,82 +6423,41 @@
           </a:p>
         </p:txBody>
       </p:sp>
-      <p:cxnSp>
-        <p:nvCxnSpPr>
-          <p:cNvPr id="10" name="Straight Connector 9"/>
-          <p:cNvCxnSpPr/>
-          <p:nvPr/>
-        </p:nvCxnSpPr>
-        <p:spPr>
-          <a:xfrm>
-            <a:off x="1193532" y="1737845"/>
-            <a:ext cx="9966960" cy="0"/>
-          </a:xfrm>
-          <a:prstGeom prst="line">
-            <a:avLst/>
-          </a:prstGeom>
-          <a:ln w="6350">
-            <a:solidFill>
-              <a:schemeClr val="tx1">
-                <a:lumMod val="50000"/>
-                <a:lumOff val="50000"/>
-              </a:schemeClr>
-            </a:solidFill>
-          </a:ln>
-        </p:spPr>
-        <p:style>
-          <a:lnRef idx="1">
-            <a:schemeClr val="accent1"/>
-          </a:lnRef>
-          <a:fillRef idx="0">
-            <a:schemeClr val="accent1"/>
-          </a:fillRef>
-          <a:effectRef idx="0">
-            <a:schemeClr val="accent1"/>
-          </a:effectRef>
-          <a:fontRef idx="minor">
-            <a:schemeClr val="tx1"/>
-          </a:fontRef>
-        </p:style>
-      </p:cxnSp>
     </p:spTree>
     <p:extLst>
       <p:ext uri="{BB962C8B-B14F-4D97-AF65-F5344CB8AC3E}">
-        <p14:creationId xmlns:p14="http://schemas.microsoft.com/office/powerpoint/2010/main" val="2779299635"/>
+        <p14:creationId xmlns:p14="http://schemas.microsoft.com/office/powerpoint/2010/main" val="850206337"/>
       </p:ext>
     </p:extLst>
   </p:cSld>
   <p:clrMap bg1="lt1" tx1="dk1" bg2="lt2" tx2="dk2" accent1="accent1" accent2="accent2" accent3="accent3" accent4="accent4" accent5="accent5" accent6="accent6" hlink="hlink" folHlink="folHlink"/>
   <p:sldLayoutIdLst>
-    <p:sldLayoutId id="2147483763" r:id="rId1"/>
-    <p:sldLayoutId id="2147483764" r:id="rId2"/>
-    <p:sldLayoutId id="2147483765" r:id="rId3"/>
-    <p:sldLayoutId id="2147483766" r:id="rId4"/>
-    <p:sldLayoutId id="2147483767" r:id="rId5"/>
-    <p:sldLayoutId id="2147483768" r:id="rId6"/>
-    <p:sldLayoutId id="2147483769" r:id="rId7"/>
-    <p:sldLayoutId id="2147483770" r:id="rId8"/>
-    <p:sldLayoutId id="2147483771" r:id="rId9"/>
-    <p:sldLayoutId id="2147483772" r:id="rId10"/>
-    <p:sldLayoutId id="2147483773" r:id="rId11"/>
+    <p:sldLayoutId id="2147483811" r:id="rId1"/>
+    <p:sldLayoutId id="2147483812" r:id="rId2"/>
+    <p:sldLayoutId id="2147483813" r:id="rId3"/>
+    <p:sldLayoutId id="2147483814" r:id="rId4"/>
+    <p:sldLayoutId id="2147483815" r:id="rId5"/>
+    <p:sldLayoutId id="2147483816" r:id="rId6"/>
+    <p:sldLayoutId id="2147483817" r:id="rId7"/>
+    <p:sldLayoutId id="2147483818" r:id="rId8"/>
+    <p:sldLayoutId id="2147483819" r:id="rId9"/>
+    <p:sldLayoutId id="2147483820" r:id="rId10"/>
+    <p:sldLayoutId id="2147483821" r:id="rId11"/>
     <p:sldLayoutId id="2147483689" r:id="rId12"/>
   </p:sldLayoutIdLst>
   <p:txStyles>
     <p:titleStyle>
       <a:lvl1pPr algn="l" defTabSz="914400" rtl="0" eaLnBrk="1" latinLnBrk="0" hangingPunct="1">
         <a:lnSpc>
-          <a:spcPct val="85000"/>
+          <a:spcPct val="90000"/>
         </a:lnSpc>
         <a:spcBef>
           <a:spcPct val="0"/>
         </a:spcBef>
         <a:buNone/>
-        <a:defRPr sz="4800" kern="1200" spc="-50" baseline="0">
+        <a:defRPr sz="4400" kern="1200">
           <a:solidFill>
-            <a:schemeClr val="tx1">
-              <a:lumMod val="75000"/>
-              <a:lumOff val="25000"/>
-            </a:schemeClr>
+            <a:schemeClr val="tx1"/>
           </a:solidFill>
           <a:latin typeface="+mj-lt"/>
           <a:ea typeface="+mj-ea"/>
@@ -7204,244 +6466,162 @@
       </a:lvl1pPr>
     </p:titleStyle>
     <p:bodyStyle>
-      <a:lvl1pPr marL="91440" indent="-91440" algn="l" defTabSz="914400" rtl="0" eaLnBrk="1" latinLnBrk="0" hangingPunct="1">
+      <a:lvl1pPr marL="228600" indent="-228600" algn="l" defTabSz="914400" rtl="0" eaLnBrk="1" latinLnBrk="0" hangingPunct="1">
         <a:lnSpc>
           <a:spcPct val="90000"/>
         </a:lnSpc>
         <a:spcBef>
-          <a:spcPts val="1200"/>
+          <a:spcPts val="1000"/>
         </a:spcBef>
-        <a:spcAft>
-          <a:spcPts val="200"/>
-        </a:spcAft>
-        <a:buClr>
-          <a:schemeClr val="accent1"/>
-        </a:buClr>
-        <a:buSzPct val="100000"/>
-        <a:buFont typeface="Calibri" panose="020F0502020204030204" pitchFamily="34" charset="0"/>
-        <a:buChar char=" "/>
-        <a:defRPr sz="2000" kern="1200">
+        <a:buFont typeface="Arial" panose="020B0604020202020204" pitchFamily="34" charset="0"/>
+        <a:buChar char="•"/>
+        <a:defRPr sz="2800" kern="1200">
           <a:solidFill>
-            <a:schemeClr val="tx1">
-              <a:lumMod val="75000"/>
-              <a:lumOff val="25000"/>
-            </a:schemeClr>
+            <a:schemeClr val="tx1"/>
           </a:solidFill>
           <a:latin typeface="+mn-lt"/>
           <a:ea typeface="+mn-ea"/>
           <a:cs typeface="+mn-cs"/>
         </a:defRPr>
       </a:lvl1pPr>
-      <a:lvl2pPr marL="384048" indent="-182880" algn="l" defTabSz="914400" rtl="0" eaLnBrk="1" latinLnBrk="0" hangingPunct="1">
+      <a:lvl2pPr marL="685800" indent="-228600" algn="l" defTabSz="914400" rtl="0" eaLnBrk="1" latinLnBrk="0" hangingPunct="1">
         <a:lnSpc>
           <a:spcPct val="90000"/>
         </a:lnSpc>
         <a:spcBef>
-          <a:spcPts val="200"/>
+          <a:spcPts val="500"/>
         </a:spcBef>
-        <a:spcAft>
-          <a:spcPts val="400"/>
-        </a:spcAft>
-        <a:buClr>
-          <a:schemeClr val="accent1"/>
-        </a:buClr>
-        <a:buFont typeface="Calibri" pitchFamily="34" charset="0"/>
-        <a:buChar char="◦"/>
-        <a:defRPr sz="1800" kern="1200">
+        <a:buFont typeface="Arial" panose="020B0604020202020204" pitchFamily="34" charset="0"/>
+        <a:buChar char="•"/>
+        <a:defRPr sz="2400" kern="1200">
           <a:solidFill>
-            <a:schemeClr val="tx1">
-              <a:lumMod val="75000"/>
-              <a:lumOff val="25000"/>
-            </a:schemeClr>
+            <a:schemeClr val="tx1"/>
           </a:solidFill>
           <a:latin typeface="+mn-lt"/>
           <a:ea typeface="+mn-ea"/>
           <a:cs typeface="+mn-cs"/>
         </a:defRPr>
       </a:lvl2pPr>
-      <a:lvl3pPr marL="566928" indent="-182880" algn="l" defTabSz="914400" rtl="0" eaLnBrk="1" latinLnBrk="0" hangingPunct="1">
+      <a:lvl3pPr marL="1143000" indent="-228600" algn="l" defTabSz="914400" rtl="0" eaLnBrk="1" latinLnBrk="0" hangingPunct="1">
         <a:lnSpc>
           <a:spcPct val="90000"/>
         </a:lnSpc>
         <a:spcBef>
-          <a:spcPts val="200"/>
+          <a:spcPts val="500"/>
         </a:spcBef>
-        <a:spcAft>
-          <a:spcPts val="400"/>
-        </a:spcAft>
-        <a:buClr>
-          <a:schemeClr val="accent1"/>
-        </a:buClr>
-        <a:buFont typeface="Calibri" pitchFamily="34" charset="0"/>
-        <a:buChar char="◦"/>
-        <a:defRPr sz="1400" kern="1200">
+        <a:buFont typeface="Arial" panose="020B0604020202020204" pitchFamily="34" charset="0"/>
+        <a:buChar char="•"/>
+        <a:defRPr sz="2000" kern="1200">
           <a:solidFill>
-            <a:schemeClr val="tx1">
-              <a:lumMod val="75000"/>
-              <a:lumOff val="25000"/>
-            </a:schemeClr>
+            <a:schemeClr val="tx1"/>
           </a:solidFill>
           <a:latin typeface="+mn-lt"/>
           <a:ea typeface="+mn-ea"/>
           <a:cs typeface="+mn-cs"/>
         </a:defRPr>
       </a:lvl3pPr>
-      <a:lvl4pPr marL="749808" indent="-182880" algn="l" defTabSz="914400" rtl="0" eaLnBrk="1" latinLnBrk="0" hangingPunct="1">
+      <a:lvl4pPr marL="1600200" indent="-228600" algn="l" defTabSz="914400" rtl="0" eaLnBrk="1" latinLnBrk="0" hangingPunct="1">
         <a:lnSpc>
           <a:spcPct val="90000"/>
         </a:lnSpc>
         <a:spcBef>
-          <a:spcPts val="200"/>
+          <a:spcPts val="500"/>
         </a:spcBef>
-        <a:spcAft>
-          <a:spcPts val="400"/>
-        </a:spcAft>
-        <a:buClr>
-          <a:schemeClr val="accent1"/>
-        </a:buClr>
-        <a:buFont typeface="Calibri" pitchFamily="34" charset="0"/>
-        <a:buChar char="◦"/>
-        <a:defRPr sz="1400" kern="1200">
+        <a:buFont typeface="Arial" panose="020B0604020202020204" pitchFamily="34" charset="0"/>
+        <a:buChar char="•"/>
+        <a:defRPr sz="1800" kern="1200">
           <a:solidFill>
-            <a:schemeClr val="tx1">
-              <a:lumMod val="75000"/>
-              <a:lumOff val="25000"/>
-            </a:schemeClr>
+            <a:schemeClr val="tx1"/>
           </a:solidFill>
           <a:latin typeface="+mn-lt"/>
           <a:ea typeface="+mn-ea"/>
           <a:cs typeface="+mn-cs"/>
         </a:defRPr>
       </a:lvl4pPr>
-      <a:lvl5pPr marL="932688" indent="-182880" algn="l" defTabSz="914400" rtl="0" eaLnBrk="1" latinLnBrk="0" hangingPunct="1">
+      <a:lvl5pPr marL="2057400" indent="-228600" algn="l" defTabSz="914400" rtl="0" eaLnBrk="1" latinLnBrk="0" hangingPunct="1">
         <a:lnSpc>
           <a:spcPct val="90000"/>
         </a:lnSpc>
         <a:spcBef>
-          <a:spcPts val="200"/>
+          <a:spcPts val="500"/>
         </a:spcBef>
-        <a:spcAft>
-          <a:spcPts val="400"/>
-        </a:spcAft>
-        <a:buClr>
-          <a:schemeClr val="accent1"/>
-        </a:buClr>
-        <a:buFont typeface="Calibri" pitchFamily="34" charset="0"/>
-        <a:buChar char="◦"/>
-        <a:defRPr sz="1400" kern="1200">
+        <a:buFont typeface="Arial" panose="020B0604020202020204" pitchFamily="34" charset="0"/>
+        <a:buChar char="•"/>
+        <a:defRPr sz="1800" kern="1200">
           <a:solidFill>
-            <a:schemeClr val="tx1">
-              <a:lumMod val="75000"/>
-              <a:lumOff val="25000"/>
-            </a:schemeClr>
+            <a:schemeClr val="tx1"/>
           </a:solidFill>
           <a:latin typeface="+mn-lt"/>
           <a:ea typeface="+mn-ea"/>
           <a:cs typeface="+mn-cs"/>
         </a:defRPr>
       </a:lvl5pPr>
-      <a:lvl6pPr marL="1100000" indent="-228600" algn="l" defTabSz="914400" rtl="0" eaLnBrk="1" latinLnBrk="0" hangingPunct="1">
+      <a:lvl6pPr marL="2514600" indent="-228600" algn="l" defTabSz="914400" rtl="0" eaLnBrk="1" latinLnBrk="0" hangingPunct="1">
         <a:lnSpc>
           <a:spcPct val="90000"/>
         </a:lnSpc>
         <a:spcBef>
-          <a:spcPts val="200"/>
+          <a:spcPts val="500"/>
         </a:spcBef>
-        <a:spcAft>
-          <a:spcPts val="400"/>
-        </a:spcAft>
-        <a:buClr>
-          <a:schemeClr val="accent1"/>
-        </a:buClr>
-        <a:buFont typeface="Calibri" pitchFamily="34" charset="0"/>
-        <a:buChar char="◦"/>
-        <a:defRPr sz="1400" kern="1200">
+        <a:buFont typeface="Arial" panose="020B0604020202020204" pitchFamily="34" charset="0"/>
+        <a:buChar char="•"/>
+        <a:defRPr sz="1800" kern="1200">
           <a:solidFill>
-            <a:schemeClr val="tx1">
-              <a:lumMod val="75000"/>
-              <a:lumOff val="25000"/>
-            </a:schemeClr>
+            <a:schemeClr val="tx1"/>
           </a:solidFill>
           <a:latin typeface="+mn-lt"/>
           <a:ea typeface="+mn-ea"/>
           <a:cs typeface="+mn-cs"/>
         </a:defRPr>
       </a:lvl6pPr>
-      <a:lvl7pPr marL="1300000" indent="-228600" algn="l" defTabSz="914400" rtl="0" eaLnBrk="1" latinLnBrk="0" hangingPunct="1">
+      <a:lvl7pPr marL="2971800" indent="-228600" algn="l" defTabSz="914400" rtl="0" eaLnBrk="1" latinLnBrk="0" hangingPunct="1">
         <a:lnSpc>
           <a:spcPct val="90000"/>
         </a:lnSpc>
         <a:spcBef>
-          <a:spcPts val="200"/>
+          <a:spcPts val="500"/>
         </a:spcBef>
-        <a:spcAft>
-          <a:spcPts val="400"/>
-        </a:spcAft>
-        <a:buClr>
-          <a:schemeClr val="accent1"/>
-        </a:buClr>
-        <a:buFont typeface="Calibri" pitchFamily="34" charset="0"/>
-        <a:buChar char="◦"/>
-        <a:defRPr sz="1400" kern="1200">
+        <a:buFont typeface="Arial" panose="020B0604020202020204" pitchFamily="34" charset="0"/>
+        <a:buChar char="•"/>
+        <a:defRPr sz="1800" kern="1200">
           <a:solidFill>
-            <a:schemeClr val="tx1">
-              <a:lumMod val="75000"/>
-              <a:lumOff val="25000"/>
-            </a:schemeClr>
+            <a:schemeClr val="tx1"/>
           </a:solidFill>
           <a:latin typeface="+mn-lt"/>
           <a:ea typeface="+mn-ea"/>
           <a:cs typeface="+mn-cs"/>
         </a:defRPr>
       </a:lvl7pPr>
-      <a:lvl8pPr marL="1500000" indent="-228600" algn="l" defTabSz="914400" rtl="0" eaLnBrk="1" latinLnBrk="0" hangingPunct="1">
+      <a:lvl8pPr marL="3429000" indent="-228600" algn="l" defTabSz="914400" rtl="0" eaLnBrk="1" latinLnBrk="0" hangingPunct="1">
         <a:lnSpc>
           <a:spcPct val="90000"/>
         </a:lnSpc>
         <a:spcBef>
-          <a:spcPts val="200"/>
+          <a:spcPts val="500"/>
         </a:spcBef>
-        <a:spcAft>
-          <a:spcPts val="400"/>
-        </a:spcAft>
-        <a:buClr>
-          <a:schemeClr val="accent1"/>
-        </a:buClr>
-        <a:buFont typeface="Calibri" pitchFamily="34" charset="0"/>
-        <a:buChar char="◦"/>
-        <a:defRPr sz="1400" kern="1200">
+        <a:buFont typeface="Arial" panose="020B0604020202020204" pitchFamily="34" charset="0"/>
+        <a:buChar char="•"/>
+        <a:defRPr sz="1800" kern="1200">
           <a:solidFill>
-            <a:schemeClr val="tx1">
-              <a:lumMod val="75000"/>
-              <a:lumOff val="25000"/>
-            </a:schemeClr>
+            <a:schemeClr val="tx1"/>
           </a:solidFill>
           <a:latin typeface="+mn-lt"/>
           <a:ea typeface="+mn-ea"/>
           <a:cs typeface="+mn-cs"/>
         </a:defRPr>
       </a:lvl8pPr>
-      <a:lvl9pPr marL="1700000" indent="-228600" algn="l" defTabSz="914400" rtl="0" eaLnBrk="1" latinLnBrk="0" hangingPunct="1">
+      <a:lvl9pPr marL="3886200" indent="-228600" algn="l" defTabSz="914400" rtl="0" eaLnBrk="1" latinLnBrk="0" hangingPunct="1">
         <a:lnSpc>
           <a:spcPct val="90000"/>
         </a:lnSpc>
         <a:spcBef>
-          <a:spcPts val="200"/>
+          <a:spcPts val="500"/>
         </a:spcBef>
-        <a:spcAft>
-          <a:spcPts val="400"/>
-        </a:spcAft>
-        <a:buClr>
-          <a:schemeClr val="accent1"/>
-        </a:buClr>
-        <a:buFont typeface="Calibri" pitchFamily="34" charset="0"/>
-        <a:buChar char="◦"/>
-        <a:defRPr sz="1400" kern="1200">
+        <a:buFont typeface="Arial" panose="020B0604020202020204" pitchFamily="34" charset="0"/>
+        <a:buChar char="•"/>
+        <a:defRPr sz="1800" kern="1200">
           <a:solidFill>
-            <a:schemeClr val="tx1">
-              <a:lumMod val="75000"/>
-              <a:lumOff val="25000"/>
-            </a:schemeClr>
+            <a:schemeClr val="tx1"/>
           </a:solidFill>
           <a:latin typeface="+mn-lt"/>
           <a:ea typeface="+mn-ea"/>
@@ -7577,8 +6757,8 @@
         </p:nvSpPr>
         <p:spPr>
           <a:xfrm>
-            <a:off x="969264" y="758952"/>
-            <a:ext cx="10189187" cy="3566160"/>
+            <a:off x="1682496" y="1426464"/>
+            <a:ext cx="8210343" cy="2674620"/>
           </a:xfrm>
         </p:spPr>
         <p:txBody>
@@ -7588,7 +6768,7 @@
             <a:r>
               <a:rPr lang="en-US" dirty="0" smtClean="0">
                 <a:solidFill>
-                  <a:srgbClr val="FF0000"/>
+                  <a:srgbClr val="0070C0"/>
                 </a:solidFill>
                 <a:latin typeface="Times New Roman" panose="02020603050405020304" pitchFamily="18" charset="0"/>
                 <a:cs typeface="Times New Roman" panose="02020603050405020304" pitchFamily="18" charset="0"/>
@@ -7597,7 +6777,7 @@
             </a:r>
             <a:endParaRPr lang="en-GB" dirty="0">
               <a:solidFill>
-                <a:srgbClr val="FF0000"/>
+                <a:srgbClr val="0070C0"/>
               </a:solidFill>
               <a:latin typeface="Times New Roman" panose="02020603050405020304" pitchFamily="18" charset="0"/>
               <a:cs typeface="Times New Roman" panose="02020603050405020304" pitchFamily="18" charset="0"/>
@@ -7605,66 +6785,6 @@
           </a:p>
         </p:txBody>
       </p:sp>
-      <p:sp>
-        <p:nvSpPr>
-          <p:cNvPr id="11" name="Subtitle 10"/>
-          <p:cNvSpPr>
-            <a:spLocks noGrp="1"/>
-          </p:cNvSpPr>
-          <p:nvPr>
-            <p:ph type="subTitle" idx="1"/>
-          </p:nvPr>
-        </p:nvSpPr>
-        <p:spPr/>
-        <p:txBody>
-          <a:bodyPr/>
-          <a:lstStyle/>
-          <a:p>
-            <a:endParaRPr lang="en-GB" dirty="0"/>
-          </a:p>
-        </p:txBody>
-      </p:sp>
-      <p:pic>
-        <p:nvPicPr>
-          <p:cNvPr id="8" name="Picture 7"/>
-          <p:cNvPicPr>
-            <a:picLocks noChangeAspect="1"/>
-          </p:cNvPicPr>
-          <p:nvPr/>
-        </p:nvPicPr>
-        <p:blipFill rotWithShape="1">
-          <a:blip r:embed="rId3"/>
-          <a:srcRect r="3384" b="17221"/>
-          <a:stretch/>
-        </p:blipFill>
-        <p:spPr>
-          <a:xfrm>
-            <a:off x="3654651" y="447761"/>
-            <a:ext cx="3660549" cy="2094271"/>
-          </a:xfrm>
-          <a:prstGeom prst="ellipse">
-            <a:avLst/>
-          </a:prstGeom>
-          <a:ln w="63500" cap="rnd">
-            <a:solidFill>
-              <a:srgbClr val="333333"/>
-            </a:solidFill>
-          </a:ln>
-          <a:effectLst/>
-          <a:scene3d>
-            <a:camera prst="orthographicFront"/>
-            <a:lightRig rig="contrasting" dir="t">
-              <a:rot lat="0" lon="0" rev="3000000"/>
-            </a:lightRig>
-          </a:scene3d>
-          <a:sp3d contourW="7620">
-            <a:bevelT w="95250" h="31750"/>
-            <a:contourClr>
-              <a:srgbClr val="333333"/>
-            </a:contourClr>
-          </a:sp3d>
-        </p:spPr>
-      </p:pic>
     </p:spTree>
     <p:extLst>
       <p:ext uri="{BB962C8B-B14F-4D97-AF65-F5344CB8AC3E}">
@@ -7722,14 +6842,14 @@
             <a:r>
               <a:rPr lang="en-US" dirty="0" smtClean="0">
                 <a:solidFill>
-                  <a:srgbClr val="FF0000"/>
+                  <a:srgbClr val="0070C0"/>
                 </a:solidFill>
               </a:rPr>
-              <a:t>Worrying fact</a:t>
+              <a:t>Background</a:t>
             </a:r>
             <a:endParaRPr lang="en-GB" dirty="0">
               <a:solidFill>
-                <a:srgbClr val="FF0000"/>
+                <a:srgbClr val="0070C0"/>
               </a:solidFill>
             </a:endParaRPr>
           </a:p>
@@ -7760,8 +6880,24 @@
               <a:buNone/>
             </a:pPr>
             <a:r>
+              <a:rPr lang="en-US" dirty="0"/>
+              <a:t>Cardiovascular diseases kill approximately 17 million people globally every year, and they mainly exhibit as myocardial infarctions and heart failures. Heart failure </a:t>
+            </a:r>
+            <a:r>
+              <a:rPr lang="en-US" dirty="0"/>
+              <a:t>of the body </a:t>
+            </a:r>
+            <a:r>
               <a:rPr lang="en-US" dirty="0" smtClean="0"/>
-              <a:t>The annual number of deaths from CVD in India is projected to rise from 2.26millon(1990) to 4.77million(2020)</a:t>
+              <a:t>(</a:t>
+            </a:r>
+            <a:r>
+              <a:rPr lang="en-US" dirty="0"/>
+              <a:t>HF) occurs when the heart cannot pump enough blood to meet the </a:t>
+            </a:r>
+            <a:r>
+              <a:rPr lang="en-US" dirty="0" smtClean="0"/>
+              <a:t>needs</a:t>
             </a:r>
             <a:endParaRPr lang="en-GB" dirty="0"/>
           </a:p>
@@ -7790,6 +6926,14 @@
 <file path=ppt/slides/slide3.xml><?xml version="1.0" encoding="utf-8"?>
 <p:sld xmlns:a="http://schemas.openxmlformats.org/drawingml/2006/main" xmlns:r="http://schemas.openxmlformats.org/officeDocument/2006/relationships" xmlns:p="http://schemas.openxmlformats.org/presentationml/2006/main">
   <p:cSld>
+    <p:bg>
+      <p:bgPr>
+        <a:solidFill>
+          <a:schemeClr val="bg1"/>
+        </a:solidFill>
+        <a:effectLst/>
+      </p:bgPr>
+    </p:bg>
     <p:spTree>
       <p:nvGrpSpPr>
         <p:cNvPr id="1" name=""/>
@@ -7814,22 +6958,29 @@
             <p:ph type="title"/>
           </p:nvPr>
         </p:nvSpPr>
-        <p:spPr/>
-        <p:txBody>
-          <a:bodyPr/>
+        <p:spPr>
+          <a:xfrm>
+            <a:off x="1115568" y="548641"/>
+            <a:ext cx="8263128" cy="694944"/>
+          </a:xfrm>
+        </p:spPr>
+        <p:txBody>
+          <a:bodyPr>
+            <a:normAutofit/>
+          </a:bodyPr>
           <a:lstStyle/>
           <a:p>
             <a:r>
               <a:rPr lang="en-US" dirty="0" smtClean="0">
                 <a:solidFill>
-                  <a:srgbClr val="FF0000"/>
+                  <a:srgbClr val="0070C0"/>
                 </a:solidFill>
               </a:rPr>
               <a:t>Abstraction</a:t>
             </a:r>
             <a:endParaRPr lang="en-GB" dirty="0">
               <a:solidFill>
-                <a:srgbClr val="FF0000"/>
+                <a:srgbClr val="0070C0"/>
               </a:solidFill>
             </a:endParaRPr>
           </a:p>
@@ -7845,49 +6996,83 @@
             <p:ph idx="1"/>
           </p:nvPr>
         </p:nvSpPr>
-        <p:spPr/>
-        <p:txBody>
-          <a:bodyPr/>
+        <p:spPr>
+          <a:xfrm>
+            <a:off x="1115568" y="1463040"/>
+            <a:ext cx="10332720" cy="4535424"/>
+          </a:xfrm>
+        </p:spPr>
+        <p:txBody>
+          <a:bodyPr>
+            <a:normAutofit/>
+          </a:bodyPr>
           <a:lstStyle/>
           <a:p>
-            <a:pPr>
-              <a:buFont typeface="Wingdings" panose="05000000000000000000" pitchFamily="2" charset="2"/>
-              <a:buChar char="Ø"/>
+            <a:pPr marL="0" indent="0">
+              <a:buNone/>
             </a:pPr>
             <a:r>
+              <a:rPr lang="en-US" b="1" dirty="0" smtClean="0"/>
+              <a:t>Purpose</a:t>
+            </a:r>
+          </a:p>
+          <a:p>
+            <a:pPr marL="0" indent="0">
+              <a:buNone/>
+            </a:pPr>
+            <a:r>
+              <a:rPr lang="en-US" dirty="0"/>
+              <a:t>Heart failure is a common event caused by </a:t>
+            </a:r>
+            <a:r>
+              <a:rPr lang="en-GB" dirty="0"/>
+              <a:t>cardiovascular </a:t>
+            </a:r>
+            <a:r>
+              <a:rPr lang="en-GB" dirty="0" smtClean="0"/>
+              <a:t>disease. </a:t>
+            </a:r>
+            <a:r>
               <a:rPr lang="en-US" dirty="0" smtClean="0"/>
-              <a:t> Heart disease is one of the major diseases of human being.  Everyone has to take care of it.              Here is a work that  predict risk of  heart disease in few minutes with some information about you .</a:t>
-            </a:r>
-          </a:p>
-          <a:p>
-            <a:pPr>
-              <a:buFont typeface="Wingdings" panose="05000000000000000000" pitchFamily="2" charset="2"/>
-              <a:buChar char="Ø"/>
+              <a:t>Machine </a:t>
+            </a:r>
+            <a:r>
+              <a:rPr lang="en-US" dirty="0"/>
+              <a:t>learning, in particular, can predict </a:t>
+            </a:r>
+            <a:r>
+              <a:rPr lang="en-US" dirty="0" smtClean="0"/>
+              <a:t>patients survival from Heart failure using dataset.</a:t>
+            </a:r>
+            <a:endParaRPr lang="en-US" dirty="0" smtClean="0"/>
+          </a:p>
+          <a:p>
+            <a:pPr marL="0" indent="0">
+              <a:buNone/>
             </a:pPr>
             <a:r>
+              <a:rPr lang="en-US" b="1" dirty="0" smtClean="0"/>
+              <a:t>Methods</a:t>
+            </a:r>
+            <a:endParaRPr lang="en-US" b="1" dirty="0"/>
+          </a:p>
+          <a:p>
+            <a:pPr marL="0" indent="0">
+              <a:buNone/>
+            </a:pPr>
+            <a:r>
               <a:rPr lang="en-US" dirty="0" smtClean="0"/>
-              <a:t>We are going to come on with two hypothesis that you have a risk of having heart disease or not.</a:t>
-            </a:r>
-          </a:p>
-          <a:p>
-            <a:pPr>
-              <a:buFont typeface="Wingdings" panose="05000000000000000000" pitchFamily="2" charset="2"/>
-              <a:buChar char="Ø"/>
-            </a:pPr>
+              <a:t>We </a:t>
+            </a:r>
+            <a:r>
+              <a:rPr lang="en-US" dirty="0"/>
+              <a:t>analyzed a dataset containing the medical records of 299 heart failure patients collected at the Faisalabad Institute of Cardiology and at the Allied Hospital in Faisalabad (Punjab, Pakistan), during April–December </a:t>
+            </a:r>
             <a:r>
               <a:rPr lang="en-US" dirty="0" smtClean="0"/>
-              <a:t>Data science play an important role in diagnosing medical report. We use Data science to    identify the heart disease .</a:t>
-            </a:r>
-          </a:p>
-          <a:p>
-            <a:pPr>
-              <a:buFont typeface="Wingdings" panose="05000000000000000000" pitchFamily="2" charset="2"/>
-              <a:buChar char="Ø"/>
-            </a:pPr>
-            <a:r>
-              <a:rPr lang="en-US" dirty="0" smtClean="0"/>
-              <a:t>Heart disease has been identified based on the threshold value of report</a:t>
-            </a:r>
+              <a:t>2015. We then build a Machine Learning survival Prediction Models on these features in dataset.</a:t>
+            </a:r>
+            <a:endParaRPr lang="en-GB" dirty="0"/>
           </a:p>
           <a:p>
             <a:endParaRPr lang="en-US" dirty="0" smtClean="0"/>
@@ -7936,6 +7121,171 @@
       </p:grpSpPr>
       <p:sp>
         <p:nvSpPr>
+          <p:cNvPr id="3" name="Content Placeholder 2"/>
+          <p:cNvSpPr>
+            <a:spLocks noGrp="1"/>
+          </p:cNvSpPr>
+          <p:nvPr>
+            <p:ph idx="1"/>
+          </p:nvPr>
+        </p:nvSpPr>
+        <p:spPr>
+          <a:xfrm>
+            <a:off x="1115568" y="1499616"/>
+            <a:ext cx="10332720" cy="4498847"/>
+          </a:xfrm>
+        </p:spPr>
+        <p:txBody>
+          <a:bodyPr/>
+          <a:lstStyle/>
+          <a:p>
+            <a:pPr marL="0" indent="0">
+              <a:buNone/>
+            </a:pPr>
+            <a:r>
+              <a:rPr lang="en-US" b="1" dirty="0" smtClean="0"/>
+              <a:t>Result</a:t>
+            </a:r>
+          </a:p>
+          <a:p>
+            <a:pPr marL="0" indent="0">
+              <a:buNone/>
+            </a:pPr>
+            <a:r>
+              <a:rPr lang="en-US" dirty="0"/>
+              <a:t>Our results of these </a:t>
+            </a:r>
+            <a:r>
+              <a:rPr lang="en-US" dirty="0" smtClean="0"/>
+              <a:t>feature models and  data analysis is sufficient to make a prediction of whether the person is going to survive or not.  </a:t>
+            </a:r>
+            <a:r>
+              <a:rPr lang="en-US" dirty="0"/>
+              <a:t> </a:t>
+            </a:r>
+            <a:endParaRPr lang="en-US" dirty="0" smtClean="0"/>
+          </a:p>
+          <a:p>
+            <a:pPr marL="0" indent="0">
+              <a:buNone/>
+            </a:pPr>
+            <a:r>
+              <a:rPr lang="en-US" b="1" dirty="0" smtClean="0"/>
+              <a:t>Conclusion</a:t>
+            </a:r>
+          </a:p>
+          <a:p>
+            <a:pPr marL="0" indent="0">
+              <a:buNone/>
+            </a:pPr>
+            <a:r>
+              <a:rPr lang="en-US" dirty="0"/>
+              <a:t>This discovery has the potential to impact on clinical practice, becoming a new supporting tool for physicians when predicting if a heart failure patient will survive or </a:t>
+            </a:r>
+            <a:r>
+              <a:rPr lang="en-US" dirty="0" smtClean="0"/>
+              <a:t>not.</a:t>
+            </a:r>
+            <a:endParaRPr lang="en-US" dirty="0" smtClean="0"/>
+          </a:p>
+        </p:txBody>
+      </p:sp>
+      <p:sp>
+        <p:nvSpPr>
+          <p:cNvPr id="7" name="Title 1"/>
+          <p:cNvSpPr txBox="1">
+            <a:spLocks/>
+          </p:cNvSpPr>
+          <p:nvPr/>
+        </p:nvSpPr>
+        <p:spPr>
+          <a:xfrm>
+            <a:off x="1115568" y="548641"/>
+            <a:ext cx="8263128" cy="694944"/>
+          </a:xfrm>
+          <a:prstGeom prst="rect">
+            <a:avLst/>
+          </a:prstGeom>
+        </p:spPr>
+        <p:txBody>
+          <a:bodyPr vert="horz" lIns="91440" tIns="45720" rIns="91440" bIns="45720" rtlCol="0" anchor="ctr">
+            <a:normAutofit/>
+          </a:bodyPr>
+          <a:lstStyle>
+            <a:lvl1pPr algn="l" defTabSz="914400" rtl="0" eaLnBrk="1" latinLnBrk="0" hangingPunct="1">
+              <a:lnSpc>
+                <a:spcPct val="90000"/>
+              </a:lnSpc>
+              <a:spcBef>
+                <a:spcPct val="0"/>
+              </a:spcBef>
+              <a:buNone/>
+              <a:defRPr sz="4400" kern="1200">
+                <a:solidFill>
+                  <a:schemeClr val="tx1"/>
+                </a:solidFill>
+                <a:latin typeface="+mj-lt"/>
+                <a:ea typeface="+mj-ea"/>
+                <a:cs typeface="+mj-cs"/>
+              </a:defRPr>
+            </a:lvl1pPr>
+          </a:lstStyle>
+          <a:p>
+            <a:r>
+              <a:rPr lang="en-US" dirty="0" smtClean="0">
+                <a:solidFill>
+                  <a:srgbClr val="0070C0"/>
+                </a:solidFill>
+              </a:rPr>
+              <a:t>Abstraction</a:t>
+            </a:r>
+            <a:endParaRPr lang="en-GB" dirty="0">
+              <a:solidFill>
+                <a:srgbClr val="0070C0"/>
+              </a:solidFill>
+            </a:endParaRPr>
+          </a:p>
+        </p:txBody>
+      </p:sp>
+    </p:spTree>
+    <p:extLst>
+      <p:ext uri="{BB962C8B-B14F-4D97-AF65-F5344CB8AC3E}">
+        <p14:creationId xmlns:p14="http://schemas.microsoft.com/office/powerpoint/2010/main" val="3106134380"/>
+      </p:ext>
+    </p:extLst>
+  </p:cSld>
+  <p:clrMapOvr>
+    <a:masterClrMapping/>
+  </p:clrMapOvr>
+  <p:timing>
+    <p:tnLst>
+      <p:par>
+        <p:cTn id="1" dur="indefinite" restart="never" nodeType="tmRoot"/>
+      </p:par>
+    </p:tnLst>
+  </p:timing>
+</p:sld>
+</file>
+
+<file path=ppt/slides/slide5.xml><?xml version="1.0" encoding="utf-8"?>
+<p:sld xmlns:a="http://schemas.openxmlformats.org/drawingml/2006/main" xmlns:r="http://schemas.openxmlformats.org/officeDocument/2006/relationships" xmlns:p="http://schemas.openxmlformats.org/presentationml/2006/main">
+  <p:cSld>
+    <p:spTree>
+      <p:nvGrpSpPr>
+        <p:cNvPr id="1" name=""/>
+        <p:cNvGrpSpPr/>
+        <p:nvPr/>
+      </p:nvGrpSpPr>
+      <p:grpSpPr>
+        <a:xfrm>
+          <a:off x="0" y="0"/>
+          <a:ext cx="0" cy="0"/>
+          <a:chOff x="0" y="0"/>
+          <a:chExt cx="0" cy="0"/>
+        </a:xfrm>
+      </p:grpSpPr>
+      <p:sp>
+        <p:nvSpPr>
           <p:cNvPr id="121" name="Title 120"/>
           <p:cNvSpPr>
             <a:spLocks noGrp="1"/>
@@ -7952,14 +7302,14 @@
             <a:r>
               <a:rPr lang="en-US" dirty="0" smtClean="0">
                 <a:solidFill>
-                  <a:srgbClr val="FF0000"/>
+                  <a:srgbClr val="0070C0"/>
                 </a:solidFill>
               </a:rPr>
               <a:t>Architecture Diagram</a:t>
             </a:r>
             <a:endParaRPr lang="en-GB" dirty="0">
               <a:solidFill>
-                <a:srgbClr val="FF0000"/>
+                <a:srgbClr val="0070C0"/>
               </a:solidFill>
             </a:endParaRPr>
           </a:p>
@@ -7975,14 +7325,14 @@
             <p:ph idx="1"/>
             <p:extLst>
               <p:ext uri="{D42A27DB-BD31-4B8C-83A1-F6EECF244321}">
-                <p14:modId xmlns:p14="http://schemas.microsoft.com/office/powerpoint/2010/main" val="429479764"/>
+                <p14:modId xmlns:p14="http://schemas.microsoft.com/office/powerpoint/2010/main" val="2211695157"/>
               </p:ext>
             </p:extLst>
           </p:nvPr>
         </p:nvGraphicFramePr>
         <p:xfrm>
-          <a:off x="1096963" y="1846263"/>
-          <a:ext cx="10058400" cy="4022725"/>
+          <a:off x="1119352" y="1690688"/>
+          <a:ext cx="10087193" cy="4489395"/>
         </p:xfrm>
         <a:graphic>
           <a:graphicData uri="http://schemas.openxmlformats.org/drawingml/2006/diagram">
@@ -7998,8 +7348,8 @@
         </p:nvSpPr>
         <p:spPr>
           <a:xfrm>
-            <a:off x="473064" y="3685863"/>
-            <a:ext cx="1106128" cy="757159"/>
+            <a:off x="2208809" y="4662064"/>
+            <a:ext cx="1136344" cy="689573"/>
           </a:xfrm>
           <a:prstGeom prst="rect">
             <a:avLst/>
@@ -8030,7 +7380,7 @@
           </a:fontRef>
         </p:style>
         <p:txBody>
-          <a:bodyPr rot="0" spcFirstLastPara="0" vert="horz" wrap="square" lIns="91440" tIns="45720" rIns="91440" bIns="45720" numCol="1" spcCol="0" rtlCol="0" fromWordArt="0" anchor="ctr" anchorCtr="0" forceAA="0" compatLnSpc="1">
+          <a:bodyPr rot="0" spcFirstLastPara="0" vert="horz" wrap="square" lIns="68580" tIns="34290" rIns="68580" bIns="34290" numCol="1" spcCol="0" rtlCol="0" fromWordArt="0" anchor="ctr" anchorCtr="0" forceAA="0" compatLnSpc="1">
             <a:prstTxWarp prst="textNoShape">
               <a:avLst/>
             </a:prstTxWarp>
@@ -8039,7 +7389,7 @@
           <a:lstStyle/>
           <a:p>
             <a:r>
-              <a:rPr lang="en-GB" dirty="0" smtClean="0">
+              <a:rPr lang="en-GB" sz="1350" dirty="0">
                 <a:solidFill>
                   <a:schemeClr val="tx1"/>
                 </a:solidFill>
@@ -8047,9 +7397,20 @@
                 <a:ea typeface="Calibri" panose="020F0502020204030204" pitchFamily="34" charset="0"/>
                 <a:cs typeface="Times New Roman" panose="02020603050405020304" pitchFamily="18" charset="0"/>
               </a:rPr>
-              <a:t>   Dataset</a:t>
-            </a:r>
-            <a:endParaRPr lang="en-GB" dirty="0"/>
+              <a:t>   </a:t>
+            </a:r>
+            <a:r>
+              <a:rPr lang="en-GB" sz="2000" dirty="0">
+                <a:solidFill>
+                  <a:schemeClr val="tx1"/>
+                </a:solidFill>
+                <a:latin typeface="Calibri" panose="020F0502020204030204" pitchFamily="34" charset="0"/>
+                <a:ea typeface="Calibri" panose="020F0502020204030204" pitchFamily="34" charset="0"/>
+                <a:cs typeface="Times New Roman" panose="02020603050405020304" pitchFamily="18" charset="0"/>
+              </a:rPr>
+              <a:t>Dataset</a:t>
+            </a:r>
+            <a:endParaRPr lang="en-GB" sz="2000" dirty="0"/>
           </a:p>
         </p:txBody>
       </p:sp>
@@ -8061,8 +7422,8 @@
         </p:nvSpPr>
         <p:spPr>
           <a:xfrm>
-            <a:off x="9978655" y="3685863"/>
-            <a:ext cx="1633252" cy="757159"/>
+            <a:off x="8957145" y="3494707"/>
+            <a:ext cx="1817310" cy="689573"/>
           </a:xfrm>
           <a:prstGeom prst="ellipse">
             <a:avLst/>
@@ -8093,7 +7454,7 @@
           </a:fontRef>
         </p:style>
         <p:txBody>
-          <a:bodyPr rot="0" spcFirstLastPara="0" vert="horz" wrap="square" lIns="91440" tIns="45720" rIns="91440" bIns="45720" numCol="1" spcCol="0" rtlCol="0" fromWordArt="0" anchor="ctr" anchorCtr="0" forceAA="0" compatLnSpc="1">
+          <a:bodyPr rot="0" spcFirstLastPara="0" vert="horz" wrap="square" lIns="68580" tIns="34290" rIns="68580" bIns="34290" numCol="1" spcCol="0" rtlCol="0" fromWordArt="0" anchor="ctr" anchorCtr="0" forceAA="0" compatLnSpc="1">
             <a:prstTxWarp prst="textNoShape">
               <a:avLst/>
             </a:prstTxWarp>
@@ -8103,7 +7464,7 @@
           <a:p>
             <a:pPr algn="ctr"/>
             <a:r>
-              <a:rPr lang="en-GB" dirty="0">
+              <a:rPr lang="en-GB" sz="2000" dirty="0">
                 <a:solidFill>
                   <a:schemeClr val="tx1"/>
                 </a:solidFill>
@@ -8113,7 +7474,7 @@
               </a:rPr>
               <a:t>Prediction</a:t>
             </a:r>
-            <a:endParaRPr lang="en-GB" dirty="0"/>
+            <a:endParaRPr lang="en-GB" sz="2000" dirty="0"/>
           </a:p>
         </p:txBody>
       </p:sp>
@@ -8125,8 +7486,8 @@
         </p:nvSpPr>
         <p:spPr>
           <a:xfrm>
-            <a:off x="1773141" y="2394017"/>
-            <a:ext cx="2401062" cy="629208"/>
+            <a:off x="1888398" y="2425117"/>
+            <a:ext cx="1777806" cy="560075"/>
           </a:xfrm>
           <a:prstGeom prst="roundRect">
             <a:avLst>
@@ -8159,7 +7520,7 @@
           </a:fontRef>
         </p:style>
         <p:txBody>
-          <a:bodyPr rot="0" spcFirstLastPara="0" vert="horz" wrap="square" lIns="91440" tIns="45720" rIns="91440" bIns="45720" numCol="1" spcCol="0" rtlCol="0" fromWordArt="0" anchor="ctr" anchorCtr="0" forceAA="0" compatLnSpc="1">
+          <a:bodyPr rot="0" spcFirstLastPara="0" vert="horz" wrap="square" lIns="68580" tIns="34290" rIns="68580" bIns="34290" numCol="1" spcCol="0" rtlCol="0" fromWordArt="0" anchor="ctr" anchorCtr="0" forceAA="0" compatLnSpc="1">
             <a:prstTxWarp prst="textNoShape">
               <a:avLst/>
             </a:prstTxWarp>
@@ -8169,7 +7530,7 @@
           <a:p>
             <a:pPr algn="ctr"/>
             <a:r>
-              <a:rPr lang="en-GB" dirty="0" err="1">
+              <a:rPr lang="en-GB" sz="2000" dirty="0" err="1">
                 <a:solidFill>
                   <a:schemeClr val="tx1"/>
                 </a:solidFill>
@@ -8180,7 +7541,7 @@
               <a:t>Explotary</a:t>
             </a:r>
             <a:r>
-              <a:rPr lang="en-GB" dirty="0">
+              <a:rPr lang="en-GB" sz="2000" dirty="0">
                 <a:solidFill>
                   <a:schemeClr val="tx1"/>
                 </a:solidFill>
@@ -8190,7 +7551,7 @@
               </a:rPr>
               <a:t> Data Analysis</a:t>
             </a:r>
-            <a:endParaRPr lang="en-GB" dirty="0"/>
+            <a:endParaRPr lang="en-GB" sz="2000" dirty="0"/>
           </a:p>
         </p:txBody>
       </p:sp>
@@ -8202,8 +7563,8 @@
         </p:nvSpPr>
         <p:spPr>
           <a:xfrm>
-            <a:off x="4505926" y="3699828"/>
-            <a:ext cx="1097279" cy="743195"/>
+            <a:off x="4385239" y="4816991"/>
+            <a:ext cx="864180" cy="689573"/>
           </a:xfrm>
           <a:prstGeom prst="roundRect">
             <a:avLst/>
@@ -8234,7 +7595,7 @@
           </a:fontRef>
         </p:style>
         <p:txBody>
-          <a:bodyPr rot="0" spcFirstLastPara="0" vert="horz" wrap="square" lIns="91440" tIns="45720" rIns="91440" bIns="45720" numCol="1" spcCol="0" rtlCol="0" fromWordArt="0" anchor="ctr" anchorCtr="0" forceAA="0" compatLnSpc="1">
+          <a:bodyPr rot="0" spcFirstLastPara="0" vert="horz" wrap="square" lIns="68580" tIns="34290" rIns="68580" bIns="34290" numCol="1" spcCol="0" rtlCol="0" fromWordArt="0" anchor="ctr" anchorCtr="0" forceAA="0" compatLnSpc="1">
             <a:prstTxWarp prst="textNoShape">
               <a:avLst/>
             </a:prstTxWarp>
@@ -8266,8 +7627,8 @@
         </p:nvSpPr>
         <p:spPr>
           <a:xfrm>
-            <a:off x="6084218" y="3699828"/>
-            <a:ext cx="1437166" cy="743195"/>
+            <a:off x="5028520" y="3499945"/>
+            <a:ext cx="1494393" cy="689573"/>
           </a:xfrm>
           <a:prstGeom prst="roundRect">
             <a:avLst/>
@@ -8298,7 +7659,7 @@
           </a:fontRef>
         </p:style>
         <p:txBody>
-          <a:bodyPr rot="0" spcFirstLastPara="0" vert="horz" wrap="square" lIns="91440" tIns="45720" rIns="91440" bIns="45720" numCol="1" spcCol="0" rtlCol="0" fromWordArt="0" anchor="ctr" anchorCtr="0" forceAA="0" compatLnSpc="1">
+          <a:bodyPr rot="0" spcFirstLastPara="0" vert="horz" wrap="square" lIns="68580" tIns="34290" rIns="68580" bIns="34290" numCol="1" spcCol="0" rtlCol="0" fromWordArt="0" anchor="ctr" anchorCtr="0" forceAA="0" compatLnSpc="1">
             <a:prstTxWarp prst="textNoShape">
               <a:avLst/>
             </a:prstTxWarp>
@@ -8308,7 +7669,7 @@
           <a:p>
             <a:pPr algn="ctr"/>
             <a:r>
-              <a:rPr lang="en-GB" dirty="0" smtClean="0">
+              <a:rPr lang="en-GB" sz="2000" dirty="0">
                 <a:solidFill>
                   <a:schemeClr val="tx1"/>
                 </a:solidFill>
@@ -8318,7 +7679,7 @@
               </a:rPr>
               <a:t>Deployment</a:t>
             </a:r>
-            <a:endParaRPr lang="en-GB" dirty="0"/>
+            <a:endParaRPr lang="en-GB" sz="2000" dirty="0"/>
           </a:p>
         </p:txBody>
       </p:sp>
@@ -8330,8 +7691,8 @@
         </p:nvSpPr>
         <p:spPr>
           <a:xfrm>
-            <a:off x="4550250" y="2394016"/>
-            <a:ext cx="1945195" cy="628075"/>
+            <a:off x="4069508" y="2404287"/>
+            <a:ext cx="1495643" cy="618914"/>
           </a:xfrm>
           <a:prstGeom prst="roundRect">
             <a:avLst>
@@ -8364,7 +7725,7 @@
           </a:fontRef>
         </p:style>
         <p:txBody>
-          <a:bodyPr rot="0" spcFirstLastPara="0" vert="horz" wrap="square" lIns="91440" tIns="45720" rIns="91440" bIns="45720" numCol="1" spcCol="0" rtlCol="0" fromWordArt="0" anchor="ctr" anchorCtr="0" forceAA="0" compatLnSpc="1">
+          <a:bodyPr rot="0" spcFirstLastPara="0" vert="horz" wrap="square" lIns="68580" tIns="34290" rIns="68580" bIns="34290" numCol="1" spcCol="0" rtlCol="0" fromWordArt="0" anchor="ctr" anchorCtr="0" forceAA="0" compatLnSpc="1">
             <a:prstTxWarp prst="textNoShape">
               <a:avLst/>
             </a:prstTxWarp>
@@ -8392,8 +7753,8 @@
         </p:nvSpPr>
         <p:spPr>
           <a:xfrm>
-            <a:off x="7946852" y="2394017"/>
-            <a:ext cx="1576577" cy="628075"/>
+            <a:off x="6327875" y="2404287"/>
+            <a:ext cx="1268569" cy="618914"/>
           </a:xfrm>
           <a:prstGeom prst="roundRect">
             <a:avLst>
@@ -8426,7 +7787,7 @@
           </a:fontRef>
         </p:style>
         <p:txBody>
-          <a:bodyPr rot="0" spcFirstLastPara="0" vert="horz" wrap="square" lIns="91440" tIns="45720" rIns="91440" bIns="45720" numCol="1" spcCol="0" rtlCol="0" fromWordArt="0" anchor="ctr" anchorCtr="0" forceAA="0" compatLnSpc="1">
+          <a:bodyPr rot="0" spcFirstLastPara="0" vert="horz" wrap="square" lIns="68580" tIns="34290" rIns="68580" bIns="34290" numCol="1" spcCol="0" rtlCol="0" fromWordArt="0" anchor="ctr" anchorCtr="0" forceAA="0" compatLnSpc="1">
             <a:prstTxWarp prst="textNoShape">
               <a:avLst/>
             </a:prstTxWarp>
@@ -8436,7 +7797,7 @@
           <a:p>
             <a:pPr algn="ctr"/>
             <a:r>
-              <a:rPr lang="en-GB" dirty="0">
+              <a:rPr lang="en-GB" sz="2000" dirty="0">
                 <a:solidFill>
                   <a:schemeClr val="tx1"/>
                 </a:solidFill>
@@ -8454,8 +7815,8 @@
         </p:nvSpPr>
         <p:spPr>
           <a:xfrm>
-            <a:off x="10245905" y="2394091"/>
-            <a:ext cx="1181672" cy="628075"/>
+            <a:off x="8359271" y="2393225"/>
+            <a:ext cx="1024503" cy="618970"/>
           </a:xfrm>
           <a:prstGeom prst="roundRect">
             <a:avLst>
@@ -8488,7 +7849,7 @@
           </a:fontRef>
         </p:style>
         <p:txBody>
-          <a:bodyPr rot="0" spcFirstLastPara="0" vert="horz" wrap="square" lIns="91440" tIns="45720" rIns="91440" bIns="45720" numCol="1" spcCol="0" rtlCol="0" fromWordArt="0" anchor="ctr" anchorCtr="0" forceAA="0" compatLnSpc="1">
+          <a:bodyPr rot="0" spcFirstLastPara="0" vert="horz" wrap="square" lIns="68580" tIns="34290" rIns="68580" bIns="34290" numCol="1" spcCol="0" rtlCol="0" fromWordArt="0" anchor="ctr" anchorCtr="0" forceAA="0" compatLnSpc="1">
             <a:prstTxWarp prst="textNoShape">
               <a:avLst/>
             </a:prstTxWarp>
@@ -8498,14 +7859,14 @@
           <a:p>
             <a:pPr algn="ctr"/>
             <a:r>
-              <a:rPr lang="en-US" dirty="0" smtClean="0">
+              <a:rPr lang="en-US" sz="2000" dirty="0">
                 <a:solidFill>
                   <a:schemeClr val="tx1"/>
                 </a:solidFill>
               </a:rPr>
               <a:t>Testing</a:t>
             </a:r>
-            <a:endParaRPr lang="en-GB" dirty="0">
+            <a:endParaRPr lang="en-GB" sz="2000" dirty="0">
               <a:solidFill>
                 <a:schemeClr val="tx1"/>
               </a:solidFill>
@@ -8521,8 +7882,8 @@
         </p:nvSpPr>
         <p:spPr>
           <a:xfrm>
-            <a:off x="7720366" y="5097665"/>
-            <a:ext cx="2059305" cy="645197"/>
+            <a:off x="7028796" y="4523829"/>
+            <a:ext cx="1496258" cy="637949"/>
           </a:xfrm>
           <a:prstGeom prst="ellipse">
             <a:avLst/>
@@ -8553,7 +7914,7 @@
           </a:fontRef>
         </p:style>
         <p:txBody>
-          <a:bodyPr rot="0" spcFirstLastPara="0" vert="horz" wrap="square" lIns="91440" tIns="45720" rIns="91440" bIns="45720" numCol="1" spcCol="0" rtlCol="0" fromWordArt="0" anchor="ctr" anchorCtr="0" forceAA="0" compatLnSpc="1">
+          <a:bodyPr rot="0" spcFirstLastPara="0" vert="horz" wrap="square" lIns="68580" tIns="34290" rIns="68580" bIns="34290" numCol="1" spcCol="0" rtlCol="0" fromWordArt="0" anchor="ctr" anchorCtr="0" forceAA="0" compatLnSpc="1">
             <a:prstTxWarp prst="textNoShape">
               <a:avLst/>
             </a:prstTxWarp>
@@ -8563,14 +7924,14 @@
           <a:p>
             <a:pPr algn="ctr"/>
             <a:r>
-              <a:rPr lang="en-US" dirty="0" smtClean="0">
+              <a:rPr lang="en-US" sz="2000" dirty="0">
                 <a:solidFill>
                   <a:schemeClr val="tx1"/>
                 </a:solidFill>
               </a:rPr>
               <a:t>User Input</a:t>
             </a:r>
-            <a:endParaRPr lang="en-GB" dirty="0">
+            <a:endParaRPr lang="en-GB" sz="2000" dirty="0">
               <a:solidFill>
                 <a:schemeClr val="tx1"/>
               </a:solidFill>
@@ -8586,8 +7947,8 @@
         </p:nvSpPr>
         <p:spPr>
           <a:xfrm>
-            <a:off x="1944020" y="3685863"/>
-            <a:ext cx="2059305" cy="757159"/>
+            <a:off x="1940662" y="3504891"/>
+            <a:ext cx="1672638" cy="689573"/>
           </a:xfrm>
           <a:prstGeom prst="roundRect">
             <a:avLst/>
@@ -8618,7 +7979,7 @@
           </a:fontRef>
         </p:style>
         <p:txBody>
-          <a:bodyPr rot="0" spcFirstLastPara="0" vert="horz" wrap="square" lIns="91440" tIns="45720" rIns="91440" bIns="45720" numCol="1" spcCol="0" rtlCol="0" fromWordArt="0" anchor="ctr" anchorCtr="0" forceAA="0" compatLnSpc="1">
+          <a:bodyPr rot="0" spcFirstLastPara="0" vert="horz" wrap="square" lIns="68580" tIns="34290" rIns="68580" bIns="34290" numCol="1" spcCol="0" rtlCol="0" fromWordArt="0" anchor="ctr" anchorCtr="0" forceAA="0" compatLnSpc="1">
             <a:prstTxWarp prst="textNoShape">
               <a:avLst/>
             </a:prstTxWarp>
@@ -8628,14 +7989,22 @@
           <a:p>
             <a:pPr algn="ctr"/>
             <a:r>
-              <a:rPr lang="en-US" dirty="0" smtClean="0">
+              <a:rPr lang="en-US" sz="1350" dirty="0">
                 <a:solidFill>
                   <a:schemeClr val="tx1"/>
                 </a:solidFill>
               </a:rPr>
-              <a:t> Feature          Engineering</a:t>
-            </a:r>
-            <a:endParaRPr lang="en-GB" dirty="0">
+              <a:t> </a:t>
+            </a:r>
+            <a:r>
+              <a:rPr lang="en-US" sz="2000" dirty="0">
+                <a:solidFill>
+                  <a:schemeClr val="tx1"/>
+                </a:solidFill>
+              </a:rPr>
+              <a:t>Feature          Engineering</a:t>
+            </a:r>
+            <a:endParaRPr lang="en-GB" sz="2000" dirty="0">
               <a:solidFill>
                 <a:schemeClr val="tx1"/>
               </a:solidFill>
@@ -8643,123 +8012,6 @@
           </a:p>
         </p:txBody>
       </p:sp>
-      <p:cxnSp>
-        <p:nvCxnSpPr>
-          <p:cNvPr id="25" name="Straight Arrow Connector 24"/>
-          <p:cNvCxnSpPr>
-            <a:stCxn id="6" idx="3"/>
-            <a:endCxn id="11" idx="1"/>
-          </p:cNvCxnSpPr>
-          <p:nvPr/>
-        </p:nvCxnSpPr>
-        <p:spPr>
-          <a:xfrm>
-            <a:off x="1579192" y="4064443"/>
-            <a:ext cx="364828" cy="0"/>
-          </a:xfrm>
-          <a:prstGeom prst="straightConnector1">
-            <a:avLst/>
-          </a:prstGeom>
-          <a:ln>
-            <a:solidFill>
-              <a:srgbClr val="FF0000"/>
-            </a:solidFill>
-            <a:tailEnd type="triangle"/>
-          </a:ln>
-        </p:spPr>
-        <p:style>
-          <a:lnRef idx="3">
-            <a:schemeClr val="accent1"/>
-          </a:lnRef>
-          <a:fillRef idx="0">
-            <a:schemeClr val="accent1"/>
-          </a:fillRef>
-          <a:effectRef idx="2">
-            <a:schemeClr val="accent1"/>
-          </a:effectRef>
-          <a:fontRef idx="minor">
-            <a:schemeClr val="tx1"/>
-          </a:fontRef>
-        </p:style>
-      </p:cxnSp>
-      <p:cxnSp>
-        <p:nvCxnSpPr>
-          <p:cNvPr id="3" name="Straight Arrow Connector 2"/>
-          <p:cNvCxnSpPr>
-            <a:stCxn id="11" idx="3"/>
-            <a:endCxn id="9" idx="1"/>
-          </p:cNvCxnSpPr>
-          <p:nvPr/>
-        </p:nvCxnSpPr>
-        <p:spPr>
-          <a:xfrm>
-            <a:off x="4003325" y="4064443"/>
-            <a:ext cx="502601" cy="6983"/>
-          </a:xfrm>
-          <a:prstGeom prst="straightConnector1">
-            <a:avLst/>
-          </a:prstGeom>
-          <a:ln>
-            <a:solidFill>
-              <a:srgbClr val="FF0000"/>
-            </a:solidFill>
-            <a:tailEnd type="triangle"/>
-          </a:ln>
-        </p:spPr>
-        <p:style>
-          <a:lnRef idx="3">
-            <a:schemeClr val="accent1"/>
-          </a:lnRef>
-          <a:fillRef idx="0">
-            <a:schemeClr val="accent1"/>
-          </a:fillRef>
-          <a:effectRef idx="2">
-            <a:schemeClr val="accent1"/>
-          </a:effectRef>
-          <a:fontRef idx="minor">
-            <a:schemeClr val="tx1"/>
-          </a:fontRef>
-        </p:style>
-      </p:cxnSp>
-      <p:cxnSp>
-        <p:nvCxnSpPr>
-          <p:cNvPr id="17" name="Straight Arrow Connector 16"/>
-          <p:cNvCxnSpPr>
-            <a:stCxn id="9" idx="3"/>
-            <a:endCxn id="10" idx="1"/>
-          </p:cNvCxnSpPr>
-          <p:nvPr/>
-        </p:nvCxnSpPr>
-        <p:spPr>
-          <a:xfrm>
-            <a:off x="5603205" y="4071426"/>
-            <a:ext cx="481013" cy="0"/>
-          </a:xfrm>
-          <a:prstGeom prst="straightConnector1">
-            <a:avLst/>
-          </a:prstGeom>
-          <a:ln>
-            <a:solidFill>
-              <a:srgbClr val="FF0000"/>
-            </a:solidFill>
-            <a:tailEnd type="triangle"/>
-          </a:ln>
-        </p:spPr>
-        <p:style>
-          <a:lnRef idx="3">
-            <a:schemeClr val="accent1"/>
-          </a:lnRef>
-          <a:fillRef idx="0">
-            <a:schemeClr val="accent1"/>
-          </a:fillRef>
-          <a:effectRef idx="2">
-            <a:schemeClr val="accent1"/>
-          </a:effectRef>
-          <a:fontRef idx="minor">
-            <a:schemeClr val="tx1"/>
-          </a:fontRef>
-        </p:style>
-      </p:cxnSp>
       <p:cxnSp>
         <p:nvCxnSpPr>
           <p:cNvPr id="18" name="Straight Arrow Connector 17"/>
@@ -8771,15 +8023,15 @@
         </p:nvCxnSpPr>
         <p:spPr>
           <a:xfrm flipV="1">
-            <a:off x="7521384" y="4064442"/>
-            <a:ext cx="481013" cy="6984"/>
+            <a:off x="6522913" y="3842113"/>
+            <a:ext cx="505883" cy="2619"/>
           </a:xfrm>
           <a:prstGeom prst="straightConnector1">
             <a:avLst/>
           </a:prstGeom>
           <a:ln>
             <a:solidFill>
-              <a:srgbClr val="FF0000"/>
+              <a:srgbClr val="000099"/>
             </a:solidFill>
             <a:tailEnd type="triangle"/>
           </a:ln>
@@ -8809,16 +8061,16 @@
           <p:nvPr/>
         </p:nvCxnSpPr>
         <p:spPr>
-          <a:xfrm>
-            <a:off x="2973672" y="3023225"/>
-            <a:ext cx="1" cy="662638"/>
+          <a:xfrm flipH="1">
+            <a:off x="2776981" y="2985192"/>
+            <a:ext cx="320" cy="519699"/>
           </a:xfrm>
           <a:prstGeom prst="straightConnector1">
             <a:avLst/>
           </a:prstGeom>
           <a:ln>
             <a:solidFill>
-              <a:srgbClr val="FF0000"/>
+              <a:srgbClr val="000099"/>
             </a:solidFill>
             <a:headEnd type="triangle"/>
             <a:tailEnd type="triangle"/>
@@ -8849,16 +8101,16 @@
           <p:nvPr/>
         </p:nvCxnSpPr>
         <p:spPr>
-          <a:xfrm flipH="1">
-            <a:off x="4174203" y="2708054"/>
-            <a:ext cx="376047" cy="567"/>
+          <a:xfrm flipH="1" flipV="1">
+            <a:off x="3666204" y="2705155"/>
+            <a:ext cx="403304" cy="8589"/>
           </a:xfrm>
           <a:prstGeom prst="straightConnector1">
             <a:avLst/>
           </a:prstGeom>
           <a:ln>
             <a:solidFill>
-              <a:srgbClr val="FF0000"/>
+              <a:srgbClr val="000099"/>
             </a:solidFill>
             <a:headEnd type="triangle"/>
             <a:tailEnd type="triangle"/>
@@ -8890,15 +8142,15 @@
         </p:nvCxnSpPr>
         <p:spPr>
           <a:xfrm>
-            <a:off x="6495445" y="2708054"/>
-            <a:ext cx="1451407" cy="1"/>
+            <a:off x="5565151" y="2713744"/>
+            <a:ext cx="762724" cy="0"/>
           </a:xfrm>
           <a:prstGeom prst="straightConnector1">
             <a:avLst/>
           </a:prstGeom>
           <a:ln>
             <a:solidFill>
-              <a:srgbClr val="FF0000"/>
+              <a:srgbClr val="000099"/>
             </a:solidFill>
             <a:headEnd type="triangle"/>
             <a:tailEnd type="triangle"/>
@@ -8929,16 +8181,16 @@
           <p:nvPr/>
         </p:nvCxnSpPr>
         <p:spPr>
-          <a:xfrm>
-            <a:off x="9523429" y="2708055"/>
-            <a:ext cx="722476" cy="74"/>
+          <a:xfrm flipV="1">
+            <a:off x="7596444" y="2702710"/>
+            <a:ext cx="762827" cy="11034"/>
           </a:xfrm>
           <a:prstGeom prst="straightConnector1">
             <a:avLst/>
           </a:prstGeom>
           <a:ln>
             <a:solidFill>
-              <a:srgbClr val="FF0000"/>
+              <a:srgbClr val="000099"/>
             </a:solidFill>
             <a:headEnd type="triangle"/>
             <a:tailEnd type="triangle"/>
@@ -8970,15 +8222,15 @@
         </p:nvCxnSpPr>
         <p:spPr>
           <a:xfrm flipV="1">
-            <a:off x="8750019" y="4436039"/>
-            <a:ext cx="1" cy="661626"/>
+            <a:off x="7776925" y="4184280"/>
+            <a:ext cx="0" cy="339549"/>
           </a:xfrm>
           <a:prstGeom prst="straightConnector1">
             <a:avLst/>
           </a:prstGeom>
           <a:ln>
             <a:solidFill>
-              <a:srgbClr val="FF0000"/>
+              <a:srgbClr val="000099"/>
             </a:solidFill>
             <a:tailEnd type="triangle"/>
           </a:ln>
@@ -9006,8 +8258,8 @@
         </p:nvSpPr>
         <p:spPr>
           <a:xfrm>
-            <a:off x="8002397" y="3692845"/>
-            <a:ext cx="1495245" cy="743194"/>
+            <a:off x="7028796" y="3499945"/>
+            <a:ext cx="1496258" cy="684335"/>
           </a:xfrm>
           <a:prstGeom prst="roundRect">
             <a:avLst/>
@@ -9043,14 +8295,14 @@
           <a:p>
             <a:pPr algn="ctr"/>
             <a:r>
-              <a:rPr lang="en-US" dirty="0" smtClean="0">
+              <a:rPr lang="en-US" sz="2000" dirty="0">
                 <a:solidFill>
                   <a:schemeClr val="tx1"/>
                 </a:solidFill>
               </a:rPr>
               <a:t>Web Application</a:t>
             </a:r>
-            <a:endParaRPr lang="en-GB" dirty="0">
+            <a:endParaRPr lang="en-GB" sz="2000" dirty="0">
               <a:solidFill>
                 <a:schemeClr val="tx1"/>
               </a:solidFill>
@@ -9068,55 +8320,16 @@
           <p:nvPr/>
         </p:nvCxnSpPr>
         <p:spPr>
-          <a:xfrm>
-            <a:off x="9497642" y="4064442"/>
-            <a:ext cx="481013" cy="1"/>
+          <a:xfrm flipV="1">
+            <a:off x="8525054" y="3839494"/>
+            <a:ext cx="432091" cy="2619"/>
           </a:xfrm>
           <a:prstGeom prst="straightConnector1">
             <a:avLst/>
           </a:prstGeom>
           <a:ln>
             <a:solidFill>
-              <a:srgbClr val="FF0000"/>
-            </a:solidFill>
-            <a:tailEnd type="triangle"/>
-          </a:ln>
-        </p:spPr>
-        <p:style>
-          <a:lnRef idx="3">
-            <a:schemeClr val="accent1"/>
-          </a:lnRef>
-          <a:fillRef idx="0">
-            <a:schemeClr val="accent1"/>
-          </a:fillRef>
-          <a:effectRef idx="2">
-            <a:schemeClr val="accent1"/>
-          </a:effectRef>
-          <a:fontRef idx="minor">
-            <a:schemeClr val="tx1"/>
-          </a:fontRef>
-        </p:style>
-      </p:cxnSp>
-      <p:cxnSp>
-        <p:nvCxnSpPr>
-          <p:cNvPr id="57" name="Elbow Connector 56"/>
-          <p:cNvCxnSpPr>
-            <a:stCxn id="12" idx="2"/>
-            <a:endCxn id="9" idx="0"/>
-          </p:cNvCxnSpPr>
-          <p:nvPr/>
-        </p:nvCxnSpPr>
-        <p:spPr>
-          <a:xfrm rot="5400000">
-            <a:off x="4949839" y="3126818"/>
-            <a:ext cx="677737" cy="468282"/>
-          </a:xfrm>
-          <a:prstGeom prst="bentConnector3">
-            <a:avLst/>
-          </a:prstGeom>
-          <a:ln>
-            <a:solidFill>
-              <a:srgbClr val="FF0000"/>
+              <a:srgbClr val="000099"/>
             </a:solidFill>
             <a:tailEnd type="triangle"/>
           </a:ln>
@@ -9147,19 +8360,177 @@
         </p:nvCxnSpPr>
         <p:spPr>
           <a:xfrm flipH="1">
-            <a:off x="1773141" y="2708129"/>
-            <a:ext cx="9654436" cy="492"/>
+            <a:off x="1888398" y="2702710"/>
+            <a:ext cx="7495376" cy="2445"/>
           </a:xfrm>
           <a:prstGeom prst="bentConnector5">
             <a:avLst>
-              <a:gd name="adj1" fmla="val -2368"/>
-              <a:gd name="adj2" fmla="val -132301626"/>
-              <a:gd name="adj3" fmla="val 102368"/>
+              <a:gd name="adj1" fmla="val -3050"/>
+              <a:gd name="adj2" fmla="val -27857464"/>
+              <a:gd name="adj3" fmla="val 103050"/>
             </a:avLst>
           </a:prstGeom>
           <a:ln>
             <a:solidFill>
-              <a:srgbClr val="FF0000"/>
+              <a:srgbClr val="0070C0"/>
+            </a:solidFill>
+            <a:tailEnd type="triangle"/>
+          </a:ln>
+        </p:spPr>
+        <p:style>
+          <a:lnRef idx="3">
+            <a:schemeClr val="accent1"/>
+          </a:lnRef>
+          <a:fillRef idx="0">
+            <a:schemeClr val="accent1"/>
+          </a:fillRef>
+          <a:effectRef idx="2">
+            <a:schemeClr val="accent1"/>
+          </a:effectRef>
+          <a:fontRef idx="minor">
+            <a:schemeClr val="tx1"/>
+          </a:fontRef>
+        </p:style>
+      </p:cxnSp>
+      <p:cxnSp>
+        <p:nvCxnSpPr>
+          <p:cNvPr id="163" name="Straight Arrow Connector 162"/>
+          <p:cNvCxnSpPr>
+            <a:stCxn id="6" idx="0"/>
+            <a:endCxn id="11" idx="2"/>
+          </p:cNvCxnSpPr>
+          <p:nvPr/>
+        </p:nvCxnSpPr>
+        <p:spPr>
+          <a:xfrm flipV="1">
+            <a:off x="2776981" y="4194464"/>
+            <a:ext cx="0" cy="467600"/>
+          </a:xfrm>
+          <a:prstGeom prst="straightConnector1">
+            <a:avLst/>
+          </a:prstGeom>
+          <a:ln>
+            <a:solidFill>
+              <a:srgbClr val="000099"/>
+            </a:solidFill>
+            <a:tailEnd type="triangle"/>
+          </a:ln>
+        </p:spPr>
+        <p:style>
+          <a:lnRef idx="3">
+            <a:schemeClr val="accent1"/>
+          </a:lnRef>
+          <a:fillRef idx="0">
+            <a:schemeClr val="accent1"/>
+          </a:fillRef>
+          <a:effectRef idx="2">
+            <a:schemeClr val="accent1"/>
+          </a:effectRef>
+          <a:fontRef idx="minor">
+            <a:schemeClr val="tx1"/>
+          </a:fontRef>
+        </p:style>
+      </p:cxnSp>
+      <p:cxnSp>
+        <p:nvCxnSpPr>
+          <p:cNvPr id="168" name="Straight Arrow Connector 167"/>
+          <p:cNvCxnSpPr>
+            <a:stCxn id="12" idx="2"/>
+            <a:endCxn id="9" idx="0"/>
+          </p:cNvCxnSpPr>
+          <p:nvPr/>
+        </p:nvCxnSpPr>
+        <p:spPr>
+          <a:xfrm flipH="1">
+            <a:off x="4817329" y="3023201"/>
+            <a:ext cx="1" cy="1793790"/>
+          </a:xfrm>
+          <a:prstGeom prst="straightConnector1">
+            <a:avLst/>
+          </a:prstGeom>
+          <a:ln>
+            <a:solidFill>
+              <a:srgbClr val="000099"/>
+            </a:solidFill>
+            <a:tailEnd type="triangle"/>
+          </a:ln>
+        </p:spPr>
+        <p:style>
+          <a:lnRef idx="3">
+            <a:schemeClr val="accent1"/>
+          </a:lnRef>
+          <a:fillRef idx="0">
+            <a:schemeClr val="accent1"/>
+          </a:fillRef>
+          <a:effectRef idx="2">
+            <a:schemeClr val="accent1"/>
+          </a:effectRef>
+          <a:fontRef idx="minor">
+            <a:schemeClr val="tx1"/>
+          </a:fontRef>
+        </p:style>
+      </p:cxnSp>
+      <p:cxnSp>
+        <p:nvCxnSpPr>
+          <p:cNvPr id="170" name="Elbow Connector 169"/>
+          <p:cNvCxnSpPr>
+            <a:stCxn id="9" idx="3"/>
+            <a:endCxn id="10" idx="2"/>
+          </p:cNvCxnSpPr>
+          <p:nvPr/>
+        </p:nvCxnSpPr>
+        <p:spPr>
+          <a:xfrm flipV="1">
+            <a:off x="5249419" y="4189518"/>
+            <a:ext cx="526298" cy="972260"/>
+          </a:xfrm>
+          <a:prstGeom prst="bentConnector2">
+            <a:avLst/>
+          </a:prstGeom>
+          <a:ln>
+            <a:solidFill>
+              <a:srgbClr val="000099"/>
+            </a:solidFill>
+            <a:tailEnd type="triangle"/>
+          </a:ln>
+        </p:spPr>
+        <p:style>
+          <a:lnRef idx="3">
+            <a:schemeClr val="accent1"/>
+          </a:lnRef>
+          <a:fillRef idx="0">
+            <a:schemeClr val="accent1"/>
+          </a:fillRef>
+          <a:effectRef idx="2">
+            <a:schemeClr val="accent1"/>
+          </a:effectRef>
+          <a:fontRef idx="minor">
+            <a:schemeClr val="tx1"/>
+          </a:fontRef>
+        </p:style>
+      </p:cxnSp>
+      <p:cxnSp>
+        <p:nvCxnSpPr>
+          <p:cNvPr id="172" name="Elbow Connector 171"/>
+          <p:cNvCxnSpPr>
+            <a:stCxn id="11" idx="3"/>
+            <a:endCxn id="9" idx="1"/>
+          </p:cNvCxnSpPr>
+          <p:nvPr/>
+        </p:nvCxnSpPr>
+        <p:spPr>
+          <a:xfrm>
+            <a:off x="3613300" y="3849678"/>
+            <a:ext cx="771939" cy="1312100"/>
+          </a:xfrm>
+          <a:prstGeom prst="bentConnector3">
+            <a:avLst>
+              <a:gd name="adj1" fmla="val 50000"/>
+            </a:avLst>
+          </a:prstGeom>
+          <a:ln>
+            <a:solidFill>
+              <a:srgbClr val="000099"/>
             </a:solidFill>
             <a:tailEnd type="triangle"/>
           </a:ln>
@@ -9199,7 +8570,7 @@
 </p:sld>
 </file>
 
-<file path=ppt/slides/slide5.xml><?xml version="1.0" encoding="utf-8"?>
+<file path=ppt/slides/slide6.xml><?xml version="1.0" encoding="utf-8"?>
 <p:sld xmlns:a="http://schemas.openxmlformats.org/drawingml/2006/main" xmlns:r="http://schemas.openxmlformats.org/officeDocument/2006/relationships" xmlns:p="http://schemas.openxmlformats.org/presentationml/2006/main">
   <p:cSld>
     <p:spTree>
@@ -9234,14 +8605,14 @@
             <a:r>
               <a:rPr lang="en-US" dirty="0" smtClean="0">
                 <a:solidFill>
-                  <a:srgbClr val="FF0000"/>
+                  <a:srgbClr val="0070C0"/>
                 </a:solidFill>
               </a:rPr>
               <a:t>Modules</a:t>
             </a:r>
             <a:endParaRPr lang="en-GB" dirty="0">
               <a:solidFill>
-                <a:srgbClr val="FF0000"/>
+                <a:srgbClr val="0070C0"/>
               </a:solidFill>
             </a:endParaRPr>
           </a:p>
@@ -9259,7 +8630,9 @@
         </p:nvSpPr>
         <p:spPr/>
         <p:txBody>
-          <a:bodyPr/>
+          <a:bodyPr>
+            <a:normAutofit/>
+          </a:bodyPr>
           <a:lstStyle/>
           <a:p>
             <a:pPr marL="0" indent="0">
@@ -9275,9 +8648,6 @@
               <a:spcBef>
                 <a:spcPts val="0"/>
               </a:spcBef>
-              <a:spcAft>
-                <a:spcPts val="0"/>
-              </a:spcAft>
               <a:buNone/>
             </a:pPr>
             <a:endParaRPr lang="en-US" dirty="0" smtClean="0"/>
@@ -9287,25 +8657,19 @@
               <a:spcBef>
                 <a:spcPts val="0"/>
               </a:spcBef>
-              <a:spcAft>
-                <a:spcPts val="0"/>
-              </a:spcAft>
               <a:buNone/>
             </a:pPr>
             <a:r>
-              <a:rPr lang="en-US" b="1" i="1" dirty="0" smtClean="0"/>
+              <a:rPr lang="en-US" b="1" dirty="0" smtClean="0"/>
               <a:t>Dataset Preparation</a:t>
             </a:r>
-            <a:endParaRPr lang="en-GB" b="1" i="1" dirty="0"/>
+            <a:endParaRPr lang="en-GB" b="1" dirty="0"/>
           </a:p>
           <a:p>
             <a:pPr marL="0" indent="0">
               <a:spcBef>
                 <a:spcPts val="0"/>
               </a:spcBef>
-              <a:spcAft>
-                <a:spcPts val="0"/>
-              </a:spcAft>
               <a:buNone/>
             </a:pPr>
             <a:r>
@@ -9330,13 +8694,10 @@
               <a:spcBef>
                 <a:spcPts val="0"/>
               </a:spcBef>
-              <a:spcAft>
-                <a:spcPts val="0"/>
-              </a:spcAft>
               <a:buNone/>
             </a:pPr>
             <a:r>
-              <a:rPr lang="en-US" b="1" i="1" dirty="0" smtClean="0"/>
+              <a:rPr lang="en-US" b="1" dirty="0" smtClean="0"/>
               <a:t>Predictive Modelling</a:t>
             </a:r>
           </a:p>
@@ -9345,9 +8706,6 @@
               <a:spcBef>
                 <a:spcPts val="0"/>
               </a:spcBef>
-              <a:spcAft>
-                <a:spcPts val="0"/>
-              </a:spcAft>
               <a:buNone/>
             </a:pPr>
             <a:r>
@@ -9364,13 +8722,10 @@
               <a:spcBef>
                 <a:spcPts val="0"/>
               </a:spcBef>
-              <a:spcAft>
-                <a:spcPts val="0"/>
-              </a:spcAft>
               <a:buNone/>
             </a:pPr>
             <a:r>
-              <a:rPr lang="en-US" b="1" i="1" dirty="0" smtClean="0"/>
+              <a:rPr lang="en-US" b="1" dirty="0" smtClean="0"/>
               <a:t>Web Application</a:t>
             </a:r>
           </a:p>
@@ -9379,9 +8734,6 @@
               <a:spcBef>
                 <a:spcPts val="0"/>
               </a:spcBef>
-              <a:spcAft>
-                <a:spcPts val="0"/>
-              </a:spcAft>
               <a:buNone/>
             </a:pPr>
             <a:r>
@@ -9414,13 +8766,10 @@
               <a:spcBef>
                 <a:spcPts val="0"/>
               </a:spcBef>
-              <a:spcAft>
-                <a:spcPts val="0"/>
-              </a:spcAft>
               <a:buNone/>
             </a:pPr>
             <a:r>
-              <a:rPr lang="en-US" b="1" i="1" dirty="0" smtClean="0"/>
+              <a:rPr lang="en-US" b="1" dirty="0" smtClean="0"/>
               <a:t>Deployment</a:t>
             </a:r>
           </a:p>
@@ -9429,9 +8778,6 @@
               <a:spcBef>
                 <a:spcPts val="0"/>
               </a:spcBef>
-              <a:spcAft>
-                <a:spcPts val="0"/>
-              </a:spcAft>
               <a:buNone/>
             </a:pPr>
             <a:r>
@@ -9456,9 +8802,6 @@
               <a:spcBef>
                 <a:spcPts val="0"/>
               </a:spcBef>
-              <a:spcAft>
-                <a:spcPts val="0"/>
-              </a:spcAft>
               <a:buNone/>
             </a:pPr>
             <a:r>
@@ -9475,9 +8818,6 @@
               <a:spcBef>
                 <a:spcPts val="0"/>
               </a:spcBef>
-              <a:spcAft>
-                <a:spcPts val="0"/>
-              </a:spcAft>
               <a:buNone/>
             </a:pPr>
             <a:endParaRPr lang="en-US" dirty="0" smtClean="0"/>
@@ -9505,9 +8845,9 @@
 </file>
 
 <file path=ppt/theme/theme1.xml><?xml version="1.0" encoding="utf-8"?>
-<a:theme xmlns:a="http://schemas.openxmlformats.org/drawingml/2006/main" name="Retrospect">
+<a:theme xmlns:a="http://schemas.openxmlformats.org/drawingml/2006/main" name="Office Theme">
   <a:themeElements>
-    <a:clrScheme name="Green Yellow">
+    <a:clrScheme name="Office Theme">
       <a:dk1>
         <a:sysClr val="windowText" lastClr="000000"/>
       </a:dk1>
@@ -9515,37 +8855,37 @@
         <a:sysClr val="window" lastClr="FFFFFF"/>
       </a:lt1>
       <a:dk2>
-        <a:srgbClr val="455F51"/>
+        <a:srgbClr val="44546A"/>
       </a:dk2>
       <a:lt2>
-        <a:srgbClr val="E2DFCC"/>
+        <a:srgbClr val="E7E6E6"/>
       </a:lt2>
       <a:accent1>
-        <a:srgbClr val="99CB38"/>
+        <a:srgbClr val="5B9BD5"/>
       </a:accent1>
       <a:accent2>
-        <a:srgbClr val="63A537"/>
+        <a:srgbClr val="ED7D31"/>
       </a:accent2>
       <a:accent3>
-        <a:srgbClr val="37A76F"/>
+        <a:srgbClr val="A5A5A5"/>
       </a:accent3>
       <a:accent4>
-        <a:srgbClr val="44C1A3"/>
+        <a:srgbClr val="FFC000"/>
       </a:accent4>
       <a:accent5>
-        <a:srgbClr val="4EB3CF"/>
+        <a:srgbClr val="4472C4"/>
       </a:accent5>
       <a:accent6>
-        <a:srgbClr val="51C3F9"/>
+        <a:srgbClr val="70AD47"/>
       </a:accent6>
       <a:hlink>
-        <a:srgbClr val="EE7B08"/>
+        <a:srgbClr val="0563C1"/>
       </a:hlink>
       <a:folHlink>
-        <a:srgbClr val="977B2D"/>
+        <a:srgbClr val="954F72"/>
       </a:folHlink>
     </a:clrScheme>
-    <a:fontScheme name="Retrospect">
+    <a:fontScheme name="Office Theme">
       <a:majorFont>
         <a:latin typeface="Calibri Light" panose="020F0302020204030204"/>
         <a:ea typeface=""/>
@@ -9617,7 +8957,7 @@
         <a:font script="Geor" typeface="Sylfaen"/>
       </a:minorFont>
     </a:fontScheme>
-    <a:fmtScheme name="Retrospect">
+    <a:fmtScheme name="Office Theme">
       <a:fillStyleLst>
         <a:solidFill>
           <a:schemeClr val="phClr"/>
@@ -9626,81 +8966,76 @@
           <a:gsLst>
             <a:gs pos="0">
               <a:schemeClr val="phClr">
-                <a:tint val="65000"/>
-                <a:shade val="92000"/>
-                <a:satMod val="130000"/>
+                <a:lumMod val="110000"/>
+                <a:satMod val="105000"/>
+                <a:tint val="67000"/>
               </a:schemeClr>
             </a:gs>
-            <a:gs pos="45000">
+            <a:gs pos="50000">
               <a:schemeClr val="phClr">
-                <a:tint val="60000"/>
-                <a:shade val="99000"/>
-                <a:satMod val="120000"/>
+                <a:lumMod val="105000"/>
+                <a:satMod val="103000"/>
+                <a:tint val="73000"/>
               </a:schemeClr>
             </a:gs>
             <a:gs pos="100000">
               <a:schemeClr val="phClr">
-                <a:tint val="55000"/>
-                <a:satMod val="140000"/>
+                <a:lumMod val="105000"/>
+                <a:satMod val="109000"/>
+                <a:tint val="81000"/>
               </a:schemeClr>
             </a:gs>
           </a:gsLst>
-          <a:path path="circle">
-            <a:fillToRect l="100000" t="100000" r="100000" b="100000"/>
-          </a:path>
+          <a:lin ang="5400000" scaled="0"/>
         </a:gradFill>
         <a:gradFill rotWithShape="1">
           <a:gsLst>
             <a:gs pos="0">
               <a:schemeClr val="phClr">
-                <a:shade val="85000"/>
-                <a:satMod val="130000"/>
+                <a:satMod val="103000"/>
+                <a:lumMod val="102000"/>
+                <a:tint val="94000"/>
               </a:schemeClr>
             </a:gs>
-            <a:gs pos="34000">
+            <a:gs pos="50000">
               <a:schemeClr val="phClr">
-                <a:shade val="87000"/>
-                <a:satMod val="125000"/>
-              </a:schemeClr>
-            </a:gs>
-            <a:gs pos="70000">
-              <a:schemeClr val="phClr">
-                <a:tint val="100000"/>
-                <a:shade val="90000"/>
-                <a:satMod val="130000"/>
+                <a:satMod val="110000"/>
+                <a:lumMod val="100000"/>
+                <a:shade val="100000"/>
               </a:schemeClr>
             </a:gs>
             <a:gs pos="100000">
               <a:schemeClr val="phClr">
-                <a:tint val="100000"/>
-                <a:shade val="100000"/>
-                <a:satMod val="110000"/>
+                <a:lumMod val="99000"/>
+                <a:satMod val="120000"/>
+                <a:shade val="78000"/>
               </a:schemeClr>
             </a:gs>
           </a:gsLst>
-          <a:path path="circle">
-            <a:fillToRect l="100000" t="100000" r="100000" b="100000"/>
-          </a:path>
+          <a:lin ang="5400000" scaled="0"/>
         </a:gradFill>
       </a:fillStyleLst>
       <a:lnStyleLst>
+        <a:ln w="6350" cap="flat" cmpd="sng" algn="ctr">
+          <a:solidFill>
+            <a:schemeClr val="phClr"/>
+          </a:solidFill>
+          <a:prstDash val="solid"/>
+          <a:miter lim="800000"/>
+        </a:ln>
         <a:ln w="12700" cap="flat" cmpd="sng" algn="ctr">
           <a:solidFill>
             <a:schemeClr val="phClr"/>
           </a:solidFill>
           <a:prstDash val="solid"/>
+          <a:miter lim="800000"/>
         </a:ln>
-        <a:ln w="15875" cap="flat" cmpd="sng" algn="ctr">
+        <a:ln w="19050" cap="flat" cmpd="sng" algn="ctr">
           <a:solidFill>
             <a:schemeClr val="phClr"/>
           </a:solidFill>
           <a:prstDash val="solid"/>
-        </a:ln>
-        <a:ln w="25400" cap="flat" cmpd="sng" algn="ctr">
-          <a:solidFill>
-            <a:schemeClr val="phClr"/>
-          </a:solidFill>
-          <a:prstDash val="solid"/>
+          <a:miter lim="800000"/>
         </a:ln>
       </a:lnStyleLst>
       <a:effectStyleLst>
@@ -9708,33 +9043,16 @@
           <a:effectLst/>
         </a:effectStyle>
         <a:effectStyle>
+          <a:effectLst/>
+        </a:effectStyle>
+        <a:effectStyle>
           <a:effectLst>
-            <a:outerShdw blurRad="38100" dist="25400" dir="2700000" algn="br" rotWithShape="0">
+            <a:outerShdw blurRad="57150" dist="19050" dir="5400000" algn="ctr" rotWithShape="0">
               <a:srgbClr val="000000">
-                <a:alpha val="60000"/>
+                <a:alpha val="63000"/>
               </a:srgbClr>
             </a:outerShdw>
           </a:effectLst>
-        </a:effectStyle>
-        <a:effectStyle>
-          <a:effectLst>
-            <a:outerShdw blurRad="44450" dist="25400" dir="2700000" algn="br" rotWithShape="0">
-              <a:srgbClr val="000000">
-                <a:alpha val="60000"/>
-              </a:srgbClr>
-            </a:outerShdw>
-          </a:effectLst>
-          <a:scene3d>
-            <a:camera prst="orthographicFront">
-              <a:rot lat="0" lon="0" rev="0"/>
-            </a:camera>
-            <a:lightRig rig="threePt" dir="t">
-              <a:rot lat="0" lon="0" rev="19800000"/>
-            </a:lightRig>
-          </a:scene3d>
-          <a:sp3d prstMaterial="flat">
-            <a:bevelT w="25400" h="31750"/>
-          </a:sp3d>
         </a:effectStyle>
       </a:effectStyleLst>
       <a:bgFillStyleLst>
@@ -9743,36 +9061,36 @@
         </a:solidFill>
         <a:solidFill>
           <a:schemeClr val="phClr">
-            <a:tint val="90000"/>
-            <a:shade val="97000"/>
-            <a:satMod val="130000"/>
+            <a:tint val="95000"/>
+            <a:satMod val="170000"/>
           </a:schemeClr>
         </a:solidFill>
         <a:gradFill rotWithShape="1">
           <a:gsLst>
             <a:gs pos="0">
               <a:schemeClr val="phClr">
-                <a:tint val="96000"/>
-                <a:shade val="99000"/>
-                <a:satMod val="140000"/>
+                <a:tint val="93000"/>
+                <a:satMod val="150000"/>
+                <a:shade val="98000"/>
+                <a:lumMod val="102000"/>
               </a:schemeClr>
             </a:gs>
-            <a:gs pos="65000">
+            <a:gs pos="50000">
               <a:schemeClr val="phClr">
-                <a:tint val="100000"/>
-                <a:shade val="80000"/>
+                <a:tint val="98000"/>
                 <a:satMod val="130000"/>
+                <a:shade val="90000"/>
+                <a:lumMod val="103000"/>
               </a:schemeClr>
             </a:gs>
             <a:gs pos="100000">
               <a:schemeClr val="phClr">
-                <a:tint val="100000"/>
-                <a:shade val="48000"/>
+                <a:shade val="63000"/>
                 <a:satMod val="120000"/>
               </a:schemeClr>
             </a:gs>
           </a:gsLst>
-          <a:lin ang="16200000" scaled="0"/>
+          <a:lin ang="5400000" scaled="0"/>
         </a:gradFill>
       </a:bgFillStyleLst>
     </a:fmtScheme>
@@ -9781,7 +9099,7 @@
   <a:extraClrSchemeLst/>
   <a:extLst>
     <a:ext uri="{05A4C25C-085E-4340-85A3-A5531E510DB2}">
-      <thm15:themeFamily xmlns:thm15="http://schemas.microsoft.com/office/thememl/2012/main" name="Retrospect" id="{5F128B03-DCCA-4EEB-AB3B-CF2899314A46}" vid="{3F1AAB62-24C6-49D2-8E01-B56FAC9A3DCD}"/>
+      <thm15:themeFamily xmlns:thm15="http://schemas.microsoft.com/office/thememl/2012/main" name="Office Theme" id="{62F939B6-93AF-4DB8-9C6B-D6C7DFDC589F}" vid="{4A3C46E8-61CC-4603-A589-7422A47A8E4A}"/>
     </a:ext>
   </a:extLst>
 </a:theme>
